--- a/Sound Dynamic Deadlock Prediction in Linear Time.pptx
+++ b/Sound Dynamic Deadlock Prediction in Linear Time.pptx
@@ -17,8 +17,15 @@
     <p:sldId id="267" r:id="rId11"/>
     <p:sldId id="263" r:id="rId12"/>
     <p:sldId id="268" r:id="rId13"/>
-    <p:sldId id="269" r:id="rId14"/>
-    <p:sldId id="258" r:id="rId15"/>
+    <p:sldId id="270" r:id="rId14"/>
+    <p:sldId id="271" r:id="rId15"/>
+    <p:sldId id="272" r:id="rId16"/>
+    <p:sldId id="269" r:id="rId17"/>
+    <p:sldId id="275" r:id="rId18"/>
+    <p:sldId id="274" r:id="rId19"/>
+    <p:sldId id="276" r:id="rId20"/>
+    <p:sldId id="277" r:id="rId21"/>
+    <p:sldId id="258" r:id="rId22"/>
   </p:sldIdLst>
   <p:sldSz cx="12192000" cy="6858000"/>
   <p:notesSz cx="6858000" cy="9144000"/>
@@ -3484,6 +3491,11 @@
           <a:prstGeom prst="rect">
             <a:avLst/>
           </a:prstGeom>
+          <a:ln>
+            <a:solidFill>
+              <a:schemeClr val="tx1"/>
+            </a:solidFill>
+          </a:ln>
         </p:spPr>
       </p:pic>
       <p:pic>
@@ -3513,6 +3525,11 @@
             <a:off x="6371386" y="3019848"/>
             <a:ext cx="3753374" cy="2095792"/>
           </a:xfrm>
+          <a:ln>
+            <a:solidFill>
+              <a:schemeClr val="tx1"/>
+            </a:solidFill>
+          </a:ln>
         </p:spPr>
       </p:pic>
     </p:spTree>
@@ -3813,7 +3830,7 @@
           <p:cNvPr id="2" name="Titel 1">
             <a:extLst>
               <a:ext uri="{FF2B5EF4-FFF2-40B4-BE49-F238E27FC236}">
-                <a16:creationId xmlns:a16="http://schemas.microsoft.com/office/drawing/2014/main" id="{856B7E70-8C9E-5CD7-9DB0-A561B045F24B}"/>
+                <a16:creationId xmlns:a16="http://schemas.microsoft.com/office/drawing/2014/main" id="{6F021D67-DE8E-0C5A-EC28-97B3D81C1538}"/>
               </a:ext>
             </a:extLst>
           </p:cNvPr>
@@ -3840,62 +3857,71 @@
           </a:p>
         </p:txBody>
       </p:sp>
-      <p:sp>
-        <p:nvSpPr>
-          <p:cNvPr id="3" name="Inhaltsplatzhalter 2">
-            <a:extLst>
-              <a:ext uri="{FF2B5EF4-FFF2-40B4-BE49-F238E27FC236}">
-                <a16:creationId xmlns:a16="http://schemas.microsoft.com/office/drawing/2014/main" id="{824307BB-C75C-FA5A-95BF-AC37C805C17E}"/>
-              </a:ext>
-            </a:extLst>
-          </p:cNvPr>
-          <p:cNvSpPr>
-            <a:spLocks noGrp="1"/>
-          </p:cNvSpPr>
+      <p:pic>
+        <p:nvPicPr>
+          <p:cNvPr id="5" name="Inhaltsplatzhalter 4">
+            <a:extLst>
+              <a:ext uri="{FF2B5EF4-FFF2-40B4-BE49-F238E27FC236}">
+                <a16:creationId xmlns:a16="http://schemas.microsoft.com/office/drawing/2014/main" id="{65F5CC9B-1532-8DBD-30EE-FC7D0A28C25A}"/>
+              </a:ext>
+            </a:extLst>
+          </p:cNvPr>
+          <p:cNvPicPr>
+            <a:picLocks noGrp="1" noChangeAspect="1"/>
+          </p:cNvPicPr>
           <p:nvPr>
             <p:ph idx="1"/>
           </p:nvPr>
-        </p:nvSpPr>
-        <p:spPr/>
-        <p:txBody>
-          <a:bodyPr/>
-          <a:lstStyle/>
-          <a:p>
-            <a:r>
-              <a:rPr lang="de-DE" dirty="0"/>
-              <a:t>Damit ein </a:t>
-            </a:r>
-            <a:r>
-              <a:rPr lang="de-DE" dirty="0" err="1"/>
-              <a:t>Correct</a:t>
-            </a:r>
-            <a:r>
-              <a:rPr lang="de-DE" dirty="0"/>
-              <a:t> </a:t>
-            </a:r>
-            <a:r>
-              <a:rPr lang="de-DE" dirty="0" err="1"/>
-              <a:t>Reordering</a:t>
-            </a:r>
-            <a:r>
-              <a:rPr lang="de-DE" dirty="0"/>
-              <a:t> </a:t>
-            </a:r>
-            <a:r>
-              <a:rPr lang="de-DE" dirty="0" err="1"/>
-              <a:t>Sync-preserving</a:t>
-            </a:r>
-            <a:r>
-              <a:rPr lang="de-DE" dirty="0"/>
-              <a:t> ist, müssen alle </a:t>
-            </a:r>
-            <a:r>
-              <a:rPr lang="de-DE" dirty="0" err="1"/>
-              <a:t>Acquire</a:t>
-            </a:r>
-            <a:r>
-              <a:rPr lang="de-DE" dirty="0"/>
-              <a:t>-Events auf denselben Lock in der gleichen Reihenfolge sein wie im Original-Trace</a:t>
+        </p:nvPicPr>
+        <p:blipFill>
+          <a:blip r:embed="rId2"/>
+          <a:stretch>
+            <a:fillRect/>
+          </a:stretch>
+        </p:blipFill>
+        <p:spPr>
+          <a:xfrm>
+            <a:off x="5874869" y="1690688"/>
+            <a:ext cx="4333080" cy="4351338"/>
+          </a:xfrm>
+          <a:ln>
+            <a:solidFill>
+              <a:schemeClr val="tx1"/>
+            </a:solidFill>
+          </a:ln>
+        </p:spPr>
+      </p:pic>
+      <p:sp>
+        <p:nvSpPr>
+          <p:cNvPr id="6" name="Textfeld 5">
+            <a:extLst>
+              <a:ext uri="{FF2B5EF4-FFF2-40B4-BE49-F238E27FC236}">
+                <a16:creationId xmlns:a16="http://schemas.microsoft.com/office/drawing/2014/main" id="{8C9290F0-58FC-CFBE-978E-FD67F680F8D2}"/>
+              </a:ext>
+            </a:extLst>
+          </p:cNvPr>
+          <p:cNvSpPr txBox="1"/>
+          <p:nvPr/>
+        </p:nvSpPr>
+        <p:spPr>
+          <a:xfrm>
+            <a:off x="1376218" y="1690688"/>
+            <a:ext cx="3352800" cy="400110"/>
+          </a:xfrm>
+          <a:prstGeom prst="rect">
+            <a:avLst/>
+          </a:prstGeom>
+          <a:noFill/>
+        </p:spPr>
+        <p:txBody>
+          <a:bodyPr wrap="square" rtlCol="0">
+            <a:spAutoFit/>
+          </a:bodyPr>
+          <a:lstStyle/>
+          <a:p>
+            <a:r>
+              <a:rPr lang="de-DE" sz="2000" dirty="0"/>
+              <a:t>Deadlock-Pattern: &lt;e4, e18&gt;</a:t>
             </a:r>
           </a:p>
         </p:txBody>
@@ -3903,7 +3929,7 @@
     </p:spTree>
     <p:extLst>
       <p:ext uri="{BB962C8B-B14F-4D97-AF65-F5344CB8AC3E}">
-        <p14:creationId xmlns:p14="http://schemas.microsoft.com/office/powerpoint/2010/main" val="3593982935"/>
+        <p14:creationId xmlns:p14="http://schemas.microsoft.com/office/powerpoint/2010/main" val="2724828889"/>
       </p:ext>
     </p:extLst>
   </p:cSld>
@@ -3935,7 +3961,7 @@
           <p:cNvPr id="2" name="Titel 1">
             <a:extLst>
               <a:ext uri="{FF2B5EF4-FFF2-40B4-BE49-F238E27FC236}">
-                <a16:creationId xmlns:a16="http://schemas.microsoft.com/office/drawing/2014/main" id="{F7ACB22D-D8ED-D272-3BCB-5021A6A7A310}"/>
+                <a16:creationId xmlns:a16="http://schemas.microsoft.com/office/drawing/2014/main" id="{58D2D6A2-0751-F535-469A-4E9E6A80DF61}"/>
               </a:ext>
             </a:extLst>
           </p:cNvPr>
@@ -3951,71 +3977,772 @@
           <a:bodyPr/>
           <a:lstStyle/>
           <a:p>
-            <a:r>
-              <a:rPr lang="de-DE" dirty="0"/>
-              <a:t>Fazit</a:t>
-            </a:r>
-          </a:p>
-        </p:txBody>
-      </p:sp>
-      <p:sp>
-        <p:nvSpPr>
-          <p:cNvPr id="3" name="Inhaltsplatzhalter 2">
-            <a:extLst>
-              <a:ext uri="{FF2B5EF4-FFF2-40B4-BE49-F238E27FC236}">
-                <a16:creationId xmlns:a16="http://schemas.microsoft.com/office/drawing/2014/main" id="{B36C5B25-7265-ED9B-3E59-A6A73DA6CA94}"/>
-              </a:ext>
-            </a:extLst>
-          </p:cNvPr>
-          <p:cNvSpPr>
-            <a:spLocks noGrp="1"/>
-          </p:cNvSpPr>
-          <p:nvPr>
-            <p:ph idx="1"/>
-          </p:nvPr>
-        </p:nvSpPr>
-        <p:spPr/>
-        <p:txBody>
-          <a:bodyPr/>
-          <a:lstStyle/>
-          <a:p>
-            <a:r>
-              <a:rPr lang="de-DE" dirty="0"/>
-              <a:t>Die Vorhersage von </a:t>
-            </a:r>
             <a:r>
               <a:rPr lang="de-DE" dirty="0" err="1"/>
               <a:t>Sync-preserving</a:t>
             </a:r>
             <a:r>
               <a:rPr lang="de-DE" dirty="0"/>
-              <a:t> Deadlocks kann ohne </a:t>
-            </a:r>
-            <a:r>
-              <a:rPr lang="de-DE" dirty="0" err="1"/>
-              <a:t>False</a:t>
-            </a:r>
-            <a:r>
-              <a:rPr lang="de-DE" dirty="0"/>
-              <a:t>-Positives geschehen</a:t>
-            </a:r>
-          </a:p>
-          <a:p>
-            <a:r>
-              <a:rPr lang="de-DE" dirty="0" err="1"/>
-              <a:t>False</a:t>
-            </a:r>
-            <a:r>
-              <a:rPr lang="de-DE" dirty="0"/>
-              <a:t>-Negatives können dennoch auftreten</a:t>
-            </a:r>
-          </a:p>
-        </p:txBody>
-      </p:sp>
+              <a:t> Deadlocks</a:t>
+            </a:r>
+          </a:p>
+        </p:txBody>
+      </p:sp>
+      <p:pic>
+        <p:nvPicPr>
+          <p:cNvPr id="5" name="Inhaltsplatzhalter 4">
+            <a:extLst>
+              <a:ext uri="{FF2B5EF4-FFF2-40B4-BE49-F238E27FC236}">
+                <a16:creationId xmlns:a16="http://schemas.microsoft.com/office/drawing/2014/main" id="{20BB4EBE-3605-5E86-8383-E57801E45005}"/>
+              </a:ext>
+            </a:extLst>
+          </p:cNvPr>
+          <p:cNvPicPr>
+            <a:picLocks noGrp="1" noChangeAspect="1"/>
+          </p:cNvPicPr>
+          <p:nvPr>
+            <p:ph idx="1"/>
+          </p:nvPr>
+        </p:nvPicPr>
+        <p:blipFill>
+          <a:blip r:embed="rId2"/>
+          <a:stretch>
+            <a:fillRect/>
+          </a:stretch>
+        </p:blipFill>
+        <p:spPr>
+          <a:xfrm>
+            <a:off x="2890390" y="1690688"/>
+            <a:ext cx="6411220" cy="2962688"/>
+          </a:xfrm>
+          <a:ln>
+            <a:solidFill>
+              <a:schemeClr val="tx1"/>
+            </a:solidFill>
+          </a:ln>
+        </p:spPr>
+      </p:pic>
     </p:spTree>
     <p:extLst>
       <p:ext uri="{BB962C8B-B14F-4D97-AF65-F5344CB8AC3E}">
-        <p14:creationId xmlns:p14="http://schemas.microsoft.com/office/powerpoint/2010/main" val="1277204122"/>
+        <p14:creationId xmlns:p14="http://schemas.microsoft.com/office/powerpoint/2010/main" val="2638949281"/>
+      </p:ext>
+    </p:extLst>
+  </p:cSld>
+  <p:clrMapOvr>
+    <a:masterClrMapping/>
+  </p:clrMapOvr>
+</p:sld>
+</file>
+
+<file path=ppt/slides/slide15.xml><?xml version="1.0" encoding="utf-8"?>
+<p:sld xmlns:a="http://schemas.openxmlformats.org/drawingml/2006/main" xmlns:r="http://schemas.openxmlformats.org/officeDocument/2006/relationships" xmlns:p="http://schemas.openxmlformats.org/presentationml/2006/main">
+  <p:cSld>
+    <p:spTree>
+      <p:nvGrpSpPr>
+        <p:cNvPr id="1" name=""/>
+        <p:cNvGrpSpPr/>
+        <p:nvPr/>
+      </p:nvGrpSpPr>
+      <p:grpSpPr>
+        <a:xfrm>
+          <a:off x="0" y="0"/>
+          <a:ext cx="0" cy="0"/>
+          <a:chOff x="0" y="0"/>
+          <a:chExt cx="0" cy="0"/>
+        </a:xfrm>
+      </p:grpSpPr>
+      <p:sp>
+        <p:nvSpPr>
+          <p:cNvPr id="2" name="Titel 1">
+            <a:extLst>
+              <a:ext uri="{FF2B5EF4-FFF2-40B4-BE49-F238E27FC236}">
+                <a16:creationId xmlns:a16="http://schemas.microsoft.com/office/drawing/2014/main" id="{58D2D6A2-0751-F535-469A-4E9E6A80DF61}"/>
+              </a:ext>
+            </a:extLst>
+          </p:cNvPr>
+          <p:cNvSpPr>
+            <a:spLocks noGrp="1"/>
+          </p:cNvSpPr>
+          <p:nvPr>
+            <p:ph type="title"/>
+          </p:nvPr>
+        </p:nvSpPr>
+        <p:spPr/>
+        <p:txBody>
+          <a:bodyPr/>
+          <a:lstStyle/>
+          <a:p>
+            <a:r>
+              <a:rPr lang="de-DE" dirty="0" err="1"/>
+              <a:t>Sync-preserving</a:t>
+            </a:r>
+            <a:r>
+              <a:rPr lang="de-DE" dirty="0"/>
+              <a:t> Deadlocks</a:t>
+            </a:r>
+          </a:p>
+        </p:txBody>
+      </p:sp>
+      <p:pic>
+        <p:nvPicPr>
+          <p:cNvPr id="5" name="Inhaltsplatzhalter 4">
+            <a:extLst>
+              <a:ext uri="{FF2B5EF4-FFF2-40B4-BE49-F238E27FC236}">
+                <a16:creationId xmlns:a16="http://schemas.microsoft.com/office/drawing/2014/main" id="{20BB4EBE-3605-5E86-8383-E57801E45005}"/>
+              </a:ext>
+            </a:extLst>
+          </p:cNvPr>
+          <p:cNvPicPr>
+            <a:picLocks noGrp="1" noChangeAspect="1"/>
+          </p:cNvPicPr>
+          <p:nvPr>
+            <p:ph idx="1"/>
+          </p:nvPr>
+        </p:nvPicPr>
+        <p:blipFill>
+          <a:blip r:embed="rId2"/>
+          <a:stretch>
+            <a:fillRect/>
+          </a:stretch>
+        </p:blipFill>
+        <p:spPr>
+          <a:xfrm>
+            <a:off x="2890390" y="1690688"/>
+            <a:ext cx="6411220" cy="2962688"/>
+          </a:xfrm>
+          <a:ln>
+            <a:solidFill>
+              <a:schemeClr val="tx1"/>
+            </a:solidFill>
+          </a:ln>
+        </p:spPr>
+      </p:pic>
+      <p:sp>
+        <p:nvSpPr>
+          <p:cNvPr id="6" name="Textfeld 5">
+            <a:extLst>
+              <a:ext uri="{FF2B5EF4-FFF2-40B4-BE49-F238E27FC236}">
+                <a16:creationId xmlns:a16="http://schemas.microsoft.com/office/drawing/2014/main" id="{F1B41790-D1F4-D65F-A7DF-E8EE1A07D177}"/>
+              </a:ext>
+            </a:extLst>
+          </p:cNvPr>
+          <p:cNvSpPr txBox="1"/>
+          <p:nvPr/>
+        </p:nvSpPr>
+        <p:spPr>
+          <a:xfrm>
+            <a:off x="1204822" y="4826675"/>
+            <a:ext cx="9782355" cy="2031325"/>
+          </a:xfrm>
+          <a:prstGeom prst="rect">
+            <a:avLst/>
+          </a:prstGeom>
+          <a:noFill/>
+        </p:spPr>
+        <p:txBody>
+          <a:bodyPr wrap="square" rtlCol="0">
+            <a:spAutoFit/>
+          </a:bodyPr>
+          <a:lstStyle/>
+          <a:p>
+            <a:pPr lvl="1"/>
+            <a:r>
+              <a:rPr lang="de-DE" b="1" dirty="0" err="1"/>
+              <a:t>Subset</a:t>
+            </a:r>
+            <a:r>
+              <a:rPr lang="de-DE" dirty="0"/>
+              <a:t>: Es besteht ausschließlich aus Teilen des originalen Trace</a:t>
+            </a:r>
+          </a:p>
+          <a:p>
+            <a:pPr lvl="1"/>
+            <a:r>
+              <a:rPr lang="de-DE" b="1" dirty="0"/>
+              <a:t>Thread-Order</a:t>
+            </a:r>
+            <a:r>
+              <a:rPr lang="de-DE" dirty="0"/>
+              <a:t>: Die Reihenfolge der Operationen innerhalb eines Threads wurde nicht verändert</a:t>
+            </a:r>
+          </a:p>
+          <a:p>
+            <a:pPr lvl="1"/>
+            <a:r>
+              <a:rPr lang="de-DE" b="1" dirty="0"/>
+              <a:t>Last-Write</a:t>
+            </a:r>
+            <a:r>
+              <a:rPr lang="de-DE" dirty="0"/>
+              <a:t>: Wenn ein Read auf eine Variable existiert, muss das letzte Write auf diese Variable existieren</a:t>
+            </a:r>
+          </a:p>
+          <a:p>
+            <a:pPr lvl="1"/>
+            <a:r>
+              <a:rPr lang="de-DE" b="1" dirty="0"/>
+              <a:t>Lock-Semantik</a:t>
+            </a:r>
+            <a:r>
+              <a:rPr lang="de-DE" dirty="0"/>
+              <a:t>: Zwischen zwei </a:t>
+            </a:r>
+            <a:r>
+              <a:rPr lang="de-DE" dirty="0" err="1"/>
+              <a:t>Acquire</a:t>
+            </a:r>
+            <a:r>
+              <a:rPr lang="de-DE" dirty="0"/>
+              <a:t>-Events zweier verschiedener Threads muss es eine Release-Operation im ersten Thread geben</a:t>
+            </a:r>
+          </a:p>
+          <a:p>
+            <a:endParaRPr lang="de-DE" dirty="0"/>
+          </a:p>
+        </p:txBody>
+      </p:sp>
+    </p:spTree>
+    <p:extLst>
+      <p:ext uri="{BB962C8B-B14F-4D97-AF65-F5344CB8AC3E}">
+        <p14:creationId xmlns:p14="http://schemas.microsoft.com/office/powerpoint/2010/main" val="594864543"/>
+      </p:ext>
+    </p:extLst>
+  </p:cSld>
+  <p:clrMapOvr>
+    <a:masterClrMapping/>
+  </p:clrMapOvr>
+</p:sld>
+</file>
+
+<file path=ppt/slides/slide16.xml><?xml version="1.0" encoding="utf-8"?>
+<p:sld xmlns:a="http://schemas.openxmlformats.org/drawingml/2006/main" xmlns:r="http://schemas.openxmlformats.org/officeDocument/2006/relationships" xmlns:p="http://schemas.openxmlformats.org/presentationml/2006/main">
+  <p:cSld>
+    <p:spTree>
+      <p:nvGrpSpPr>
+        <p:cNvPr id="1" name=""/>
+        <p:cNvGrpSpPr/>
+        <p:nvPr/>
+      </p:nvGrpSpPr>
+      <p:grpSpPr>
+        <a:xfrm>
+          <a:off x="0" y="0"/>
+          <a:ext cx="0" cy="0"/>
+          <a:chOff x="0" y="0"/>
+          <a:chExt cx="0" cy="0"/>
+        </a:xfrm>
+      </p:grpSpPr>
+      <p:sp>
+        <p:nvSpPr>
+          <p:cNvPr id="2" name="Titel 1">
+            <a:extLst>
+              <a:ext uri="{FF2B5EF4-FFF2-40B4-BE49-F238E27FC236}">
+                <a16:creationId xmlns:a16="http://schemas.microsoft.com/office/drawing/2014/main" id="{856B7E70-8C9E-5CD7-9DB0-A561B045F24B}"/>
+              </a:ext>
+            </a:extLst>
+          </p:cNvPr>
+          <p:cNvSpPr>
+            <a:spLocks noGrp="1"/>
+          </p:cNvSpPr>
+          <p:nvPr>
+            <p:ph type="title"/>
+          </p:nvPr>
+        </p:nvSpPr>
+        <p:spPr/>
+        <p:txBody>
+          <a:bodyPr/>
+          <a:lstStyle/>
+          <a:p>
+            <a:r>
+              <a:rPr lang="de-DE" dirty="0" err="1"/>
+              <a:t>Sync-preserving</a:t>
+            </a:r>
+            <a:r>
+              <a:rPr lang="de-DE" dirty="0"/>
+              <a:t> Deadlocks</a:t>
+            </a:r>
+          </a:p>
+        </p:txBody>
+      </p:sp>
+      <p:sp>
+        <p:nvSpPr>
+          <p:cNvPr id="3" name="Inhaltsplatzhalter 2">
+            <a:extLst>
+              <a:ext uri="{FF2B5EF4-FFF2-40B4-BE49-F238E27FC236}">
+                <a16:creationId xmlns:a16="http://schemas.microsoft.com/office/drawing/2014/main" id="{824307BB-C75C-FA5A-95BF-AC37C805C17E}"/>
+              </a:ext>
+            </a:extLst>
+          </p:cNvPr>
+          <p:cNvSpPr>
+            <a:spLocks noGrp="1"/>
+          </p:cNvSpPr>
+          <p:nvPr>
+            <p:ph idx="1"/>
+          </p:nvPr>
+        </p:nvSpPr>
+        <p:spPr/>
+        <p:txBody>
+          <a:bodyPr/>
+          <a:lstStyle/>
+          <a:p>
+            <a:r>
+              <a:rPr lang="de-DE" dirty="0"/>
+              <a:t>Damit ein </a:t>
+            </a:r>
+            <a:r>
+              <a:rPr lang="de-DE" dirty="0" err="1"/>
+              <a:t>Correct</a:t>
+            </a:r>
+            <a:r>
+              <a:rPr lang="de-DE" dirty="0"/>
+              <a:t> </a:t>
+            </a:r>
+            <a:r>
+              <a:rPr lang="de-DE" dirty="0" err="1"/>
+              <a:t>Reordering</a:t>
+            </a:r>
+            <a:r>
+              <a:rPr lang="de-DE" dirty="0"/>
+              <a:t> </a:t>
+            </a:r>
+            <a:r>
+              <a:rPr lang="de-DE" dirty="0" err="1"/>
+              <a:t>Sync-preserving</a:t>
+            </a:r>
+            <a:r>
+              <a:rPr lang="de-DE" dirty="0"/>
+              <a:t> ist, müssen alle </a:t>
+            </a:r>
+            <a:r>
+              <a:rPr lang="de-DE" dirty="0" err="1"/>
+              <a:t>Acquire</a:t>
+            </a:r>
+            <a:r>
+              <a:rPr lang="de-DE" dirty="0"/>
+              <a:t>-Events auf denselben Lock in der gleichen Reihenfolge sein wie im Original-Trace</a:t>
+            </a:r>
+          </a:p>
+        </p:txBody>
+      </p:sp>
+    </p:spTree>
+    <p:extLst>
+      <p:ext uri="{BB962C8B-B14F-4D97-AF65-F5344CB8AC3E}">
+        <p14:creationId xmlns:p14="http://schemas.microsoft.com/office/powerpoint/2010/main" val="3593982935"/>
+      </p:ext>
+    </p:extLst>
+  </p:cSld>
+  <p:clrMapOvr>
+    <a:masterClrMapping/>
+  </p:clrMapOvr>
+</p:sld>
+</file>
+
+<file path=ppt/slides/slide17.xml><?xml version="1.0" encoding="utf-8"?>
+<p:sld xmlns:a="http://schemas.openxmlformats.org/drawingml/2006/main" xmlns:r="http://schemas.openxmlformats.org/officeDocument/2006/relationships" xmlns:p="http://schemas.openxmlformats.org/presentationml/2006/main">
+  <p:cSld>
+    <p:spTree>
+      <p:nvGrpSpPr>
+        <p:cNvPr id="1" name=""/>
+        <p:cNvGrpSpPr/>
+        <p:nvPr/>
+      </p:nvGrpSpPr>
+      <p:grpSpPr>
+        <a:xfrm>
+          <a:off x="0" y="0"/>
+          <a:ext cx="0" cy="0"/>
+          <a:chOff x="0" y="0"/>
+          <a:chExt cx="0" cy="0"/>
+        </a:xfrm>
+      </p:grpSpPr>
+      <p:sp>
+        <p:nvSpPr>
+          <p:cNvPr id="2" name="Titel 1">
+            <a:extLst>
+              <a:ext uri="{FF2B5EF4-FFF2-40B4-BE49-F238E27FC236}">
+                <a16:creationId xmlns:a16="http://schemas.microsoft.com/office/drawing/2014/main" id="{6F021D67-DE8E-0C5A-EC28-97B3D81C1538}"/>
+              </a:ext>
+            </a:extLst>
+          </p:cNvPr>
+          <p:cNvSpPr>
+            <a:spLocks noGrp="1"/>
+          </p:cNvSpPr>
+          <p:nvPr>
+            <p:ph type="title"/>
+          </p:nvPr>
+        </p:nvSpPr>
+        <p:spPr/>
+        <p:txBody>
+          <a:bodyPr/>
+          <a:lstStyle/>
+          <a:p>
+            <a:r>
+              <a:rPr lang="de-DE" dirty="0" err="1"/>
+              <a:t>Sync-preserving</a:t>
+            </a:r>
+            <a:r>
+              <a:rPr lang="de-DE" dirty="0"/>
+              <a:t> Deadlocks</a:t>
+            </a:r>
+          </a:p>
+        </p:txBody>
+      </p:sp>
+      <p:pic>
+        <p:nvPicPr>
+          <p:cNvPr id="5" name="Inhaltsplatzhalter 4">
+            <a:extLst>
+              <a:ext uri="{FF2B5EF4-FFF2-40B4-BE49-F238E27FC236}">
+                <a16:creationId xmlns:a16="http://schemas.microsoft.com/office/drawing/2014/main" id="{65F5CC9B-1532-8DBD-30EE-FC7D0A28C25A}"/>
+              </a:ext>
+            </a:extLst>
+          </p:cNvPr>
+          <p:cNvPicPr>
+            <a:picLocks noGrp="1" noChangeAspect="1"/>
+          </p:cNvPicPr>
+          <p:nvPr>
+            <p:ph idx="1"/>
+          </p:nvPr>
+        </p:nvPicPr>
+        <p:blipFill>
+          <a:blip r:embed="rId2"/>
+          <a:stretch>
+            <a:fillRect/>
+          </a:stretch>
+        </p:blipFill>
+        <p:spPr>
+          <a:xfrm>
+            <a:off x="5874869" y="1690688"/>
+            <a:ext cx="4333080" cy="4351338"/>
+          </a:xfrm>
+          <a:ln>
+            <a:solidFill>
+              <a:schemeClr val="tx1"/>
+            </a:solidFill>
+          </a:ln>
+        </p:spPr>
+      </p:pic>
+      <p:sp>
+        <p:nvSpPr>
+          <p:cNvPr id="6" name="Textfeld 5">
+            <a:extLst>
+              <a:ext uri="{FF2B5EF4-FFF2-40B4-BE49-F238E27FC236}">
+                <a16:creationId xmlns:a16="http://schemas.microsoft.com/office/drawing/2014/main" id="{8C9290F0-58FC-CFBE-978E-FD67F680F8D2}"/>
+              </a:ext>
+            </a:extLst>
+          </p:cNvPr>
+          <p:cNvSpPr txBox="1"/>
+          <p:nvPr/>
+        </p:nvSpPr>
+        <p:spPr>
+          <a:xfrm>
+            <a:off x="1376218" y="1690688"/>
+            <a:ext cx="3352800" cy="1015663"/>
+          </a:xfrm>
+          <a:prstGeom prst="rect">
+            <a:avLst/>
+          </a:prstGeom>
+          <a:noFill/>
+        </p:spPr>
+        <p:txBody>
+          <a:bodyPr wrap="square" rtlCol="0">
+            <a:spAutoFit/>
+          </a:bodyPr>
+          <a:lstStyle/>
+          <a:p>
+            <a:r>
+              <a:rPr lang="de-DE" sz="2000" dirty="0"/>
+              <a:t>L1: T1 -&gt; T4</a:t>
+            </a:r>
+          </a:p>
+          <a:p>
+            <a:r>
+              <a:rPr lang="de-DE" sz="2000" dirty="0"/>
+              <a:t>L2: T2 -&gt; T3</a:t>
+            </a:r>
+          </a:p>
+          <a:p>
+            <a:r>
+              <a:rPr lang="de-DE" sz="2000" dirty="0"/>
+              <a:t>L3: T2 -&gt; T1 -&gt; T3</a:t>
+            </a:r>
+          </a:p>
+        </p:txBody>
+      </p:sp>
+    </p:spTree>
+    <p:extLst>
+      <p:ext uri="{BB962C8B-B14F-4D97-AF65-F5344CB8AC3E}">
+        <p14:creationId xmlns:p14="http://schemas.microsoft.com/office/powerpoint/2010/main" val="1329219962"/>
+      </p:ext>
+    </p:extLst>
+  </p:cSld>
+  <p:clrMapOvr>
+    <a:masterClrMapping/>
+  </p:clrMapOvr>
+</p:sld>
+</file>
+
+<file path=ppt/slides/slide18.xml><?xml version="1.0" encoding="utf-8"?>
+<p:sld xmlns:a="http://schemas.openxmlformats.org/drawingml/2006/main" xmlns:r="http://schemas.openxmlformats.org/officeDocument/2006/relationships" xmlns:p="http://schemas.openxmlformats.org/presentationml/2006/main">
+  <p:cSld>
+    <p:spTree>
+      <p:nvGrpSpPr>
+        <p:cNvPr id="1" name=""/>
+        <p:cNvGrpSpPr/>
+        <p:nvPr/>
+      </p:nvGrpSpPr>
+      <p:grpSpPr>
+        <a:xfrm>
+          <a:off x="0" y="0"/>
+          <a:ext cx="0" cy="0"/>
+          <a:chOff x="0" y="0"/>
+          <a:chExt cx="0" cy="0"/>
+        </a:xfrm>
+      </p:grpSpPr>
+      <p:sp>
+        <p:nvSpPr>
+          <p:cNvPr id="2" name="Titel 1">
+            <a:extLst>
+              <a:ext uri="{FF2B5EF4-FFF2-40B4-BE49-F238E27FC236}">
+                <a16:creationId xmlns:a16="http://schemas.microsoft.com/office/drawing/2014/main" id="{345BAC5E-4F92-E952-64A7-FA009263EC75}"/>
+              </a:ext>
+            </a:extLst>
+          </p:cNvPr>
+          <p:cNvSpPr>
+            <a:spLocks noGrp="1"/>
+          </p:cNvSpPr>
+          <p:nvPr>
+            <p:ph type="title"/>
+          </p:nvPr>
+        </p:nvSpPr>
+        <p:spPr/>
+        <p:txBody>
+          <a:bodyPr/>
+          <a:lstStyle/>
+          <a:p>
+            <a:r>
+              <a:rPr lang="de-DE" dirty="0" err="1"/>
+              <a:t>Sync-preserving</a:t>
+            </a:r>
+            <a:r>
+              <a:rPr lang="de-DE" dirty="0"/>
+              <a:t> Deadlocks</a:t>
+            </a:r>
+          </a:p>
+        </p:txBody>
+      </p:sp>
+      <p:pic>
+        <p:nvPicPr>
+          <p:cNvPr id="4" name="Inhaltsplatzhalter 4">
+            <a:extLst>
+              <a:ext uri="{FF2B5EF4-FFF2-40B4-BE49-F238E27FC236}">
+                <a16:creationId xmlns:a16="http://schemas.microsoft.com/office/drawing/2014/main" id="{3A1957C1-E18D-C2D9-9CCB-6030D9AA1063}"/>
+              </a:ext>
+            </a:extLst>
+          </p:cNvPr>
+          <p:cNvPicPr>
+            <a:picLocks noGrp="1" noChangeAspect="1"/>
+          </p:cNvPicPr>
+          <p:nvPr>
+            <p:ph idx="1"/>
+          </p:nvPr>
+        </p:nvPicPr>
+        <p:blipFill>
+          <a:blip r:embed="rId2"/>
+          <a:stretch>
+            <a:fillRect/>
+          </a:stretch>
+        </p:blipFill>
+        <p:spPr>
+          <a:xfrm>
+            <a:off x="2890390" y="1690688"/>
+            <a:ext cx="6411220" cy="2962688"/>
+          </a:xfrm>
+          <a:ln>
+            <a:solidFill>
+              <a:schemeClr val="tx1"/>
+            </a:solidFill>
+          </a:ln>
+        </p:spPr>
+      </p:pic>
+      <p:sp>
+        <p:nvSpPr>
+          <p:cNvPr id="5" name="Textfeld 4">
+            <a:extLst>
+              <a:ext uri="{FF2B5EF4-FFF2-40B4-BE49-F238E27FC236}">
+                <a16:creationId xmlns:a16="http://schemas.microsoft.com/office/drawing/2014/main" id="{E8C02B00-191E-F5D1-B851-58E1217B3A56}"/>
+              </a:ext>
+            </a:extLst>
+          </p:cNvPr>
+          <p:cNvSpPr txBox="1"/>
+          <p:nvPr/>
+        </p:nvSpPr>
+        <p:spPr>
+          <a:xfrm>
+            <a:off x="1716655" y="4804912"/>
+            <a:ext cx="5296619" cy="1477328"/>
+          </a:xfrm>
+          <a:prstGeom prst="rect">
+            <a:avLst/>
+          </a:prstGeom>
+          <a:noFill/>
+        </p:spPr>
+        <p:txBody>
+          <a:bodyPr wrap="square" rtlCol="0">
+            <a:spAutoFit/>
+          </a:bodyPr>
+          <a:lstStyle/>
+          <a:p>
+            <a:r>
+              <a:rPr lang="de-DE" dirty="0"/>
+              <a:t>L1: T1 -&gt; T4</a:t>
+            </a:r>
+          </a:p>
+          <a:p>
+            <a:r>
+              <a:rPr lang="de-DE" dirty="0"/>
+              <a:t>L2: T2</a:t>
+            </a:r>
+          </a:p>
+          <a:p>
+            <a:r>
+              <a:rPr lang="de-DE" dirty="0"/>
+              <a:t>L3: T1 -&gt; T3</a:t>
+            </a:r>
+          </a:p>
+          <a:p>
+            <a:endParaRPr lang="de-DE" dirty="0"/>
+          </a:p>
+          <a:p>
+            <a:r>
+              <a:rPr lang="de-DE" dirty="0"/>
+              <a:t>-&gt; Das </a:t>
+            </a:r>
+            <a:r>
+              <a:rPr lang="de-DE" dirty="0" err="1"/>
+              <a:t>Correct</a:t>
+            </a:r>
+            <a:r>
+              <a:rPr lang="de-DE" dirty="0"/>
+              <a:t> </a:t>
+            </a:r>
+            <a:r>
+              <a:rPr lang="de-DE" dirty="0" err="1"/>
+              <a:t>Reordering</a:t>
+            </a:r>
+            <a:r>
+              <a:rPr lang="de-DE" dirty="0"/>
+              <a:t> ist auch </a:t>
+            </a:r>
+            <a:r>
+              <a:rPr lang="de-DE" dirty="0" err="1"/>
+              <a:t>Sync-preserving</a:t>
+            </a:r>
+            <a:r>
+              <a:rPr lang="de-DE" dirty="0"/>
+              <a:t>!</a:t>
+            </a:r>
+          </a:p>
+        </p:txBody>
+      </p:sp>
+    </p:spTree>
+    <p:extLst>
+      <p:ext uri="{BB962C8B-B14F-4D97-AF65-F5344CB8AC3E}">
+        <p14:creationId xmlns:p14="http://schemas.microsoft.com/office/powerpoint/2010/main" val="1298722860"/>
+      </p:ext>
+    </p:extLst>
+  </p:cSld>
+  <p:clrMapOvr>
+    <a:masterClrMapping/>
+  </p:clrMapOvr>
+</p:sld>
+</file>
+
+<file path=ppt/slides/slide19.xml><?xml version="1.0" encoding="utf-8"?>
+<p:sld xmlns:a="http://schemas.openxmlformats.org/drawingml/2006/main" xmlns:r="http://schemas.openxmlformats.org/officeDocument/2006/relationships" xmlns:p="http://schemas.openxmlformats.org/presentationml/2006/main">
+  <p:cSld>
+    <p:spTree>
+      <p:nvGrpSpPr>
+        <p:cNvPr id="1" name=""/>
+        <p:cNvGrpSpPr/>
+        <p:nvPr/>
+      </p:nvGrpSpPr>
+      <p:grpSpPr>
+        <a:xfrm>
+          <a:off x="0" y="0"/>
+          <a:ext cx="0" cy="0"/>
+          <a:chOff x="0" y="0"/>
+          <a:chExt cx="0" cy="0"/>
+        </a:xfrm>
+      </p:grpSpPr>
+      <p:sp>
+        <p:nvSpPr>
+          <p:cNvPr id="2" name="Titel 1">
+            <a:extLst>
+              <a:ext uri="{FF2B5EF4-FFF2-40B4-BE49-F238E27FC236}">
+                <a16:creationId xmlns:a16="http://schemas.microsoft.com/office/drawing/2014/main" id="{E542D527-5E1C-84CC-E72C-8A69C3E3B601}"/>
+              </a:ext>
+            </a:extLst>
+          </p:cNvPr>
+          <p:cNvSpPr>
+            <a:spLocks noGrp="1"/>
+          </p:cNvSpPr>
+          <p:nvPr>
+            <p:ph type="title"/>
+          </p:nvPr>
+        </p:nvSpPr>
+        <p:spPr/>
+        <p:txBody>
+          <a:bodyPr/>
+          <a:lstStyle/>
+          <a:p>
+            <a:r>
+              <a:rPr lang="de-DE" dirty="0" err="1"/>
+              <a:t>Sync-preserving</a:t>
+            </a:r>
+            <a:r>
+              <a:rPr lang="de-DE" dirty="0"/>
+              <a:t> Deadlocks</a:t>
+            </a:r>
+          </a:p>
+        </p:txBody>
+      </p:sp>
+      <p:pic>
+        <p:nvPicPr>
+          <p:cNvPr id="5" name="Inhaltsplatzhalter 4">
+            <a:extLst>
+              <a:ext uri="{FF2B5EF4-FFF2-40B4-BE49-F238E27FC236}">
+                <a16:creationId xmlns:a16="http://schemas.microsoft.com/office/drawing/2014/main" id="{CD197469-C3F8-293E-DE99-5E22FF2E717D}"/>
+              </a:ext>
+            </a:extLst>
+          </p:cNvPr>
+          <p:cNvPicPr>
+            <a:picLocks noGrp="1" noChangeAspect="1"/>
+          </p:cNvPicPr>
+          <p:nvPr>
+            <p:ph idx="1"/>
+          </p:nvPr>
+        </p:nvPicPr>
+        <p:blipFill>
+          <a:blip r:embed="rId2"/>
+          <a:stretch>
+            <a:fillRect/>
+          </a:stretch>
+        </p:blipFill>
+        <p:spPr>
+          <a:xfrm>
+            <a:off x="2904679" y="2205581"/>
+            <a:ext cx="6382641" cy="3591426"/>
+          </a:xfrm>
+          <a:ln>
+            <a:solidFill>
+              <a:schemeClr val="tx1"/>
+            </a:solidFill>
+          </a:ln>
+        </p:spPr>
+      </p:pic>
+    </p:spTree>
+    <p:extLst>
+      <p:ext uri="{BB962C8B-B14F-4D97-AF65-F5344CB8AC3E}">
+        <p14:creationId xmlns:p14="http://schemas.microsoft.com/office/powerpoint/2010/main" val="2475249490"/>
       </p:ext>
     </p:extLst>
   </p:cSld>
@@ -4130,6 +4857,352 @@
     <p:extLst>
       <p:ext uri="{BB962C8B-B14F-4D97-AF65-F5344CB8AC3E}">
         <p14:creationId xmlns:p14="http://schemas.microsoft.com/office/powerpoint/2010/main" val="3999056049"/>
+      </p:ext>
+    </p:extLst>
+  </p:cSld>
+  <p:clrMapOvr>
+    <a:masterClrMapping/>
+  </p:clrMapOvr>
+</p:sld>
+</file>
+
+<file path=ppt/slides/slide20.xml><?xml version="1.0" encoding="utf-8"?>
+<p:sld xmlns:a="http://schemas.openxmlformats.org/drawingml/2006/main" xmlns:r="http://schemas.openxmlformats.org/officeDocument/2006/relationships" xmlns:p="http://schemas.openxmlformats.org/presentationml/2006/main">
+  <p:cSld>
+    <p:spTree>
+      <p:nvGrpSpPr>
+        <p:cNvPr id="1" name=""/>
+        <p:cNvGrpSpPr/>
+        <p:nvPr/>
+      </p:nvGrpSpPr>
+      <p:grpSpPr>
+        <a:xfrm>
+          <a:off x="0" y="0"/>
+          <a:ext cx="0" cy="0"/>
+          <a:chOff x="0" y="0"/>
+          <a:chExt cx="0" cy="0"/>
+        </a:xfrm>
+      </p:grpSpPr>
+      <p:sp>
+        <p:nvSpPr>
+          <p:cNvPr id="2" name="Titel 1">
+            <a:extLst>
+              <a:ext uri="{FF2B5EF4-FFF2-40B4-BE49-F238E27FC236}">
+                <a16:creationId xmlns:a16="http://schemas.microsoft.com/office/drawing/2014/main" id="{B275DAD6-427C-0A2D-8655-2BCF71460AE9}"/>
+              </a:ext>
+            </a:extLst>
+          </p:cNvPr>
+          <p:cNvSpPr>
+            <a:spLocks noGrp="1"/>
+          </p:cNvSpPr>
+          <p:nvPr>
+            <p:ph type="title"/>
+          </p:nvPr>
+        </p:nvSpPr>
+        <p:spPr/>
+        <p:txBody>
+          <a:bodyPr/>
+          <a:lstStyle/>
+          <a:p>
+            <a:r>
+              <a:rPr lang="de-DE" dirty="0" err="1"/>
+              <a:t>Sync-preserving</a:t>
+            </a:r>
+            <a:r>
+              <a:rPr lang="de-DE" dirty="0"/>
+              <a:t> Deadlocks</a:t>
+            </a:r>
+          </a:p>
+        </p:txBody>
+      </p:sp>
+      <p:pic>
+        <p:nvPicPr>
+          <p:cNvPr id="5" name="Inhaltsplatzhalter 4">
+            <a:extLst>
+              <a:ext uri="{FF2B5EF4-FFF2-40B4-BE49-F238E27FC236}">
+                <a16:creationId xmlns:a16="http://schemas.microsoft.com/office/drawing/2014/main" id="{020ACC04-A3B9-26CF-8A43-5C11126C43DA}"/>
+              </a:ext>
+            </a:extLst>
+          </p:cNvPr>
+          <p:cNvPicPr>
+            <a:picLocks noGrp="1" noChangeAspect="1"/>
+          </p:cNvPicPr>
+          <p:nvPr>
+            <p:ph idx="1"/>
+          </p:nvPr>
+        </p:nvPicPr>
+        <p:blipFill>
+          <a:blip r:embed="rId2"/>
+          <a:stretch>
+            <a:fillRect/>
+          </a:stretch>
+        </p:blipFill>
+        <p:spPr>
+          <a:xfrm>
+            <a:off x="838200" y="1690688"/>
+            <a:ext cx="4734378" cy="4351338"/>
+          </a:xfrm>
+          <a:ln>
+            <a:solidFill>
+              <a:schemeClr val="tx1"/>
+            </a:solidFill>
+          </a:ln>
+        </p:spPr>
+      </p:pic>
+      <p:sp>
+        <p:nvSpPr>
+          <p:cNvPr id="6" name="Textfeld 5">
+            <a:extLst>
+              <a:ext uri="{FF2B5EF4-FFF2-40B4-BE49-F238E27FC236}">
+                <a16:creationId xmlns:a16="http://schemas.microsoft.com/office/drawing/2014/main" id="{3EB89FC9-3806-2396-CDA7-57B265204673}"/>
+              </a:ext>
+            </a:extLst>
+          </p:cNvPr>
+          <p:cNvSpPr txBox="1"/>
+          <p:nvPr/>
+        </p:nvSpPr>
+        <p:spPr>
+          <a:xfrm>
+            <a:off x="6096000" y="1621766"/>
+            <a:ext cx="5756694" cy="3416320"/>
+          </a:xfrm>
+          <a:prstGeom prst="rect">
+            <a:avLst/>
+          </a:prstGeom>
+          <a:noFill/>
+        </p:spPr>
+        <p:txBody>
+          <a:bodyPr wrap="square" rtlCol="0">
+            <a:spAutoFit/>
+          </a:bodyPr>
+          <a:lstStyle/>
+          <a:p>
+            <a:r>
+              <a:rPr lang="de-DE" dirty="0"/>
+              <a:t>Deadlock-Pattern: &lt;e4, e11&gt;</a:t>
+            </a:r>
+          </a:p>
+          <a:p>
+            <a:r>
+              <a:rPr lang="de-DE" dirty="0"/>
+              <a:t>S = {e3, e10}</a:t>
+            </a:r>
+          </a:p>
+          <a:p>
+            <a:r>
+              <a:rPr lang="de-DE" dirty="0"/>
+              <a:t>S‘ = </a:t>
+            </a:r>
+            <a:r>
+              <a:rPr lang="de-DE" dirty="0" err="1"/>
+              <a:t>SPClosure</a:t>
+            </a:r>
+            <a:r>
+              <a:rPr lang="de-DE" dirty="0"/>
+              <a:t>(S)</a:t>
+            </a:r>
+          </a:p>
+          <a:p>
+            <a:r>
+              <a:rPr lang="de-DE" dirty="0"/>
+              <a:t>S‘ = {e3, e10}</a:t>
+            </a:r>
+          </a:p>
+          <a:p>
+            <a:r>
+              <a:rPr lang="de-DE" dirty="0"/>
+              <a:t>S‘ = {e3, e2, e10, e9, e8} wegen Thread-Order</a:t>
+            </a:r>
+          </a:p>
+          <a:p>
+            <a:pPr marL="285750" indent="-285750">
+              <a:buFont typeface="Wingdings" panose="05000000000000000000" pitchFamily="2" charset="2"/>
+              <a:buChar char="è"/>
+            </a:pPr>
+            <a:r>
+              <a:rPr lang="de-DE" dirty="0"/>
+              <a:t>Zwei </a:t>
+            </a:r>
+            <a:r>
+              <a:rPr lang="de-DE" dirty="0" err="1"/>
+              <a:t>Acq</a:t>
+            </a:r>
+            <a:r>
+              <a:rPr lang="de-DE" dirty="0"/>
+              <a:t>-Events für Lock z e2 und e8</a:t>
+            </a:r>
+          </a:p>
+          <a:p>
+            <a:pPr marL="285750" indent="-285750">
+              <a:buFont typeface="Wingdings" panose="05000000000000000000" pitchFamily="2" charset="2"/>
+              <a:buChar char="è"/>
+            </a:pPr>
+            <a:r>
+              <a:rPr lang="de-DE" dirty="0"/>
+              <a:t>Nach Lock-Semantik muss e7 hinzugefügt werden</a:t>
+            </a:r>
+          </a:p>
+          <a:p>
+            <a:r>
+              <a:rPr lang="de-DE" dirty="0"/>
+              <a:t>S‘ = {e3, e2, e10, e9, e8, e7}</a:t>
+            </a:r>
+          </a:p>
+          <a:p>
+            <a:r>
+              <a:rPr lang="de-DE" dirty="0"/>
+              <a:t>S‘ = {e3, e2, e10, e9, e8, e7, e6, e5, e4} wegen Thread-Order</a:t>
+            </a:r>
+          </a:p>
+          <a:p>
+            <a:pPr marL="285750" indent="-285750">
+              <a:buFont typeface="Wingdings" panose="05000000000000000000" pitchFamily="2" charset="2"/>
+              <a:buChar char="è"/>
+            </a:pPr>
+            <a:r>
+              <a:rPr lang="de-DE" dirty="0"/>
+              <a:t>e4 aus dem Deadlock Pattern ist in S‘</a:t>
+            </a:r>
+          </a:p>
+          <a:p>
+            <a:pPr marL="285750" indent="-285750">
+              <a:buFont typeface="Wingdings" panose="05000000000000000000" pitchFamily="2" charset="2"/>
+              <a:buChar char="è"/>
+            </a:pPr>
+            <a:r>
+              <a:rPr lang="de-DE" dirty="0"/>
+              <a:t>Kein </a:t>
+            </a:r>
+            <a:r>
+              <a:rPr lang="de-DE" dirty="0" err="1"/>
+              <a:t>Sync-preserving</a:t>
+            </a:r>
+            <a:r>
+              <a:rPr lang="de-DE" dirty="0"/>
+              <a:t> Deadlock</a:t>
+            </a:r>
+          </a:p>
+          <a:p>
+            <a:endParaRPr lang="de-DE" dirty="0"/>
+          </a:p>
+        </p:txBody>
+      </p:sp>
+    </p:spTree>
+    <p:extLst>
+      <p:ext uri="{BB962C8B-B14F-4D97-AF65-F5344CB8AC3E}">
+        <p14:creationId xmlns:p14="http://schemas.microsoft.com/office/powerpoint/2010/main" val="2246036457"/>
+      </p:ext>
+    </p:extLst>
+  </p:cSld>
+  <p:clrMapOvr>
+    <a:masterClrMapping/>
+  </p:clrMapOvr>
+</p:sld>
+</file>
+
+<file path=ppt/slides/slide21.xml><?xml version="1.0" encoding="utf-8"?>
+<p:sld xmlns:a="http://schemas.openxmlformats.org/drawingml/2006/main" xmlns:r="http://schemas.openxmlformats.org/officeDocument/2006/relationships" xmlns:p="http://schemas.openxmlformats.org/presentationml/2006/main">
+  <p:cSld>
+    <p:spTree>
+      <p:nvGrpSpPr>
+        <p:cNvPr id="1" name=""/>
+        <p:cNvGrpSpPr/>
+        <p:nvPr/>
+      </p:nvGrpSpPr>
+      <p:grpSpPr>
+        <a:xfrm>
+          <a:off x="0" y="0"/>
+          <a:ext cx="0" cy="0"/>
+          <a:chOff x="0" y="0"/>
+          <a:chExt cx="0" cy="0"/>
+        </a:xfrm>
+      </p:grpSpPr>
+      <p:sp>
+        <p:nvSpPr>
+          <p:cNvPr id="2" name="Titel 1">
+            <a:extLst>
+              <a:ext uri="{FF2B5EF4-FFF2-40B4-BE49-F238E27FC236}">
+                <a16:creationId xmlns:a16="http://schemas.microsoft.com/office/drawing/2014/main" id="{F7ACB22D-D8ED-D272-3BCB-5021A6A7A310}"/>
+              </a:ext>
+            </a:extLst>
+          </p:cNvPr>
+          <p:cNvSpPr>
+            <a:spLocks noGrp="1"/>
+          </p:cNvSpPr>
+          <p:nvPr>
+            <p:ph type="title"/>
+          </p:nvPr>
+        </p:nvSpPr>
+        <p:spPr/>
+        <p:txBody>
+          <a:bodyPr/>
+          <a:lstStyle/>
+          <a:p>
+            <a:r>
+              <a:rPr lang="de-DE" dirty="0"/>
+              <a:t>Fazit</a:t>
+            </a:r>
+          </a:p>
+        </p:txBody>
+      </p:sp>
+      <p:sp>
+        <p:nvSpPr>
+          <p:cNvPr id="3" name="Inhaltsplatzhalter 2">
+            <a:extLst>
+              <a:ext uri="{FF2B5EF4-FFF2-40B4-BE49-F238E27FC236}">
+                <a16:creationId xmlns:a16="http://schemas.microsoft.com/office/drawing/2014/main" id="{B36C5B25-7265-ED9B-3E59-A6A73DA6CA94}"/>
+              </a:ext>
+            </a:extLst>
+          </p:cNvPr>
+          <p:cNvSpPr>
+            <a:spLocks noGrp="1"/>
+          </p:cNvSpPr>
+          <p:nvPr>
+            <p:ph idx="1"/>
+          </p:nvPr>
+        </p:nvSpPr>
+        <p:spPr/>
+        <p:txBody>
+          <a:bodyPr/>
+          <a:lstStyle/>
+          <a:p>
+            <a:r>
+              <a:rPr lang="de-DE" dirty="0"/>
+              <a:t>Die Vorhersage von </a:t>
+            </a:r>
+            <a:r>
+              <a:rPr lang="de-DE" dirty="0" err="1"/>
+              <a:t>Sync-preserving</a:t>
+            </a:r>
+            <a:r>
+              <a:rPr lang="de-DE" dirty="0"/>
+              <a:t> Deadlocks kann ohne </a:t>
+            </a:r>
+            <a:r>
+              <a:rPr lang="de-DE" dirty="0" err="1"/>
+              <a:t>False</a:t>
+            </a:r>
+            <a:r>
+              <a:rPr lang="de-DE" dirty="0"/>
+              <a:t>-Positives geschehen</a:t>
+            </a:r>
+          </a:p>
+          <a:p>
+            <a:r>
+              <a:rPr lang="de-DE" dirty="0" err="1"/>
+              <a:t>False</a:t>
+            </a:r>
+            <a:r>
+              <a:rPr lang="de-DE" dirty="0"/>
+              <a:t>-Negatives können dennoch auftreten</a:t>
+            </a:r>
+          </a:p>
+        </p:txBody>
+      </p:sp>
+    </p:spTree>
+    <p:extLst>
+      <p:ext uri="{BB962C8B-B14F-4D97-AF65-F5344CB8AC3E}">
+        <p14:creationId xmlns:p14="http://schemas.microsoft.com/office/powerpoint/2010/main" val="1277204122"/>
       </p:ext>
     </p:extLst>
   </p:cSld>
@@ -4699,6 +5772,11 @@
           <a:prstGeom prst="rect">
             <a:avLst/>
           </a:prstGeom>
+          <a:ln>
+            <a:solidFill>
+              <a:schemeClr val="tx1"/>
+            </a:solidFill>
+          </a:ln>
         </p:spPr>
       </p:pic>
       <p:pic>
@@ -4941,6 +6019,11 @@
             <a:off x="7140174" y="2599715"/>
             <a:ext cx="3753374" cy="2095792"/>
           </a:xfrm>
+          <a:ln>
+            <a:solidFill>
+              <a:schemeClr val="tx1"/>
+            </a:solidFill>
+          </a:ln>
         </p:spPr>
       </p:pic>
       <p:pic>
@@ -4971,6 +6054,11 @@
           <a:prstGeom prst="rect">
             <a:avLst/>
           </a:prstGeom>
+          <a:ln>
+            <a:solidFill>
+              <a:schemeClr val="tx1"/>
+            </a:solidFill>
+          </a:ln>
         </p:spPr>
       </p:pic>
     </p:spTree>

--- a/Sound Dynamic Deadlock Prediction in Linear Time.pptx
+++ b/Sound Dynamic Deadlock Prediction in Linear Time.pptx
@@ -9,23 +9,31 @@
     <p:sldId id="257" r:id="rId3"/>
     <p:sldId id="259" r:id="rId4"/>
     <p:sldId id="260" r:id="rId5"/>
-    <p:sldId id="261" r:id="rId6"/>
-    <p:sldId id="264" r:id="rId7"/>
-    <p:sldId id="262" r:id="rId8"/>
-    <p:sldId id="266" r:id="rId9"/>
-    <p:sldId id="265" r:id="rId10"/>
-    <p:sldId id="267" r:id="rId11"/>
-    <p:sldId id="263" r:id="rId12"/>
-    <p:sldId id="268" r:id="rId13"/>
-    <p:sldId id="270" r:id="rId14"/>
-    <p:sldId id="271" r:id="rId15"/>
-    <p:sldId id="272" r:id="rId16"/>
-    <p:sldId id="269" r:id="rId17"/>
-    <p:sldId id="275" r:id="rId18"/>
-    <p:sldId id="274" r:id="rId19"/>
-    <p:sldId id="276" r:id="rId20"/>
-    <p:sldId id="277" r:id="rId21"/>
-    <p:sldId id="258" r:id="rId22"/>
+    <p:sldId id="278" r:id="rId6"/>
+    <p:sldId id="261" r:id="rId7"/>
+    <p:sldId id="279" r:id="rId8"/>
+    <p:sldId id="262" r:id="rId9"/>
+    <p:sldId id="266" r:id="rId10"/>
+    <p:sldId id="265" r:id="rId11"/>
+    <p:sldId id="280" r:id="rId12"/>
+    <p:sldId id="281" r:id="rId13"/>
+    <p:sldId id="283" r:id="rId14"/>
+    <p:sldId id="284" r:id="rId15"/>
+    <p:sldId id="285" r:id="rId16"/>
+    <p:sldId id="286" r:id="rId17"/>
+    <p:sldId id="287" r:id="rId18"/>
+    <p:sldId id="267" r:id="rId19"/>
+    <p:sldId id="263" r:id="rId20"/>
+    <p:sldId id="268" r:id="rId21"/>
+    <p:sldId id="270" r:id="rId22"/>
+    <p:sldId id="271" r:id="rId23"/>
+    <p:sldId id="272" r:id="rId24"/>
+    <p:sldId id="269" r:id="rId25"/>
+    <p:sldId id="275" r:id="rId26"/>
+    <p:sldId id="274" r:id="rId27"/>
+    <p:sldId id="276" r:id="rId28"/>
+    <p:sldId id="277" r:id="rId29"/>
+    <p:sldId id="258" r:id="rId30"/>
   </p:sldIdLst>
   <p:sldSz cx="12192000" cy="6858000"/>
   <p:notesSz cx="6858000" cy="9144000"/>
@@ -3440,6 +3448,2798 @@
           <p:cNvPr id="2" name="Titel 1">
             <a:extLst>
               <a:ext uri="{FF2B5EF4-FFF2-40B4-BE49-F238E27FC236}">
+                <a16:creationId xmlns:a16="http://schemas.microsoft.com/office/drawing/2014/main" id="{661FD3D5-05E5-BB98-FE98-EAB9EA7B8B07}"/>
+              </a:ext>
+            </a:extLst>
+          </p:cNvPr>
+          <p:cNvSpPr>
+            <a:spLocks noGrp="1"/>
+          </p:cNvSpPr>
+          <p:nvPr>
+            <p:ph type="title"/>
+          </p:nvPr>
+        </p:nvSpPr>
+        <p:spPr/>
+        <p:txBody>
+          <a:bodyPr/>
+          <a:lstStyle/>
+          <a:p>
+            <a:r>
+              <a:rPr lang="de-DE" dirty="0"/>
+              <a:t>Dynamische Deadlock-Analyse</a:t>
+            </a:r>
+          </a:p>
+        </p:txBody>
+      </p:sp>
+      <p:pic>
+        <p:nvPicPr>
+          <p:cNvPr id="7" name="Grafik 6">
+            <a:extLst>
+              <a:ext uri="{FF2B5EF4-FFF2-40B4-BE49-F238E27FC236}">
+                <a16:creationId xmlns:a16="http://schemas.microsoft.com/office/drawing/2014/main" id="{94018E8F-24AE-2186-5097-F867FBCC1118}"/>
+              </a:ext>
+            </a:extLst>
+          </p:cNvPr>
+          <p:cNvPicPr>
+            <a:picLocks noChangeAspect="1"/>
+          </p:cNvPicPr>
+          <p:nvPr/>
+        </p:nvPicPr>
+        <p:blipFill>
+          <a:blip r:embed="rId2"/>
+          <a:stretch>
+            <a:fillRect/>
+          </a:stretch>
+        </p:blipFill>
+        <p:spPr>
+          <a:xfrm>
+            <a:off x="622085" y="1825625"/>
+            <a:ext cx="4429743" cy="4191585"/>
+          </a:xfrm>
+          <a:prstGeom prst="rect">
+            <a:avLst/>
+          </a:prstGeom>
+          <a:ln>
+            <a:solidFill>
+              <a:schemeClr val="tx1"/>
+            </a:solidFill>
+          </a:ln>
+        </p:spPr>
+      </p:pic>
+      <p:sp>
+        <p:nvSpPr>
+          <p:cNvPr id="8" name="Inhaltsplatzhalter 7">
+            <a:extLst>
+              <a:ext uri="{FF2B5EF4-FFF2-40B4-BE49-F238E27FC236}">
+                <a16:creationId xmlns:a16="http://schemas.microsoft.com/office/drawing/2014/main" id="{2754EA18-5000-3F68-48CA-1F29DF784D3E}"/>
+              </a:ext>
+            </a:extLst>
+          </p:cNvPr>
+          <p:cNvSpPr>
+            <a:spLocks noGrp="1"/>
+          </p:cNvSpPr>
+          <p:nvPr>
+            <p:ph idx="1"/>
+          </p:nvPr>
+        </p:nvSpPr>
+        <p:spPr/>
+        <p:txBody>
+          <a:bodyPr/>
+          <a:lstStyle/>
+          <a:p>
+            <a:endParaRPr lang="de-DE" dirty="0"/>
+          </a:p>
+        </p:txBody>
+      </p:sp>
+      <p:sp>
+        <p:nvSpPr>
+          <p:cNvPr id="9" name="Textfeld 8">
+            <a:extLst>
+              <a:ext uri="{FF2B5EF4-FFF2-40B4-BE49-F238E27FC236}">
+                <a16:creationId xmlns:a16="http://schemas.microsoft.com/office/drawing/2014/main" id="{42F91DDC-9C08-AAF8-F17D-84ACF3C79F2B}"/>
+              </a:ext>
+            </a:extLst>
+          </p:cNvPr>
+          <p:cNvSpPr txBox="1"/>
+          <p:nvPr/>
+        </p:nvSpPr>
+        <p:spPr>
+          <a:xfrm>
+            <a:off x="5261206" y="1825625"/>
+            <a:ext cx="5883215" cy="369332"/>
+          </a:xfrm>
+          <a:prstGeom prst="rect">
+            <a:avLst/>
+          </a:prstGeom>
+          <a:noFill/>
+        </p:spPr>
+        <p:txBody>
+          <a:bodyPr wrap="square" rtlCol="0">
+            <a:spAutoFit/>
+          </a:bodyPr>
+          <a:lstStyle/>
+          <a:p>
+            <a:r>
+              <a:rPr lang="de-DE" dirty="0"/>
+              <a:t>Es gibt die Locks x und y im Trace -&gt; Knoten x und y im Graph</a:t>
+            </a:r>
+          </a:p>
+        </p:txBody>
+      </p:sp>
+      <p:sp>
+        <p:nvSpPr>
+          <p:cNvPr id="10" name="Ellipse 9">
+            <a:extLst>
+              <a:ext uri="{FF2B5EF4-FFF2-40B4-BE49-F238E27FC236}">
+                <a16:creationId xmlns:a16="http://schemas.microsoft.com/office/drawing/2014/main" id="{B3BE2E0C-42FE-471D-A03E-A9B806CC0DB5}"/>
+              </a:ext>
+            </a:extLst>
+          </p:cNvPr>
+          <p:cNvSpPr/>
+          <p:nvPr/>
+        </p:nvSpPr>
+        <p:spPr>
+          <a:xfrm>
+            <a:off x="5897971" y="4494362"/>
+            <a:ext cx="1242203" cy="836762"/>
+          </a:xfrm>
+          <a:prstGeom prst="ellipse">
+            <a:avLst/>
+          </a:prstGeom>
+          <a:solidFill>
+            <a:schemeClr val="bg1"/>
+          </a:solidFill>
+        </p:spPr>
+        <p:style>
+          <a:lnRef idx="2">
+            <a:schemeClr val="accent1">
+              <a:shade val="15000"/>
+            </a:schemeClr>
+          </a:lnRef>
+          <a:fillRef idx="1">
+            <a:schemeClr val="accent1"/>
+          </a:fillRef>
+          <a:effectRef idx="0">
+            <a:schemeClr val="accent1"/>
+          </a:effectRef>
+          <a:fontRef idx="minor">
+            <a:schemeClr val="lt1"/>
+          </a:fontRef>
+        </p:style>
+        <p:txBody>
+          <a:bodyPr rtlCol="0" anchor="ctr"/>
+          <a:lstStyle/>
+          <a:p>
+            <a:pPr algn="ctr"/>
+            <a:r>
+              <a:rPr lang="de-DE" dirty="0">
+                <a:solidFill>
+                  <a:schemeClr val="tx1"/>
+                </a:solidFill>
+              </a:rPr>
+              <a:t>y</a:t>
+            </a:r>
+          </a:p>
+        </p:txBody>
+      </p:sp>
+      <p:sp>
+        <p:nvSpPr>
+          <p:cNvPr id="12" name="Ellipse 11">
+            <a:extLst>
+              <a:ext uri="{FF2B5EF4-FFF2-40B4-BE49-F238E27FC236}">
+                <a16:creationId xmlns:a16="http://schemas.microsoft.com/office/drawing/2014/main" id="{46165CF1-4BB9-0524-3C11-027ACA7D81ED}"/>
+              </a:ext>
+            </a:extLst>
+          </p:cNvPr>
+          <p:cNvSpPr/>
+          <p:nvPr/>
+        </p:nvSpPr>
+        <p:spPr>
+          <a:xfrm>
+            <a:off x="8625885" y="4494362"/>
+            <a:ext cx="1242203" cy="836762"/>
+          </a:xfrm>
+          <a:prstGeom prst="ellipse">
+            <a:avLst/>
+          </a:prstGeom>
+          <a:solidFill>
+            <a:schemeClr val="bg1"/>
+          </a:solidFill>
+        </p:spPr>
+        <p:style>
+          <a:lnRef idx="2">
+            <a:schemeClr val="accent1">
+              <a:shade val="15000"/>
+            </a:schemeClr>
+          </a:lnRef>
+          <a:fillRef idx="1">
+            <a:schemeClr val="accent1"/>
+          </a:fillRef>
+          <a:effectRef idx="0">
+            <a:schemeClr val="accent1"/>
+          </a:effectRef>
+          <a:fontRef idx="minor">
+            <a:schemeClr val="lt1"/>
+          </a:fontRef>
+        </p:style>
+        <p:txBody>
+          <a:bodyPr rtlCol="0" anchor="ctr"/>
+          <a:lstStyle/>
+          <a:p>
+            <a:pPr algn="ctr"/>
+            <a:r>
+              <a:rPr lang="de-DE" dirty="0">
+                <a:solidFill>
+                  <a:schemeClr val="tx1"/>
+                </a:solidFill>
+              </a:rPr>
+              <a:t>x</a:t>
+            </a:r>
+          </a:p>
+        </p:txBody>
+      </p:sp>
+    </p:spTree>
+    <p:extLst>
+      <p:ext uri="{BB962C8B-B14F-4D97-AF65-F5344CB8AC3E}">
+        <p14:creationId xmlns:p14="http://schemas.microsoft.com/office/powerpoint/2010/main" val="3837331834"/>
+      </p:ext>
+    </p:extLst>
+  </p:cSld>
+  <p:clrMapOvr>
+    <a:masterClrMapping/>
+  </p:clrMapOvr>
+</p:sld>
+</file>
+
+<file path=ppt/slides/slide11.xml><?xml version="1.0" encoding="utf-8"?>
+<p:sld xmlns:a="http://schemas.openxmlformats.org/drawingml/2006/main" xmlns:r="http://schemas.openxmlformats.org/officeDocument/2006/relationships" xmlns:p="http://schemas.openxmlformats.org/presentationml/2006/main">
+  <p:cSld>
+    <p:spTree>
+      <p:nvGrpSpPr>
+        <p:cNvPr id="1" name=""/>
+        <p:cNvGrpSpPr/>
+        <p:nvPr/>
+      </p:nvGrpSpPr>
+      <p:grpSpPr>
+        <a:xfrm>
+          <a:off x="0" y="0"/>
+          <a:ext cx="0" cy="0"/>
+          <a:chOff x="0" y="0"/>
+          <a:chExt cx="0" cy="0"/>
+        </a:xfrm>
+      </p:grpSpPr>
+      <p:sp>
+        <p:nvSpPr>
+          <p:cNvPr id="2" name="Titel 1">
+            <a:extLst>
+              <a:ext uri="{FF2B5EF4-FFF2-40B4-BE49-F238E27FC236}">
+                <a16:creationId xmlns:a16="http://schemas.microsoft.com/office/drawing/2014/main" id="{661FD3D5-05E5-BB98-FE98-EAB9EA7B8B07}"/>
+              </a:ext>
+            </a:extLst>
+          </p:cNvPr>
+          <p:cNvSpPr>
+            <a:spLocks noGrp="1"/>
+          </p:cNvSpPr>
+          <p:nvPr>
+            <p:ph type="title"/>
+          </p:nvPr>
+        </p:nvSpPr>
+        <p:spPr/>
+        <p:txBody>
+          <a:bodyPr/>
+          <a:lstStyle/>
+          <a:p>
+            <a:r>
+              <a:rPr lang="de-DE" dirty="0"/>
+              <a:t>Dynamische Deadlock-Analyse</a:t>
+            </a:r>
+          </a:p>
+        </p:txBody>
+      </p:sp>
+      <p:pic>
+        <p:nvPicPr>
+          <p:cNvPr id="7" name="Grafik 6">
+            <a:extLst>
+              <a:ext uri="{FF2B5EF4-FFF2-40B4-BE49-F238E27FC236}">
+                <a16:creationId xmlns:a16="http://schemas.microsoft.com/office/drawing/2014/main" id="{94018E8F-24AE-2186-5097-F867FBCC1118}"/>
+              </a:ext>
+            </a:extLst>
+          </p:cNvPr>
+          <p:cNvPicPr>
+            <a:picLocks noChangeAspect="1"/>
+          </p:cNvPicPr>
+          <p:nvPr/>
+        </p:nvPicPr>
+        <p:blipFill>
+          <a:blip r:embed="rId2"/>
+          <a:stretch>
+            <a:fillRect/>
+          </a:stretch>
+        </p:blipFill>
+        <p:spPr>
+          <a:xfrm>
+            <a:off x="622085" y="1825625"/>
+            <a:ext cx="4429743" cy="4191585"/>
+          </a:xfrm>
+          <a:prstGeom prst="rect">
+            <a:avLst/>
+          </a:prstGeom>
+          <a:ln>
+            <a:solidFill>
+              <a:schemeClr val="tx1"/>
+            </a:solidFill>
+          </a:ln>
+        </p:spPr>
+      </p:pic>
+      <p:sp>
+        <p:nvSpPr>
+          <p:cNvPr id="8" name="Inhaltsplatzhalter 7">
+            <a:extLst>
+              <a:ext uri="{FF2B5EF4-FFF2-40B4-BE49-F238E27FC236}">
+                <a16:creationId xmlns:a16="http://schemas.microsoft.com/office/drawing/2014/main" id="{2754EA18-5000-3F68-48CA-1F29DF784D3E}"/>
+              </a:ext>
+            </a:extLst>
+          </p:cNvPr>
+          <p:cNvSpPr>
+            <a:spLocks noGrp="1"/>
+          </p:cNvSpPr>
+          <p:nvPr>
+            <p:ph idx="1"/>
+          </p:nvPr>
+        </p:nvSpPr>
+        <p:spPr/>
+        <p:txBody>
+          <a:bodyPr/>
+          <a:lstStyle/>
+          <a:p>
+            <a:endParaRPr lang="de-DE" dirty="0"/>
+          </a:p>
+        </p:txBody>
+      </p:sp>
+      <p:sp>
+        <p:nvSpPr>
+          <p:cNvPr id="9" name="Textfeld 8">
+            <a:extLst>
+              <a:ext uri="{FF2B5EF4-FFF2-40B4-BE49-F238E27FC236}">
+                <a16:creationId xmlns:a16="http://schemas.microsoft.com/office/drawing/2014/main" id="{42F91DDC-9C08-AAF8-F17D-84ACF3C79F2B}"/>
+              </a:ext>
+            </a:extLst>
+          </p:cNvPr>
+          <p:cNvSpPr txBox="1"/>
+          <p:nvPr/>
+        </p:nvSpPr>
+        <p:spPr>
+          <a:xfrm>
+            <a:off x="5235327" y="1825625"/>
+            <a:ext cx="5883215" cy="1200329"/>
+          </a:xfrm>
+          <a:prstGeom prst="rect">
+            <a:avLst/>
+          </a:prstGeom>
+          <a:noFill/>
+        </p:spPr>
+        <p:txBody>
+          <a:bodyPr wrap="square" rtlCol="0">
+            <a:spAutoFit/>
+          </a:bodyPr>
+          <a:lstStyle/>
+          <a:p>
+            <a:r>
+              <a:rPr lang="de-DE" dirty="0"/>
+              <a:t>Es gibt die Locks x und y im Trace </a:t>
+            </a:r>
+          </a:p>
+          <a:p>
+            <a:pPr marL="285750" indent="-285750">
+              <a:buFont typeface="Wingdings" panose="05000000000000000000" pitchFamily="2" charset="2"/>
+              <a:buChar char="è"/>
+            </a:pPr>
+            <a:r>
+              <a:rPr lang="de-DE" dirty="0"/>
+              <a:t>Knoten x und y im Graph</a:t>
+            </a:r>
+          </a:p>
+          <a:p>
+            <a:r>
+              <a:rPr lang="de-DE" dirty="0"/>
+              <a:t>In T1 wird nach Lock y Lock x reserviert</a:t>
+            </a:r>
+          </a:p>
+          <a:p>
+            <a:pPr marL="285750" indent="-285750">
+              <a:buFont typeface="Wingdings" panose="05000000000000000000" pitchFamily="2" charset="2"/>
+              <a:buChar char="è"/>
+            </a:pPr>
+            <a:r>
+              <a:rPr lang="de-DE" dirty="0"/>
+              <a:t>Kante von y nach x</a:t>
+            </a:r>
+          </a:p>
+        </p:txBody>
+      </p:sp>
+      <p:sp>
+        <p:nvSpPr>
+          <p:cNvPr id="10" name="Ellipse 9">
+            <a:extLst>
+              <a:ext uri="{FF2B5EF4-FFF2-40B4-BE49-F238E27FC236}">
+                <a16:creationId xmlns:a16="http://schemas.microsoft.com/office/drawing/2014/main" id="{B3BE2E0C-42FE-471D-A03E-A9B806CC0DB5}"/>
+              </a:ext>
+            </a:extLst>
+          </p:cNvPr>
+          <p:cNvSpPr/>
+          <p:nvPr/>
+        </p:nvSpPr>
+        <p:spPr>
+          <a:xfrm>
+            <a:off x="5897971" y="4494362"/>
+            <a:ext cx="1242203" cy="836762"/>
+          </a:xfrm>
+          <a:prstGeom prst="ellipse">
+            <a:avLst/>
+          </a:prstGeom>
+          <a:solidFill>
+            <a:schemeClr val="bg1"/>
+          </a:solidFill>
+        </p:spPr>
+        <p:style>
+          <a:lnRef idx="2">
+            <a:schemeClr val="accent1">
+              <a:shade val="15000"/>
+            </a:schemeClr>
+          </a:lnRef>
+          <a:fillRef idx="1">
+            <a:schemeClr val="accent1"/>
+          </a:fillRef>
+          <a:effectRef idx="0">
+            <a:schemeClr val="accent1"/>
+          </a:effectRef>
+          <a:fontRef idx="minor">
+            <a:schemeClr val="lt1"/>
+          </a:fontRef>
+        </p:style>
+        <p:txBody>
+          <a:bodyPr rtlCol="0" anchor="ctr"/>
+          <a:lstStyle/>
+          <a:p>
+            <a:pPr algn="ctr"/>
+            <a:r>
+              <a:rPr lang="de-DE" dirty="0">
+                <a:solidFill>
+                  <a:schemeClr val="tx1"/>
+                </a:solidFill>
+              </a:rPr>
+              <a:t>y</a:t>
+            </a:r>
+          </a:p>
+        </p:txBody>
+      </p:sp>
+      <p:sp>
+        <p:nvSpPr>
+          <p:cNvPr id="12" name="Ellipse 11">
+            <a:extLst>
+              <a:ext uri="{FF2B5EF4-FFF2-40B4-BE49-F238E27FC236}">
+                <a16:creationId xmlns:a16="http://schemas.microsoft.com/office/drawing/2014/main" id="{46165CF1-4BB9-0524-3C11-027ACA7D81ED}"/>
+              </a:ext>
+            </a:extLst>
+          </p:cNvPr>
+          <p:cNvSpPr/>
+          <p:nvPr/>
+        </p:nvSpPr>
+        <p:spPr>
+          <a:xfrm>
+            <a:off x="8625885" y="4494362"/>
+            <a:ext cx="1242203" cy="836762"/>
+          </a:xfrm>
+          <a:prstGeom prst="ellipse">
+            <a:avLst/>
+          </a:prstGeom>
+          <a:solidFill>
+            <a:schemeClr val="bg1"/>
+          </a:solidFill>
+        </p:spPr>
+        <p:style>
+          <a:lnRef idx="2">
+            <a:schemeClr val="accent1">
+              <a:shade val="15000"/>
+            </a:schemeClr>
+          </a:lnRef>
+          <a:fillRef idx="1">
+            <a:schemeClr val="accent1"/>
+          </a:fillRef>
+          <a:effectRef idx="0">
+            <a:schemeClr val="accent1"/>
+          </a:effectRef>
+          <a:fontRef idx="minor">
+            <a:schemeClr val="lt1"/>
+          </a:fontRef>
+        </p:style>
+        <p:txBody>
+          <a:bodyPr rtlCol="0" anchor="ctr"/>
+          <a:lstStyle/>
+          <a:p>
+            <a:pPr algn="ctr"/>
+            <a:r>
+              <a:rPr lang="de-DE" dirty="0">
+                <a:solidFill>
+                  <a:schemeClr val="tx1"/>
+                </a:solidFill>
+              </a:rPr>
+              <a:t>x</a:t>
+            </a:r>
+          </a:p>
+        </p:txBody>
+      </p:sp>
+      <p:cxnSp>
+        <p:nvCxnSpPr>
+          <p:cNvPr id="11" name="Verbinder: gekrümmt 10">
+            <a:extLst>
+              <a:ext uri="{FF2B5EF4-FFF2-40B4-BE49-F238E27FC236}">
+                <a16:creationId xmlns:a16="http://schemas.microsoft.com/office/drawing/2014/main" id="{F6107784-22A6-267C-4D97-48C309ACE4BD}"/>
+              </a:ext>
+            </a:extLst>
+          </p:cNvPr>
+          <p:cNvCxnSpPr>
+            <a:cxnSpLocks/>
+            <a:stCxn id="10" idx="0"/>
+            <a:endCxn id="12" idx="0"/>
+          </p:cNvCxnSpPr>
+          <p:nvPr/>
+        </p:nvCxnSpPr>
+        <p:spPr>
+          <a:xfrm rot="5400000" flipH="1" flipV="1">
+            <a:off x="7883030" y="3130405"/>
+            <a:ext cx="12700" cy="2727914"/>
+          </a:xfrm>
+          <a:prstGeom prst="curvedConnector3">
+            <a:avLst>
+              <a:gd name="adj1" fmla="val 1800000"/>
+            </a:avLst>
+          </a:prstGeom>
+          <a:ln>
+            <a:tailEnd type="triangle"/>
+          </a:ln>
+        </p:spPr>
+        <p:style>
+          <a:lnRef idx="1">
+            <a:schemeClr val="accent1"/>
+          </a:lnRef>
+          <a:fillRef idx="0">
+            <a:schemeClr val="accent1"/>
+          </a:fillRef>
+          <a:effectRef idx="0">
+            <a:schemeClr val="accent1"/>
+          </a:effectRef>
+          <a:fontRef idx="minor">
+            <a:schemeClr val="tx1"/>
+          </a:fontRef>
+        </p:style>
+      </p:cxnSp>
+    </p:spTree>
+    <p:extLst>
+      <p:ext uri="{BB962C8B-B14F-4D97-AF65-F5344CB8AC3E}">
+        <p14:creationId xmlns:p14="http://schemas.microsoft.com/office/powerpoint/2010/main" val="2284841677"/>
+      </p:ext>
+    </p:extLst>
+  </p:cSld>
+  <p:clrMapOvr>
+    <a:masterClrMapping/>
+  </p:clrMapOvr>
+</p:sld>
+</file>
+
+<file path=ppt/slides/slide12.xml><?xml version="1.0" encoding="utf-8"?>
+<p:sld xmlns:a="http://schemas.openxmlformats.org/drawingml/2006/main" xmlns:r="http://schemas.openxmlformats.org/officeDocument/2006/relationships" xmlns:p="http://schemas.openxmlformats.org/presentationml/2006/main">
+  <p:cSld>
+    <p:spTree>
+      <p:nvGrpSpPr>
+        <p:cNvPr id="1" name=""/>
+        <p:cNvGrpSpPr/>
+        <p:nvPr/>
+      </p:nvGrpSpPr>
+      <p:grpSpPr>
+        <a:xfrm>
+          <a:off x="0" y="0"/>
+          <a:ext cx="0" cy="0"/>
+          <a:chOff x="0" y="0"/>
+          <a:chExt cx="0" cy="0"/>
+        </a:xfrm>
+      </p:grpSpPr>
+      <p:sp>
+        <p:nvSpPr>
+          <p:cNvPr id="2" name="Titel 1">
+            <a:extLst>
+              <a:ext uri="{FF2B5EF4-FFF2-40B4-BE49-F238E27FC236}">
+                <a16:creationId xmlns:a16="http://schemas.microsoft.com/office/drawing/2014/main" id="{661FD3D5-05E5-BB98-FE98-EAB9EA7B8B07}"/>
+              </a:ext>
+            </a:extLst>
+          </p:cNvPr>
+          <p:cNvSpPr>
+            <a:spLocks noGrp="1"/>
+          </p:cNvSpPr>
+          <p:nvPr>
+            <p:ph type="title"/>
+          </p:nvPr>
+        </p:nvSpPr>
+        <p:spPr/>
+        <p:txBody>
+          <a:bodyPr/>
+          <a:lstStyle/>
+          <a:p>
+            <a:r>
+              <a:rPr lang="de-DE" dirty="0"/>
+              <a:t>Dynamische Deadlock-Analyse</a:t>
+            </a:r>
+          </a:p>
+        </p:txBody>
+      </p:sp>
+      <p:pic>
+        <p:nvPicPr>
+          <p:cNvPr id="7" name="Grafik 6">
+            <a:extLst>
+              <a:ext uri="{FF2B5EF4-FFF2-40B4-BE49-F238E27FC236}">
+                <a16:creationId xmlns:a16="http://schemas.microsoft.com/office/drawing/2014/main" id="{94018E8F-24AE-2186-5097-F867FBCC1118}"/>
+              </a:ext>
+            </a:extLst>
+          </p:cNvPr>
+          <p:cNvPicPr>
+            <a:picLocks noChangeAspect="1"/>
+          </p:cNvPicPr>
+          <p:nvPr/>
+        </p:nvPicPr>
+        <p:blipFill>
+          <a:blip r:embed="rId2"/>
+          <a:stretch>
+            <a:fillRect/>
+          </a:stretch>
+        </p:blipFill>
+        <p:spPr>
+          <a:xfrm>
+            <a:off x="622085" y="1825625"/>
+            <a:ext cx="4429743" cy="4191585"/>
+          </a:xfrm>
+          <a:prstGeom prst="rect">
+            <a:avLst/>
+          </a:prstGeom>
+          <a:ln>
+            <a:solidFill>
+              <a:schemeClr val="tx1"/>
+            </a:solidFill>
+          </a:ln>
+        </p:spPr>
+      </p:pic>
+      <p:sp>
+        <p:nvSpPr>
+          <p:cNvPr id="8" name="Inhaltsplatzhalter 7">
+            <a:extLst>
+              <a:ext uri="{FF2B5EF4-FFF2-40B4-BE49-F238E27FC236}">
+                <a16:creationId xmlns:a16="http://schemas.microsoft.com/office/drawing/2014/main" id="{2754EA18-5000-3F68-48CA-1F29DF784D3E}"/>
+              </a:ext>
+            </a:extLst>
+          </p:cNvPr>
+          <p:cNvSpPr>
+            <a:spLocks noGrp="1"/>
+          </p:cNvSpPr>
+          <p:nvPr>
+            <p:ph idx="1"/>
+          </p:nvPr>
+        </p:nvSpPr>
+        <p:spPr/>
+        <p:txBody>
+          <a:bodyPr/>
+          <a:lstStyle/>
+          <a:p>
+            <a:endParaRPr lang="de-DE" dirty="0"/>
+          </a:p>
+        </p:txBody>
+      </p:sp>
+      <p:sp>
+        <p:nvSpPr>
+          <p:cNvPr id="9" name="Textfeld 8">
+            <a:extLst>
+              <a:ext uri="{FF2B5EF4-FFF2-40B4-BE49-F238E27FC236}">
+                <a16:creationId xmlns:a16="http://schemas.microsoft.com/office/drawing/2014/main" id="{42F91DDC-9C08-AAF8-F17D-84ACF3C79F2B}"/>
+              </a:ext>
+            </a:extLst>
+          </p:cNvPr>
+          <p:cNvSpPr txBox="1"/>
+          <p:nvPr/>
+        </p:nvSpPr>
+        <p:spPr>
+          <a:xfrm>
+            <a:off x="5235327" y="1825625"/>
+            <a:ext cx="5883215" cy="1754326"/>
+          </a:xfrm>
+          <a:prstGeom prst="rect">
+            <a:avLst/>
+          </a:prstGeom>
+          <a:noFill/>
+        </p:spPr>
+        <p:txBody>
+          <a:bodyPr wrap="square" rtlCol="0">
+            <a:spAutoFit/>
+          </a:bodyPr>
+          <a:lstStyle/>
+          <a:p>
+            <a:r>
+              <a:rPr lang="de-DE" dirty="0"/>
+              <a:t>Es gibt die Locks x und y im Trace </a:t>
+            </a:r>
+          </a:p>
+          <a:p>
+            <a:pPr marL="285750" indent="-285750">
+              <a:buFont typeface="Wingdings" panose="05000000000000000000" pitchFamily="2" charset="2"/>
+              <a:buChar char="è"/>
+            </a:pPr>
+            <a:r>
+              <a:rPr lang="de-DE" dirty="0"/>
+              <a:t>Knoten x und y im Graph</a:t>
+            </a:r>
+          </a:p>
+          <a:p>
+            <a:r>
+              <a:rPr lang="de-DE" dirty="0"/>
+              <a:t>In T1 wird nach Lock y Lock x reserviert</a:t>
+            </a:r>
+          </a:p>
+          <a:p>
+            <a:pPr marL="285750" indent="-285750">
+              <a:buFont typeface="Wingdings" panose="05000000000000000000" pitchFamily="2" charset="2"/>
+              <a:buChar char="è"/>
+            </a:pPr>
+            <a:r>
+              <a:rPr lang="de-DE" dirty="0"/>
+              <a:t>Kante von y nach x</a:t>
+            </a:r>
+          </a:p>
+          <a:p>
+            <a:r>
+              <a:rPr lang="de-DE" dirty="0"/>
+              <a:t>In T2 wird nach Lock x Lock y reserviert</a:t>
+            </a:r>
+          </a:p>
+          <a:p>
+            <a:pPr marL="285750" indent="-285750">
+              <a:buFont typeface="Wingdings" panose="05000000000000000000" pitchFamily="2" charset="2"/>
+              <a:buChar char="è"/>
+            </a:pPr>
+            <a:r>
+              <a:rPr lang="de-DE" dirty="0"/>
+              <a:t>Kante von x nach y</a:t>
+            </a:r>
+          </a:p>
+        </p:txBody>
+      </p:sp>
+      <p:sp>
+        <p:nvSpPr>
+          <p:cNvPr id="10" name="Ellipse 9">
+            <a:extLst>
+              <a:ext uri="{FF2B5EF4-FFF2-40B4-BE49-F238E27FC236}">
+                <a16:creationId xmlns:a16="http://schemas.microsoft.com/office/drawing/2014/main" id="{B3BE2E0C-42FE-471D-A03E-A9B806CC0DB5}"/>
+              </a:ext>
+            </a:extLst>
+          </p:cNvPr>
+          <p:cNvSpPr/>
+          <p:nvPr/>
+        </p:nvSpPr>
+        <p:spPr>
+          <a:xfrm>
+            <a:off x="5897971" y="4494362"/>
+            <a:ext cx="1242203" cy="836762"/>
+          </a:xfrm>
+          <a:prstGeom prst="ellipse">
+            <a:avLst/>
+          </a:prstGeom>
+          <a:solidFill>
+            <a:schemeClr val="bg1"/>
+          </a:solidFill>
+        </p:spPr>
+        <p:style>
+          <a:lnRef idx="2">
+            <a:schemeClr val="accent1">
+              <a:shade val="15000"/>
+            </a:schemeClr>
+          </a:lnRef>
+          <a:fillRef idx="1">
+            <a:schemeClr val="accent1"/>
+          </a:fillRef>
+          <a:effectRef idx="0">
+            <a:schemeClr val="accent1"/>
+          </a:effectRef>
+          <a:fontRef idx="minor">
+            <a:schemeClr val="lt1"/>
+          </a:fontRef>
+        </p:style>
+        <p:txBody>
+          <a:bodyPr rtlCol="0" anchor="ctr"/>
+          <a:lstStyle/>
+          <a:p>
+            <a:pPr algn="ctr"/>
+            <a:r>
+              <a:rPr lang="de-DE" dirty="0">
+                <a:solidFill>
+                  <a:schemeClr val="tx1"/>
+                </a:solidFill>
+              </a:rPr>
+              <a:t>y</a:t>
+            </a:r>
+          </a:p>
+        </p:txBody>
+      </p:sp>
+      <p:sp>
+        <p:nvSpPr>
+          <p:cNvPr id="12" name="Ellipse 11">
+            <a:extLst>
+              <a:ext uri="{FF2B5EF4-FFF2-40B4-BE49-F238E27FC236}">
+                <a16:creationId xmlns:a16="http://schemas.microsoft.com/office/drawing/2014/main" id="{46165CF1-4BB9-0524-3C11-027ACA7D81ED}"/>
+              </a:ext>
+            </a:extLst>
+          </p:cNvPr>
+          <p:cNvSpPr/>
+          <p:nvPr/>
+        </p:nvSpPr>
+        <p:spPr>
+          <a:xfrm>
+            <a:off x="8625885" y="4494362"/>
+            <a:ext cx="1242203" cy="836762"/>
+          </a:xfrm>
+          <a:prstGeom prst="ellipse">
+            <a:avLst/>
+          </a:prstGeom>
+          <a:solidFill>
+            <a:schemeClr val="bg1"/>
+          </a:solidFill>
+        </p:spPr>
+        <p:style>
+          <a:lnRef idx="2">
+            <a:schemeClr val="accent1">
+              <a:shade val="15000"/>
+            </a:schemeClr>
+          </a:lnRef>
+          <a:fillRef idx="1">
+            <a:schemeClr val="accent1"/>
+          </a:fillRef>
+          <a:effectRef idx="0">
+            <a:schemeClr val="accent1"/>
+          </a:effectRef>
+          <a:fontRef idx="minor">
+            <a:schemeClr val="lt1"/>
+          </a:fontRef>
+        </p:style>
+        <p:txBody>
+          <a:bodyPr rtlCol="0" anchor="ctr"/>
+          <a:lstStyle/>
+          <a:p>
+            <a:pPr algn="ctr"/>
+            <a:r>
+              <a:rPr lang="de-DE" dirty="0">
+                <a:solidFill>
+                  <a:schemeClr val="tx1"/>
+                </a:solidFill>
+              </a:rPr>
+              <a:t>x</a:t>
+            </a:r>
+          </a:p>
+        </p:txBody>
+      </p:sp>
+      <p:cxnSp>
+        <p:nvCxnSpPr>
+          <p:cNvPr id="11" name="Verbinder: gekrümmt 10">
+            <a:extLst>
+              <a:ext uri="{FF2B5EF4-FFF2-40B4-BE49-F238E27FC236}">
+                <a16:creationId xmlns:a16="http://schemas.microsoft.com/office/drawing/2014/main" id="{F6107784-22A6-267C-4D97-48C309ACE4BD}"/>
+              </a:ext>
+            </a:extLst>
+          </p:cNvPr>
+          <p:cNvCxnSpPr>
+            <a:cxnSpLocks/>
+            <a:stCxn id="10" idx="0"/>
+            <a:endCxn id="12" idx="0"/>
+          </p:cNvCxnSpPr>
+          <p:nvPr/>
+        </p:nvCxnSpPr>
+        <p:spPr>
+          <a:xfrm rot="5400000" flipH="1" flipV="1">
+            <a:off x="7883030" y="3130405"/>
+            <a:ext cx="12700" cy="2727914"/>
+          </a:xfrm>
+          <a:prstGeom prst="curvedConnector3">
+            <a:avLst>
+              <a:gd name="adj1" fmla="val 1800000"/>
+            </a:avLst>
+          </a:prstGeom>
+          <a:ln>
+            <a:tailEnd type="triangle"/>
+          </a:ln>
+        </p:spPr>
+        <p:style>
+          <a:lnRef idx="1">
+            <a:schemeClr val="accent1"/>
+          </a:lnRef>
+          <a:fillRef idx="0">
+            <a:schemeClr val="accent1"/>
+          </a:fillRef>
+          <a:effectRef idx="0">
+            <a:schemeClr val="accent1"/>
+          </a:effectRef>
+          <a:fontRef idx="minor">
+            <a:schemeClr val="tx1"/>
+          </a:fontRef>
+        </p:style>
+      </p:cxnSp>
+      <p:cxnSp>
+        <p:nvCxnSpPr>
+          <p:cNvPr id="4" name="Verbinder: gekrümmt 3">
+            <a:extLst>
+              <a:ext uri="{FF2B5EF4-FFF2-40B4-BE49-F238E27FC236}">
+                <a16:creationId xmlns:a16="http://schemas.microsoft.com/office/drawing/2014/main" id="{D798DAC8-06C6-9DFB-3D6D-8409FD892265}"/>
+              </a:ext>
+            </a:extLst>
+          </p:cNvPr>
+          <p:cNvCxnSpPr>
+            <a:cxnSpLocks/>
+            <a:stCxn id="12" idx="4"/>
+            <a:endCxn id="10" idx="4"/>
+          </p:cNvCxnSpPr>
+          <p:nvPr/>
+        </p:nvCxnSpPr>
+        <p:spPr>
+          <a:xfrm rot="5400000">
+            <a:off x="7883030" y="3967167"/>
+            <a:ext cx="12700" cy="2727914"/>
+          </a:xfrm>
+          <a:prstGeom prst="curvedConnector3">
+            <a:avLst>
+              <a:gd name="adj1" fmla="val 1800000"/>
+            </a:avLst>
+          </a:prstGeom>
+          <a:ln>
+            <a:tailEnd type="triangle"/>
+          </a:ln>
+        </p:spPr>
+        <p:style>
+          <a:lnRef idx="1">
+            <a:schemeClr val="accent1"/>
+          </a:lnRef>
+          <a:fillRef idx="0">
+            <a:schemeClr val="accent1"/>
+          </a:fillRef>
+          <a:effectRef idx="0">
+            <a:schemeClr val="accent1"/>
+          </a:effectRef>
+          <a:fontRef idx="minor">
+            <a:schemeClr val="tx1"/>
+          </a:fontRef>
+        </p:style>
+      </p:cxnSp>
+    </p:spTree>
+    <p:extLst>
+      <p:ext uri="{BB962C8B-B14F-4D97-AF65-F5344CB8AC3E}">
+        <p14:creationId xmlns:p14="http://schemas.microsoft.com/office/powerpoint/2010/main" val="3261354223"/>
+      </p:ext>
+    </p:extLst>
+  </p:cSld>
+  <p:clrMapOvr>
+    <a:masterClrMapping/>
+  </p:clrMapOvr>
+</p:sld>
+</file>
+
+<file path=ppt/slides/slide13.xml><?xml version="1.0" encoding="utf-8"?>
+<p:sld xmlns:a="http://schemas.openxmlformats.org/drawingml/2006/main" xmlns:r="http://schemas.openxmlformats.org/officeDocument/2006/relationships" xmlns:p="http://schemas.openxmlformats.org/presentationml/2006/main">
+  <p:cSld>
+    <p:spTree>
+      <p:nvGrpSpPr>
+        <p:cNvPr id="1" name=""/>
+        <p:cNvGrpSpPr/>
+        <p:nvPr/>
+      </p:nvGrpSpPr>
+      <p:grpSpPr>
+        <a:xfrm>
+          <a:off x="0" y="0"/>
+          <a:ext cx="0" cy="0"/>
+          <a:chOff x="0" y="0"/>
+          <a:chExt cx="0" cy="0"/>
+        </a:xfrm>
+      </p:grpSpPr>
+      <p:sp>
+        <p:nvSpPr>
+          <p:cNvPr id="2" name="Titel 1">
+            <a:extLst>
+              <a:ext uri="{FF2B5EF4-FFF2-40B4-BE49-F238E27FC236}">
+                <a16:creationId xmlns:a16="http://schemas.microsoft.com/office/drawing/2014/main" id="{661FD3D5-05E5-BB98-FE98-EAB9EA7B8B07}"/>
+              </a:ext>
+            </a:extLst>
+          </p:cNvPr>
+          <p:cNvSpPr>
+            <a:spLocks noGrp="1"/>
+          </p:cNvSpPr>
+          <p:nvPr>
+            <p:ph type="title"/>
+          </p:nvPr>
+        </p:nvSpPr>
+        <p:spPr/>
+        <p:txBody>
+          <a:bodyPr/>
+          <a:lstStyle/>
+          <a:p>
+            <a:r>
+              <a:rPr lang="de-DE" dirty="0"/>
+              <a:t>Dynamische Deadlock-Analyse</a:t>
+            </a:r>
+          </a:p>
+        </p:txBody>
+      </p:sp>
+      <p:pic>
+        <p:nvPicPr>
+          <p:cNvPr id="7" name="Grafik 6">
+            <a:extLst>
+              <a:ext uri="{FF2B5EF4-FFF2-40B4-BE49-F238E27FC236}">
+                <a16:creationId xmlns:a16="http://schemas.microsoft.com/office/drawing/2014/main" id="{94018E8F-24AE-2186-5097-F867FBCC1118}"/>
+              </a:ext>
+            </a:extLst>
+          </p:cNvPr>
+          <p:cNvPicPr>
+            <a:picLocks noChangeAspect="1"/>
+          </p:cNvPicPr>
+          <p:nvPr/>
+        </p:nvPicPr>
+        <p:blipFill>
+          <a:blip r:embed="rId2"/>
+          <a:stretch>
+            <a:fillRect/>
+          </a:stretch>
+        </p:blipFill>
+        <p:spPr>
+          <a:xfrm>
+            <a:off x="622085" y="1825625"/>
+            <a:ext cx="4429743" cy="4191585"/>
+          </a:xfrm>
+          <a:prstGeom prst="rect">
+            <a:avLst/>
+          </a:prstGeom>
+          <a:ln>
+            <a:solidFill>
+              <a:schemeClr val="tx1"/>
+            </a:solidFill>
+          </a:ln>
+        </p:spPr>
+      </p:pic>
+      <p:sp>
+        <p:nvSpPr>
+          <p:cNvPr id="8" name="Inhaltsplatzhalter 7">
+            <a:extLst>
+              <a:ext uri="{FF2B5EF4-FFF2-40B4-BE49-F238E27FC236}">
+                <a16:creationId xmlns:a16="http://schemas.microsoft.com/office/drawing/2014/main" id="{2754EA18-5000-3F68-48CA-1F29DF784D3E}"/>
+              </a:ext>
+            </a:extLst>
+          </p:cNvPr>
+          <p:cNvSpPr>
+            <a:spLocks noGrp="1"/>
+          </p:cNvSpPr>
+          <p:nvPr>
+            <p:ph idx="1"/>
+          </p:nvPr>
+        </p:nvSpPr>
+        <p:spPr/>
+        <p:txBody>
+          <a:bodyPr/>
+          <a:lstStyle/>
+          <a:p>
+            <a:endParaRPr lang="de-DE" dirty="0"/>
+          </a:p>
+        </p:txBody>
+      </p:sp>
+      <p:sp>
+        <p:nvSpPr>
+          <p:cNvPr id="9" name="Textfeld 8">
+            <a:extLst>
+              <a:ext uri="{FF2B5EF4-FFF2-40B4-BE49-F238E27FC236}">
+                <a16:creationId xmlns:a16="http://schemas.microsoft.com/office/drawing/2014/main" id="{42F91DDC-9C08-AAF8-F17D-84ACF3C79F2B}"/>
+              </a:ext>
+            </a:extLst>
+          </p:cNvPr>
+          <p:cNvSpPr txBox="1"/>
+          <p:nvPr/>
+        </p:nvSpPr>
+        <p:spPr>
+          <a:xfrm>
+            <a:off x="5235327" y="1825625"/>
+            <a:ext cx="5883215" cy="1754326"/>
+          </a:xfrm>
+          <a:prstGeom prst="rect">
+            <a:avLst/>
+          </a:prstGeom>
+          <a:noFill/>
+        </p:spPr>
+        <p:txBody>
+          <a:bodyPr wrap="square" rtlCol="0">
+            <a:spAutoFit/>
+          </a:bodyPr>
+          <a:lstStyle/>
+          <a:p>
+            <a:r>
+              <a:rPr lang="de-DE" dirty="0"/>
+              <a:t>Es gibt die Locks x und y im Trace </a:t>
+            </a:r>
+          </a:p>
+          <a:p>
+            <a:pPr marL="285750" indent="-285750">
+              <a:buFont typeface="Wingdings" panose="05000000000000000000" pitchFamily="2" charset="2"/>
+              <a:buChar char="è"/>
+            </a:pPr>
+            <a:r>
+              <a:rPr lang="de-DE" dirty="0"/>
+              <a:t>Knoten x und y im Graph</a:t>
+            </a:r>
+          </a:p>
+          <a:p>
+            <a:r>
+              <a:rPr lang="de-DE" dirty="0"/>
+              <a:t>In T1 wird nach Lock y Lock x reserviert</a:t>
+            </a:r>
+          </a:p>
+          <a:p>
+            <a:pPr marL="285750" indent="-285750">
+              <a:buFont typeface="Wingdings" panose="05000000000000000000" pitchFamily="2" charset="2"/>
+              <a:buChar char="è"/>
+            </a:pPr>
+            <a:r>
+              <a:rPr lang="de-DE" dirty="0"/>
+              <a:t>Kante von y nach x</a:t>
+            </a:r>
+          </a:p>
+          <a:p>
+            <a:r>
+              <a:rPr lang="de-DE" dirty="0"/>
+              <a:t>In T2 wird nach Lock x Lock y reserviert</a:t>
+            </a:r>
+          </a:p>
+          <a:p>
+            <a:pPr marL="285750" indent="-285750">
+              <a:buFont typeface="Wingdings" panose="05000000000000000000" pitchFamily="2" charset="2"/>
+              <a:buChar char="è"/>
+            </a:pPr>
+            <a:r>
+              <a:rPr lang="de-DE" dirty="0"/>
+              <a:t>Kante von x nach y</a:t>
+            </a:r>
+          </a:p>
+        </p:txBody>
+      </p:sp>
+      <p:sp>
+        <p:nvSpPr>
+          <p:cNvPr id="10" name="Ellipse 9">
+            <a:extLst>
+              <a:ext uri="{FF2B5EF4-FFF2-40B4-BE49-F238E27FC236}">
+                <a16:creationId xmlns:a16="http://schemas.microsoft.com/office/drawing/2014/main" id="{B3BE2E0C-42FE-471D-A03E-A9B806CC0DB5}"/>
+              </a:ext>
+            </a:extLst>
+          </p:cNvPr>
+          <p:cNvSpPr/>
+          <p:nvPr/>
+        </p:nvSpPr>
+        <p:spPr>
+          <a:xfrm>
+            <a:off x="5897971" y="4494362"/>
+            <a:ext cx="1242203" cy="836762"/>
+          </a:xfrm>
+          <a:prstGeom prst="ellipse">
+            <a:avLst/>
+          </a:prstGeom>
+          <a:solidFill>
+            <a:schemeClr val="bg1"/>
+          </a:solidFill>
+        </p:spPr>
+        <p:style>
+          <a:lnRef idx="2">
+            <a:schemeClr val="accent1">
+              <a:shade val="15000"/>
+            </a:schemeClr>
+          </a:lnRef>
+          <a:fillRef idx="1">
+            <a:schemeClr val="accent1"/>
+          </a:fillRef>
+          <a:effectRef idx="0">
+            <a:schemeClr val="accent1"/>
+          </a:effectRef>
+          <a:fontRef idx="minor">
+            <a:schemeClr val="lt1"/>
+          </a:fontRef>
+        </p:style>
+        <p:txBody>
+          <a:bodyPr rtlCol="0" anchor="ctr"/>
+          <a:lstStyle/>
+          <a:p>
+            <a:pPr algn="ctr"/>
+            <a:r>
+              <a:rPr lang="de-DE" dirty="0">
+                <a:solidFill>
+                  <a:schemeClr val="tx1"/>
+                </a:solidFill>
+              </a:rPr>
+              <a:t>y</a:t>
+            </a:r>
+          </a:p>
+        </p:txBody>
+      </p:sp>
+      <p:sp>
+        <p:nvSpPr>
+          <p:cNvPr id="12" name="Ellipse 11">
+            <a:extLst>
+              <a:ext uri="{FF2B5EF4-FFF2-40B4-BE49-F238E27FC236}">
+                <a16:creationId xmlns:a16="http://schemas.microsoft.com/office/drawing/2014/main" id="{46165CF1-4BB9-0524-3C11-027ACA7D81ED}"/>
+              </a:ext>
+            </a:extLst>
+          </p:cNvPr>
+          <p:cNvSpPr/>
+          <p:nvPr/>
+        </p:nvSpPr>
+        <p:spPr>
+          <a:xfrm>
+            <a:off x="8625885" y="4494362"/>
+            <a:ext cx="1242203" cy="836762"/>
+          </a:xfrm>
+          <a:prstGeom prst="ellipse">
+            <a:avLst/>
+          </a:prstGeom>
+          <a:solidFill>
+            <a:schemeClr val="bg1"/>
+          </a:solidFill>
+        </p:spPr>
+        <p:style>
+          <a:lnRef idx="2">
+            <a:schemeClr val="accent1">
+              <a:shade val="15000"/>
+            </a:schemeClr>
+          </a:lnRef>
+          <a:fillRef idx="1">
+            <a:schemeClr val="accent1"/>
+          </a:fillRef>
+          <a:effectRef idx="0">
+            <a:schemeClr val="accent1"/>
+          </a:effectRef>
+          <a:fontRef idx="minor">
+            <a:schemeClr val="lt1"/>
+          </a:fontRef>
+        </p:style>
+        <p:txBody>
+          <a:bodyPr rtlCol="0" anchor="ctr"/>
+          <a:lstStyle/>
+          <a:p>
+            <a:pPr algn="ctr"/>
+            <a:r>
+              <a:rPr lang="de-DE" dirty="0">
+                <a:solidFill>
+                  <a:schemeClr val="tx1"/>
+                </a:solidFill>
+              </a:rPr>
+              <a:t>x</a:t>
+            </a:r>
+          </a:p>
+        </p:txBody>
+      </p:sp>
+      <p:cxnSp>
+        <p:nvCxnSpPr>
+          <p:cNvPr id="11" name="Verbinder: gekrümmt 10">
+            <a:extLst>
+              <a:ext uri="{FF2B5EF4-FFF2-40B4-BE49-F238E27FC236}">
+                <a16:creationId xmlns:a16="http://schemas.microsoft.com/office/drawing/2014/main" id="{F6107784-22A6-267C-4D97-48C309ACE4BD}"/>
+              </a:ext>
+            </a:extLst>
+          </p:cNvPr>
+          <p:cNvCxnSpPr>
+            <a:cxnSpLocks/>
+            <a:stCxn id="10" idx="0"/>
+            <a:endCxn id="12" idx="0"/>
+          </p:cNvCxnSpPr>
+          <p:nvPr/>
+        </p:nvCxnSpPr>
+        <p:spPr>
+          <a:xfrm rot="5400000" flipH="1" flipV="1">
+            <a:off x="7883030" y="3130405"/>
+            <a:ext cx="12700" cy="2727914"/>
+          </a:xfrm>
+          <a:prstGeom prst="curvedConnector3">
+            <a:avLst>
+              <a:gd name="adj1" fmla="val 1800000"/>
+            </a:avLst>
+          </a:prstGeom>
+          <a:ln>
+            <a:tailEnd type="triangle"/>
+          </a:ln>
+        </p:spPr>
+        <p:style>
+          <a:lnRef idx="1">
+            <a:schemeClr val="accent1"/>
+          </a:lnRef>
+          <a:fillRef idx="0">
+            <a:schemeClr val="accent1"/>
+          </a:fillRef>
+          <a:effectRef idx="0">
+            <a:schemeClr val="accent1"/>
+          </a:effectRef>
+          <a:fontRef idx="minor">
+            <a:schemeClr val="tx1"/>
+          </a:fontRef>
+        </p:style>
+      </p:cxnSp>
+      <p:cxnSp>
+        <p:nvCxnSpPr>
+          <p:cNvPr id="4" name="Verbinder: gekrümmt 3">
+            <a:extLst>
+              <a:ext uri="{FF2B5EF4-FFF2-40B4-BE49-F238E27FC236}">
+                <a16:creationId xmlns:a16="http://schemas.microsoft.com/office/drawing/2014/main" id="{D798DAC8-06C6-9DFB-3D6D-8409FD892265}"/>
+              </a:ext>
+            </a:extLst>
+          </p:cNvPr>
+          <p:cNvCxnSpPr>
+            <a:cxnSpLocks/>
+            <a:stCxn id="12" idx="4"/>
+            <a:endCxn id="10" idx="4"/>
+          </p:cNvCxnSpPr>
+          <p:nvPr/>
+        </p:nvCxnSpPr>
+        <p:spPr>
+          <a:xfrm rot="5400000">
+            <a:off x="7883030" y="3967167"/>
+            <a:ext cx="12700" cy="2727914"/>
+          </a:xfrm>
+          <a:prstGeom prst="curvedConnector3">
+            <a:avLst>
+              <a:gd name="adj1" fmla="val 1800000"/>
+            </a:avLst>
+          </a:prstGeom>
+          <a:ln>
+            <a:tailEnd type="triangle"/>
+          </a:ln>
+        </p:spPr>
+        <p:style>
+          <a:lnRef idx="1">
+            <a:schemeClr val="accent1"/>
+          </a:lnRef>
+          <a:fillRef idx="0">
+            <a:schemeClr val="accent1"/>
+          </a:fillRef>
+          <a:effectRef idx="0">
+            <a:schemeClr val="accent1"/>
+          </a:effectRef>
+          <a:fontRef idx="minor">
+            <a:schemeClr val="tx1"/>
+          </a:fontRef>
+        </p:style>
+      </p:cxnSp>
+      <p:sp>
+        <p:nvSpPr>
+          <p:cNvPr id="3" name="Textfeld 2">
+            <a:extLst>
+              <a:ext uri="{FF2B5EF4-FFF2-40B4-BE49-F238E27FC236}">
+                <a16:creationId xmlns:a16="http://schemas.microsoft.com/office/drawing/2014/main" id="{A9E5FF29-7EE1-7012-C938-0423A8BDADEF}"/>
+              </a:ext>
+            </a:extLst>
+          </p:cNvPr>
+          <p:cNvSpPr txBox="1"/>
+          <p:nvPr/>
+        </p:nvSpPr>
+        <p:spPr>
+          <a:xfrm>
+            <a:off x="5235327" y="5555411"/>
+            <a:ext cx="5306152" cy="646331"/>
+          </a:xfrm>
+          <a:prstGeom prst="rect">
+            <a:avLst/>
+          </a:prstGeom>
+          <a:noFill/>
+        </p:spPr>
+        <p:txBody>
+          <a:bodyPr wrap="square" rtlCol="0">
+            <a:spAutoFit/>
+          </a:bodyPr>
+          <a:lstStyle/>
+          <a:p>
+            <a:pPr marL="285750" indent="-285750">
+              <a:buFont typeface="Wingdings" panose="05000000000000000000" pitchFamily="2" charset="2"/>
+              <a:buChar char="è"/>
+            </a:pPr>
+            <a:r>
+              <a:rPr lang="de-DE" dirty="0"/>
+              <a:t>Der resultierende Graph enthält einen Zyklus, also wird ein Deadlock vorhergesagt.</a:t>
+            </a:r>
+          </a:p>
+        </p:txBody>
+      </p:sp>
+    </p:spTree>
+    <p:extLst>
+      <p:ext uri="{BB962C8B-B14F-4D97-AF65-F5344CB8AC3E}">
+        <p14:creationId xmlns:p14="http://schemas.microsoft.com/office/powerpoint/2010/main" val="1291719700"/>
+      </p:ext>
+    </p:extLst>
+  </p:cSld>
+  <p:clrMapOvr>
+    <a:masterClrMapping/>
+  </p:clrMapOvr>
+</p:sld>
+</file>
+
+<file path=ppt/slides/slide14.xml><?xml version="1.0" encoding="utf-8"?>
+<p:sld xmlns:a="http://schemas.openxmlformats.org/drawingml/2006/main" xmlns:r="http://schemas.openxmlformats.org/officeDocument/2006/relationships" xmlns:p="http://schemas.openxmlformats.org/presentationml/2006/main">
+  <p:cSld>
+    <p:spTree>
+      <p:nvGrpSpPr>
+        <p:cNvPr id="1" name=""/>
+        <p:cNvGrpSpPr/>
+        <p:nvPr/>
+      </p:nvGrpSpPr>
+      <p:grpSpPr>
+        <a:xfrm>
+          <a:off x="0" y="0"/>
+          <a:ext cx="0" cy="0"/>
+          <a:chOff x="0" y="0"/>
+          <a:chExt cx="0" cy="0"/>
+        </a:xfrm>
+      </p:grpSpPr>
+      <p:sp>
+        <p:nvSpPr>
+          <p:cNvPr id="2" name="Titel 1">
+            <a:extLst>
+              <a:ext uri="{FF2B5EF4-FFF2-40B4-BE49-F238E27FC236}">
+                <a16:creationId xmlns:a16="http://schemas.microsoft.com/office/drawing/2014/main" id="{661FD3D5-05E5-BB98-FE98-EAB9EA7B8B07}"/>
+              </a:ext>
+            </a:extLst>
+          </p:cNvPr>
+          <p:cNvSpPr>
+            <a:spLocks noGrp="1"/>
+          </p:cNvSpPr>
+          <p:nvPr>
+            <p:ph type="title"/>
+          </p:nvPr>
+        </p:nvSpPr>
+        <p:spPr/>
+        <p:txBody>
+          <a:bodyPr/>
+          <a:lstStyle/>
+          <a:p>
+            <a:r>
+              <a:rPr lang="de-DE" dirty="0"/>
+              <a:t>Dynamische Deadlock-Analyse</a:t>
+            </a:r>
+          </a:p>
+        </p:txBody>
+      </p:sp>
+      <p:sp>
+        <p:nvSpPr>
+          <p:cNvPr id="9" name="Textfeld 8">
+            <a:extLst>
+              <a:ext uri="{FF2B5EF4-FFF2-40B4-BE49-F238E27FC236}">
+                <a16:creationId xmlns:a16="http://schemas.microsoft.com/office/drawing/2014/main" id="{42F91DDC-9C08-AAF8-F17D-84ACF3C79F2B}"/>
+              </a:ext>
+            </a:extLst>
+          </p:cNvPr>
+          <p:cNvSpPr txBox="1"/>
+          <p:nvPr/>
+        </p:nvSpPr>
+        <p:spPr>
+          <a:xfrm>
+            <a:off x="5235327" y="1825625"/>
+            <a:ext cx="5883215" cy="646331"/>
+          </a:xfrm>
+          <a:prstGeom prst="rect">
+            <a:avLst/>
+          </a:prstGeom>
+          <a:noFill/>
+        </p:spPr>
+        <p:txBody>
+          <a:bodyPr wrap="square" rtlCol="0">
+            <a:spAutoFit/>
+          </a:bodyPr>
+          <a:lstStyle/>
+          <a:p>
+            <a:r>
+              <a:rPr lang="de-DE" dirty="0"/>
+              <a:t>Es gibt die Locks x und y im Trace </a:t>
+            </a:r>
+          </a:p>
+          <a:p>
+            <a:pPr marL="285750" indent="-285750">
+              <a:buFont typeface="Wingdings" panose="05000000000000000000" pitchFamily="2" charset="2"/>
+              <a:buChar char="è"/>
+            </a:pPr>
+            <a:r>
+              <a:rPr lang="de-DE" dirty="0"/>
+              <a:t>Knoten x und y im Graph</a:t>
+            </a:r>
+          </a:p>
+        </p:txBody>
+      </p:sp>
+      <p:sp>
+        <p:nvSpPr>
+          <p:cNvPr id="10" name="Ellipse 9">
+            <a:extLst>
+              <a:ext uri="{FF2B5EF4-FFF2-40B4-BE49-F238E27FC236}">
+                <a16:creationId xmlns:a16="http://schemas.microsoft.com/office/drawing/2014/main" id="{B3BE2E0C-42FE-471D-A03E-A9B806CC0DB5}"/>
+              </a:ext>
+            </a:extLst>
+          </p:cNvPr>
+          <p:cNvSpPr/>
+          <p:nvPr/>
+        </p:nvSpPr>
+        <p:spPr>
+          <a:xfrm>
+            <a:off x="5897971" y="4494362"/>
+            <a:ext cx="1242203" cy="836762"/>
+          </a:xfrm>
+          <a:prstGeom prst="ellipse">
+            <a:avLst/>
+          </a:prstGeom>
+          <a:solidFill>
+            <a:schemeClr val="bg1"/>
+          </a:solidFill>
+        </p:spPr>
+        <p:style>
+          <a:lnRef idx="2">
+            <a:schemeClr val="accent1">
+              <a:shade val="15000"/>
+            </a:schemeClr>
+          </a:lnRef>
+          <a:fillRef idx="1">
+            <a:schemeClr val="accent1"/>
+          </a:fillRef>
+          <a:effectRef idx="0">
+            <a:schemeClr val="accent1"/>
+          </a:effectRef>
+          <a:fontRef idx="minor">
+            <a:schemeClr val="lt1"/>
+          </a:fontRef>
+        </p:style>
+        <p:txBody>
+          <a:bodyPr rtlCol="0" anchor="ctr"/>
+          <a:lstStyle/>
+          <a:p>
+            <a:pPr algn="ctr"/>
+            <a:r>
+              <a:rPr lang="de-DE" dirty="0">
+                <a:solidFill>
+                  <a:schemeClr val="tx1"/>
+                </a:solidFill>
+              </a:rPr>
+              <a:t>y</a:t>
+            </a:r>
+          </a:p>
+        </p:txBody>
+      </p:sp>
+      <p:sp>
+        <p:nvSpPr>
+          <p:cNvPr id="12" name="Ellipse 11">
+            <a:extLst>
+              <a:ext uri="{FF2B5EF4-FFF2-40B4-BE49-F238E27FC236}">
+                <a16:creationId xmlns:a16="http://schemas.microsoft.com/office/drawing/2014/main" id="{46165CF1-4BB9-0524-3C11-027ACA7D81ED}"/>
+              </a:ext>
+            </a:extLst>
+          </p:cNvPr>
+          <p:cNvSpPr/>
+          <p:nvPr/>
+        </p:nvSpPr>
+        <p:spPr>
+          <a:xfrm>
+            <a:off x="8625885" y="4494362"/>
+            <a:ext cx="1242203" cy="836762"/>
+          </a:xfrm>
+          <a:prstGeom prst="ellipse">
+            <a:avLst/>
+          </a:prstGeom>
+          <a:solidFill>
+            <a:schemeClr val="bg1"/>
+          </a:solidFill>
+        </p:spPr>
+        <p:style>
+          <a:lnRef idx="2">
+            <a:schemeClr val="accent1">
+              <a:shade val="15000"/>
+            </a:schemeClr>
+          </a:lnRef>
+          <a:fillRef idx="1">
+            <a:schemeClr val="accent1"/>
+          </a:fillRef>
+          <a:effectRef idx="0">
+            <a:schemeClr val="accent1"/>
+          </a:effectRef>
+          <a:fontRef idx="minor">
+            <a:schemeClr val="lt1"/>
+          </a:fontRef>
+        </p:style>
+        <p:txBody>
+          <a:bodyPr rtlCol="0" anchor="ctr"/>
+          <a:lstStyle/>
+          <a:p>
+            <a:pPr algn="ctr"/>
+            <a:r>
+              <a:rPr lang="de-DE" dirty="0">
+                <a:solidFill>
+                  <a:schemeClr val="tx1"/>
+                </a:solidFill>
+              </a:rPr>
+              <a:t>x</a:t>
+            </a:r>
+          </a:p>
+        </p:txBody>
+      </p:sp>
+      <p:pic>
+        <p:nvPicPr>
+          <p:cNvPr id="5" name="Grafik 4">
+            <a:extLst>
+              <a:ext uri="{FF2B5EF4-FFF2-40B4-BE49-F238E27FC236}">
+                <a16:creationId xmlns:a16="http://schemas.microsoft.com/office/drawing/2014/main" id="{2BF424B5-1AE0-85AC-CDD6-A48727ECBDBE}"/>
+              </a:ext>
+            </a:extLst>
+          </p:cNvPr>
+          <p:cNvPicPr>
+            <a:picLocks noChangeAspect="1"/>
+          </p:cNvPicPr>
+          <p:nvPr/>
+        </p:nvPicPr>
+        <p:blipFill>
+          <a:blip r:embed="rId2"/>
+          <a:stretch>
+            <a:fillRect/>
+          </a:stretch>
+        </p:blipFill>
+        <p:spPr>
+          <a:xfrm>
+            <a:off x="838199" y="1825625"/>
+            <a:ext cx="4326489" cy="4238745"/>
+          </a:xfrm>
+          <a:prstGeom prst="rect">
+            <a:avLst/>
+          </a:prstGeom>
+          <a:ln>
+            <a:solidFill>
+              <a:schemeClr val="tx1"/>
+            </a:solidFill>
+          </a:ln>
+        </p:spPr>
+      </p:pic>
+    </p:spTree>
+    <p:extLst>
+      <p:ext uri="{BB962C8B-B14F-4D97-AF65-F5344CB8AC3E}">
+        <p14:creationId xmlns:p14="http://schemas.microsoft.com/office/powerpoint/2010/main" val="3694205626"/>
+      </p:ext>
+    </p:extLst>
+  </p:cSld>
+  <p:clrMapOvr>
+    <a:masterClrMapping/>
+  </p:clrMapOvr>
+</p:sld>
+</file>
+
+<file path=ppt/slides/slide15.xml><?xml version="1.0" encoding="utf-8"?>
+<p:sld xmlns:a="http://schemas.openxmlformats.org/drawingml/2006/main" xmlns:r="http://schemas.openxmlformats.org/officeDocument/2006/relationships" xmlns:p="http://schemas.openxmlformats.org/presentationml/2006/main">
+  <p:cSld>
+    <p:spTree>
+      <p:nvGrpSpPr>
+        <p:cNvPr id="1" name=""/>
+        <p:cNvGrpSpPr/>
+        <p:nvPr/>
+      </p:nvGrpSpPr>
+      <p:grpSpPr>
+        <a:xfrm>
+          <a:off x="0" y="0"/>
+          <a:ext cx="0" cy="0"/>
+          <a:chOff x="0" y="0"/>
+          <a:chExt cx="0" cy="0"/>
+        </a:xfrm>
+      </p:grpSpPr>
+      <p:sp>
+        <p:nvSpPr>
+          <p:cNvPr id="2" name="Titel 1">
+            <a:extLst>
+              <a:ext uri="{FF2B5EF4-FFF2-40B4-BE49-F238E27FC236}">
+                <a16:creationId xmlns:a16="http://schemas.microsoft.com/office/drawing/2014/main" id="{661FD3D5-05E5-BB98-FE98-EAB9EA7B8B07}"/>
+              </a:ext>
+            </a:extLst>
+          </p:cNvPr>
+          <p:cNvSpPr>
+            <a:spLocks noGrp="1"/>
+          </p:cNvSpPr>
+          <p:nvPr>
+            <p:ph type="title"/>
+          </p:nvPr>
+        </p:nvSpPr>
+        <p:spPr/>
+        <p:txBody>
+          <a:bodyPr/>
+          <a:lstStyle/>
+          <a:p>
+            <a:r>
+              <a:rPr lang="de-DE" dirty="0"/>
+              <a:t>Dynamische Deadlock-Analyse</a:t>
+            </a:r>
+          </a:p>
+        </p:txBody>
+      </p:sp>
+      <p:sp>
+        <p:nvSpPr>
+          <p:cNvPr id="9" name="Textfeld 8">
+            <a:extLst>
+              <a:ext uri="{FF2B5EF4-FFF2-40B4-BE49-F238E27FC236}">
+                <a16:creationId xmlns:a16="http://schemas.microsoft.com/office/drawing/2014/main" id="{42F91DDC-9C08-AAF8-F17D-84ACF3C79F2B}"/>
+              </a:ext>
+            </a:extLst>
+          </p:cNvPr>
+          <p:cNvSpPr txBox="1"/>
+          <p:nvPr/>
+        </p:nvSpPr>
+        <p:spPr>
+          <a:xfrm>
+            <a:off x="5235327" y="1825625"/>
+            <a:ext cx="5883215" cy="1200329"/>
+          </a:xfrm>
+          <a:prstGeom prst="rect">
+            <a:avLst/>
+          </a:prstGeom>
+          <a:noFill/>
+        </p:spPr>
+        <p:txBody>
+          <a:bodyPr wrap="square" rtlCol="0">
+            <a:spAutoFit/>
+          </a:bodyPr>
+          <a:lstStyle/>
+          <a:p>
+            <a:r>
+              <a:rPr lang="de-DE" dirty="0"/>
+              <a:t>Es gibt die Locks x und y im Trace </a:t>
+            </a:r>
+          </a:p>
+          <a:p>
+            <a:pPr marL="285750" indent="-285750">
+              <a:buFont typeface="Wingdings" panose="05000000000000000000" pitchFamily="2" charset="2"/>
+              <a:buChar char="è"/>
+            </a:pPr>
+            <a:r>
+              <a:rPr lang="de-DE" dirty="0"/>
+              <a:t>Knoten x und y im Graph</a:t>
+            </a:r>
+          </a:p>
+          <a:p>
+            <a:r>
+              <a:rPr lang="de-DE" dirty="0"/>
+              <a:t>In T1 wird nach Lock y Lock x reserviert</a:t>
+            </a:r>
+          </a:p>
+          <a:p>
+            <a:pPr marL="285750" indent="-285750">
+              <a:buFont typeface="Wingdings" panose="05000000000000000000" pitchFamily="2" charset="2"/>
+              <a:buChar char="è"/>
+            </a:pPr>
+            <a:r>
+              <a:rPr lang="de-DE" dirty="0"/>
+              <a:t>Kante von y nach x</a:t>
+            </a:r>
+          </a:p>
+        </p:txBody>
+      </p:sp>
+      <p:sp>
+        <p:nvSpPr>
+          <p:cNvPr id="10" name="Ellipse 9">
+            <a:extLst>
+              <a:ext uri="{FF2B5EF4-FFF2-40B4-BE49-F238E27FC236}">
+                <a16:creationId xmlns:a16="http://schemas.microsoft.com/office/drawing/2014/main" id="{B3BE2E0C-42FE-471D-A03E-A9B806CC0DB5}"/>
+              </a:ext>
+            </a:extLst>
+          </p:cNvPr>
+          <p:cNvSpPr/>
+          <p:nvPr/>
+        </p:nvSpPr>
+        <p:spPr>
+          <a:xfrm>
+            <a:off x="5897971" y="4494362"/>
+            <a:ext cx="1242203" cy="836762"/>
+          </a:xfrm>
+          <a:prstGeom prst="ellipse">
+            <a:avLst/>
+          </a:prstGeom>
+          <a:solidFill>
+            <a:schemeClr val="bg1"/>
+          </a:solidFill>
+        </p:spPr>
+        <p:style>
+          <a:lnRef idx="2">
+            <a:schemeClr val="accent1">
+              <a:shade val="15000"/>
+            </a:schemeClr>
+          </a:lnRef>
+          <a:fillRef idx="1">
+            <a:schemeClr val="accent1"/>
+          </a:fillRef>
+          <a:effectRef idx="0">
+            <a:schemeClr val="accent1"/>
+          </a:effectRef>
+          <a:fontRef idx="minor">
+            <a:schemeClr val="lt1"/>
+          </a:fontRef>
+        </p:style>
+        <p:txBody>
+          <a:bodyPr rtlCol="0" anchor="ctr"/>
+          <a:lstStyle/>
+          <a:p>
+            <a:pPr algn="ctr"/>
+            <a:r>
+              <a:rPr lang="de-DE" dirty="0">
+                <a:solidFill>
+                  <a:schemeClr val="tx1"/>
+                </a:solidFill>
+              </a:rPr>
+              <a:t>y</a:t>
+            </a:r>
+          </a:p>
+        </p:txBody>
+      </p:sp>
+      <p:sp>
+        <p:nvSpPr>
+          <p:cNvPr id="12" name="Ellipse 11">
+            <a:extLst>
+              <a:ext uri="{FF2B5EF4-FFF2-40B4-BE49-F238E27FC236}">
+                <a16:creationId xmlns:a16="http://schemas.microsoft.com/office/drawing/2014/main" id="{46165CF1-4BB9-0524-3C11-027ACA7D81ED}"/>
+              </a:ext>
+            </a:extLst>
+          </p:cNvPr>
+          <p:cNvSpPr/>
+          <p:nvPr/>
+        </p:nvSpPr>
+        <p:spPr>
+          <a:xfrm>
+            <a:off x="8625885" y="4494362"/>
+            <a:ext cx="1242203" cy="836762"/>
+          </a:xfrm>
+          <a:prstGeom prst="ellipse">
+            <a:avLst/>
+          </a:prstGeom>
+          <a:solidFill>
+            <a:schemeClr val="bg1"/>
+          </a:solidFill>
+        </p:spPr>
+        <p:style>
+          <a:lnRef idx="2">
+            <a:schemeClr val="accent1">
+              <a:shade val="15000"/>
+            </a:schemeClr>
+          </a:lnRef>
+          <a:fillRef idx="1">
+            <a:schemeClr val="accent1"/>
+          </a:fillRef>
+          <a:effectRef idx="0">
+            <a:schemeClr val="accent1"/>
+          </a:effectRef>
+          <a:fontRef idx="minor">
+            <a:schemeClr val="lt1"/>
+          </a:fontRef>
+        </p:style>
+        <p:txBody>
+          <a:bodyPr rtlCol="0" anchor="ctr"/>
+          <a:lstStyle/>
+          <a:p>
+            <a:pPr algn="ctr"/>
+            <a:r>
+              <a:rPr lang="de-DE" dirty="0">
+                <a:solidFill>
+                  <a:schemeClr val="tx1"/>
+                </a:solidFill>
+              </a:rPr>
+              <a:t>x</a:t>
+            </a:r>
+          </a:p>
+        </p:txBody>
+      </p:sp>
+      <p:pic>
+        <p:nvPicPr>
+          <p:cNvPr id="5" name="Grafik 4">
+            <a:extLst>
+              <a:ext uri="{FF2B5EF4-FFF2-40B4-BE49-F238E27FC236}">
+                <a16:creationId xmlns:a16="http://schemas.microsoft.com/office/drawing/2014/main" id="{2BF424B5-1AE0-85AC-CDD6-A48727ECBDBE}"/>
+              </a:ext>
+            </a:extLst>
+          </p:cNvPr>
+          <p:cNvPicPr>
+            <a:picLocks noChangeAspect="1"/>
+          </p:cNvPicPr>
+          <p:nvPr/>
+        </p:nvPicPr>
+        <p:blipFill>
+          <a:blip r:embed="rId2"/>
+          <a:stretch>
+            <a:fillRect/>
+          </a:stretch>
+        </p:blipFill>
+        <p:spPr>
+          <a:xfrm>
+            <a:off x="838199" y="1825625"/>
+            <a:ext cx="4326489" cy="4238745"/>
+          </a:xfrm>
+          <a:prstGeom prst="rect">
+            <a:avLst/>
+          </a:prstGeom>
+          <a:ln>
+            <a:solidFill>
+              <a:schemeClr val="tx1"/>
+            </a:solidFill>
+          </a:ln>
+        </p:spPr>
+      </p:pic>
+      <p:cxnSp>
+        <p:nvCxnSpPr>
+          <p:cNvPr id="4" name="Verbinder: gekrümmt 3">
+            <a:extLst>
+              <a:ext uri="{FF2B5EF4-FFF2-40B4-BE49-F238E27FC236}">
+                <a16:creationId xmlns:a16="http://schemas.microsoft.com/office/drawing/2014/main" id="{28837C48-F214-DA62-CEA2-044D2437EC29}"/>
+              </a:ext>
+            </a:extLst>
+          </p:cNvPr>
+          <p:cNvCxnSpPr>
+            <a:cxnSpLocks/>
+            <a:stCxn id="10" idx="0"/>
+            <a:endCxn id="12" idx="0"/>
+          </p:cNvCxnSpPr>
+          <p:nvPr/>
+        </p:nvCxnSpPr>
+        <p:spPr>
+          <a:xfrm rot="5400000" flipH="1" flipV="1">
+            <a:off x="7883030" y="3130405"/>
+            <a:ext cx="12700" cy="2727914"/>
+          </a:xfrm>
+          <a:prstGeom prst="curvedConnector3">
+            <a:avLst>
+              <a:gd name="adj1" fmla="val 1800000"/>
+            </a:avLst>
+          </a:prstGeom>
+          <a:ln>
+            <a:tailEnd type="triangle"/>
+          </a:ln>
+        </p:spPr>
+        <p:style>
+          <a:lnRef idx="1">
+            <a:schemeClr val="accent1"/>
+          </a:lnRef>
+          <a:fillRef idx="0">
+            <a:schemeClr val="accent1"/>
+          </a:fillRef>
+          <a:effectRef idx="0">
+            <a:schemeClr val="accent1"/>
+          </a:effectRef>
+          <a:fontRef idx="minor">
+            <a:schemeClr val="tx1"/>
+          </a:fontRef>
+        </p:style>
+      </p:cxnSp>
+    </p:spTree>
+    <p:extLst>
+      <p:ext uri="{BB962C8B-B14F-4D97-AF65-F5344CB8AC3E}">
+        <p14:creationId xmlns:p14="http://schemas.microsoft.com/office/powerpoint/2010/main" val="3807981448"/>
+      </p:ext>
+    </p:extLst>
+  </p:cSld>
+  <p:clrMapOvr>
+    <a:masterClrMapping/>
+  </p:clrMapOvr>
+</p:sld>
+</file>
+
+<file path=ppt/slides/slide16.xml><?xml version="1.0" encoding="utf-8"?>
+<p:sld xmlns:a="http://schemas.openxmlformats.org/drawingml/2006/main" xmlns:r="http://schemas.openxmlformats.org/officeDocument/2006/relationships" xmlns:p="http://schemas.openxmlformats.org/presentationml/2006/main">
+  <p:cSld>
+    <p:spTree>
+      <p:nvGrpSpPr>
+        <p:cNvPr id="1" name=""/>
+        <p:cNvGrpSpPr/>
+        <p:nvPr/>
+      </p:nvGrpSpPr>
+      <p:grpSpPr>
+        <a:xfrm>
+          <a:off x="0" y="0"/>
+          <a:ext cx="0" cy="0"/>
+          <a:chOff x="0" y="0"/>
+          <a:chExt cx="0" cy="0"/>
+        </a:xfrm>
+      </p:grpSpPr>
+      <p:sp>
+        <p:nvSpPr>
+          <p:cNvPr id="2" name="Titel 1">
+            <a:extLst>
+              <a:ext uri="{FF2B5EF4-FFF2-40B4-BE49-F238E27FC236}">
+                <a16:creationId xmlns:a16="http://schemas.microsoft.com/office/drawing/2014/main" id="{661FD3D5-05E5-BB98-FE98-EAB9EA7B8B07}"/>
+              </a:ext>
+            </a:extLst>
+          </p:cNvPr>
+          <p:cNvSpPr>
+            <a:spLocks noGrp="1"/>
+          </p:cNvSpPr>
+          <p:nvPr>
+            <p:ph type="title"/>
+          </p:nvPr>
+        </p:nvSpPr>
+        <p:spPr/>
+        <p:txBody>
+          <a:bodyPr/>
+          <a:lstStyle/>
+          <a:p>
+            <a:r>
+              <a:rPr lang="de-DE" dirty="0"/>
+              <a:t>Dynamische Deadlock-Analyse</a:t>
+            </a:r>
+          </a:p>
+        </p:txBody>
+      </p:sp>
+      <p:sp>
+        <p:nvSpPr>
+          <p:cNvPr id="9" name="Textfeld 8">
+            <a:extLst>
+              <a:ext uri="{FF2B5EF4-FFF2-40B4-BE49-F238E27FC236}">
+                <a16:creationId xmlns:a16="http://schemas.microsoft.com/office/drawing/2014/main" id="{42F91DDC-9C08-AAF8-F17D-84ACF3C79F2B}"/>
+              </a:ext>
+            </a:extLst>
+          </p:cNvPr>
+          <p:cNvSpPr txBox="1"/>
+          <p:nvPr/>
+        </p:nvSpPr>
+        <p:spPr>
+          <a:xfrm>
+            <a:off x="5235327" y="1825625"/>
+            <a:ext cx="5883215" cy="1754326"/>
+          </a:xfrm>
+          <a:prstGeom prst="rect">
+            <a:avLst/>
+          </a:prstGeom>
+          <a:noFill/>
+        </p:spPr>
+        <p:txBody>
+          <a:bodyPr wrap="square" rtlCol="0">
+            <a:spAutoFit/>
+          </a:bodyPr>
+          <a:lstStyle/>
+          <a:p>
+            <a:r>
+              <a:rPr lang="de-DE" dirty="0"/>
+              <a:t>Es gibt die Locks x und y im Trace </a:t>
+            </a:r>
+          </a:p>
+          <a:p>
+            <a:pPr marL="285750" indent="-285750">
+              <a:buFont typeface="Wingdings" panose="05000000000000000000" pitchFamily="2" charset="2"/>
+              <a:buChar char="è"/>
+            </a:pPr>
+            <a:r>
+              <a:rPr lang="de-DE" dirty="0"/>
+              <a:t>Knoten x und y im Graph</a:t>
+            </a:r>
+          </a:p>
+          <a:p>
+            <a:r>
+              <a:rPr lang="de-DE" dirty="0"/>
+              <a:t>In T1 wird nach Lock y Lock x reserviert</a:t>
+            </a:r>
+          </a:p>
+          <a:p>
+            <a:pPr marL="285750" indent="-285750">
+              <a:buFont typeface="Wingdings" panose="05000000000000000000" pitchFamily="2" charset="2"/>
+              <a:buChar char="è"/>
+            </a:pPr>
+            <a:r>
+              <a:rPr lang="de-DE" dirty="0"/>
+              <a:t>Kante von y nach x</a:t>
+            </a:r>
+          </a:p>
+          <a:p>
+            <a:r>
+              <a:rPr lang="de-DE" dirty="0"/>
+              <a:t>In T1 wird nach Lock x Lock y reserviert</a:t>
+            </a:r>
+          </a:p>
+          <a:p>
+            <a:pPr marL="285750" indent="-285750">
+              <a:buFont typeface="Wingdings" panose="05000000000000000000" pitchFamily="2" charset="2"/>
+              <a:buChar char="è"/>
+            </a:pPr>
+            <a:r>
+              <a:rPr lang="de-DE" dirty="0"/>
+              <a:t>Kante von x nach y</a:t>
+            </a:r>
+          </a:p>
+        </p:txBody>
+      </p:sp>
+      <p:sp>
+        <p:nvSpPr>
+          <p:cNvPr id="10" name="Ellipse 9">
+            <a:extLst>
+              <a:ext uri="{FF2B5EF4-FFF2-40B4-BE49-F238E27FC236}">
+                <a16:creationId xmlns:a16="http://schemas.microsoft.com/office/drawing/2014/main" id="{B3BE2E0C-42FE-471D-A03E-A9B806CC0DB5}"/>
+              </a:ext>
+            </a:extLst>
+          </p:cNvPr>
+          <p:cNvSpPr/>
+          <p:nvPr/>
+        </p:nvSpPr>
+        <p:spPr>
+          <a:xfrm>
+            <a:off x="5897971" y="4494362"/>
+            <a:ext cx="1242203" cy="836762"/>
+          </a:xfrm>
+          <a:prstGeom prst="ellipse">
+            <a:avLst/>
+          </a:prstGeom>
+          <a:solidFill>
+            <a:schemeClr val="bg1"/>
+          </a:solidFill>
+        </p:spPr>
+        <p:style>
+          <a:lnRef idx="2">
+            <a:schemeClr val="accent1">
+              <a:shade val="15000"/>
+            </a:schemeClr>
+          </a:lnRef>
+          <a:fillRef idx="1">
+            <a:schemeClr val="accent1"/>
+          </a:fillRef>
+          <a:effectRef idx="0">
+            <a:schemeClr val="accent1"/>
+          </a:effectRef>
+          <a:fontRef idx="minor">
+            <a:schemeClr val="lt1"/>
+          </a:fontRef>
+        </p:style>
+        <p:txBody>
+          <a:bodyPr rtlCol="0" anchor="ctr"/>
+          <a:lstStyle/>
+          <a:p>
+            <a:pPr algn="ctr"/>
+            <a:r>
+              <a:rPr lang="de-DE" dirty="0">
+                <a:solidFill>
+                  <a:schemeClr val="tx1"/>
+                </a:solidFill>
+              </a:rPr>
+              <a:t>y</a:t>
+            </a:r>
+          </a:p>
+        </p:txBody>
+      </p:sp>
+      <p:sp>
+        <p:nvSpPr>
+          <p:cNvPr id="12" name="Ellipse 11">
+            <a:extLst>
+              <a:ext uri="{FF2B5EF4-FFF2-40B4-BE49-F238E27FC236}">
+                <a16:creationId xmlns:a16="http://schemas.microsoft.com/office/drawing/2014/main" id="{46165CF1-4BB9-0524-3C11-027ACA7D81ED}"/>
+              </a:ext>
+            </a:extLst>
+          </p:cNvPr>
+          <p:cNvSpPr/>
+          <p:nvPr/>
+        </p:nvSpPr>
+        <p:spPr>
+          <a:xfrm>
+            <a:off x="8625885" y="4494362"/>
+            <a:ext cx="1242203" cy="836762"/>
+          </a:xfrm>
+          <a:prstGeom prst="ellipse">
+            <a:avLst/>
+          </a:prstGeom>
+          <a:solidFill>
+            <a:schemeClr val="bg1"/>
+          </a:solidFill>
+        </p:spPr>
+        <p:style>
+          <a:lnRef idx="2">
+            <a:schemeClr val="accent1">
+              <a:shade val="15000"/>
+            </a:schemeClr>
+          </a:lnRef>
+          <a:fillRef idx="1">
+            <a:schemeClr val="accent1"/>
+          </a:fillRef>
+          <a:effectRef idx="0">
+            <a:schemeClr val="accent1"/>
+          </a:effectRef>
+          <a:fontRef idx="minor">
+            <a:schemeClr val="lt1"/>
+          </a:fontRef>
+        </p:style>
+        <p:txBody>
+          <a:bodyPr rtlCol="0" anchor="ctr"/>
+          <a:lstStyle/>
+          <a:p>
+            <a:pPr algn="ctr"/>
+            <a:r>
+              <a:rPr lang="de-DE" dirty="0">
+                <a:solidFill>
+                  <a:schemeClr val="tx1"/>
+                </a:solidFill>
+              </a:rPr>
+              <a:t>x</a:t>
+            </a:r>
+          </a:p>
+        </p:txBody>
+      </p:sp>
+      <p:pic>
+        <p:nvPicPr>
+          <p:cNvPr id="5" name="Grafik 4">
+            <a:extLst>
+              <a:ext uri="{FF2B5EF4-FFF2-40B4-BE49-F238E27FC236}">
+                <a16:creationId xmlns:a16="http://schemas.microsoft.com/office/drawing/2014/main" id="{2BF424B5-1AE0-85AC-CDD6-A48727ECBDBE}"/>
+              </a:ext>
+            </a:extLst>
+          </p:cNvPr>
+          <p:cNvPicPr>
+            <a:picLocks noChangeAspect="1"/>
+          </p:cNvPicPr>
+          <p:nvPr/>
+        </p:nvPicPr>
+        <p:blipFill>
+          <a:blip r:embed="rId2"/>
+          <a:stretch>
+            <a:fillRect/>
+          </a:stretch>
+        </p:blipFill>
+        <p:spPr>
+          <a:xfrm>
+            <a:off x="838199" y="1825625"/>
+            <a:ext cx="4326489" cy="4238745"/>
+          </a:xfrm>
+          <a:prstGeom prst="rect">
+            <a:avLst/>
+          </a:prstGeom>
+          <a:ln>
+            <a:solidFill>
+              <a:schemeClr val="tx1"/>
+            </a:solidFill>
+          </a:ln>
+        </p:spPr>
+      </p:pic>
+      <p:cxnSp>
+        <p:nvCxnSpPr>
+          <p:cNvPr id="4" name="Verbinder: gekrümmt 3">
+            <a:extLst>
+              <a:ext uri="{FF2B5EF4-FFF2-40B4-BE49-F238E27FC236}">
+                <a16:creationId xmlns:a16="http://schemas.microsoft.com/office/drawing/2014/main" id="{28837C48-F214-DA62-CEA2-044D2437EC29}"/>
+              </a:ext>
+            </a:extLst>
+          </p:cNvPr>
+          <p:cNvCxnSpPr>
+            <a:cxnSpLocks/>
+            <a:stCxn id="10" idx="0"/>
+            <a:endCxn id="12" idx="0"/>
+          </p:cNvCxnSpPr>
+          <p:nvPr/>
+        </p:nvCxnSpPr>
+        <p:spPr>
+          <a:xfrm rot="5400000" flipH="1" flipV="1">
+            <a:off x="7883030" y="3130405"/>
+            <a:ext cx="12700" cy="2727914"/>
+          </a:xfrm>
+          <a:prstGeom prst="curvedConnector3">
+            <a:avLst>
+              <a:gd name="adj1" fmla="val 1800000"/>
+            </a:avLst>
+          </a:prstGeom>
+          <a:ln>
+            <a:tailEnd type="triangle"/>
+          </a:ln>
+        </p:spPr>
+        <p:style>
+          <a:lnRef idx="1">
+            <a:schemeClr val="accent1"/>
+          </a:lnRef>
+          <a:fillRef idx="0">
+            <a:schemeClr val="accent1"/>
+          </a:fillRef>
+          <a:effectRef idx="0">
+            <a:schemeClr val="accent1"/>
+          </a:effectRef>
+          <a:fontRef idx="minor">
+            <a:schemeClr val="tx1"/>
+          </a:fontRef>
+        </p:style>
+      </p:cxnSp>
+      <p:cxnSp>
+        <p:nvCxnSpPr>
+          <p:cNvPr id="11" name="Verbinder: gekrümmt 10">
+            <a:extLst>
+              <a:ext uri="{FF2B5EF4-FFF2-40B4-BE49-F238E27FC236}">
+                <a16:creationId xmlns:a16="http://schemas.microsoft.com/office/drawing/2014/main" id="{C8C8FB1E-C766-BBAB-0476-EA139E523262}"/>
+              </a:ext>
+            </a:extLst>
+          </p:cNvPr>
+          <p:cNvCxnSpPr>
+            <a:cxnSpLocks/>
+            <a:stCxn id="12" idx="4"/>
+            <a:endCxn id="10" idx="4"/>
+          </p:cNvCxnSpPr>
+          <p:nvPr/>
+        </p:nvCxnSpPr>
+        <p:spPr>
+          <a:xfrm rot="5400000">
+            <a:off x="7883030" y="3967167"/>
+            <a:ext cx="12700" cy="2727914"/>
+          </a:xfrm>
+          <a:prstGeom prst="curvedConnector3">
+            <a:avLst>
+              <a:gd name="adj1" fmla="val 1800000"/>
+            </a:avLst>
+          </a:prstGeom>
+          <a:ln>
+            <a:tailEnd type="triangle"/>
+          </a:ln>
+        </p:spPr>
+        <p:style>
+          <a:lnRef idx="1">
+            <a:schemeClr val="accent1"/>
+          </a:lnRef>
+          <a:fillRef idx="0">
+            <a:schemeClr val="accent1"/>
+          </a:fillRef>
+          <a:effectRef idx="0">
+            <a:schemeClr val="accent1"/>
+          </a:effectRef>
+          <a:fontRef idx="minor">
+            <a:schemeClr val="tx1"/>
+          </a:fontRef>
+        </p:style>
+      </p:cxnSp>
+    </p:spTree>
+    <p:extLst>
+      <p:ext uri="{BB962C8B-B14F-4D97-AF65-F5344CB8AC3E}">
+        <p14:creationId xmlns:p14="http://schemas.microsoft.com/office/powerpoint/2010/main" val="1656782471"/>
+      </p:ext>
+    </p:extLst>
+  </p:cSld>
+  <p:clrMapOvr>
+    <a:masterClrMapping/>
+  </p:clrMapOvr>
+</p:sld>
+</file>
+
+<file path=ppt/slides/slide17.xml><?xml version="1.0" encoding="utf-8"?>
+<p:sld xmlns:a="http://schemas.openxmlformats.org/drawingml/2006/main" xmlns:r="http://schemas.openxmlformats.org/officeDocument/2006/relationships" xmlns:p="http://schemas.openxmlformats.org/presentationml/2006/main">
+  <p:cSld>
+    <p:spTree>
+      <p:nvGrpSpPr>
+        <p:cNvPr id="1" name=""/>
+        <p:cNvGrpSpPr/>
+        <p:nvPr/>
+      </p:nvGrpSpPr>
+      <p:grpSpPr>
+        <a:xfrm>
+          <a:off x="0" y="0"/>
+          <a:ext cx="0" cy="0"/>
+          <a:chOff x="0" y="0"/>
+          <a:chExt cx="0" cy="0"/>
+        </a:xfrm>
+      </p:grpSpPr>
+      <p:sp>
+        <p:nvSpPr>
+          <p:cNvPr id="2" name="Titel 1">
+            <a:extLst>
+              <a:ext uri="{FF2B5EF4-FFF2-40B4-BE49-F238E27FC236}">
+                <a16:creationId xmlns:a16="http://schemas.microsoft.com/office/drawing/2014/main" id="{661FD3D5-05E5-BB98-FE98-EAB9EA7B8B07}"/>
+              </a:ext>
+            </a:extLst>
+          </p:cNvPr>
+          <p:cNvSpPr>
+            <a:spLocks noGrp="1"/>
+          </p:cNvSpPr>
+          <p:nvPr>
+            <p:ph type="title"/>
+          </p:nvPr>
+        </p:nvSpPr>
+        <p:spPr/>
+        <p:txBody>
+          <a:bodyPr/>
+          <a:lstStyle/>
+          <a:p>
+            <a:r>
+              <a:rPr lang="de-DE" dirty="0"/>
+              <a:t>Dynamische Deadlock-Analyse</a:t>
+            </a:r>
+          </a:p>
+        </p:txBody>
+      </p:sp>
+      <p:sp>
+        <p:nvSpPr>
+          <p:cNvPr id="9" name="Textfeld 8">
+            <a:extLst>
+              <a:ext uri="{FF2B5EF4-FFF2-40B4-BE49-F238E27FC236}">
+                <a16:creationId xmlns:a16="http://schemas.microsoft.com/office/drawing/2014/main" id="{42F91DDC-9C08-AAF8-F17D-84ACF3C79F2B}"/>
+              </a:ext>
+            </a:extLst>
+          </p:cNvPr>
+          <p:cNvSpPr txBox="1"/>
+          <p:nvPr/>
+        </p:nvSpPr>
+        <p:spPr>
+          <a:xfrm>
+            <a:off x="5235327" y="1825625"/>
+            <a:ext cx="5883215" cy="1754326"/>
+          </a:xfrm>
+          <a:prstGeom prst="rect">
+            <a:avLst/>
+          </a:prstGeom>
+          <a:noFill/>
+        </p:spPr>
+        <p:txBody>
+          <a:bodyPr wrap="square" rtlCol="0">
+            <a:spAutoFit/>
+          </a:bodyPr>
+          <a:lstStyle/>
+          <a:p>
+            <a:r>
+              <a:rPr lang="de-DE" dirty="0"/>
+              <a:t>Es gibt die Locks x und y im Trace </a:t>
+            </a:r>
+          </a:p>
+          <a:p>
+            <a:pPr marL="285750" indent="-285750">
+              <a:buFont typeface="Wingdings" panose="05000000000000000000" pitchFamily="2" charset="2"/>
+              <a:buChar char="è"/>
+            </a:pPr>
+            <a:r>
+              <a:rPr lang="de-DE" dirty="0"/>
+              <a:t>Knoten x und y im Graph</a:t>
+            </a:r>
+          </a:p>
+          <a:p>
+            <a:r>
+              <a:rPr lang="de-DE" dirty="0"/>
+              <a:t>In T1 wird nach Lock y Lock x reserviert</a:t>
+            </a:r>
+          </a:p>
+          <a:p>
+            <a:pPr marL="285750" indent="-285750">
+              <a:buFont typeface="Wingdings" panose="05000000000000000000" pitchFamily="2" charset="2"/>
+              <a:buChar char="è"/>
+            </a:pPr>
+            <a:r>
+              <a:rPr lang="de-DE" dirty="0"/>
+              <a:t>Kante von y nach x</a:t>
+            </a:r>
+          </a:p>
+          <a:p>
+            <a:r>
+              <a:rPr lang="de-DE" dirty="0"/>
+              <a:t>In T1 wird nach Lock x Lock y reserviert</a:t>
+            </a:r>
+          </a:p>
+          <a:p>
+            <a:pPr marL="285750" indent="-285750">
+              <a:buFont typeface="Wingdings" panose="05000000000000000000" pitchFamily="2" charset="2"/>
+              <a:buChar char="è"/>
+            </a:pPr>
+            <a:r>
+              <a:rPr lang="de-DE" dirty="0"/>
+              <a:t>Kante von x nach y</a:t>
+            </a:r>
+          </a:p>
+        </p:txBody>
+      </p:sp>
+      <p:sp>
+        <p:nvSpPr>
+          <p:cNvPr id="10" name="Ellipse 9">
+            <a:extLst>
+              <a:ext uri="{FF2B5EF4-FFF2-40B4-BE49-F238E27FC236}">
+                <a16:creationId xmlns:a16="http://schemas.microsoft.com/office/drawing/2014/main" id="{B3BE2E0C-42FE-471D-A03E-A9B806CC0DB5}"/>
+              </a:ext>
+            </a:extLst>
+          </p:cNvPr>
+          <p:cNvSpPr/>
+          <p:nvPr/>
+        </p:nvSpPr>
+        <p:spPr>
+          <a:xfrm>
+            <a:off x="5897971" y="4494362"/>
+            <a:ext cx="1242203" cy="836762"/>
+          </a:xfrm>
+          <a:prstGeom prst="ellipse">
+            <a:avLst/>
+          </a:prstGeom>
+          <a:solidFill>
+            <a:schemeClr val="bg1"/>
+          </a:solidFill>
+        </p:spPr>
+        <p:style>
+          <a:lnRef idx="2">
+            <a:schemeClr val="accent1">
+              <a:shade val="15000"/>
+            </a:schemeClr>
+          </a:lnRef>
+          <a:fillRef idx="1">
+            <a:schemeClr val="accent1"/>
+          </a:fillRef>
+          <a:effectRef idx="0">
+            <a:schemeClr val="accent1"/>
+          </a:effectRef>
+          <a:fontRef idx="minor">
+            <a:schemeClr val="lt1"/>
+          </a:fontRef>
+        </p:style>
+        <p:txBody>
+          <a:bodyPr rtlCol="0" anchor="ctr"/>
+          <a:lstStyle/>
+          <a:p>
+            <a:pPr algn="ctr"/>
+            <a:r>
+              <a:rPr lang="de-DE" dirty="0">
+                <a:solidFill>
+                  <a:schemeClr val="tx1"/>
+                </a:solidFill>
+              </a:rPr>
+              <a:t>y</a:t>
+            </a:r>
+          </a:p>
+        </p:txBody>
+      </p:sp>
+      <p:sp>
+        <p:nvSpPr>
+          <p:cNvPr id="12" name="Ellipse 11">
+            <a:extLst>
+              <a:ext uri="{FF2B5EF4-FFF2-40B4-BE49-F238E27FC236}">
+                <a16:creationId xmlns:a16="http://schemas.microsoft.com/office/drawing/2014/main" id="{46165CF1-4BB9-0524-3C11-027ACA7D81ED}"/>
+              </a:ext>
+            </a:extLst>
+          </p:cNvPr>
+          <p:cNvSpPr/>
+          <p:nvPr/>
+        </p:nvSpPr>
+        <p:spPr>
+          <a:xfrm>
+            <a:off x="8625885" y="4494362"/>
+            <a:ext cx="1242203" cy="836762"/>
+          </a:xfrm>
+          <a:prstGeom prst="ellipse">
+            <a:avLst/>
+          </a:prstGeom>
+          <a:solidFill>
+            <a:schemeClr val="bg1"/>
+          </a:solidFill>
+        </p:spPr>
+        <p:style>
+          <a:lnRef idx="2">
+            <a:schemeClr val="accent1">
+              <a:shade val="15000"/>
+            </a:schemeClr>
+          </a:lnRef>
+          <a:fillRef idx="1">
+            <a:schemeClr val="accent1"/>
+          </a:fillRef>
+          <a:effectRef idx="0">
+            <a:schemeClr val="accent1"/>
+          </a:effectRef>
+          <a:fontRef idx="minor">
+            <a:schemeClr val="lt1"/>
+          </a:fontRef>
+        </p:style>
+        <p:txBody>
+          <a:bodyPr rtlCol="0" anchor="ctr"/>
+          <a:lstStyle/>
+          <a:p>
+            <a:pPr algn="ctr"/>
+            <a:r>
+              <a:rPr lang="de-DE" dirty="0">
+                <a:solidFill>
+                  <a:schemeClr val="tx1"/>
+                </a:solidFill>
+              </a:rPr>
+              <a:t>x</a:t>
+            </a:r>
+          </a:p>
+        </p:txBody>
+      </p:sp>
+      <p:pic>
+        <p:nvPicPr>
+          <p:cNvPr id="5" name="Grafik 4">
+            <a:extLst>
+              <a:ext uri="{FF2B5EF4-FFF2-40B4-BE49-F238E27FC236}">
+                <a16:creationId xmlns:a16="http://schemas.microsoft.com/office/drawing/2014/main" id="{2BF424B5-1AE0-85AC-CDD6-A48727ECBDBE}"/>
+              </a:ext>
+            </a:extLst>
+          </p:cNvPr>
+          <p:cNvPicPr>
+            <a:picLocks noChangeAspect="1"/>
+          </p:cNvPicPr>
+          <p:nvPr/>
+        </p:nvPicPr>
+        <p:blipFill>
+          <a:blip r:embed="rId2"/>
+          <a:stretch>
+            <a:fillRect/>
+          </a:stretch>
+        </p:blipFill>
+        <p:spPr>
+          <a:xfrm>
+            <a:off x="838199" y="1825625"/>
+            <a:ext cx="4326489" cy="4238745"/>
+          </a:xfrm>
+          <a:prstGeom prst="rect">
+            <a:avLst/>
+          </a:prstGeom>
+          <a:ln>
+            <a:solidFill>
+              <a:schemeClr val="tx1"/>
+            </a:solidFill>
+          </a:ln>
+        </p:spPr>
+      </p:pic>
+      <p:cxnSp>
+        <p:nvCxnSpPr>
+          <p:cNvPr id="4" name="Verbinder: gekrümmt 3">
+            <a:extLst>
+              <a:ext uri="{FF2B5EF4-FFF2-40B4-BE49-F238E27FC236}">
+                <a16:creationId xmlns:a16="http://schemas.microsoft.com/office/drawing/2014/main" id="{28837C48-F214-DA62-CEA2-044D2437EC29}"/>
+              </a:ext>
+            </a:extLst>
+          </p:cNvPr>
+          <p:cNvCxnSpPr>
+            <a:cxnSpLocks/>
+            <a:stCxn id="10" idx="0"/>
+            <a:endCxn id="12" idx="0"/>
+          </p:cNvCxnSpPr>
+          <p:nvPr/>
+        </p:nvCxnSpPr>
+        <p:spPr>
+          <a:xfrm rot="5400000" flipH="1" flipV="1">
+            <a:off x="7883030" y="3130405"/>
+            <a:ext cx="12700" cy="2727914"/>
+          </a:xfrm>
+          <a:prstGeom prst="curvedConnector3">
+            <a:avLst>
+              <a:gd name="adj1" fmla="val 1800000"/>
+            </a:avLst>
+          </a:prstGeom>
+          <a:ln>
+            <a:tailEnd type="triangle"/>
+          </a:ln>
+        </p:spPr>
+        <p:style>
+          <a:lnRef idx="1">
+            <a:schemeClr val="accent1"/>
+          </a:lnRef>
+          <a:fillRef idx="0">
+            <a:schemeClr val="accent1"/>
+          </a:fillRef>
+          <a:effectRef idx="0">
+            <a:schemeClr val="accent1"/>
+          </a:effectRef>
+          <a:fontRef idx="minor">
+            <a:schemeClr val="tx1"/>
+          </a:fontRef>
+        </p:style>
+      </p:cxnSp>
+      <p:cxnSp>
+        <p:nvCxnSpPr>
+          <p:cNvPr id="11" name="Verbinder: gekrümmt 10">
+            <a:extLst>
+              <a:ext uri="{FF2B5EF4-FFF2-40B4-BE49-F238E27FC236}">
+                <a16:creationId xmlns:a16="http://schemas.microsoft.com/office/drawing/2014/main" id="{C8C8FB1E-C766-BBAB-0476-EA139E523262}"/>
+              </a:ext>
+            </a:extLst>
+          </p:cNvPr>
+          <p:cNvCxnSpPr>
+            <a:cxnSpLocks/>
+            <a:stCxn id="12" idx="4"/>
+            <a:endCxn id="10" idx="4"/>
+          </p:cNvCxnSpPr>
+          <p:nvPr/>
+        </p:nvCxnSpPr>
+        <p:spPr>
+          <a:xfrm rot="5400000">
+            <a:off x="7883030" y="3967167"/>
+            <a:ext cx="12700" cy="2727914"/>
+          </a:xfrm>
+          <a:prstGeom prst="curvedConnector3">
+            <a:avLst>
+              <a:gd name="adj1" fmla="val 1800000"/>
+            </a:avLst>
+          </a:prstGeom>
+          <a:ln>
+            <a:tailEnd type="triangle"/>
+          </a:ln>
+        </p:spPr>
+        <p:style>
+          <a:lnRef idx="1">
+            <a:schemeClr val="accent1"/>
+          </a:lnRef>
+          <a:fillRef idx="0">
+            <a:schemeClr val="accent1"/>
+          </a:fillRef>
+          <a:effectRef idx="0">
+            <a:schemeClr val="accent1"/>
+          </a:effectRef>
+          <a:fontRef idx="minor">
+            <a:schemeClr val="tx1"/>
+          </a:fontRef>
+        </p:style>
+      </p:cxnSp>
+      <p:sp>
+        <p:nvSpPr>
+          <p:cNvPr id="3" name="Textfeld 2">
+            <a:extLst>
+              <a:ext uri="{FF2B5EF4-FFF2-40B4-BE49-F238E27FC236}">
+                <a16:creationId xmlns:a16="http://schemas.microsoft.com/office/drawing/2014/main" id="{FFBC0257-268A-4AA3-A6A9-98E8C7096EA9}"/>
+              </a:ext>
+            </a:extLst>
+          </p:cNvPr>
+          <p:cNvSpPr txBox="1"/>
+          <p:nvPr/>
+        </p:nvSpPr>
+        <p:spPr>
+          <a:xfrm>
+            <a:off x="5235327" y="5555411"/>
+            <a:ext cx="5306152" cy="923330"/>
+          </a:xfrm>
+          <a:prstGeom prst="rect">
+            <a:avLst/>
+          </a:prstGeom>
+          <a:noFill/>
+        </p:spPr>
+        <p:txBody>
+          <a:bodyPr wrap="square" rtlCol="0">
+            <a:spAutoFit/>
+          </a:bodyPr>
+          <a:lstStyle/>
+          <a:p>
+            <a:pPr marL="285750" indent="-285750">
+              <a:buFont typeface="Wingdings" panose="05000000000000000000" pitchFamily="2" charset="2"/>
+              <a:buChar char="è"/>
+            </a:pPr>
+            <a:r>
+              <a:rPr lang="de-DE" dirty="0"/>
+              <a:t>Der resultierende Graph enthält einen Zyklus, also wird ein Deadlock vorhergesagt.</a:t>
+            </a:r>
+          </a:p>
+          <a:p>
+            <a:pPr marL="285750" indent="-285750">
+              <a:buFont typeface="Wingdings" panose="05000000000000000000" pitchFamily="2" charset="2"/>
+              <a:buChar char="è"/>
+            </a:pPr>
+            <a:r>
+              <a:rPr lang="de-DE" dirty="0" err="1"/>
+              <a:t>False</a:t>
+            </a:r>
+            <a:r>
+              <a:rPr lang="de-DE" dirty="0"/>
+              <a:t>-Positive, da alle Events im gleichen Trace</a:t>
+            </a:r>
+          </a:p>
+        </p:txBody>
+      </p:sp>
+    </p:spTree>
+    <p:extLst>
+      <p:ext uri="{BB962C8B-B14F-4D97-AF65-F5344CB8AC3E}">
+        <p14:creationId xmlns:p14="http://schemas.microsoft.com/office/powerpoint/2010/main" val="4015444166"/>
+      </p:ext>
+    </p:extLst>
+  </p:cSld>
+  <p:clrMapOvr>
+    <a:masterClrMapping/>
+  </p:clrMapOvr>
+</p:sld>
+</file>
+
+<file path=ppt/slides/slide18.xml><?xml version="1.0" encoding="utf-8"?>
+<p:sld xmlns:a="http://schemas.openxmlformats.org/drawingml/2006/main" xmlns:r="http://schemas.openxmlformats.org/officeDocument/2006/relationships" xmlns:p="http://schemas.openxmlformats.org/presentationml/2006/main">
+  <p:cSld>
+    <p:spTree>
+      <p:nvGrpSpPr>
+        <p:cNvPr id="1" name=""/>
+        <p:cNvGrpSpPr/>
+        <p:nvPr/>
+      </p:nvGrpSpPr>
+      <p:grpSpPr>
+        <a:xfrm>
+          <a:off x="0" y="0"/>
+          <a:ext cx="0" cy="0"/>
+          <a:chOff x="0" y="0"/>
+          <a:chExt cx="0" cy="0"/>
+        </a:xfrm>
+      </p:grpSpPr>
+      <p:sp>
+        <p:nvSpPr>
+          <p:cNvPr id="2" name="Titel 1">
+            <a:extLst>
+              <a:ext uri="{FF2B5EF4-FFF2-40B4-BE49-F238E27FC236}">
                 <a16:creationId xmlns:a16="http://schemas.microsoft.com/office/drawing/2014/main" id="{AB69F180-C15C-AB39-672B-E33F114F04B1}"/>
               </a:ext>
             </a:extLst>
@@ -3545,7 +6345,7 @@
 </p:sld>
 </file>
 
-<file path=ppt/slides/slide11.xml><?xml version="1.0" encoding="utf-8"?>
+<file path=ppt/slides/slide19.xml><?xml version="1.0" encoding="utf-8"?>
 <p:sld xmlns:a="http://schemas.openxmlformats.org/drawingml/2006/main" xmlns:r="http://schemas.openxmlformats.org/officeDocument/2006/relationships" xmlns:p="http://schemas.openxmlformats.org/presentationml/2006/main">
   <p:cSld>
     <p:spTree>
@@ -3662,7 +6462,7 @@
 </p:sld>
 </file>
 
-<file path=ppt/slides/slide12.xml><?xml version="1.0" encoding="utf-8"?>
+<file path=ppt/slides/slide2.xml><?xml version="1.0" encoding="utf-8"?>
 <p:sld xmlns:a="http://schemas.openxmlformats.org/drawingml/2006/main" xmlns:r="http://schemas.openxmlformats.org/officeDocument/2006/relationships" xmlns:p="http://schemas.openxmlformats.org/presentationml/2006/main">
   <p:cSld>
     <p:spTree>
@@ -3684,6 +6484,120 @@
           <p:cNvPr id="2" name="Titel 1">
             <a:extLst>
               <a:ext uri="{FF2B5EF4-FFF2-40B4-BE49-F238E27FC236}">
+                <a16:creationId xmlns:a16="http://schemas.microsoft.com/office/drawing/2014/main" id="{FBF578F3-0649-E7DE-75C0-553982EE0D12}"/>
+              </a:ext>
+            </a:extLst>
+          </p:cNvPr>
+          <p:cNvSpPr>
+            <a:spLocks noGrp="1"/>
+          </p:cNvSpPr>
+          <p:nvPr>
+            <p:ph type="title"/>
+          </p:nvPr>
+        </p:nvSpPr>
+        <p:spPr/>
+        <p:txBody>
+          <a:bodyPr/>
+          <a:lstStyle/>
+          <a:p>
+            <a:r>
+              <a:rPr lang="de-DE" dirty="0"/>
+              <a:t>Agenda</a:t>
+            </a:r>
+          </a:p>
+        </p:txBody>
+      </p:sp>
+      <p:sp>
+        <p:nvSpPr>
+          <p:cNvPr id="3" name="Inhaltsplatzhalter 2">
+            <a:extLst>
+              <a:ext uri="{FF2B5EF4-FFF2-40B4-BE49-F238E27FC236}">
+                <a16:creationId xmlns:a16="http://schemas.microsoft.com/office/drawing/2014/main" id="{B428C1D7-3728-237F-4120-9777EB5948AE}"/>
+              </a:ext>
+            </a:extLst>
+          </p:cNvPr>
+          <p:cNvSpPr>
+            <a:spLocks noGrp="1"/>
+          </p:cNvSpPr>
+          <p:nvPr>
+            <p:ph idx="1"/>
+          </p:nvPr>
+        </p:nvSpPr>
+        <p:spPr/>
+        <p:txBody>
+          <a:bodyPr/>
+          <a:lstStyle/>
+          <a:p>
+            <a:r>
+              <a:rPr lang="de-DE" dirty="0"/>
+              <a:t>Einleitung</a:t>
+            </a:r>
+          </a:p>
+          <a:p>
+            <a:r>
+              <a:rPr lang="de-DE" dirty="0"/>
+              <a:t>Die Vorhersage von Deadlocks</a:t>
+            </a:r>
+          </a:p>
+          <a:p>
+            <a:r>
+              <a:rPr lang="de-DE" dirty="0"/>
+              <a:t>Dynamische Deadlock-Analyse</a:t>
+            </a:r>
+          </a:p>
+          <a:p>
+            <a:r>
+              <a:rPr lang="de-DE" dirty="0" err="1"/>
+              <a:t>Sync-preserving</a:t>
+            </a:r>
+            <a:r>
+              <a:rPr lang="de-DE" dirty="0"/>
+              <a:t> Deadlocks</a:t>
+            </a:r>
+          </a:p>
+          <a:p>
+            <a:r>
+              <a:rPr lang="de-DE" dirty="0"/>
+              <a:t>Fazit</a:t>
+            </a:r>
+          </a:p>
+        </p:txBody>
+      </p:sp>
+    </p:spTree>
+    <p:extLst>
+      <p:ext uri="{BB962C8B-B14F-4D97-AF65-F5344CB8AC3E}">
+        <p14:creationId xmlns:p14="http://schemas.microsoft.com/office/powerpoint/2010/main" val="3999056049"/>
+      </p:ext>
+    </p:extLst>
+  </p:cSld>
+  <p:clrMapOvr>
+    <a:masterClrMapping/>
+  </p:clrMapOvr>
+</p:sld>
+</file>
+
+<file path=ppt/slides/slide20.xml><?xml version="1.0" encoding="utf-8"?>
+<p:sld xmlns:a="http://schemas.openxmlformats.org/drawingml/2006/main" xmlns:r="http://schemas.openxmlformats.org/officeDocument/2006/relationships" xmlns:p="http://schemas.openxmlformats.org/presentationml/2006/main">
+  <p:cSld>
+    <p:spTree>
+      <p:nvGrpSpPr>
+        <p:cNvPr id="1" name=""/>
+        <p:cNvGrpSpPr/>
+        <p:nvPr/>
+      </p:nvGrpSpPr>
+      <p:grpSpPr>
+        <a:xfrm>
+          <a:off x="0" y="0"/>
+          <a:ext cx="0" cy="0"/>
+          <a:chOff x="0" y="0"/>
+          <a:chExt cx="0" cy="0"/>
+        </a:xfrm>
+      </p:grpSpPr>
+      <p:sp>
+        <p:nvSpPr>
+          <p:cNvPr id="2" name="Titel 1">
+            <a:extLst>
+              <a:ext uri="{FF2B5EF4-FFF2-40B4-BE49-F238E27FC236}">
                 <a16:creationId xmlns:a16="http://schemas.microsoft.com/office/drawing/2014/main" id="{6B6F4EFA-ED7B-7D39-FA9A-C0FF07B98202}"/>
               </a:ext>
             </a:extLst>
@@ -3808,7 +6722,7 @@
 </p:sld>
 </file>
 
-<file path=ppt/slides/slide13.xml><?xml version="1.0" encoding="utf-8"?>
+<file path=ppt/slides/slide21.xml><?xml version="1.0" encoding="utf-8"?>
 <p:sld xmlns:a="http://schemas.openxmlformats.org/drawingml/2006/main" xmlns:r="http://schemas.openxmlformats.org/officeDocument/2006/relationships" xmlns:p="http://schemas.openxmlformats.org/presentationml/2006/main">
   <p:cSld>
     <p:spTree>
@@ -3939,7 +6853,7 @@
 </p:sld>
 </file>
 
-<file path=ppt/slides/slide14.xml><?xml version="1.0" encoding="utf-8"?>
+<file path=ppt/slides/slide22.xml><?xml version="1.0" encoding="utf-8"?>
 <p:sld xmlns:a="http://schemas.openxmlformats.org/drawingml/2006/main" xmlns:r="http://schemas.openxmlformats.org/officeDocument/2006/relationships" xmlns:p="http://schemas.openxmlformats.org/presentationml/2006/main">
   <p:cSld>
     <p:spTree>
@@ -4035,7 +6949,7 @@
 </p:sld>
 </file>
 
-<file path=ppt/slides/slide15.xml><?xml version="1.0" encoding="utf-8"?>
+<file path=ppt/slides/slide23.xml><?xml version="1.0" encoding="utf-8"?>
 <p:sld xmlns:a="http://schemas.openxmlformats.org/drawingml/2006/main" xmlns:r="http://schemas.openxmlformats.org/officeDocument/2006/relationships" xmlns:p="http://schemas.openxmlformats.org/presentationml/2006/main">
   <p:cSld>
     <p:spTree>
@@ -4215,7 +7129,7 @@
 </p:sld>
 </file>
 
-<file path=ppt/slides/slide16.xml><?xml version="1.0" encoding="utf-8"?>
+<file path=ppt/slides/slide24.xml><?xml version="1.0" encoding="utf-8"?>
 <p:sld xmlns:a="http://schemas.openxmlformats.org/drawingml/2006/main" xmlns:r="http://schemas.openxmlformats.org/officeDocument/2006/relationships" xmlns:p="http://schemas.openxmlformats.org/presentationml/2006/main">
   <p:cSld>
     <p:spTree>
@@ -4337,7 +7251,7 @@
 </p:sld>
 </file>
 
-<file path=ppt/slides/slide17.xml><?xml version="1.0" encoding="utf-8"?>
+<file path=ppt/slides/slide25.xml><?xml version="1.0" encoding="utf-8"?>
 <p:sld xmlns:a="http://schemas.openxmlformats.org/drawingml/2006/main" xmlns:r="http://schemas.openxmlformats.org/officeDocument/2006/relationships" xmlns:p="http://schemas.openxmlformats.org/presentationml/2006/main">
   <p:cSld>
     <p:spTree>
@@ -4480,7 +7394,7 @@
 </p:sld>
 </file>
 
-<file path=ppt/slides/slide18.xml><?xml version="1.0" encoding="utf-8"?>
+<file path=ppt/slides/slide26.xml><?xml version="1.0" encoding="utf-8"?>
 <p:sld xmlns:a="http://schemas.openxmlformats.org/drawingml/2006/main" xmlns:r="http://schemas.openxmlformats.org/officeDocument/2006/relationships" xmlns:p="http://schemas.openxmlformats.org/presentationml/2006/main">
   <p:cSld>
     <p:spTree>
@@ -4656,7 +7570,7 @@
 </p:sld>
 </file>
 
-<file path=ppt/slides/slide19.xml><?xml version="1.0" encoding="utf-8"?>
+<file path=ppt/slides/slide27.xml><?xml version="1.0" encoding="utf-8"?>
 <p:sld xmlns:a="http://schemas.openxmlformats.org/drawingml/2006/main" xmlns:r="http://schemas.openxmlformats.org/officeDocument/2006/relationships" xmlns:p="http://schemas.openxmlformats.org/presentationml/2006/main">
   <p:cSld>
     <p:spTree>
@@ -4752,121 +7666,7 @@
 </p:sld>
 </file>
 
-<file path=ppt/slides/slide2.xml><?xml version="1.0" encoding="utf-8"?>
-<p:sld xmlns:a="http://schemas.openxmlformats.org/drawingml/2006/main" xmlns:r="http://schemas.openxmlformats.org/officeDocument/2006/relationships" xmlns:p="http://schemas.openxmlformats.org/presentationml/2006/main">
-  <p:cSld>
-    <p:spTree>
-      <p:nvGrpSpPr>
-        <p:cNvPr id="1" name=""/>
-        <p:cNvGrpSpPr/>
-        <p:nvPr/>
-      </p:nvGrpSpPr>
-      <p:grpSpPr>
-        <a:xfrm>
-          <a:off x="0" y="0"/>
-          <a:ext cx="0" cy="0"/>
-          <a:chOff x="0" y="0"/>
-          <a:chExt cx="0" cy="0"/>
-        </a:xfrm>
-      </p:grpSpPr>
-      <p:sp>
-        <p:nvSpPr>
-          <p:cNvPr id="2" name="Titel 1">
-            <a:extLst>
-              <a:ext uri="{FF2B5EF4-FFF2-40B4-BE49-F238E27FC236}">
-                <a16:creationId xmlns:a16="http://schemas.microsoft.com/office/drawing/2014/main" id="{FBF578F3-0649-E7DE-75C0-553982EE0D12}"/>
-              </a:ext>
-            </a:extLst>
-          </p:cNvPr>
-          <p:cNvSpPr>
-            <a:spLocks noGrp="1"/>
-          </p:cNvSpPr>
-          <p:nvPr>
-            <p:ph type="title"/>
-          </p:nvPr>
-        </p:nvSpPr>
-        <p:spPr/>
-        <p:txBody>
-          <a:bodyPr/>
-          <a:lstStyle/>
-          <a:p>
-            <a:r>
-              <a:rPr lang="de-DE" dirty="0"/>
-              <a:t>Agenda</a:t>
-            </a:r>
-          </a:p>
-        </p:txBody>
-      </p:sp>
-      <p:sp>
-        <p:nvSpPr>
-          <p:cNvPr id="3" name="Inhaltsplatzhalter 2">
-            <a:extLst>
-              <a:ext uri="{FF2B5EF4-FFF2-40B4-BE49-F238E27FC236}">
-                <a16:creationId xmlns:a16="http://schemas.microsoft.com/office/drawing/2014/main" id="{B428C1D7-3728-237F-4120-9777EB5948AE}"/>
-              </a:ext>
-            </a:extLst>
-          </p:cNvPr>
-          <p:cNvSpPr>
-            <a:spLocks noGrp="1"/>
-          </p:cNvSpPr>
-          <p:nvPr>
-            <p:ph idx="1"/>
-          </p:nvPr>
-        </p:nvSpPr>
-        <p:spPr/>
-        <p:txBody>
-          <a:bodyPr/>
-          <a:lstStyle/>
-          <a:p>
-            <a:r>
-              <a:rPr lang="de-DE" dirty="0"/>
-              <a:t>Einleitung</a:t>
-            </a:r>
-          </a:p>
-          <a:p>
-            <a:r>
-              <a:rPr lang="de-DE" dirty="0"/>
-              <a:t>Die Vorhersage von Deadlocks</a:t>
-            </a:r>
-          </a:p>
-          <a:p>
-            <a:r>
-              <a:rPr lang="de-DE" dirty="0"/>
-              <a:t>Dynamische Deadlock-Analyse</a:t>
-            </a:r>
-          </a:p>
-          <a:p>
-            <a:r>
-              <a:rPr lang="de-DE" dirty="0" err="1"/>
-              <a:t>Sync-preserving</a:t>
-            </a:r>
-            <a:r>
-              <a:rPr lang="de-DE" dirty="0"/>
-              <a:t> Deadlocks</a:t>
-            </a:r>
-          </a:p>
-          <a:p>
-            <a:r>
-              <a:rPr lang="de-DE" dirty="0"/>
-              <a:t>Fazit</a:t>
-            </a:r>
-          </a:p>
-        </p:txBody>
-      </p:sp>
-    </p:spTree>
-    <p:extLst>
-      <p:ext uri="{BB962C8B-B14F-4D97-AF65-F5344CB8AC3E}">
-        <p14:creationId xmlns:p14="http://schemas.microsoft.com/office/powerpoint/2010/main" val="3999056049"/>
-      </p:ext>
-    </p:extLst>
-  </p:cSld>
-  <p:clrMapOvr>
-    <a:masterClrMapping/>
-  </p:clrMapOvr>
-</p:sld>
-</file>
-
-<file path=ppt/slides/slide20.xml><?xml version="1.0" encoding="utf-8"?>
+<file path=ppt/slides/slide28.xml><?xml version="1.0" encoding="utf-8"?>
 <p:sld xmlns:a="http://schemas.openxmlformats.org/drawingml/2006/main" xmlns:r="http://schemas.openxmlformats.org/officeDocument/2006/relationships" xmlns:p="http://schemas.openxmlformats.org/presentationml/2006/main">
   <p:cSld>
     <p:spTree>
@@ -5100,7 +7900,7 @@
 </p:sld>
 </file>
 
-<file path=ppt/slides/slide21.xml><?xml version="1.0" encoding="utf-8"?>
+<file path=ppt/slides/slide29.xml><?xml version="1.0" encoding="utf-8"?>
 <p:sld xmlns:a="http://schemas.openxmlformats.org/drawingml/2006/main" xmlns:r="http://schemas.openxmlformats.org/officeDocument/2006/relationships" xmlns:p="http://schemas.openxmlformats.org/presentationml/2006/main">
   <p:cSld>
     <p:spTree>
@@ -5407,36 +8207,6 @@
           </a:p>
         </p:txBody>
       </p:sp>
-      <p:pic>
-        <p:nvPicPr>
-          <p:cNvPr id="11" name="Grafik 10">
-            <a:extLst>
-              <a:ext uri="{FF2B5EF4-FFF2-40B4-BE49-F238E27FC236}">
-                <a16:creationId xmlns:a16="http://schemas.microsoft.com/office/drawing/2014/main" id="{8907934D-CF61-B88D-9E7E-58D685CB637D}"/>
-              </a:ext>
-            </a:extLst>
-          </p:cNvPr>
-          <p:cNvPicPr>
-            <a:picLocks noChangeAspect="1"/>
-          </p:cNvPicPr>
-          <p:nvPr/>
-        </p:nvPicPr>
-        <p:blipFill>
-          <a:blip r:embed="rId2"/>
-          <a:stretch>
-            <a:fillRect/>
-          </a:stretch>
-        </p:blipFill>
-        <p:spPr>
-          <a:xfrm>
-            <a:off x="8422132" y="1080760"/>
-            <a:ext cx="3077004" cy="4696480"/>
-          </a:xfrm>
-          <a:prstGeom prst="rect">
-            <a:avLst/>
-          </a:prstGeom>
-        </p:spPr>
-      </p:pic>
     </p:spTree>
     <p:extLst>
       <p:ext uri="{BB962C8B-B14F-4D97-AF65-F5344CB8AC3E}">
@@ -5472,7 +8242,7 @@
           <p:cNvPr id="2" name="Titel 1">
             <a:extLst>
               <a:ext uri="{FF2B5EF4-FFF2-40B4-BE49-F238E27FC236}">
-                <a16:creationId xmlns:a16="http://schemas.microsoft.com/office/drawing/2014/main" id="{178C909C-BDC1-4FA3-AD6F-7AB8D5214EE0}"/>
+                <a16:creationId xmlns:a16="http://schemas.microsoft.com/office/drawing/2014/main" id="{F20DC790-1C26-D1D2-4648-02B84DB2C381}"/>
               </a:ext>
             </a:extLst>
           </p:cNvPr>
@@ -5490,7 +8260,7 @@
           <a:p>
             <a:r>
               <a:rPr lang="de-DE" dirty="0"/>
-              <a:t>Die Vorhersage von Deadlocks</a:t>
+              <a:t>Einleitung</a:t>
             </a:r>
           </a:p>
         </p:txBody>
@@ -5500,7 +8270,7 @@
           <p:cNvPr id="3" name="Inhaltsplatzhalter 2">
             <a:extLst>
               <a:ext uri="{FF2B5EF4-FFF2-40B4-BE49-F238E27FC236}">
-                <a16:creationId xmlns:a16="http://schemas.microsoft.com/office/drawing/2014/main" id="{077E50AF-D281-F901-C679-35A5DF63CE23}"/>
+                <a16:creationId xmlns:a16="http://schemas.microsoft.com/office/drawing/2014/main" id="{AFD97513-F99F-7ADB-1B18-C03948B63DA4}"/>
               </a:ext>
             </a:extLst>
           </p:cNvPr>
@@ -5518,21 +8288,78 @@
           <a:p>
             <a:r>
               <a:rPr lang="de-DE" dirty="0"/>
-              <a:t>Deadlocks müssen vorhergesagt werden, um Programmabstürze zu verhindern</a:t>
-            </a:r>
-          </a:p>
-          <a:p>
-            <a:r>
-              <a:rPr lang="de-DE" dirty="0"/>
-              <a:t>Verschiedene Ansätze statische und dynamische Deadlock-Analyse</a:t>
-            </a:r>
-          </a:p>
-        </p:txBody>
-      </p:sp>
+              <a:t>Programm enthält Deadlock</a:t>
+            </a:r>
+          </a:p>
+          <a:p>
+            <a:r>
+              <a:rPr lang="de-DE" dirty="0"/>
+              <a:t>Tritt auf wenn beide Threads den jeweils ersten</a:t>
+            </a:r>
+          </a:p>
+          <a:p>
+            <a:pPr marL="0" indent="0">
+              <a:buNone/>
+            </a:pPr>
+            <a:r>
+              <a:rPr lang="de-DE" dirty="0"/>
+              <a:t>   Mutex locken</a:t>
+            </a:r>
+          </a:p>
+          <a:p>
+            <a:r>
+              <a:rPr lang="de-DE" dirty="0"/>
+              <a:t>Der jeweils zweite Lock kann nicht reserviert </a:t>
+            </a:r>
+          </a:p>
+          <a:p>
+            <a:pPr marL="0" indent="0">
+              <a:buNone/>
+            </a:pPr>
+            <a:r>
+              <a:rPr lang="de-DE" dirty="0"/>
+              <a:t>   werden, da er bereits belegt ist</a:t>
+            </a:r>
+          </a:p>
+          <a:p>
+            <a:endParaRPr lang="de-DE" dirty="0"/>
+          </a:p>
+        </p:txBody>
+      </p:sp>
+      <p:pic>
+        <p:nvPicPr>
+          <p:cNvPr id="4" name="Grafik 3">
+            <a:extLst>
+              <a:ext uri="{FF2B5EF4-FFF2-40B4-BE49-F238E27FC236}">
+                <a16:creationId xmlns:a16="http://schemas.microsoft.com/office/drawing/2014/main" id="{E47137E7-F73A-B134-A48D-7B84AB3951C4}"/>
+              </a:ext>
+            </a:extLst>
+          </p:cNvPr>
+          <p:cNvPicPr>
+            <a:picLocks noChangeAspect="1"/>
+          </p:cNvPicPr>
+          <p:nvPr/>
+        </p:nvPicPr>
+        <p:blipFill>
+          <a:blip r:embed="rId2"/>
+          <a:stretch>
+            <a:fillRect/>
+          </a:stretch>
+        </p:blipFill>
+        <p:spPr>
+          <a:xfrm>
+            <a:off x="8070401" y="582876"/>
+            <a:ext cx="3835273" cy="5956614"/>
+          </a:xfrm>
+          <a:prstGeom prst="rect">
+            <a:avLst/>
+          </a:prstGeom>
+        </p:spPr>
+      </p:pic>
     </p:spTree>
     <p:extLst>
       <p:ext uri="{BB962C8B-B14F-4D97-AF65-F5344CB8AC3E}">
-        <p14:creationId xmlns:p14="http://schemas.microsoft.com/office/powerpoint/2010/main" val="3235281061"/>
+        <p14:creationId xmlns:p14="http://schemas.microsoft.com/office/powerpoint/2010/main" val="2547473671"/>
       </p:ext>
     </p:extLst>
   </p:cSld>
@@ -5564,7 +8391,7 @@
           <p:cNvPr id="2" name="Titel 1">
             <a:extLst>
               <a:ext uri="{FF2B5EF4-FFF2-40B4-BE49-F238E27FC236}">
-                <a16:creationId xmlns:a16="http://schemas.microsoft.com/office/drawing/2014/main" id="{CAC9EE98-6811-1262-89B6-8BCD2C57B3C6}"/>
+                <a16:creationId xmlns:a16="http://schemas.microsoft.com/office/drawing/2014/main" id="{178C909C-BDC1-4FA3-AD6F-7AB8D5214EE0}"/>
               </a:ext>
             </a:extLst>
           </p:cNvPr>
@@ -5592,7 +8419,7 @@
           <p:cNvPr id="3" name="Inhaltsplatzhalter 2">
             <a:extLst>
               <a:ext uri="{FF2B5EF4-FFF2-40B4-BE49-F238E27FC236}">
-                <a16:creationId xmlns:a16="http://schemas.microsoft.com/office/drawing/2014/main" id="{1CBE0742-08CB-87F8-71F9-F6224A1F435F}"/>
+                <a16:creationId xmlns:a16="http://schemas.microsoft.com/office/drawing/2014/main" id="{077E50AF-D281-F901-C679-35A5DF63CE23}"/>
               </a:ext>
             </a:extLst>
           </p:cNvPr>
@@ -5610,14 +8437,27 @@
           <a:p>
             <a:r>
               <a:rPr lang="de-DE" dirty="0"/>
-              <a:t>Statische Deadlock-Analyse</a:t>
+              <a:t>Deadlocks müssen vorhergesagt werden, ansonsten können Threads stecken bleiben</a:t>
+            </a:r>
+          </a:p>
+          <a:p>
+            <a:r>
+              <a:rPr lang="de-DE" dirty="0"/>
+              <a:t>Dynamische Deadlock-Analyse </a:t>
             </a:r>
           </a:p>
           <a:p>
             <a:pPr lvl="1"/>
             <a:r>
               <a:rPr lang="de-DE" dirty="0"/>
-              <a:t>kann Abwesenheit von Deadlocks beweisen, aber nicht gut skalierbar und liefert </a:t>
+              <a:t>Effizient</a:t>
+            </a:r>
+          </a:p>
+          <a:p>
+            <a:pPr lvl="1"/>
+            <a:r>
+              <a:rPr lang="de-DE" dirty="0"/>
+              <a:t>Liefert wenige oder keine </a:t>
             </a:r>
             <a:r>
               <a:rPr lang="de-DE" dirty="0" err="1"/>
@@ -5625,46 +8465,15 @@
             </a:r>
             <a:r>
               <a:rPr lang="de-DE" dirty="0"/>
-              <a:t> Positives</a:t>
-            </a:r>
-          </a:p>
-          <a:p>
-            <a:r>
-              <a:rPr lang="de-DE" dirty="0"/>
-              <a:t>Dynamische Deadlock-Analyse </a:t>
-            </a:r>
-          </a:p>
-          <a:p>
-            <a:pPr lvl="1"/>
-            <a:r>
-              <a:rPr lang="de-DE" dirty="0"/>
-              <a:t>Effizienter</a:t>
-            </a:r>
-          </a:p>
-          <a:p>
-            <a:pPr lvl="1"/>
-            <a:r>
-              <a:rPr lang="de-DE" dirty="0"/>
-              <a:t>Liefert wenige oder keine </a:t>
-            </a:r>
-            <a:r>
-              <a:rPr lang="de-DE" dirty="0" err="1"/>
-              <a:t>False</a:t>
-            </a:r>
-            <a:r>
-              <a:rPr lang="de-DE" dirty="0"/>
               <a:t>-Positives</a:t>
             </a:r>
-          </a:p>
-          <a:p>
-            <a:endParaRPr lang="de-DE" dirty="0"/>
           </a:p>
         </p:txBody>
       </p:sp>
     </p:spTree>
     <p:extLst>
       <p:ext uri="{BB962C8B-B14F-4D97-AF65-F5344CB8AC3E}">
-        <p14:creationId xmlns:p14="http://schemas.microsoft.com/office/powerpoint/2010/main" val="3168630278"/>
+        <p14:creationId xmlns:p14="http://schemas.microsoft.com/office/powerpoint/2010/main" val="3235281061"/>
       </p:ext>
     </p:extLst>
   </p:cSld>
@@ -5696,7 +8505,7 @@
           <p:cNvPr id="2" name="Titel 1">
             <a:extLst>
               <a:ext uri="{FF2B5EF4-FFF2-40B4-BE49-F238E27FC236}">
-                <a16:creationId xmlns:a16="http://schemas.microsoft.com/office/drawing/2014/main" id="{661FD3D5-05E5-BB98-FE98-EAB9EA7B8B07}"/>
+                <a16:creationId xmlns:a16="http://schemas.microsoft.com/office/drawing/2014/main" id="{D2AB59FB-FC2D-88A8-3917-1BD66A551A60}"/>
               </a:ext>
             </a:extLst>
           </p:cNvPr>
@@ -5724,7 +8533,7 @@
           <p:cNvPr id="3" name="Inhaltsplatzhalter 2">
             <a:extLst>
               <a:ext uri="{FF2B5EF4-FFF2-40B4-BE49-F238E27FC236}">
-                <a16:creationId xmlns:a16="http://schemas.microsoft.com/office/drawing/2014/main" id="{11DDA806-7FAD-3E05-A00B-FDDC143FC964}"/>
+                <a16:creationId xmlns:a16="http://schemas.microsoft.com/office/drawing/2014/main" id="{56B6E1BC-7776-5940-5E3D-AEAA6882DD3C}"/>
               </a:ext>
             </a:extLst>
           </p:cNvPr>
@@ -5740,79 +8549,59 @@
           <a:bodyPr/>
           <a:lstStyle/>
           <a:p>
-            <a:endParaRPr lang="de-DE" dirty="0"/>
-          </a:p>
-        </p:txBody>
-      </p:sp>
-      <p:pic>
-        <p:nvPicPr>
-          <p:cNvPr id="7" name="Grafik 6">
-            <a:extLst>
-              <a:ext uri="{FF2B5EF4-FFF2-40B4-BE49-F238E27FC236}">
-                <a16:creationId xmlns:a16="http://schemas.microsoft.com/office/drawing/2014/main" id="{94018E8F-24AE-2186-5097-F867FBCC1118}"/>
-              </a:ext>
-            </a:extLst>
-          </p:cNvPr>
-          <p:cNvPicPr>
-            <a:picLocks noChangeAspect="1"/>
-          </p:cNvPicPr>
-          <p:nvPr/>
-        </p:nvPicPr>
-        <p:blipFill>
-          <a:blip r:embed="rId2"/>
-          <a:stretch>
-            <a:fillRect/>
-          </a:stretch>
-        </p:blipFill>
-        <p:spPr>
-          <a:xfrm>
-            <a:off x="5418372" y="1985378"/>
-            <a:ext cx="4429743" cy="4191585"/>
-          </a:xfrm>
-          <a:prstGeom prst="rect">
-            <a:avLst/>
-          </a:prstGeom>
-          <a:ln>
-            <a:solidFill>
-              <a:schemeClr val="tx1"/>
-            </a:solidFill>
-          </a:ln>
-        </p:spPr>
-      </p:pic>
-      <p:pic>
-        <p:nvPicPr>
-          <p:cNvPr id="11" name="Grafik 10">
-            <a:extLst>
-              <a:ext uri="{FF2B5EF4-FFF2-40B4-BE49-F238E27FC236}">
-                <a16:creationId xmlns:a16="http://schemas.microsoft.com/office/drawing/2014/main" id="{46C34EEE-E4A0-78B5-505B-89094C4E561B}"/>
-              </a:ext>
-            </a:extLst>
-          </p:cNvPr>
-          <p:cNvPicPr>
-            <a:picLocks noChangeAspect="1"/>
-          </p:cNvPicPr>
-          <p:nvPr/>
-        </p:nvPicPr>
-        <p:blipFill>
-          <a:blip r:embed="rId3"/>
-          <a:stretch>
-            <a:fillRect/>
-          </a:stretch>
-        </p:blipFill>
-        <p:spPr>
-          <a:xfrm>
-            <a:off x="1389425" y="1653054"/>
-            <a:ext cx="3077004" cy="4696480"/>
-          </a:xfrm>
-          <a:prstGeom prst="rect">
-            <a:avLst/>
-          </a:prstGeom>
-        </p:spPr>
-      </p:pic>
+            <a:r>
+              <a:rPr lang="de-DE" dirty="0"/>
+              <a:t>Grundlage: Trace</a:t>
+            </a:r>
+          </a:p>
+          <a:p>
+            <a:r>
+              <a:rPr lang="de-DE" dirty="0"/>
+              <a:t>Trace ist Aufzeichnung der abgelaufenen Operationen im Programm</a:t>
+            </a:r>
+          </a:p>
+          <a:p>
+            <a:r>
+              <a:rPr lang="de-DE" dirty="0"/>
+              <a:t>Dazu gehört: </a:t>
+            </a:r>
+            <a:r>
+              <a:rPr lang="de-DE" dirty="0" err="1"/>
+              <a:t>Acquire</a:t>
+            </a:r>
+            <a:r>
+              <a:rPr lang="de-DE" dirty="0"/>
+              <a:t>- und Release von Locks</a:t>
+            </a:r>
+          </a:p>
+          <a:p>
+            <a:r>
+              <a:rPr lang="de-DE" dirty="0"/>
+              <a:t>Je nach Methode auch Reads/</a:t>
+            </a:r>
+            <a:r>
+              <a:rPr lang="de-DE" dirty="0" err="1"/>
+              <a:t>Writes</a:t>
+            </a:r>
+            <a:r>
+              <a:rPr lang="de-DE" dirty="0"/>
+              <a:t> oder auch Forks/</a:t>
+            </a:r>
+            <a:r>
+              <a:rPr lang="de-DE" dirty="0" err="1"/>
+              <a:t>Joins</a:t>
+            </a:r>
+            <a:r>
+              <a:rPr lang="de-DE" dirty="0"/>
+              <a:t> relevant</a:t>
+            </a:r>
+          </a:p>
+        </p:txBody>
+      </p:sp>
     </p:spTree>
     <p:extLst>
       <p:ext uri="{BB962C8B-B14F-4D97-AF65-F5344CB8AC3E}">
-        <p14:creationId xmlns:p14="http://schemas.microsoft.com/office/powerpoint/2010/main" val="624210621"/>
+        <p14:creationId xmlns:p14="http://schemas.microsoft.com/office/powerpoint/2010/main" val="636686143"/>
       </p:ext>
     </p:extLst>
   </p:cSld>
@@ -5844,7 +8633,7 @@
           <p:cNvPr id="2" name="Titel 1">
             <a:extLst>
               <a:ext uri="{FF2B5EF4-FFF2-40B4-BE49-F238E27FC236}">
-                <a16:creationId xmlns:a16="http://schemas.microsoft.com/office/drawing/2014/main" id="{1F18901F-6FB0-C5BA-6E51-56EDB5C6E861}"/>
+                <a16:creationId xmlns:a16="http://schemas.microsoft.com/office/drawing/2014/main" id="{661FD3D5-05E5-BB98-FE98-EAB9EA7B8B07}"/>
               </a:ext>
             </a:extLst>
           </p:cNvPr>
@@ -5872,7 +8661,7 @@
           <p:cNvPr id="3" name="Inhaltsplatzhalter 2">
             <a:extLst>
               <a:ext uri="{FF2B5EF4-FFF2-40B4-BE49-F238E27FC236}">
-                <a16:creationId xmlns:a16="http://schemas.microsoft.com/office/drawing/2014/main" id="{D39CDA7A-83D3-1CA9-806E-0FCB9AB77DC3}"/>
+                <a16:creationId xmlns:a16="http://schemas.microsoft.com/office/drawing/2014/main" id="{11DDA806-7FAD-3E05-A00B-FDDC143FC964}"/>
               </a:ext>
             </a:extLst>
           </p:cNvPr>
@@ -5888,56 +8677,79 @@
           <a:bodyPr/>
           <a:lstStyle/>
           <a:p>
-            <a:r>
-              <a:rPr lang="de-DE" dirty="0"/>
-              <a:t>Lock-</a:t>
-            </a:r>
-            <a:r>
-              <a:rPr lang="de-DE" dirty="0" err="1"/>
-              <a:t>Dependency</a:t>
-            </a:r>
-            <a:r>
-              <a:rPr lang="de-DE" dirty="0"/>
-              <a:t>-Methode sehr einfache Analyse</a:t>
-            </a:r>
-          </a:p>
-          <a:p>
-            <a:r>
-              <a:rPr lang="de-DE" dirty="0"/>
-              <a:t>Aus </a:t>
-            </a:r>
-            <a:r>
-              <a:rPr lang="de-DE" dirty="0" err="1"/>
-              <a:t>Acquire</a:t>
-            </a:r>
-            <a:r>
-              <a:rPr lang="de-DE" dirty="0"/>
-              <a:t>- und </a:t>
-            </a:r>
-            <a:r>
-              <a:rPr lang="de-DE" dirty="0" err="1"/>
-              <a:t>Releaseoperationen</a:t>
-            </a:r>
-            <a:r>
-              <a:rPr lang="de-DE" dirty="0"/>
-              <a:t> wird Graph aufgestellt</a:t>
-            </a:r>
-          </a:p>
-          <a:p>
-            <a:r>
-              <a:rPr lang="de-DE" dirty="0"/>
-              <a:t>Deadlock wenn Kreis im Graph existiert</a:t>
-            </a:r>
-          </a:p>
-          <a:p>
             <a:endParaRPr lang="de-DE" dirty="0"/>
           </a:p>
         </p:txBody>
       </p:sp>
+      <p:pic>
+        <p:nvPicPr>
+          <p:cNvPr id="7" name="Grafik 6">
+            <a:extLst>
+              <a:ext uri="{FF2B5EF4-FFF2-40B4-BE49-F238E27FC236}">
+                <a16:creationId xmlns:a16="http://schemas.microsoft.com/office/drawing/2014/main" id="{94018E8F-24AE-2186-5097-F867FBCC1118}"/>
+              </a:ext>
+            </a:extLst>
+          </p:cNvPr>
+          <p:cNvPicPr>
+            <a:picLocks noChangeAspect="1"/>
+          </p:cNvPicPr>
+          <p:nvPr/>
+        </p:nvPicPr>
+        <p:blipFill>
+          <a:blip r:embed="rId2"/>
+          <a:stretch>
+            <a:fillRect/>
+          </a:stretch>
+        </p:blipFill>
+        <p:spPr>
+          <a:xfrm>
+            <a:off x="5944845" y="1622476"/>
+            <a:ext cx="5027955" cy="4757635"/>
+          </a:xfrm>
+          <a:prstGeom prst="rect">
+            <a:avLst/>
+          </a:prstGeom>
+          <a:ln>
+            <a:solidFill>
+              <a:schemeClr val="tx1"/>
+            </a:solidFill>
+          </a:ln>
+        </p:spPr>
+      </p:pic>
+      <p:pic>
+        <p:nvPicPr>
+          <p:cNvPr id="12" name="Grafik 11">
+            <a:extLst>
+              <a:ext uri="{FF2B5EF4-FFF2-40B4-BE49-F238E27FC236}">
+                <a16:creationId xmlns:a16="http://schemas.microsoft.com/office/drawing/2014/main" id="{A724943F-35B0-63C2-5145-BCB5E78BE500}"/>
+              </a:ext>
+            </a:extLst>
+          </p:cNvPr>
+          <p:cNvPicPr>
+            <a:picLocks noChangeAspect="1"/>
+          </p:cNvPicPr>
+          <p:nvPr/>
+        </p:nvPicPr>
+        <p:blipFill>
+          <a:blip r:embed="rId3"/>
+          <a:stretch>
+            <a:fillRect/>
+          </a:stretch>
+        </p:blipFill>
+        <p:spPr>
+          <a:xfrm>
+            <a:off x="838200" y="1358442"/>
+            <a:ext cx="3419764" cy="5311281"/>
+          </a:xfrm>
+          <a:prstGeom prst="rect">
+            <a:avLst/>
+          </a:prstGeom>
+        </p:spPr>
+      </p:pic>
     </p:spTree>
     <p:extLst>
       <p:ext uri="{BB962C8B-B14F-4D97-AF65-F5344CB8AC3E}">
-        <p14:creationId xmlns:p14="http://schemas.microsoft.com/office/powerpoint/2010/main" val="3991357525"/>
+        <p14:creationId xmlns:p14="http://schemas.microsoft.com/office/powerpoint/2010/main" val="624210621"/>
       </p:ext>
     </p:extLst>
   </p:cSld>
@@ -5969,7 +8781,7 @@
           <p:cNvPr id="2" name="Titel 1">
             <a:extLst>
               <a:ext uri="{FF2B5EF4-FFF2-40B4-BE49-F238E27FC236}">
-                <a16:creationId xmlns:a16="http://schemas.microsoft.com/office/drawing/2014/main" id="{661FD3D5-05E5-BB98-FE98-EAB9EA7B8B07}"/>
+                <a16:creationId xmlns:a16="http://schemas.microsoft.com/office/drawing/2014/main" id="{1F18901F-6FB0-C5BA-6E51-56EDB5C6E861}"/>
               </a:ext>
             </a:extLst>
           </p:cNvPr>
@@ -5992,79 +8804,97 @@
           </a:p>
         </p:txBody>
       </p:sp>
-      <p:pic>
-        <p:nvPicPr>
-          <p:cNvPr id="5" name="Inhaltsplatzhalter 4">
-            <a:extLst>
-              <a:ext uri="{FF2B5EF4-FFF2-40B4-BE49-F238E27FC236}">
-                <a16:creationId xmlns:a16="http://schemas.microsoft.com/office/drawing/2014/main" id="{63F10DDA-9391-5CC1-9A7D-869964359F9F}"/>
-              </a:ext>
-            </a:extLst>
-          </p:cNvPr>
-          <p:cNvPicPr>
-            <a:picLocks noGrp="1" noChangeAspect="1"/>
-          </p:cNvPicPr>
+      <p:sp>
+        <p:nvSpPr>
+          <p:cNvPr id="3" name="Inhaltsplatzhalter 2">
+            <a:extLst>
+              <a:ext uri="{FF2B5EF4-FFF2-40B4-BE49-F238E27FC236}">
+                <a16:creationId xmlns:a16="http://schemas.microsoft.com/office/drawing/2014/main" id="{D39CDA7A-83D3-1CA9-806E-0FCB9AB77DC3}"/>
+              </a:ext>
+            </a:extLst>
+          </p:cNvPr>
+          <p:cNvSpPr>
+            <a:spLocks noGrp="1"/>
+          </p:cNvSpPr>
           <p:nvPr>
             <p:ph idx="1"/>
           </p:nvPr>
-        </p:nvPicPr>
-        <p:blipFill>
-          <a:blip r:embed="rId2"/>
-          <a:stretch>
-            <a:fillRect/>
-          </a:stretch>
-        </p:blipFill>
-        <p:spPr>
-          <a:xfrm>
-            <a:off x="7140174" y="2599715"/>
-            <a:ext cx="3753374" cy="2095792"/>
-          </a:xfrm>
-          <a:ln>
-            <a:solidFill>
-              <a:schemeClr val="tx1"/>
-            </a:solidFill>
-          </a:ln>
-        </p:spPr>
-      </p:pic>
-      <p:pic>
-        <p:nvPicPr>
-          <p:cNvPr id="7" name="Grafik 6">
-            <a:extLst>
-              <a:ext uri="{FF2B5EF4-FFF2-40B4-BE49-F238E27FC236}">
-                <a16:creationId xmlns:a16="http://schemas.microsoft.com/office/drawing/2014/main" id="{94018E8F-24AE-2186-5097-F867FBCC1118}"/>
-              </a:ext>
-            </a:extLst>
-          </p:cNvPr>
-          <p:cNvPicPr>
-            <a:picLocks noChangeAspect="1"/>
-          </p:cNvPicPr>
-          <p:nvPr/>
-        </p:nvPicPr>
-        <p:blipFill>
-          <a:blip r:embed="rId3"/>
-          <a:stretch>
-            <a:fillRect/>
-          </a:stretch>
-        </p:blipFill>
-        <p:spPr>
-          <a:xfrm>
-            <a:off x="622085" y="1825625"/>
-            <a:ext cx="4429743" cy="4191585"/>
-          </a:xfrm>
-          <a:prstGeom prst="rect">
-            <a:avLst/>
-          </a:prstGeom>
-          <a:ln>
-            <a:solidFill>
-              <a:schemeClr val="tx1"/>
-            </a:solidFill>
-          </a:ln>
-        </p:spPr>
-      </p:pic>
+        </p:nvSpPr>
+        <p:spPr/>
+        <p:txBody>
+          <a:bodyPr/>
+          <a:lstStyle/>
+          <a:p>
+            <a:r>
+              <a:rPr lang="de-DE" dirty="0"/>
+              <a:t>Analyse durch Lock-Graphen sehr einfach</a:t>
+            </a:r>
+          </a:p>
+          <a:p>
+            <a:r>
+              <a:rPr lang="de-DE" dirty="0"/>
+              <a:t>Schritt 1: Erstelle Graph aus </a:t>
+            </a:r>
+            <a:r>
+              <a:rPr lang="de-DE" dirty="0" err="1"/>
+              <a:t>Acquire</a:t>
+            </a:r>
+            <a:r>
+              <a:rPr lang="de-DE" dirty="0"/>
+              <a:t>- und </a:t>
+            </a:r>
+            <a:r>
+              <a:rPr lang="de-DE" dirty="0" err="1"/>
+              <a:t>Releaseoperationen</a:t>
+            </a:r>
+            <a:r>
+              <a:rPr lang="de-DE" dirty="0"/>
+              <a:t>:</a:t>
+            </a:r>
+          </a:p>
+          <a:p>
+            <a:pPr lvl="1"/>
+            <a:r>
+              <a:rPr lang="de-DE" dirty="0"/>
+              <a:t>Locks sind Knoten</a:t>
+            </a:r>
+          </a:p>
+          <a:p>
+            <a:pPr lvl="1"/>
+            <a:r>
+              <a:rPr lang="de-DE" dirty="0"/>
+              <a:t>Kanten zwischen Knoten entstehen, wenn ein Thread einen Lock hält und den nächsten reservieren will</a:t>
+            </a:r>
+          </a:p>
+          <a:p>
+            <a:r>
+              <a:rPr lang="de-DE" dirty="0"/>
+              <a:t>Schritt 2:</a:t>
+            </a:r>
+          </a:p>
+          <a:p>
+            <a:pPr lvl="1"/>
+            <a:r>
+              <a:rPr lang="de-DE" dirty="0"/>
+              <a:t>Überprüfe den Graphen auf Zyklen</a:t>
+            </a:r>
+          </a:p>
+          <a:p>
+            <a:pPr lvl="1"/>
+            <a:r>
+              <a:rPr lang="de-DE" dirty="0"/>
+              <a:t>Sage Deadlock vorher, wenn Zyklus im Graph existiert</a:t>
+            </a:r>
+          </a:p>
+          <a:p>
+            <a:endParaRPr lang="de-DE" dirty="0"/>
+          </a:p>
+        </p:txBody>
+      </p:sp>
     </p:spTree>
     <p:extLst>
       <p:ext uri="{BB962C8B-B14F-4D97-AF65-F5344CB8AC3E}">
-        <p14:creationId xmlns:p14="http://schemas.microsoft.com/office/powerpoint/2010/main" val="3837331834"/>
+        <p14:creationId xmlns:p14="http://schemas.microsoft.com/office/powerpoint/2010/main" val="3991357525"/>
       </p:ext>
     </p:extLst>
   </p:cSld>

--- a/Sound Dynamic Deadlock Prediction in Linear Time.pptx
+++ b/Sound Dynamic Deadlock Prediction in Linear Time.pptx
@@ -22,18 +22,20 @@
     <p:sldId id="285" r:id="rId16"/>
     <p:sldId id="286" r:id="rId17"/>
     <p:sldId id="287" r:id="rId18"/>
-    <p:sldId id="267" r:id="rId19"/>
-    <p:sldId id="263" r:id="rId20"/>
-    <p:sldId id="268" r:id="rId21"/>
-    <p:sldId id="270" r:id="rId22"/>
-    <p:sldId id="271" r:id="rId23"/>
-    <p:sldId id="272" r:id="rId24"/>
-    <p:sldId id="269" r:id="rId25"/>
-    <p:sldId id="275" r:id="rId26"/>
-    <p:sldId id="274" r:id="rId27"/>
+    <p:sldId id="263" r:id="rId19"/>
+    <p:sldId id="288" r:id="rId20"/>
+    <p:sldId id="289" r:id="rId21"/>
+    <p:sldId id="290" r:id="rId22"/>
+    <p:sldId id="268" r:id="rId23"/>
+    <p:sldId id="270" r:id="rId24"/>
+    <p:sldId id="271" r:id="rId25"/>
+    <p:sldId id="269" r:id="rId26"/>
+    <p:sldId id="275" r:id="rId27"/>
     <p:sldId id="276" r:id="rId28"/>
-    <p:sldId id="277" r:id="rId29"/>
-    <p:sldId id="258" r:id="rId30"/>
+    <p:sldId id="291" r:id="rId29"/>
+    <p:sldId id="292" r:id="rId30"/>
+    <p:sldId id="277" r:id="rId31"/>
+    <p:sldId id="258" r:id="rId32"/>
   </p:sldIdLst>
   <p:sldSz cx="12192000" cy="6858000"/>
   <p:notesSz cx="6858000" cy="9144000"/>
@@ -132,6 +134,11 @@
       </a:defRPr>
     </a:lvl9pPr>
   </p:defaultTextStyle>
+  <p:extLst>
+    <p:ext uri="{EFAFB233-063F-42B5-8137-9DF3F51BA10A}">
+      <p15:sldGuideLst xmlns:p15="http://schemas.microsoft.com/office/powerpoint/2012/main"/>
+    </p:ext>
+  </p:extLst>
 </p:presentation>
 </file>
 
@@ -282,7 +289,7 @@
           <a:p>
             <a:fld id="{F567A344-B5EA-438D-9F1A-3789ED15FA5F}" type="datetimeFigureOut">
               <a:rPr lang="de-DE" smtClean="0"/>
-              <a:t>04.12.2023</a:t>
+              <a:t>06.12.2023</a:t>
             </a:fld>
             <a:endParaRPr lang="de-DE"/>
           </a:p>
@@ -480,7 +487,7 @@
           <a:p>
             <a:fld id="{F567A344-B5EA-438D-9F1A-3789ED15FA5F}" type="datetimeFigureOut">
               <a:rPr lang="de-DE" smtClean="0"/>
-              <a:t>04.12.2023</a:t>
+              <a:t>06.12.2023</a:t>
             </a:fld>
             <a:endParaRPr lang="de-DE"/>
           </a:p>
@@ -688,7 +695,7 @@
           <a:p>
             <a:fld id="{F567A344-B5EA-438D-9F1A-3789ED15FA5F}" type="datetimeFigureOut">
               <a:rPr lang="de-DE" smtClean="0"/>
-              <a:t>04.12.2023</a:t>
+              <a:t>06.12.2023</a:t>
             </a:fld>
             <a:endParaRPr lang="de-DE"/>
           </a:p>
@@ -886,7 +893,7 @@
           <a:p>
             <a:fld id="{F567A344-B5EA-438D-9F1A-3789ED15FA5F}" type="datetimeFigureOut">
               <a:rPr lang="de-DE" smtClean="0"/>
-              <a:t>04.12.2023</a:t>
+              <a:t>06.12.2023</a:t>
             </a:fld>
             <a:endParaRPr lang="de-DE"/>
           </a:p>
@@ -1161,7 +1168,7 @@
           <a:p>
             <a:fld id="{F567A344-B5EA-438D-9F1A-3789ED15FA5F}" type="datetimeFigureOut">
               <a:rPr lang="de-DE" smtClean="0"/>
-              <a:t>04.12.2023</a:t>
+              <a:t>06.12.2023</a:t>
             </a:fld>
             <a:endParaRPr lang="de-DE"/>
           </a:p>
@@ -1426,7 +1433,7 @@
           <a:p>
             <a:fld id="{F567A344-B5EA-438D-9F1A-3789ED15FA5F}" type="datetimeFigureOut">
               <a:rPr lang="de-DE" smtClean="0"/>
-              <a:t>04.12.2023</a:t>
+              <a:t>06.12.2023</a:t>
             </a:fld>
             <a:endParaRPr lang="de-DE"/>
           </a:p>
@@ -1838,7 +1845,7 @@
           <a:p>
             <a:fld id="{F567A344-B5EA-438D-9F1A-3789ED15FA5F}" type="datetimeFigureOut">
               <a:rPr lang="de-DE" smtClean="0"/>
-              <a:t>04.12.2023</a:t>
+              <a:t>06.12.2023</a:t>
             </a:fld>
             <a:endParaRPr lang="de-DE"/>
           </a:p>
@@ -1979,7 +1986,7 @@
           <a:p>
             <a:fld id="{F567A344-B5EA-438D-9F1A-3789ED15FA5F}" type="datetimeFigureOut">
               <a:rPr lang="de-DE" smtClean="0"/>
-              <a:t>04.12.2023</a:t>
+              <a:t>06.12.2023</a:t>
             </a:fld>
             <a:endParaRPr lang="de-DE"/>
           </a:p>
@@ -2092,7 +2099,7 @@
           <a:p>
             <a:fld id="{F567A344-B5EA-438D-9F1A-3789ED15FA5F}" type="datetimeFigureOut">
               <a:rPr lang="de-DE" smtClean="0"/>
-              <a:t>04.12.2023</a:t>
+              <a:t>06.12.2023</a:t>
             </a:fld>
             <a:endParaRPr lang="de-DE"/>
           </a:p>
@@ -2403,7 +2410,7 @@
           <a:p>
             <a:fld id="{F567A344-B5EA-438D-9F1A-3789ED15FA5F}" type="datetimeFigureOut">
               <a:rPr lang="de-DE" smtClean="0"/>
-              <a:t>04.12.2023</a:t>
+              <a:t>06.12.2023</a:t>
             </a:fld>
             <a:endParaRPr lang="de-DE"/>
           </a:p>
@@ -2691,7 +2698,7 @@
           <a:p>
             <a:fld id="{F567A344-B5EA-438D-9F1A-3789ED15FA5F}" type="datetimeFigureOut">
               <a:rPr lang="de-DE" smtClean="0"/>
-              <a:t>04.12.2023</a:t>
+              <a:t>06.12.2023</a:t>
             </a:fld>
             <a:endParaRPr lang="de-DE"/>
           </a:p>
@@ -2932,7 +2939,7 @@
           <a:p>
             <a:fld id="{F567A344-B5EA-438D-9F1A-3789ED15FA5F}" type="datetimeFigureOut">
               <a:rPr lang="de-DE" smtClean="0"/>
-              <a:t>04.12.2023</a:t>
+              <a:t>06.12.2023</a:t>
             </a:fld>
             <a:endParaRPr lang="de-DE"/>
           </a:p>
@@ -6240,7 +6247,7 @@
           <p:cNvPr id="2" name="Titel 1">
             <a:extLst>
               <a:ext uri="{FF2B5EF4-FFF2-40B4-BE49-F238E27FC236}">
-                <a16:creationId xmlns:a16="http://schemas.microsoft.com/office/drawing/2014/main" id="{AB69F180-C15C-AB39-672B-E33F114F04B1}"/>
+                <a16:creationId xmlns:a16="http://schemas.microsoft.com/office/drawing/2014/main" id="{6B6F4EFA-ED7B-7D39-FA9A-C0FF07B98202}"/>
               </a:ext>
             </a:extLst>
           </p:cNvPr>
@@ -6257,85 +6264,93 @@
           <a:lstStyle/>
           <a:p>
             <a:r>
-              <a:rPr lang="de-DE" dirty="0"/>
-              <a:t>Dynamische Deadlock-Analyse</a:t>
-            </a:r>
-          </a:p>
-        </p:txBody>
-      </p:sp>
-      <p:pic>
-        <p:nvPicPr>
-          <p:cNvPr id="9" name="Grafik 8">
-            <a:extLst>
-              <a:ext uri="{FF2B5EF4-FFF2-40B4-BE49-F238E27FC236}">
-                <a16:creationId xmlns:a16="http://schemas.microsoft.com/office/drawing/2014/main" id="{1356F372-8370-F90F-1903-BDCDFC4EF057}"/>
-              </a:ext>
-            </a:extLst>
-          </p:cNvPr>
-          <p:cNvPicPr>
-            <a:picLocks noChangeAspect="1"/>
-          </p:cNvPicPr>
-          <p:nvPr/>
-        </p:nvPicPr>
-        <p:blipFill>
-          <a:blip r:embed="rId2"/>
-          <a:stretch>
-            <a:fillRect/>
-          </a:stretch>
-        </p:blipFill>
-        <p:spPr>
-          <a:xfrm>
-            <a:off x="1010812" y="2386605"/>
-            <a:ext cx="3431880" cy="3362279"/>
-          </a:xfrm>
-          <a:prstGeom prst="rect">
-            <a:avLst/>
-          </a:prstGeom>
-          <a:ln>
-            <a:solidFill>
-              <a:schemeClr val="tx1"/>
-            </a:solidFill>
-          </a:ln>
-        </p:spPr>
-      </p:pic>
-      <p:pic>
-        <p:nvPicPr>
-          <p:cNvPr id="10" name="Inhaltsplatzhalter 4">
-            <a:extLst>
-              <a:ext uri="{FF2B5EF4-FFF2-40B4-BE49-F238E27FC236}">
-                <a16:creationId xmlns:a16="http://schemas.microsoft.com/office/drawing/2014/main" id="{F77706E8-20CA-332D-67AA-38D84A1860C6}"/>
-              </a:ext>
-            </a:extLst>
-          </p:cNvPr>
-          <p:cNvPicPr>
-            <a:picLocks noGrp="1" noChangeAspect="1"/>
-          </p:cNvPicPr>
+              <a:rPr lang="de-DE" dirty="0" err="1"/>
+              <a:t>Sync-preserving</a:t>
+            </a:r>
+            <a:r>
+              <a:rPr lang="de-DE" dirty="0"/>
+              <a:t> Deadlocks</a:t>
+            </a:r>
+          </a:p>
+        </p:txBody>
+      </p:sp>
+      <p:sp>
+        <p:nvSpPr>
+          <p:cNvPr id="3" name="Inhaltsplatzhalter 2">
+            <a:extLst>
+              <a:ext uri="{FF2B5EF4-FFF2-40B4-BE49-F238E27FC236}">
+                <a16:creationId xmlns:a16="http://schemas.microsoft.com/office/drawing/2014/main" id="{B765AA72-3866-2604-5770-E4D77AB6DD44}"/>
+              </a:ext>
+            </a:extLst>
+          </p:cNvPr>
+          <p:cNvSpPr>
+            <a:spLocks noGrp="1"/>
+          </p:cNvSpPr>
           <p:nvPr>
             <p:ph idx="1"/>
           </p:nvPr>
-        </p:nvPicPr>
-        <p:blipFill>
-          <a:blip r:embed="rId3"/>
-          <a:stretch>
-            <a:fillRect/>
-          </a:stretch>
-        </p:blipFill>
-        <p:spPr>
-          <a:xfrm>
-            <a:off x="6371386" y="3019848"/>
-            <a:ext cx="3753374" cy="2095792"/>
-          </a:xfrm>
-          <a:ln>
-            <a:solidFill>
-              <a:schemeClr val="tx1"/>
-            </a:solidFill>
-          </a:ln>
-        </p:spPr>
-      </p:pic>
+        </p:nvSpPr>
+        <p:spPr/>
+        <p:txBody>
+          <a:bodyPr/>
+          <a:lstStyle/>
+          <a:p>
+            <a:r>
+              <a:rPr lang="de-DE" dirty="0" err="1"/>
+              <a:t>False</a:t>
+            </a:r>
+            <a:r>
+              <a:rPr lang="de-DE" dirty="0"/>
+              <a:t>-Positives sind wegen des daraus folgenden Aufwands unerwünscht</a:t>
+            </a:r>
+          </a:p>
+          <a:p>
+            <a:r>
+              <a:rPr lang="de-DE" dirty="0" err="1"/>
+              <a:t>Sync-preserving</a:t>
+            </a:r>
+            <a:r>
+              <a:rPr lang="de-DE" dirty="0"/>
+              <a:t> Deadlocks sind Untermenge aller Deadlocks</a:t>
+            </a:r>
+          </a:p>
+          <a:p>
+            <a:r>
+              <a:rPr lang="de-DE" dirty="0"/>
+              <a:t>Meiste in der Praxis vorkommenden Deadlocks sind </a:t>
+            </a:r>
+            <a:r>
+              <a:rPr lang="de-DE" dirty="0" err="1"/>
+              <a:t>Sync-preserving</a:t>
+            </a:r>
+            <a:r>
+              <a:rPr lang="de-DE" dirty="0"/>
+              <a:t> Deadlocks</a:t>
+            </a:r>
+          </a:p>
+          <a:p>
+            <a:r>
+              <a:rPr lang="de-DE" dirty="0"/>
+              <a:t>Lassen sich ohne </a:t>
+            </a:r>
+            <a:r>
+              <a:rPr lang="de-DE" dirty="0" err="1"/>
+              <a:t>False</a:t>
+            </a:r>
+            <a:r>
+              <a:rPr lang="de-DE" dirty="0"/>
+              <a:t>-Positives vorhersagen</a:t>
+            </a:r>
+          </a:p>
+          <a:p>
+            <a:endParaRPr lang="de-DE" dirty="0"/>
+          </a:p>
+        </p:txBody>
+      </p:sp>
     </p:spTree>
     <p:extLst>
       <p:ext uri="{BB962C8B-B14F-4D97-AF65-F5344CB8AC3E}">
-        <p14:creationId xmlns:p14="http://schemas.microsoft.com/office/powerpoint/2010/main" val="1292294782"/>
+        <p14:creationId xmlns:p14="http://schemas.microsoft.com/office/powerpoint/2010/main" val="3342673758"/>
       </p:ext>
     </p:extLst>
   </p:cSld>
@@ -6367,7 +6382,7 @@
           <p:cNvPr id="2" name="Titel 1">
             <a:extLst>
               <a:ext uri="{FF2B5EF4-FFF2-40B4-BE49-F238E27FC236}">
-                <a16:creationId xmlns:a16="http://schemas.microsoft.com/office/drawing/2014/main" id="{6B6F4EFA-ED7B-7D39-FA9A-C0FF07B98202}"/>
+                <a16:creationId xmlns:a16="http://schemas.microsoft.com/office/drawing/2014/main" id="{53E66835-B380-E768-CE27-EB639E48DA11}"/>
               </a:ext>
             </a:extLst>
           </p:cNvPr>
@@ -6399,7 +6414,7 @@
           <p:cNvPr id="3" name="Inhaltsplatzhalter 2">
             <a:extLst>
               <a:ext uri="{FF2B5EF4-FFF2-40B4-BE49-F238E27FC236}">
-                <a16:creationId xmlns:a16="http://schemas.microsoft.com/office/drawing/2014/main" id="{B765AA72-3866-2604-5770-E4D77AB6DD44}"/>
+                <a16:creationId xmlns:a16="http://schemas.microsoft.com/office/drawing/2014/main" id="{7E5D6919-9678-8AAF-8C85-1918A2452C29}"/>
               </a:ext>
             </a:extLst>
           </p:cNvPr>
@@ -6417,7 +6432,7 @@
           <a:p>
             <a:r>
               <a:rPr lang="de-DE" dirty="0"/>
-              <a:t>Die Events aus dem Original-Trace werden umgeordnet</a:t>
+              <a:t>Für Vorhersage: Umordnung der Events im Original-Trace</a:t>
             </a:r>
           </a:p>
           <a:p>
@@ -6445,6 +6460,9 @@
               <a:rPr lang="de-DE" dirty="0" err="1"/>
               <a:t>Reordering</a:t>
             </a:r>
+            <a:endParaRPr lang="de-DE" dirty="0"/>
+          </a:p>
+          <a:p>
             <a:endParaRPr lang="de-DE" dirty="0"/>
           </a:p>
         </p:txBody>
@@ -6452,7 +6470,7 @@
     </p:spTree>
     <p:extLst>
       <p:ext uri="{BB962C8B-B14F-4D97-AF65-F5344CB8AC3E}">
-        <p14:creationId xmlns:p14="http://schemas.microsoft.com/office/powerpoint/2010/main" val="3342673758"/>
+        <p14:creationId xmlns:p14="http://schemas.microsoft.com/office/powerpoint/2010/main" val="3150677949"/>
       </p:ext>
     </p:extLst>
   </p:cSld>
@@ -6598,7 +6616,7 @@
           <p:cNvPr id="2" name="Titel 1">
             <a:extLst>
               <a:ext uri="{FF2B5EF4-FFF2-40B4-BE49-F238E27FC236}">
-                <a16:creationId xmlns:a16="http://schemas.microsoft.com/office/drawing/2014/main" id="{6B6F4EFA-ED7B-7D39-FA9A-C0FF07B98202}"/>
+                <a16:creationId xmlns:a16="http://schemas.microsoft.com/office/drawing/2014/main" id="{9BBE12EE-59B2-E7B8-1E5F-C7076DD8DB7D}"/>
               </a:ext>
             </a:extLst>
           </p:cNvPr>
@@ -6625,94 +6643,841 @@
           </a:p>
         </p:txBody>
       </p:sp>
-      <p:sp>
-        <p:nvSpPr>
-          <p:cNvPr id="3" name="Inhaltsplatzhalter 2">
-            <a:extLst>
-              <a:ext uri="{FF2B5EF4-FFF2-40B4-BE49-F238E27FC236}">
-                <a16:creationId xmlns:a16="http://schemas.microsoft.com/office/drawing/2014/main" id="{B765AA72-3866-2604-5770-E4D77AB6DD44}"/>
-              </a:ext>
-            </a:extLst>
-          </p:cNvPr>
-          <p:cNvSpPr>
-            <a:spLocks noGrp="1"/>
-          </p:cNvSpPr>
-          <p:nvPr>
-            <p:ph idx="1"/>
-          </p:nvPr>
-        </p:nvSpPr>
-        <p:spPr/>
-        <p:txBody>
-          <a:bodyPr/>
-          <a:lstStyle/>
-          <a:p>
-            <a:r>
-              <a:rPr lang="de-DE" dirty="0"/>
-              <a:t>Eine Umordnung ist ein </a:t>
-            </a:r>
-            <a:r>
-              <a:rPr lang="de-DE" dirty="0" err="1"/>
-              <a:t>Correct</a:t>
-            </a:r>
-            <a:r>
-              <a:rPr lang="de-DE" dirty="0"/>
-              <a:t> </a:t>
-            </a:r>
-            <a:r>
-              <a:rPr lang="de-DE" dirty="0" err="1"/>
-              <a:t>Reordering</a:t>
-            </a:r>
-            <a:r>
-              <a:rPr lang="de-DE" dirty="0"/>
-              <a:t> wenn folgende Regeln eingehalten werden</a:t>
-            </a:r>
-          </a:p>
-          <a:p>
-            <a:pPr lvl="1"/>
-            <a:r>
-              <a:rPr lang="de-DE" dirty="0" err="1"/>
-              <a:t>Subset</a:t>
-            </a:r>
-            <a:r>
-              <a:rPr lang="de-DE" dirty="0"/>
-              <a:t>: Es besteht ausschließlich aus Teilen des originalen Trace</a:t>
-            </a:r>
-          </a:p>
-          <a:p>
-            <a:pPr lvl="1"/>
-            <a:r>
-              <a:rPr lang="de-DE" dirty="0"/>
-              <a:t>Thread-Order: Die Reihenfolge der Operationen innerhalb eines Threads wurde nicht verändert</a:t>
-            </a:r>
-          </a:p>
-          <a:p>
-            <a:pPr lvl="1"/>
-            <a:r>
-              <a:rPr lang="de-DE" dirty="0"/>
-              <a:t>Last-Write: Wenn ein Read auf eine Variable existiert, muss das letzte Write auf diese Variable existieren</a:t>
-            </a:r>
-          </a:p>
-          <a:p>
-            <a:pPr lvl="1"/>
-            <a:r>
-              <a:rPr lang="de-DE" dirty="0"/>
-              <a:t>Lock-Semantik: Zwischen zwei </a:t>
-            </a:r>
-            <a:r>
-              <a:rPr lang="de-DE" dirty="0" err="1"/>
-              <a:t>Acquire</a:t>
-            </a:r>
-            <a:r>
-              <a:rPr lang="de-DE" dirty="0"/>
-              <a:t>-Events zweier verschiedener Threads muss es eine Release-Operation im ersten Thread geben</a:t>
-            </a:r>
-          </a:p>
-        </p:txBody>
-      </p:sp>
+      <mc:AlternateContent xmlns:mc="http://schemas.openxmlformats.org/markup-compatibility/2006">
+        <mc:Choice xmlns:a14="http://schemas.microsoft.com/office/drawing/2010/main" Requires="a14">
+          <p:sp>
+            <p:nvSpPr>
+              <p:cNvPr id="3" name="Inhaltsplatzhalter 2">
+                <a:extLst>
+                  <a:ext uri="{FF2B5EF4-FFF2-40B4-BE49-F238E27FC236}">
+                    <a16:creationId xmlns:a16="http://schemas.microsoft.com/office/drawing/2014/main" id="{C57DD84C-C93A-2C8E-C186-EFAABD736DE4}"/>
+                  </a:ext>
+                </a:extLst>
+              </p:cNvPr>
+              <p:cNvSpPr>
+                <a:spLocks noGrp="1"/>
+              </p:cNvSpPr>
+              <p:nvPr>
+                <p:ph idx="1"/>
+              </p:nvPr>
+            </p:nvSpPr>
+            <p:spPr/>
+            <p:txBody>
+              <a:bodyPr>
+                <a:normAutofit lnSpcReduction="10000"/>
+              </a:bodyPr>
+              <a:lstStyle/>
+              <a:p>
+                <a:pPr marL="0" indent="0">
+                  <a:buNone/>
+                </a:pPr>
+                <a:r>
+                  <a:rPr lang="de-DE" dirty="0"/>
+                  <a:t>Deadlock-Patterns:</a:t>
+                </a:r>
+              </a:p>
+              <a:p>
+                <a:pPr marL="0" indent="0">
+                  <a:buNone/>
+                </a:pPr>
+                <a:r>
+                  <a:rPr lang="de-DE" dirty="0"/>
+                  <a:t>Sind Sequenzen </a:t>
+                </a:r>
+                <a14:m>
+                  <m:oMath xmlns:m="http://schemas.openxmlformats.org/officeDocument/2006/math">
+                    <m:r>
+                      <a:rPr lang="de-DE" b="0" i="1" smtClean="0">
+                        <a:latin typeface="Cambria Math" panose="02040503050406030204" pitchFamily="18" charset="0"/>
+                      </a:rPr>
+                      <m:t>𝐷</m:t>
+                    </m:r>
+                    <m:r>
+                      <a:rPr lang="de-DE" b="0" i="1" smtClean="0">
+                        <a:latin typeface="Cambria Math" panose="02040503050406030204" pitchFamily="18" charset="0"/>
+                      </a:rPr>
+                      <m:t>= &lt;</m:t>
+                    </m:r>
+                    <m:sSub>
+                      <m:sSubPr>
+                        <m:ctrlPr>
+                          <a:rPr lang="de-DE" b="0" i="1" smtClean="0">
+                            <a:latin typeface="Cambria Math" panose="02040503050406030204" pitchFamily="18" charset="0"/>
+                          </a:rPr>
+                        </m:ctrlPr>
+                      </m:sSubPr>
+                      <m:e>
+                        <m:r>
+                          <a:rPr lang="de-DE" b="0" i="1" smtClean="0">
+                            <a:latin typeface="Cambria Math" panose="02040503050406030204" pitchFamily="18" charset="0"/>
+                          </a:rPr>
+                          <m:t>𝑒</m:t>
+                        </m:r>
+                      </m:e>
+                      <m:sub>
+                        <m:r>
+                          <a:rPr lang="de-DE" b="0" i="1" smtClean="0">
+                            <a:latin typeface="Cambria Math" panose="02040503050406030204" pitchFamily="18" charset="0"/>
+                          </a:rPr>
+                          <m:t>0</m:t>
+                        </m:r>
+                      </m:sub>
+                    </m:sSub>
+                    <m:r>
+                      <a:rPr lang="de-DE" b="0" i="1" smtClean="0">
+                        <a:latin typeface="Cambria Math" panose="02040503050406030204" pitchFamily="18" charset="0"/>
+                      </a:rPr>
+                      <m:t>, </m:t>
+                    </m:r>
+                    <m:sSub>
+                      <m:sSubPr>
+                        <m:ctrlPr>
+                          <a:rPr lang="de-DE" b="0" i="1" smtClean="0">
+                            <a:latin typeface="Cambria Math" panose="02040503050406030204" pitchFamily="18" charset="0"/>
+                          </a:rPr>
+                        </m:ctrlPr>
+                      </m:sSubPr>
+                      <m:e>
+                        <m:r>
+                          <a:rPr lang="de-DE" b="0" i="1" smtClean="0">
+                            <a:latin typeface="Cambria Math" panose="02040503050406030204" pitchFamily="18" charset="0"/>
+                          </a:rPr>
+                          <m:t>𝑒</m:t>
+                        </m:r>
+                      </m:e>
+                      <m:sub>
+                        <m:r>
+                          <a:rPr lang="de-DE" b="0" i="1" smtClean="0">
+                            <a:latin typeface="Cambria Math" panose="02040503050406030204" pitchFamily="18" charset="0"/>
+                          </a:rPr>
+                          <m:t>1</m:t>
+                        </m:r>
+                      </m:sub>
+                    </m:sSub>
+                    <m:r>
+                      <a:rPr lang="de-DE" i="1">
+                        <a:latin typeface="Cambria Math" panose="02040503050406030204" pitchFamily="18" charset="0"/>
+                      </a:rPr>
+                      <m:t>, …, </m:t>
+                    </m:r>
+                    <m:sSub>
+                      <m:sSubPr>
+                        <m:ctrlPr>
+                          <a:rPr lang="de-DE" i="1">
+                            <a:latin typeface="Cambria Math" panose="02040503050406030204" pitchFamily="18" charset="0"/>
+                          </a:rPr>
+                        </m:ctrlPr>
+                      </m:sSubPr>
+                      <m:e>
+                        <m:r>
+                          <a:rPr lang="de-DE" i="1">
+                            <a:latin typeface="Cambria Math" panose="02040503050406030204" pitchFamily="18" charset="0"/>
+                          </a:rPr>
+                          <m:t>𝑒</m:t>
+                        </m:r>
+                      </m:e>
+                      <m:sub>
+                        <m:r>
+                          <a:rPr lang="de-DE" i="1">
+                            <a:latin typeface="Cambria Math" panose="02040503050406030204" pitchFamily="18" charset="0"/>
+                          </a:rPr>
+                          <m:t>𝑘</m:t>
+                        </m:r>
+                        <m:r>
+                          <a:rPr lang="de-DE" i="1">
+                            <a:latin typeface="Cambria Math" panose="02040503050406030204" pitchFamily="18" charset="0"/>
+                          </a:rPr>
+                          <m:t>−1</m:t>
+                        </m:r>
+                      </m:sub>
+                    </m:sSub>
+                    <m:r>
+                      <a:rPr lang="de-DE" b="0" i="1" smtClean="0">
+                        <a:latin typeface="Cambria Math" panose="02040503050406030204" pitchFamily="18" charset="0"/>
+                      </a:rPr>
+                      <m:t>&gt;</m:t>
+                    </m:r>
+                  </m:oMath>
+                </a14:m>
+                <a:r>
+                  <a:rPr lang="de-DE" dirty="0"/>
+                  <a:t> mit </a:t>
+                </a:r>
+                <a14:m>
+                  <m:oMath xmlns:m="http://schemas.openxmlformats.org/officeDocument/2006/math">
+                    <m:r>
+                      <a:rPr lang="de-DE" b="0" i="1" smtClean="0">
+                        <a:latin typeface="Cambria Math" panose="02040503050406030204" pitchFamily="18" charset="0"/>
+                      </a:rPr>
+                      <m:t>𝑘</m:t>
+                    </m:r>
+                  </m:oMath>
+                </a14:m>
+                <a:r>
+                  <a:rPr lang="de-DE" dirty="0"/>
+                  <a:t> eigenständigen Threads </a:t>
+                </a:r>
+                <a14:m>
+                  <m:oMath xmlns:m="http://schemas.openxmlformats.org/officeDocument/2006/math">
+                    <m:sSub>
+                      <m:sSubPr>
+                        <m:ctrlPr>
+                          <a:rPr lang="de-DE" i="1" smtClean="0">
+                            <a:latin typeface="Cambria Math" panose="02040503050406030204" pitchFamily="18" charset="0"/>
+                          </a:rPr>
+                        </m:ctrlPr>
+                      </m:sSubPr>
+                      <m:e>
+                        <m:r>
+                          <a:rPr lang="de-DE" b="0" i="1" smtClean="0">
+                            <a:latin typeface="Cambria Math" panose="02040503050406030204" pitchFamily="18" charset="0"/>
+                          </a:rPr>
+                          <m:t>𝑡</m:t>
+                        </m:r>
+                      </m:e>
+                      <m:sub>
+                        <m:r>
+                          <a:rPr lang="de-DE" b="0" i="1" smtClean="0">
+                            <a:latin typeface="Cambria Math" panose="02040503050406030204" pitchFamily="18" charset="0"/>
+                          </a:rPr>
+                          <m:t>0</m:t>
+                        </m:r>
+                      </m:sub>
+                    </m:sSub>
+                    <m:r>
+                      <a:rPr lang="de-DE" b="0" i="1" smtClean="0">
+                        <a:latin typeface="Cambria Math" panose="02040503050406030204" pitchFamily="18" charset="0"/>
+                      </a:rPr>
+                      <m:t>, …, </m:t>
+                    </m:r>
+                    <m:sSub>
+                      <m:sSubPr>
+                        <m:ctrlPr>
+                          <a:rPr lang="de-DE" b="0" i="1" smtClean="0">
+                            <a:latin typeface="Cambria Math" panose="02040503050406030204" pitchFamily="18" charset="0"/>
+                          </a:rPr>
+                        </m:ctrlPr>
+                      </m:sSubPr>
+                      <m:e>
+                        <m:r>
+                          <a:rPr lang="de-DE" b="0" i="1" smtClean="0">
+                            <a:latin typeface="Cambria Math" panose="02040503050406030204" pitchFamily="18" charset="0"/>
+                          </a:rPr>
+                          <m:t>𝑡</m:t>
+                        </m:r>
+                      </m:e>
+                      <m:sub>
+                        <m:r>
+                          <a:rPr lang="de-DE" b="0" i="1" smtClean="0">
+                            <a:latin typeface="Cambria Math" panose="02040503050406030204" pitchFamily="18" charset="0"/>
+                          </a:rPr>
+                          <m:t>𝑘</m:t>
+                        </m:r>
+                        <m:r>
+                          <a:rPr lang="de-DE" b="0" i="1" smtClean="0">
+                            <a:latin typeface="Cambria Math" panose="02040503050406030204" pitchFamily="18" charset="0"/>
+                          </a:rPr>
+                          <m:t>−1</m:t>
+                        </m:r>
+                      </m:sub>
+                    </m:sSub>
+                  </m:oMath>
+                </a14:m>
+                <a:r>
+                  <a:rPr lang="de-DE" dirty="0"/>
+                  <a:t> und </a:t>
+                </a:r>
+                <a14:m>
+                  <m:oMath xmlns:m="http://schemas.openxmlformats.org/officeDocument/2006/math">
+                    <m:r>
+                      <a:rPr lang="de-DE" b="0" i="1" smtClean="0">
+                        <a:latin typeface="Cambria Math" panose="02040503050406030204" pitchFamily="18" charset="0"/>
+                      </a:rPr>
+                      <m:t>𝑘</m:t>
+                    </m:r>
+                  </m:oMath>
+                </a14:m>
+                <a:r>
+                  <a:rPr lang="de-DE" dirty="0"/>
+                  <a:t> eigenständigen Locks </a:t>
+                </a:r>
+                <a14:m>
+                  <m:oMath xmlns:m="http://schemas.openxmlformats.org/officeDocument/2006/math">
+                    <m:sSub>
+                      <m:sSubPr>
+                        <m:ctrlPr>
+                          <a:rPr lang="de-DE" i="1" smtClean="0">
+                            <a:latin typeface="Cambria Math" panose="02040503050406030204" pitchFamily="18" charset="0"/>
+                          </a:rPr>
+                        </m:ctrlPr>
+                      </m:sSubPr>
+                      <m:e>
+                        <m:r>
+                          <a:rPr lang="de-DE" b="0" i="1" smtClean="0">
+                            <a:latin typeface="Cambria Math" panose="02040503050406030204" pitchFamily="18" charset="0"/>
+                          </a:rPr>
+                          <m:t>𝑙</m:t>
+                        </m:r>
+                      </m:e>
+                      <m:sub>
+                        <m:r>
+                          <a:rPr lang="de-DE" b="0" i="1" smtClean="0">
+                            <a:latin typeface="Cambria Math" panose="02040503050406030204" pitchFamily="18" charset="0"/>
+                          </a:rPr>
+                          <m:t>0</m:t>
+                        </m:r>
+                      </m:sub>
+                    </m:sSub>
+                    <m:r>
+                      <a:rPr lang="de-DE" b="0" i="1" smtClean="0">
+                        <a:latin typeface="Cambria Math" panose="02040503050406030204" pitchFamily="18" charset="0"/>
+                      </a:rPr>
+                      <m:t>, …, </m:t>
+                    </m:r>
+                    <m:sSub>
+                      <m:sSubPr>
+                        <m:ctrlPr>
+                          <a:rPr lang="de-DE" b="0" i="1" smtClean="0">
+                            <a:latin typeface="Cambria Math" panose="02040503050406030204" pitchFamily="18" charset="0"/>
+                          </a:rPr>
+                        </m:ctrlPr>
+                      </m:sSubPr>
+                      <m:e>
+                        <m:r>
+                          <a:rPr lang="de-DE" b="0" i="1" smtClean="0">
+                            <a:latin typeface="Cambria Math" panose="02040503050406030204" pitchFamily="18" charset="0"/>
+                          </a:rPr>
+                          <m:t>𝑙</m:t>
+                        </m:r>
+                      </m:e>
+                      <m:sub>
+                        <m:r>
+                          <a:rPr lang="de-DE" b="0" i="1" smtClean="0">
+                            <a:latin typeface="Cambria Math" panose="02040503050406030204" pitchFamily="18" charset="0"/>
+                          </a:rPr>
+                          <m:t>𝑘</m:t>
+                        </m:r>
+                        <m:r>
+                          <a:rPr lang="de-DE" b="0" i="1" smtClean="0">
+                            <a:latin typeface="Cambria Math" panose="02040503050406030204" pitchFamily="18" charset="0"/>
+                          </a:rPr>
+                          <m:t>−1</m:t>
+                        </m:r>
+                      </m:sub>
+                    </m:sSub>
+                  </m:oMath>
+                </a14:m>
+                <a:r>
+                  <a:rPr lang="de-DE" dirty="0"/>
+                  <a:t>, sodass:</a:t>
+                </a:r>
+              </a:p>
+              <a:p>
+                <a:r>
+                  <a:rPr lang="de-DE" dirty="0" err="1"/>
+                  <a:t>thread</a:t>
+                </a:r>
+                <a:r>
+                  <a:rPr lang="de-DE" dirty="0"/>
+                  <a:t>(</a:t>
+                </a:r>
+                <a14:m>
+                  <m:oMath xmlns:m="http://schemas.openxmlformats.org/officeDocument/2006/math">
+                    <m:sSub>
+                      <m:sSubPr>
+                        <m:ctrlPr>
+                          <a:rPr lang="de-DE" i="1" smtClean="0">
+                            <a:latin typeface="Cambria Math" panose="02040503050406030204" pitchFamily="18" charset="0"/>
+                          </a:rPr>
+                        </m:ctrlPr>
+                      </m:sSubPr>
+                      <m:e>
+                        <m:r>
+                          <a:rPr lang="de-DE" b="0" i="1" smtClean="0">
+                            <a:latin typeface="Cambria Math" panose="02040503050406030204" pitchFamily="18" charset="0"/>
+                          </a:rPr>
+                          <m:t>𝑒</m:t>
+                        </m:r>
+                      </m:e>
+                      <m:sub>
+                        <m:r>
+                          <a:rPr lang="de-DE" b="0" i="1" smtClean="0">
+                            <a:latin typeface="Cambria Math" panose="02040503050406030204" pitchFamily="18" charset="0"/>
+                          </a:rPr>
+                          <m:t>𝑖</m:t>
+                        </m:r>
+                      </m:sub>
+                    </m:sSub>
+                  </m:oMath>
+                </a14:m>
+                <a:r>
+                  <a:rPr lang="de-DE" dirty="0"/>
+                  <a:t>) = </a:t>
+                </a:r>
+                <a14:m>
+                  <m:oMath xmlns:m="http://schemas.openxmlformats.org/officeDocument/2006/math">
+                    <m:sSub>
+                      <m:sSubPr>
+                        <m:ctrlPr>
+                          <a:rPr lang="de-DE" i="1" smtClean="0">
+                            <a:latin typeface="Cambria Math" panose="02040503050406030204" pitchFamily="18" charset="0"/>
+                          </a:rPr>
+                        </m:ctrlPr>
+                      </m:sSubPr>
+                      <m:e>
+                        <m:r>
+                          <a:rPr lang="de-DE" b="0" i="1" smtClean="0">
+                            <a:latin typeface="Cambria Math" panose="02040503050406030204" pitchFamily="18" charset="0"/>
+                          </a:rPr>
+                          <m:t>𝑡</m:t>
+                        </m:r>
+                      </m:e>
+                      <m:sub>
+                        <m:r>
+                          <a:rPr lang="de-DE" b="0" i="1" smtClean="0">
+                            <a:latin typeface="Cambria Math" panose="02040503050406030204" pitchFamily="18" charset="0"/>
+                          </a:rPr>
+                          <m:t>𝑖</m:t>
+                        </m:r>
+                      </m:sub>
+                    </m:sSub>
+                  </m:oMath>
+                </a14:m>
+                <a:endParaRPr lang="de-DE" dirty="0"/>
+              </a:p>
+              <a:p>
+                <a:r>
+                  <a:rPr lang="de-DE" dirty="0" err="1"/>
+                  <a:t>op</a:t>
+                </a:r>
+                <a:r>
+                  <a:rPr lang="de-DE" dirty="0"/>
+                  <a:t>(</a:t>
+                </a:r>
+                <a14:m>
+                  <m:oMath xmlns:m="http://schemas.openxmlformats.org/officeDocument/2006/math">
+                    <m:sSub>
+                      <m:sSubPr>
+                        <m:ctrlPr>
+                          <a:rPr lang="de-DE" i="1" smtClean="0">
+                            <a:latin typeface="Cambria Math" panose="02040503050406030204" pitchFamily="18" charset="0"/>
+                          </a:rPr>
+                        </m:ctrlPr>
+                      </m:sSubPr>
+                      <m:e>
+                        <m:r>
+                          <a:rPr lang="de-DE" b="0" i="1" smtClean="0">
+                            <a:latin typeface="Cambria Math" panose="02040503050406030204" pitchFamily="18" charset="0"/>
+                          </a:rPr>
+                          <m:t>𝑒</m:t>
+                        </m:r>
+                      </m:e>
+                      <m:sub>
+                        <m:r>
+                          <a:rPr lang="de-DE" b="0" i="1" smtClean="0">
+                            <a:latin typeface="Cambria Math" panose="02040503050406030204" pitchFamily="18" charset="0"/>
+                          </a:rPr>
+                          <m:t>𝑖</m:t>
+                        </m:r>
+                      </m:sub>
+                    </m:sSub>
+                  </m:oMath>
+                </a14:m>
+                <a:r>
+                  <a:rPr lang="de-DE" dirty="0"/>
+                  <a:t>) = </a:t>
+                </a:r>
+                <a:r>
+                  <a:rPr lang="de-DE" dirty="0" err="1"/>
+                  <a:t>acq</a:t>
+                </a:r>
+                <a:r>
+                  <a:rPr lang="de-DE" dirty="0"/>
+                  <a:t>(</a:t>
+                </a:r>
+                <a14:m>
+                  <m:oMath xmlns:m="http://schemas.openxmlformats.org/officeDocument/2006/math">
+                    <m:sSub>
+                      <m:sSubPr>
+                        <m:ctrlPr>
+                          <a:rPr lang="de-DE" i="1">
+                            <a:latin typeface="Cambria Math" panose="02040503050406030204" pitchFamily="18" charset="0"/>
+                          </a:rPr>
+                        </m:ctrlPr>
+                      </m:sSubPr>
+                      <m:e>
+                        <m:r>
+                          <a:rPr lang="de-DE" b="0" i="1" smtClean="0">
+                            <a:latin typeface="Cambria Math" panose="02040503050406030204" pitchFamily="18" charset="0"/>
+                          </a:rPr>
+                          <m:t>𝑙</m:t>
+                        </m:r>
+                      </m:e>
+                      <m:sub>
+                        <m:r>
+                          <a:rPr lang="de-DE" i="1">
+                            <a:latin typeface="Cambria Math" panose="02040503050406030204" pitchFamily="18" charset="0"/>
+                          </a:rPr>
+                          <m:t>𝑖</m:t>
+                        </m:r>
+                      </m:sub>
+                    </m:sSub>
+                  </m:oMath>
+                </a14:m>
+                <a:r>
+                  <a:rPr lang="de-DE" dirty="0"/>
+                  <a:t>)</a:t>
+                </a:r>
+              </a:p>
+              <a:p>
+                <a14:m>
+                  <m:oMath xmlns:m="http://schemas.openxmlformats.org/officeDocument/2006/math">
+                    <m:sSub>
+                      <m:sSubPr>
+                        <m:ctrlPr>
+                          <a:rPr lang="de-DE" i="1" smtClean="0">
+                            <a:latin typeface="Cambria Math" panose="02040503050406030204" pitchFamily="18" charset="0"/>
+                          </a:rPr>
+                        </m:ctrlPr>
+                      </m:sSubPr>
+                      <m:e>
+                        <m:r>
+                          <a:rPr lang="de-DE" b="0" i="1" smtClean="0">
+                            <a:latin typeface="Cambria Math" panose="02040503050406030204" pitchFamily="18" charset="0"/>
+                          </a:rPr>
+                          <m:t>𝑙</m:t>
+                        </m:r>
+                      </m:e>
+                      <m:sub>
+                        <m:r>
+                          <a:rPr lang="de-DE" b="0" i="1" smtClean="0">
+                            <a:latin typeface="Cambria Math" panose="02040503050406030204" pitchFamily="18" charset="0"/>
+                          </a:rPr>
+                          <m:t>𝑖</m:t>
+                        </m:r>
+                      </m:sub>
+                    </m:sSub>
+                    <m:r>
+                      <a:rPr lang="de-DE" i="1" smtClean="0">
+                        <a:latin typeface="Cambria Math" panose="02040503050406030204" pitchFamily="18" charset="0"/>
+                        <a:ea typeface="Cambria Math" panose="02040503050406030204" pitchFamily="18" charset="0"/>
+                      </a:rPr>
+                      <m:t>∈</m:t>
+                    </m:r>
+                    <m:sSub>
+                      <m:sSubPr>
+                        <m:ctrlPr>
+                          <a:rPr lang="de-DE" i="1" smtClean="0">
+                            <a:latin typeface="Cambria Math" panose="02040503050406030204" pitchFamily="18" charset="0"/>
+                            <a:ea typeface="Cambria Math" panose="02040503050406030204" pitchFamily="18" charset="0"/>
+                          </a:rPr>
+                        </m:ctrlPr>
+                      </m:sSubPr>
+                      <m:e>
+                        <m:r>
+                          <a:rPr lang="de-DE" b="0" i="1" smtClean="0">
+                            <a:latin typeface="Cambria Math" panose="02040503050406030204" pitchFamily="18" charset="0"/>
+                            <a:ea typeface="Cambria Math" panose="02040503050406030204" pitchFamily="18" charset="0"/>
+                          </a:rPr>
+                          <m:t>𝐻𝑒𝑙𝑑𝐿𝑘𝑠</m:t>
+                        </m:r>
+                      </m:e>
+                      <m:sub>
+                        <m:r>
+                          <a:rPr lang="de-DE" i="1" smtClean="0">
+                            <a:latin typeface="Cambria Math" panose="02040503050406030204" pitchFamily="18" charset="0"/>
+                            <a:ea typeface="Cambria Math" panose="02040503050406030204" pitchFamily="18" charset="0"/>
+                          </a:rPr>
+                          <m:t>𝛿</m:t>
+                        </m:r>
+                      </m:sub>
+                    </m:sSub>
+                    <m:r>
+                      <a:rPr lang="de-DE" b="0" i="1" smtClean="0">
+                        <a:latin typeface="Cambria Math" panose="02040503050406030204" pitchFamily="18" charset="0"/>
+                        <a:ea typeface="Cambria Math" panose="02040503050406030204" pitchFamily="18" charset="0"/>
+                      </a:rPr>
+                      <m:t>(</m:t>
+                    </m:r>
+                    <m:sSub>
+                      <m:sSubPr>
+                        <m:ctrlPr>
+                          <a:rPr lang="de-DE" b="0" i="1" smtClean="0">
+                            <a:latin typeface="Cambria Math" panose="02040503050406030204" pitchFamily="18" charset="0"/>
+                            <a:ea typeface="Cambria Math" panose="02040503050406030204" pitchFamily="18" charset="0"/>
+                          </a:rPr>
+                        </m:ctrlPr>
+                      </m:sSubPr>
+                      <m:e>
+                        <m:r>
+                          <a:rPr lang="de-DE" b="0" i="1" smtClean="0">
+                            <a:latin typeface="Cambria Math" panose="02040503050406030204" pitchFamily="18" charset="0"/>
+                            <a:ea typeface="Cambria Math" panose="02040503050406030204" pitchFamily="18" charset="0"/>
+                          </a:rPr>
+                          <m:t>𝑒</m:t>
+                        </m:r>
+                      </m:e>
+                      <m:sub>
+                        <m:d>
+                          <m:dPr>
+                            <m:ctrlPr>
+                              <a:rPr lang="de-DE" b="0" i="1" smtClean="0">
+                                <a:latin typeface="Cambria Math" panose="02040503050406030204" pitchFamily="18" charset="0"/>
+                                <a:ea typeface="Cambria Math" panose="02040503050406030204" pitchFamily="18" charset="0"/>
+                              </a:rPr>
+                            </m:ctrlPr>
+                          </m:dPr>
+                          <m:e>
+                            <m:r>
+                              <a:rPr lang="de-DE" b="0" i="1" smtClean="0">
+                                <a:latin typeface="Cambria Math" panose="02040503050406030204" pitchFamily="18" charset="0"/>
+                                <a:ea typeface="Cambria Math" panose="02040503050406030204" pitchFamily="18" charset="0"/>
+                              </a:rPr>
+                              <m:t>𝑖</m:t>
+                            </m:r>
+                            <m:r>
+                              <a:rPr lang="de-DE" b="0" i="1" smtClean="0">
+                                <a:latin typeface="Cambria Math" panose="02040503050406030204" pitchFamily="18" charset="0"/>
+                                <a:ea typeface="Cambria Math" panose="02040503050406030204" pitchFamily="18" charset="0"/>
+                              </a:rPr>
+                              <m:t>+1</m:t>
+                            </m:r>
+                          </m:e>
+                        </m:d>
+                        <m:r>
+                          <a:rPr lang="de-DE" b="0" i="1" smtClean="0">
+                            <a:latin typeface="Cambria Math" panose="02040503050406030204" pitchFamily="18" charset="0"/>
+                            <a:ea typeface="Cambria Math" panose="02040503050406030204" pitchFamily="18" charset="0"/>
+                          </a:rPr>
+                          <m:t>%</m:t>
+                        </m:r>
+                        <m:r>
+                          <a:rPr lang="de-DE" b="0" i="1" smtClean="0">
+                            <a:latin typeface="Cambria Math" panose="02040503050406030204" pitchFamily="18" charset="0"/>
+                            <a:ea typeface="Cambria Math" panose="02040503050406030204" pitchFamily="18" charset="0"/>
+                          </a:rPr>
+                          <m:t>𝑘</m:t>
+                        </m:r>
+                      </m:sub>
+                    </m:sSub>
+                    <m:r>
+                      <a:rPr lang="de-DE" b="0" i="1" smtClean="0">
+                        <a:latin typeface="Cambria Math" panose="02040503050406030204" pitchFamily="18" charset="0"/>
+                        <a:ea typeface="Cambria Math" panose="02040503050406030204" pitchFamily="18" charset="0"/>
+                      </a:rPr>
+                      <m:t>)</m:t>
+                    </m:r>
+                  </m:oMath>
+                </a14:m>
+                <a:endParaRPr lang="de-DE" dirty="0"/>
+              </a:p>
+              <a:p>
+                <a14:m>
+                  <m:oMath xmlns:m="http://schemas.openxmlformats.org/officeDocument/2006/math">
+                    <m:sSub>
+                      <m:sSubPr>
+                        <m:ctrlPr>
+                          <a:rPr lang="de-DE" i="1" smtClean="0">
+                            <a:latin typeface="Cambria Math" panose="02040503050406030204" pitchFamily="18" charset="0"/>
+                          </a:rPr>
+                        </m:ctrlPr>
+                      </m:sSubPr>
+                      <m:e>
+                        <m:r>
+                          <a:rPr lang="de-DE" b="0" i="1" smtClean="0">
+                            <a:latin typeface="Cambria Math" panose="02040503050406030204" pitchFamily="18" charset="0"/>
+                          </a:rPr>
+                          <m:t>𝐻𝑒𝑙𝑑𝐿𝑘𝑠</m:t>
+                        </m:r>
+                      </m:e>
+                      <m:sub>
+                        <m:r>
+                          <a:rPr lang="de-DE" i="1" smtClean="0">
+                            <a:latin typeface="Cambria Math" panose="02040503050406030204" pitchFamily="18" charset="0"/>
+                            <a:ea typeface="Cambria Math" panose="02040503050406030204" pitchFamily="18" charset="0"/>
+                          </a:rPr>
+                          <m:t>𝛿</m:t>
+                        </m:r>
+                      </m:sub>
+                    </m:sSub>
+                    <m:d>
+                      <m:dPr>
+                        <m:ctrlPr>
+                          <a:rPr lang="de-DE" b="0" i="1" smtClean="0">
+                            <a:latin typeface="Cambria Math" panose="02040503050406030204" pitchFamily="18" charset="0"/>
+                          </a:rPr>
+                        </m:ctrlPr>
+                      </m:dPr>
+                      <m:e>
+                        <m:sSub>
+                          <m:sSubPr>
+                            <m:ctrlPr>
+                              <a:rPr lang="de-DE" b="0" i="1" smtClean="0">
+                                <a:latin typeface="Cambria Math" panose="02040503050406030204" pitchFamily="18" charset="0"/>
+                              </a:rPr>
+                            </m:ctrlPr>
+                          </m:sSubPr>
+                          <m:e>
+                            <m:r>
+                              <a:rPr lang="de-DE" b="0" i="1" smtClean="0">
+                                <a:latin typeface="Cambria Math" panose="02040503050406030204" pitchFamily="18" charset="0"/>
+                              </a:rPr>
+                              <m:t>𝑒</m:t>
+                            </m:r>
+                          </m:e>
+                          <m:sub>
+                            <m:r>
+                              <a:rPr lang="de-DE" b="0" i="1" smtClean="0">
+                                <a:latin typeface="Cambria Math" panose="02040503050406030204" pitchFamily="18" charset="0"/>
+                              </a:rPr>
+                              <m:t>𝑖</m:t>
+                            </m:r>
+                          </m:sub>
+                        </m:sSub>
+                      </m:e>
+                    </m:d>
+                    <m:r>
+                      <a:rPr lang="de-DE" b="0" i="1" smtClean="0">
+                        <a:latin typeface="Cambria Math" panose="02040503050406030204" pitchFamily="18" charset="0"/>
+                        <a:ea typeface="Cambria Math" panose="02040503050406030204" pitchFamily="18" charset="0"/>
+                      </a:rPr>
+                      <m:t>∩</m:t>
+                    </m:r>
+                    <m:sSub>
+                      <m:sSubPr>
+                        <m:ctrlPr>
+                          <a:rPr lang="de-DE" b="0" i="1" smtClean="0">
+                            <a:latin typeface="Cambria Math" panose="02040503050406030204" pitchFamily="18" charset="0"/>
+                            <a:ea typeface="Cambria Math" panose="02040503050406030204" pitchFamily="18" charset="0"/>
+                          </a:rPr>
+                        </m:ctrlPr>
+                      </m:sSubPr>
+                      <m:e>
+                        <m:r>
+                          <a:rPr lang="de-DE" b="0" i="1" smtClean="0">
+                            <a:latin typeface="Cambria Math" panose="02040503050406030204" pitchFamily="18" charset="0"/>
+                            <a:ea typeface="Cambria Math" panose="02040503050406030204" pitchFamily="18" charset="0"/>
+                          </a:rPr>
+                          <m:t>𝐻𝑒𝑙𝑑𝐿𝑘𝑠</m:t>
+                        </m:r>
+                      </m:e>
+                      <m:sub>
+                        <m:r>
+                          <a:rPr lang="de-DE" b="0" i="1" smtClean="0">
+                            <a:latin typeface="Cambria Math" panose="02040503050406030204" pitchFamily="18" charset="0"/>
+                            <a:ea typeface="Cambria Math" panose="02040503050406030204" pitchFamily="18" charset="0"/>
+                          </a:rPr>
+                          <m:t>𝛿</m:t>
+                        </m:r>
+                      </m:sub>
+                    </m:sSub>
+                    <m:d>
+                      <m:dPr>
+                        <m:ctrlPr>
+                          <a:rPr lang="de-DE" b="0" i="1" smtClean="0">
+                            <a:latin typeface="Cambria Math" panose="02040503050406030204" pitchFamily="18" charset="0"/>
+                            <a:ea typeface="Cambria Math" panose="02040503050406030204" pitchFamily="18" charset="0"/>
+                          </a:rPr>
+                        </m:ctrlPr>
+                      </m:dPr>
+                      <m:e>
+                        <m:sSub>
+                          <m:sSubPr>
+                            <m:ctrlPr>
+                              <a:rPr lang="de-DE" b="0" i="1" smtClean="0">
+                                <a:latin typeface="Cambria Math" panose="02040503050406030204" pitchFamily="18" charset="0"/>
+                                <a:ea typeface="Cambria Math" panose="02040503050406030204" pitchFamily="18" charset="0"/>
+                              </a:rPr>
+                            </m:ctrlPr>
+                          </m:sSubPr>
+                          <m:e>
+                            <m:r>
+                              <a:rPr lang="de-DE" b="0" i="1" smtClean="0">
+                                <a:latin typeface="Cambria Math" panose="02040503050406030204" pitchFamily="18" charset="0"/>
+                                <a:ea typeface="Cambria Math" panose="02040503050406030204" pitchFamily="18" charset="0"/>
+                              </a:rPr>
+                              <m:t>𝑒</m:t>
+                            </m:r>
+                          </m:e>
+                          <m:sub>
+                            <m:r>
+                              <a:rPr lang="de-DE" b="0" i="1" smtClean="0">
+                                <a:latin typeface="Cambria Math" panose="02040503050406030204" pitchFamily="18" charset="0"/>
+                                <a:ea typeface="Cambria Math" panose="02040503050406030204" pitchFamily="18" charset="0"/>
+                              </a:rPr>
+                              <m:t>𝑗</m:t>
+                            </m:r>
+                          </m:sub>
+                        </m:sSub>
+                      </m:e>
+                    </m:d>
+                    <m:r>
+                      <a:rPr lang="de-DE" b="0" i="1" smtClean="0">
+                        <a:latin typeface="Cambria Math" panose="02040503050406030204" pitchFamily="18" charset="0"/>
+                        <a:ea typeface="Cambria Math" panose="02040503050406030204" pitchFamily="18" charset="0"/>
+                      </a:rPr>
+                      <m:t>= ∅</m:t>
+                    </m:r>
+                  </m:oMath>
+                </a14:m>
+                <a:endParaRPr lang="de-DE" dirty="0"/>
+              </a:p>
+              <a:p>
+                <a:pPr marL="0" indent="0">
+                  <a:buNone/>
+                </a:pPr>
+                <a:r>
+                  <a:rPr lang="de-DE" dirty="0"/>
+                  <a:t>Ein Deadlock-Pattern ist eine notwendige aber keine hinreichende Bedingung für einen tatsächlichen Deadlock</a:t>
+                </a:r>
+              </a:p>
+            </p:txBody>
+          </p:sp>
+        </mc:Choice>
+        <mc:Fallback>
+          <p:sp>
+            <p:nvSpPr>
+              <p:cNvPr id="3" name="Inhaltsplatzhalter 2">
+                <a:extLst>
+                  <a:ext uri="{FF2B5EF4-FFF2-40B4-BE49-F238E27FC236}">
+                    <a16:creationId xmlns:a16="http://schemas.microsoft.com/office/drawing/2014/main" id="{C57DD84C-C93A-2C8E-C186-EFAABD736DE4}"/>
+                  </a:ext>
+                </a:extLst>
+              </p:cNvPr>
+              <p:cNvSpPr>
+                <a:spLocks noGrp="1" noRot="1" noChangeAspect="1" noMove="1" noResize="1" noEditPoints="1" noAdjustHandles="1" noChangeArrowheads="1" noChangeShapeType="1" noTextEdit="1"/>
+              </p:cNvSpPr>
+              <p:nvPr>
+                <p:ph idx="1"/>
+              </p:nvPr>
+            </p:nvSpPr>
+            <p:spPr>
+              <a:blipFill>
+                <a:blip r:embed="rId2"/>
+                <a:stretch>
+                  <a:fillRect l="-1217" t="-3081" r="-696"/>
+                </a:stretch>
+              </a:blipFill>
+            </p:spPr>
+            <p:txBody>
+              <a:bodyPr/>
+              <a:lstStyle/>
+              <a:p>
+                <a:r>
+                  <a:rPr lang="de-DE">
+                    <a:noFill/>
+                  </a:rPr>
+                  <a:t> </a:t>
+                </a:r>
+              </a:p>
+            </p:txBody>
+          </p:sp>
+        </mc:Fallback>
+      </mc:AlternateContent>
     </p:spTree>
     <p:extLst>
       <p:ext uri="{BB962C8B-B14F-4D97-AF65-F5344CB8AC3E}">
-        <p14:creationId xmlns:p14="http://schemas.microsoft.com/office/powerpoint/2010/main" val="1716593660"/>
+        <p14:creationId xmlns:p14="http://schemas.microsoft.com/office/powerpoint/2010/main" val="1209094697"/>
       </p:ext>
     </p:extLst>
   </p:cSld>
@@ -6744,7 +7509,7 @@
           <p:cNvPr id="2" name="Titel 1">
             <a:extLst>
               <a:ext uri="{FF2B5EF4-FFF2-40B4-BE49-F238E27FC236}">
-                <a16:creationId xmlns:a16="http://schemas.microsoft.com/office/drawing/2014/main" id="{6F021D67-DE8E-0C5A-EC28-97B3D81C1538}"/>
+                <a16:creationId xmlns:a16="http://schemas.microsoft.com/office/drawing/2014/main" id="{1CE6A7D9-31AE-DA6B-6AD7-2FFAB19A0C4F}"/>
               </a:ext>
             </a:extLst>
           </p:cNvPr>
@@ -6771,79 +7536,418 @@
           </a:p>
         </p:txBody>
       </p:sp>
-      <p:pic>
-        <p:nvPicPr>
-          <p:cNvPr id="5" name="Inhaltsplatzhalter 4">
-            <a:extLst>
-              <a:ext uri="{FF2B5EF4-FFF2-40B4-BE49-F238E27FC236}">
-                <a16:creationId xmlns:a16="http://schemas.microsoft.com/office/drawing/2014/main" id="{65F5CC9B-1532-8DBD-30EE-FC7D0A28C25A}"/>
-              </a:ext>
-            </a:extLst>
-          </p:cNvPr>
-          <p:cNvPicPr>
-            <a:picLocks noGrp="1" noChangeAspect="1"/>
-          </p:cNvPicPr>
-          <p:nvPr>
-            <p:ph idx="1"/>
-          </p:nvPr>
-        </p:nvPicPr>
-        <p:blipFill>
-          <a:blip r:embed="rId2"/>
-          <a:stretch>
-            <a:fillRect/>
-          </a:stretch>
-        </p:blipFill>
-        <p:spPr>
-          <a:xfrm>
-            <a:off x="5874869" y="1690688"/>
-            <a:ext cx="4333080" cy="4351338"/>
-          </a:xfrm>
-          <a:ln>
-            <a:solidFill>
-              <a:schemeClr val="tx1"/>
-            </a:solidFill>
-          </a:ln>
-        </p:spPr>
-      </p:pic>
-      <p:sp>
-        <p:nvSpPr>
-          <p:cNvPr id="6" name="Textfeld 5">
-            <a:extLst>
-              <a:ext uri="{FF2B5EF4-FFF2-40B4-BE49-F238E27FC236}">
-                <a16:creationId xmlns:a16="http://schemas.microsoft.com/office/drawing/2014/main" id="{8C9290F0-58FC-CFBE-978E-FD67F680F8D2}"/>
-              </a:ext>
-            </a:extLst>
-          </p:cNvPr>
-          <p:cNvSpPr txBox="1"/>
-          <p:nvPr/>
-        </p:nvSpPr>
-        <p:spPr>
-          <a:xfrm>
-            <a:off x="1376218" y="1690688"/>
-            <a:ext cx="3352800" cy="400110"/>
-          </a:xfrm>
-          <a:prstGeom prst="rect">
-            <a:avLst/>
-          </a:prstGeom>
-          <a:noFill/>
-        </p:spPr>
-        <p:txBody>
-          <a:bodyPr wrap="square" rtlCol="0">
-            <a:spAutoFit/>
-          </a:bodyPr>
-          <a:lstStyle/>
-          <a:p>
-            <a:r>
-              <a:rPr lang="de-DE" sz="2000" dirty="0"/>
-              <a:t>Deadlock-Pattern: &lt;e4, e18&gt;</a:t>
-            </a:r>
-          </a:p>
-        </p:txBody>
-      </p:sp>
+      <mc:AlternateContent xmlns:mc="http://schemas.openxmlformats.org/markup-compatibility/2006">
+        <mc:Choice xmlns:a14="http://schemas.microsoft.com/office/drawing/2010/main" Requires="a14">
+          <p:sp>
+            <p:nvSpPr>
+              <p:cNvPr id="3" name="Inhaltsplatzhalter 2">
+                <a:extLst>
+                  <a:ext uri="{FF2B5EF4-FFF2-40B4-BE49-F238E27FC236}">
+                    <a16:creationId xmlns:a16="http://schemas.microsoft.com/office/drawing/2014/main" id="{E7C88E58-E28A-618C-030A-2DA43EFB290E}"/>
+                  </a:ext>
+                </a:extLst>
+              </p:cNvPr>
+              <p:cNvSpPr>
+                <a:spLocks noGrp="1"/>
+              </p:cNvSpPr>
+              <p:nvPr>
+                <p:ph idx="1"/>
+              </p:nvPr>
+            </p:nvSpPr>
+            <p:spPr/>
+            <p:txBody>
+              <a:bodyPr/>
+              <a:lstStyle/>
+              <a:p>
+                <a:r>
+                  <a:rPr lang="de-DE" dirty="0"/>
+                  <a:t>Es werden nur wohlgeformte Traces </a:t>
+                </a:r>
+                <a:r>
+                  <a:rPr lang="de-DE" dirty="0" err="1"/>
+                  <a:t>betrachet</a:t>
+                </a:r>
+                <a:endParaRPr lang="de-DE" dirty="0"/>
+              </a:p>
+              <a:p>
+                <a:r>
+                  <a:rPr lang="de-DE" dirty="0"/>
+                  <a:t>Wohlgeformte Traces unterliegen der Lock-Semantik, die sich wie folgt definiert:</a:t>
+                </a:r>
+              </a:p>
+              <a:p>
+                <a:pPr marL="457200" lvl="1" indent="0">
+                  <a:buNone/>
+                </a:pPr>
+                <a:r>
+                  <a:rPr lang="de-DE" dirty="0"/>
+                  <a:t>Wenn ein Lock </a:t>
+                </a:r>
+                <a14:m>
+                  <m:oMath xmlns:m="http://schemas.openxmlformats.org/officeDocument/2006/math">
+                    <m:r>
+                      <a:rPr lang="de-DE" b="0" i="1" smtClean="0">
+                        <a:latin typeface="Cambria Math" panose="02040503050406030204" pitchFamily="18" charset="0"/>
+                      </a:rPr>
+                      <m:t>𝑙</m:t>
+                    </m:r>
+                  </m:oMath>
+                </a14:m>
+                <a:r>
+                  <a:rPr lang="de-DE" dirty="0"/>
+                  <a:t> bei einem Event </a:t>
+                </a:r>
+                <a14:m>
+                  <m:oMath xmlns:m="http://schemas.openxmlformats.org/officeDocument/2006/math">
+                    <m:r>
+                      <a:rPr lang="de-DE" b="0" i="1" smtClean="0">
+                        <a:latin typeface="Cambria Math" panose="02040503050406030204" pitchFamily="18" charset="0"/>
+                      </a:rPr>
+                      <m:t>𝑒</m:t>
+                    </m:r>
+                  </m:oMath>
+                </a14:m>
+                <a:r>
+                  <a:rPr lang="de-DE" dirty="0"/>
+                  <a:t> von Thread </a:t>
+                </a:r>
+                <a14:m>
+                  <m:oMath xmlns:m="http://schemas.openxmlformats.org/officeDocument/2006/math">
+                    <m:r>
+                      <a:rPr lang="de-DE" b="0" i="1" smtClean="0">
+                        <a:latin typeface="Cambria Math" panose="02040503050406030204" pitchFamily="18" charset="0"/>
+                      </a:rPr>
+                      <m:t>𝑡</m:t>
+                    </m:r>
+                  </m:oMath>
+                </a14:m>
+                <a:r>
+                  <a:rPr lang="de-DE" dirty="0"/>
+                  <a:t> reserviert wird, dann muss jede spätere Reservierung von einem Event </a:t>
+                </a:r>
+                <a14:m>
+                  <m:oMath xmlns:m="http://schemas.openxmlformats.org/officeDocument/2006/math">
+                    <m:r>
+                      <a:rPr lang="de-DE" b="0" i="1" smtClean="0">
+                        <a:latin typeface="Cambria Math" panose="02040503050406030204" pitchFamily="18" charset="0"/>
+                      </a:rPr>
+                      <m:t>𝑒</m:t>
+                    </m:r>
+                    <m:r>
+                      <a:rPr lang="de-DE" b="0" i="1" smtClean="0">
+                        <a:latin typeface="Cambria Math" panose="02040503050406030204" pitchFamily="18" charset="0"/>
+                      </a:rPr>
+                      <m:t>′</m:t>
+                    </m:r>
+                  </m:oMath>
+                </a14:m>
+                <a:r>
+                  <a:rPr lang="de-DE" dirty="0"/>
+                  <a:t> desselben Locks </a:t>
+                </a:r>
+                <a14:m>
+                  <m:oMath xmlns:m="http://schemas.openxmlformats.org/officeDocument/2006/math">
+                    <m:r>
+                      <a:rPr lang="de-DE" i="1">
+                        <a:latin typeface="Cambria Math" panose="02040503050406030204" pitchFamily="18" charset="0"/>
+                      </a:rPr>
+                      <m:t>𝑙</m:t>
+                    </m:r>
+                  </m:oMath>
+                </a14:m>
+                <a:r>
+                  <a:rPr lang="de-DE" dirty="0"/>
+                  <a:t> ein Vorgängerevent </a:t>
+                </a:r>
+                <a14:m>
+                  <m:oMath xmlns:m="http://schemas.openxmlformats.org/officeDocument/2006/math">
+                    <m:sSup>
+                      <m:sSupPr>
+                        <m:ctrlPr>
+                          <a:rPr lang="de-DE" i="1">
+                            <a:latin typeface="Cambria Math" panose="02040503050406030204" pitchFamily="18" charset="0"/>
+                          </a:rPr>
+                        </m:ctrlPr>
+                      </m:sSupPr>
+                      <m:e>
+                        <m:r>
+                          <a:rPr lang="de-DE" i="1">
+                            <a:latin typeface="Cambria Math" panose="02040503050406030204" pitchFamily="18" charset="0"/>
+                          </a:rPr>
+                          <m:t>𝑒</m:t>
+                        </m:r>
+                      </m:e>
+                      <m:sup>
+                        <m:r>
+                          <a:rPr lang="de-DE" i="1">
+                            <a:latin typeface="Cambria Math" panose="02040503050406030204" pitchFamily="18" charset="0"/>
+                          </a:rPr>
+                          <m:t>′</m:t>
+                        </m:r>
+                        <m:r>
+                          <a:rPr lang="de-DE" b="0" i="1" smtClean="0">
+                            <a:latin typeface="Cambria Math" panose="02040503050406030204" pitchFamily="18" charset="0"/>
+                          </a:rPr>
+                          <m:t>′</m:t>
+                        </m:r>
+                      </m:sup>
+                    </m:sSup>
+                  </m:oMath>
+                </a14:m>
+                <a:r>
+                  <a:rPr lang="de-DE" dirty="0"/>
+                  <a:t> haben, welches den Lock </a:t>
+                </a:r>
+                <a14:m>
+                  <m:oMath xmlns:m="http://schemas.openxmlformats.org/officeDocument/2006/math">
+                    <m:r>
+                      <a:rPr lang="de-DE" i="1">
+                        <a:latin typeface="Cambria Math" panose="02040503050406030204" pitchFamily="18" charset="0"/>
+                      </a:rPr>
+                      <m:t>𝑙</m:t>
+                    </m:r>
+                  </m:oMath>
+                </a14:m>
+                <a:r>
+                  <a:rPr lang="de-DE" dirty="0"/>
+                  <a:t> in Thread </a:t>
+                </a:r>
+                <a14:m>
+                  <m:oMath xmlns:m="http://schemas.openxmlformats.org/officeDocument/2006/math">
+                    <m:r>
+                      <a:rPr lang="de-DE" i="1">
+                        <a:latin typeface="Cambria Math" panose="02040503050406030204" pitchFamily="18" charset="0"/>
+                      </a:rPr>
+                      <m:t>𝑡</m:t>
+                    </m:r>
+                  </m:oMath>
+                </a14:m>
+                <a:r>
+                  <a:rPr lang="de-DE" dirty="0"/>
+                  <a:t> zwischen </a:t>
+                </a:r>
+                <a14:m>
+                  <m:oMath xmlns:m="http://schemas.openxmlformats.org/officeDocument/2006/math">
+                    <m:r>
+                      <a:rPr lang="de-DE" b="0" i="1" smtClean="0">
+                        <a:latin typeface="Cambria Math" panose="02040503050406030204" pitchFamily="18" charset="0"/>
+                      </a:rPr>
+                      <m:t>𝑒</m:t>
+                    </m:r>
+                  </m:oMath>
+                </a14:m>
+                <a:r>
+                  <a:rPr lang="de-DE" dirty="0"/>
+                  <a:t> und </a:t>
+                </a:r>
+                <a14:m>
+                  <m:oMath xmlns:m="http://schemas.openxmlformats.org/officeDocument/2006/math">
+                    <m:r>
+                      <a:rPr lang="de-DE" i="1">
+                        <a:latin typeface="Cambria Math" panose="02040503050406030204" pitchFamily="18" charset="0"/>
+                      </a:rPr>
+                      <m:t>𝑒</m:t>
+                    </m:r>
+                    <m:r>
+                      <a:rPr lang="de-DE" b="0" i="1" smtClean="0">
+                        <a:latin typeface="Cambria Math" panose="02040503050406030204" pitchFamily="18" charset="0"/>
+                      </a:rPr>
+                      <m:t>′</m:t>
+                    </m:r>
+                    <m:r>
+                      <a:rPr lang="de-DE" i="1">
+                        <a:latin typeface="Cambria Math" panose="02040503050406030204" pitchFamily="18" charset="0"/>
+                      </a:rPr>
+                      <m:t> </m:t>
+                    </m:r>
+                  </m:oMath>
+                </a14:m>
+                <a:r>
+                  <a:rPr lang="de-DE" dirty="0"/>
+                  <a:t>freigibt. Wenn </a:t>
+                </a:r>
+                <a14:m>
+                  <m:oMath xmlns:m="http://schemas.openxmlformats.org/officeDocument/2006/math">
+                    <m:sSup>
+                      <m:sSupPr>
+                        <m:ctrlPr>
+                          <a:rPr lang="de-DE" i="1">
+                            <a:latin typeface="Cambria Math" panose="02040503050406030204" pitchFamily="18" charset="0"/>
+                          </a:rPr>
+                        </m:ctrlPr>
+                      </m:sSupPr>
+                      <m:e>
+                        <m:r>
+                          <a:rPr lang="de-DE" i="1">
+                            <a:latin typeface="Cambria Math" panose="02040503050406030204" pitchFamily="18" charset="0"/>
+                          </a:rPr>
+                          <m:t>𝑒</m:t>
+                        </m:r>
+                      </m:e>
+                      <m:sup>
+                        <m:r>
+                          <a:rPr lang="de-DE" i="1">
+                            <a:latin typeface="Cambria Math" panose="02040503050406030204" pitchFamily="18" charset="0"/>
+                          </a:rPr>
+                          <m:t>′</m:t>
+                        </m:r>
+                        <m:r>
+                          <a:rPr lang="de-DE" i="1">
+                            <a:latin typeface="Cambria Math" panose="02040503050406030204" pitchFamily="18" charset="0"/>
+                          </a:rPr>
+                          <m:t>′</m:t>
+                        </m:r>
+                      </m:sup>
+                    </m:sSup>
+                  </m:oMath>
+                </a14:m>
+                <a:r>
+                  <a:rPr lang="de-DE" dirty="0"/>
+                  <a:t> das frühste Release-Event ist sind </a:t>
+                </a:r>
+                <a14:m>
+                  <m:oMath xmlns:m="http://schemas.openxmlformats.org/officeDocument/2006/math">
+                    <m:r>
+                      <a:rPr lang="de-DE" i="1">
+                        <a:latin typeface="Cambria Math" panose="02040503050406030204" pitchFamily="18" charset="0"/>
+                      </a:rPr>
+                      <m:t>𝑒</m:t>
+                    </m:r>
+                  </m:oMath>
+                </a14:m>
+                <a:r>
+                  <a:rPr lang="de-DE" dirty="0"/>
+                  <a:t> und </a:t>
+                </a:r>
+                <a14:m>
+                  <m:oMath xmlns:m="http://schemas.openxmlformats.org/officeDocument/2006/math">
+                    <m:sSup>
+                      <m:sSupPr>
+                        <m:ctrlPr>
+                          <a:rPr lang="de-DE" i="1">
+                            <a:latin typeface="Cambria Math" panose="02040503050406030204" pitchFamily="18" charset="0"/>
+                          </a:rPr>
+                        </m:ctrlPr>
+                      </m:sSupPr>
+                      <m:e>
+                        <m:r>
+                          <a:rPr lang="de-DE" i="1">
+                            <a:latin typeface="Cambria Math" panose="02040503050406030204" pitchFamily="18" charset="0"/>
+                          </a:rPr>
+                          <m:t>𝑒</m:t>
+                        </m:r>
+                      </m:e>
+                      <m:sup>
+                        <m:r>
+                          <a:rPr lang="de-DE" i="1">
+                            <a:latin typeface="Cambria Math" panose="02040503050406030204" pitchFamily="18" charset="0"/>
+                          </a:rPr>
+                          <m:t>′</m:t>
+                        </m:r>
+                        <m:r>
+                          <a:rPr lang="de-DE" i="1">
+                            <a:latin typeface="Cambria Math" panose="02040503050406030204" pitchFamily="18" charset="0"/>
+                          </a:rPr>
+                          <m:t>′</m:t>
+                        </m:r>
+                      </m:sup>
+                    </m:sSup>
+                  </m:oMath>
+                </a14:m>
+                <a:r>
+                  <a:rPr lang="de-DE" dirty="0"/>
+                  <a:t> passende </a:t>
+                </a:r>
+                <a:r>
+                  <a:rPr lang="de-DE" dirty="0" err="1"/>
+                  <a:t>Acquire</a:t>
+                </a:r>
+                <a:r>
+                  <a:rPr lang="de-DE" dirty="0"/>
+                  <a:t>- und Release-Events. Dies wird durch 𝑒 = </a:t>
+                </a:r>
+                <a14:m>
+                  <m:oMath xmlns:m="http://schemas.openxmlformats.org/officeDocument/2006/math">
+                    <m:sSub>
+                      <m:sSubPr>
+                        <m:ctrlPr>
+                          <a:rPr lang="de-DE" b="0" i="1" smtClean="0">
+                            <a:latin typeface="Cambria Math" panose="02040503050406030204" pitchFamily="18" charset="0"/>
+                          </a:rPr>
+                        </m:ctrlPr>
+                      </m:sSubPr>
+                      <m:e>
+                        <m:r>
+                          <a:rPr lang="de-DE" i="1">
+                            <a:latin typeface="Cambria Math" panose="02040503050406030204" pitchFamily="18" charset="0"/>
+                          </a:rPr>
+                          <m:t>𝑚𝑎𝑡𝑐h</m:t>
+                        </m:r>
+                      </m:e>
+                      <m:sub>
+                        <m:r>
+                          <a:rPr lang="de-DE" b="0" i="1" smtClean="0">
+                            <a:latin typeface="Cambria Math" panose="02040503050406030204" pitchFamily="18" charset="0"/>
+                            <a:ea typeface="Cambria Math" panose="02040503050406030204" pitchFamily="18" charset="0"/>
+                          </a:rPr>
+                          <m:t>𝛿</m:t>
+                        </m:r>
+                      </m:sub>
+                    </m:sSub>
+                  </m:oMath>
+                </a14:m>
+                <a:r>
+                  <a:rPr lang="de-DE" dirty="0"/>
+                  <a:t>(𝑒′′) bezeichnet.</a:t>
+                </a:r>
+              </a:p>
+            </p:txBody>
+          </p:sp>
+        </mc:Choice>
+        <mc:Fallback>
+          <p:sp>
+            <p:nvSpPr>
+              <p:cNvPr id="3" name="Inhaltsplatzhalter 2">
+                <a:extLst>
+                  <a:ext uri="{FF2B5EF4-FFF2-40B4-BE49-F238E27FC236}">
+                    <a16:creationId xmlns:a16="http://schemas.microsoft.com/office/drawing/2014/main" id="{E7C88E58-E28A-618C-030A-2DA43EFB290E}"/>
+                  </a:ext>
+                </a:extLst>
+              </p:cNvPr>
+              <p:cNvSpPr>
+                <a:spLocks noGrp="1" noRot="1" noChangeAspect="1" noMove="1" noResize="1" noEditPoints="1" noAdjustHandles="1" noChangeArrowheads="1" noChangeShapeType="1" noTextEdit="1"/>
+              </p:cNvSpPr>
+              <p:nvPr>
+                <p:ph idx="1"/>
+              </p:nvPr>
+            </p:nvSpPr>
+            <p:spPr>
+              <a:blipFill>
+                <a:blip r:embed="rId2"/>
+                <a:stretch>
+                  <a:fillRect l="-1043" t="-2241"/>
+                </a:stretch>
+              </a:blipFill>
+            </p:spPr>
+            <p:txBody>
+              <a:bodyPr/>
+              <a:lstStyle/>
+              <a:p>
+                <a:r>
+                  <a:rPr lang="de-DE">
+                    <a:noFill/>
+                  </a:rPr>
+                  <a:t> </a:t>
+                </a:r>
+              </a:p>
+            </p:txBody>
+          </p:sp>
+        </mc:Fallback>
+      </mc:AlternateContent>
     </p:spTree>
     <p:extLst>
       <p:ext uri="{BB962C8B-B14F-4D97-AF65-F5344CB8AC3E}">
-        <p14:creationId xmlns:p14="http://schemas.microsoft.com/office/powerpoint/2010/main" val="2724828889"/>
+        <p14:creationId xmlns:p14="http://schemas.microsoft.com/office/powerpoint/2010/main" val="2661276657"/>
       </p:ext>
     </p:extLst>
   </p:cSld>
@@ -6875,7 +7979,7 @@
           <p:cNvPr id="2" name="Titel 1">
             <a:extLst>
               <a:ext uri="{FF2B5EF4-FFF2-40B4-BE49-F238E27FC236}">
-                <a16:creationId xmlns:a16="http://schemas.microsoft.com/office/drawing/2014/main" id="{58D2D6A2-0751-F535-469A-4E9E6A80DF61}"/>
+                <a16:creationId xmlns:a16="http://schemas.microsoft.com/office/drawing/2014/main" id="{6B6F4EFA-ED7B-7D39-FA9A-C0FF07B98202}"/>
               </a:ext>
             </a:extLst>
           </p:cNvPr>
@@ -6902,44 +8006,690 @@
           </a:p>
         </p:txBody>
       </p:sp>
-      <p:pic>
-        <p:nvPicPr>
-          <p:cNvPr id="5" name="Inhaltsplatzhalter 4">
-            <a:extLst>
-              <a:ext uri="{FF2B5EF4-FFF2-40B4-BE49-F238E27FC236}">
-                <a16:creationId xmlns:a16="http://schemas.microsoft.com/office/drawing/2014/main" id="{20BB4EBE-3605-5E86-8383-E57801E45005}"/>
-              </a:ext>
-            </a:extLst>
-          </p:cNvPr>
-          <p:cNvPicPr>
-            <a:picLocks noGrp="1" noChangeAspect="1"/>
-          </p:cNvPicPr>
-          <p:nvPr>
-            <p:ph idx="1"/>
-          </p:nvPr>
-        </p:nvPicPr>
-        <p:blipFill>
-          <a:blip r:embed="rId2"/>
-          <a:stretch>
-            <a:fillRect/>
-          </a:stretch>
-        </p:blipFill>
-        <p:spPr>
-          <a:xfrm>
-            <a:off x="2890390" y="1690688"/>
-            <a:ext cx="6411220" cy="2962688"/>
-          </a:xfrm>
-          <a:ln>
-            <a:solidFill>
-              <a:schemeClr val="tx1"/>
-            </a:solidFill>
-          </a:ln>
-        </p:spPr>
-      </p:pic>
+      <mc:AlternateContent xmlns:mc="http://schemas.openxmlformats.org/markup-compatibility/2006">
+        <mc:Choice xmlns:a14="http://schemas.microsoft.com/office/drawing/2010/main" Requires="a14">
+          <p:sp>
+            <p:nvSpPr>
+              <p:cNvPr id="3" name="Inhaltsplatzhalter 2">
+                <a:extLst>
+                  <a:ext uri="{FF2B5EF4-FFF2-40B4-BE49-F238E27FC236}">
+                    <a16:creationId xmlns:a16="http://schemas.microsoft.com/office/drawing/2014/main" id="{B765AA72-3866-2604-5770-E4D77AB6DD44}"/>
+                  </a:ext>
+                </a:extLst>
+              </p:cNvPr>
+              <p:cNvSpPr>
+                <a:spLocks noGrp="1"/>
+              </p:cNvSpPr>
+              <p:nvPr>
+                <p:ph idx="1"/>
+              </p:nvPr>
+            </p:nvSpPr>
+            <p:spPr/>
+            <p:txBody>
+              <a:bodyPr/>
+              <a:lstStyle/>
+              <a:p>
+                <a:pPr marL="0" indent="0">
+                  <a:buNone/>
+                </a:pPr>
+                <a:r>
+                  <a:rPr lang="de-DE" dirty="0"/>
+                  <a:t>Eine Umordnung </a:t>
+                </a:r>
+                <a14:m>
+                  <m:oMath xmlns:m="http://schemas.openxmlformats.org/officeDocument/2006/math">
+                    <m:r>
+                      <a:rPr lang="de-DE" i="1" smtClean="0">
+                        <a:latin typeface="Cambria Math" panose="02040503050406030204" pitchFamily="18" charset="0"/>
+                        <a:ea typeface="Cambria Math" panose="02040503050406030204" pitchFamily="18" charset="0"/>
+                      </a:rPr>
+                      <m:t>𝜌</m:t>
+                    </m:r>
+                  </m:oMath>
+                </a14:m>
+                <a:r>
+                  <a:rPr lang="de-DE" dirty="0"/>
+                  <a:t> vom Trace </a:t>
+                </a:r>
+                <a14:m>
+                  <m:oMath xmlns:m="http://schemas.openxmlformats.org/officeDocument/2006/math">
+                    <m:r>
+                      <a:rPr lang="de-DE" i="1" smtClean="0">
+                        <a:latin typeface="Cambria Math" panose="02040503050406030204" pitchFamily="18" charset="0"/>
+                        <a:ea typeface="Cambria Math" panose="02040503050406030204" pitchFamily="18" charset="0"/>
+                      </a:rPr>
+                      <m:t>𝛿</m:t>
+                    </m:r>
+                    <m:r>
+                      <a:rPr lang="de-DE" i="1">
+                        <a:latin typeface="Cambria Math" panose="02040503050406030204" pitchFamily="18" charset="0"/>
+                        <a:ea typeface="Cambria Math" panose="02040503050406030204" pitchFamily="18" charset="0"/>
+                      </a:rPr>
+                      <m:t> </m:t>
+                    </m:r>
+                  </m:oMath>
+                </a14:m>
+                <a:r>
+                  <a:rPr lang="de-DE" dirty="0"/>
+                  <a:t>ist ein </a:t>
+                </a:r>
+                <a:r>
+                  <a:rPr lang="de-DE" dirty="0" err="1"/>
+                  <a:t>Correct</a:t>
+                </a:r>
+                <a:r>
+                  <a:rPr lang="de-DE" dirty="0"/>
+                  <a:t> </a:t>
+                </a:r>
+                <a:r>
+                  <a:rPr lang="de-DE" dirty="0" err="1"/>
+                  <a:t>Reordering</a:t>
+                </a:r>
+                <a:r>
+                  <a:rPr lang="de-DE" dirty="0"/>
+                  <a:t> wenn folgende Regeln eingehalten werden:</a:t>
+                </a:r>
+              </a:p>
+              <a:p>
+                <a:r>
+                  <a:rPr lang="de-DE" b="1" dirty="0" err="1"/>
+                  <a:t>Subset</a:t>
+                </a:r>
+                <a:r>
+                  <a:rPr lang="de-DE" dirty="0"/>
+                  <a:t>: </a:t>
+                </a:r>
+                <a14:m>
+                  <m:oMath xmlns:m="http://schemas.openxmlformats.org/officeDocument/2006/math">
+                    <m:sSub>
+                      <m:sSubPr>
+                        <m:ctrlPr>
+                          <a:rPr lang="de-DE" b="0" i="1" smtClean="0">
+                            <a:latin typeface="Cambria Math" panose="02040503050406030204" pitchFamily="18" charset="0"/>
+                          </a:rPr>
+                        </m:ctrlPr>
+                      </m:sSubPr>
+                      <m:e>
+                        <m:r>
+                          <a:rPr lang="de-DE" i="1">
+                            <a:latin typeface="Cambria Math" panose="02040503050406030204" pitchFamily="18" charset="0"/>
+                          </a:rPr>
+                          <m:t>𝐸𝑣𝑒𝑛𝑡𝑠</m:t>
+                        </m:r>
+                      </m:e>
+                      <m:sub>
+                        <m:r>
+                          <a:rPr lang="de-DE" b="0" i="1" smtClean="0">
+                            <a:latin typeface="Cambria Math" panose="02040503050406030204" pitchFamily="18" charset="0"/>
+                            <a:ea typeface="Cambria Math" panose="02040503050406030204" pitchFamily="18" charset="0"/>
+                          </a:rPr>
+                          <m:t>𝜌</m:t>
+                        </m:r>
+                      </m:sub>
+                    </m:sSub>
+                    <m:r>
+                      <m:rPr>
+                        <m:nor/>
+                      </m:rPr>
+                      <a:rPr lang="de-DE"/>
+                      <m:t>⊆</m:t>
+                    </m:r>
+                  </m:oMath>
+                </a14:m>
+                <a:r>
+                  <a:rPr lang="de-DE" dirty="0"/>
+                  <a:t> </a:t>
+                </a:r>
+                <a14:m>
+                  <m:oMath xmlns:m="http://schemas.openxmlformats.org/officeDocument/2006/math">
+                    <m:sSub>
+                      <m:sSubPr>
+                        <m:ctrlPr>
+                          <a:rPr lang="de-DE" b="0" i="1" dirty="0" smtClean="0">
+                            <a:latin typeface="Cambria Math" panose="02040503050406030204" pitchFamily="18" charset="0"/>
+                          </a:rPr>
+                        </m:ctrlPr>
+                      </m:sSubPr>
+                      <m:e>
+                        <m:r>
+                          <a:rPr lang="de-DE" i="1" dirty="0">
+                            <a:latin typeface="Cambria Math" panose="02040503050406030204" pitchFamily="18" charset="0"/>
+                          </a:rPr>
+                          <m:t>𝐸𝑣𝑒𝑛𝑡𝑠</m:t>
+                        </m:r>
+                      </m:e>
+                      <m:sub>
+                        <m:r>
+                          <a:rPr lang="de-DE" b="0" i="1" dirty="0" smtClean="0">
+                            <a:latin typeface="Cambria Math" panose="02040503050406030204" pitchFamily="18" charset="0"/>
+                            <a:ea typeface="Cambria Math" panose="02040503050406030204" pitchFamily="18" charset="0"/>
+                          </a:rPr>
+                          <m:t>𝛿</m:t>
+                        </m:r>
+                      </m:sub>
+                    </m:sSub>
+                  </m:oMath>
+                </a14:m>
+                <a:endParaRPr lang="de-DE" dirty="0"/>
+              </a:p>
+              <a:p>
+                <a:r>
+                  <a:rPr lang="de-DE" b="1" dirty="0"/>
+                  <a:t>Thread-Order</a:t>
+                </a:r>
+                <a:r>
+                  <a:rPr lang="de-DE" dirty="0"/>
+                  <a:t>: Für jede </a:t>
+                </a:r>
+                <a14:m>
+                  <m:oMath xmlns:m="http://schemas.openxmlformats.org/officeDocument/2006/math">
+                    <m:r>
+                      <a:rPr lang="de-DE" b="0" i="1" smtClean="0">
+                        <a:latin typeface="Cambria Math" panose="02040503050406030204" pitchFamily="18" charset="0"/>
+                      </a:rPr>
+                      <m:t>𝑒</m:t>
+                    </m:r>
+                    <m:r>
+                      <a:rPr lang="de-DE" b="0" i="1" smtClean="0">
+                        <a:latin typeface="Cambria Math" panose="02040503050406030204" pitchFamily="18" charset="0"/>
+                      </a:rPr>
+                      <m:t>, </m:t>
+                    </m:r>
+                    <m:r>
+                      <a:rPr lang="de-DE" b="0" i="1" smtClean="0">
+                        <a:latin typeface="Cambria Math" panose="02040503050406030204" pitchFamily="18" charset="0"/>
+                      </a:rPr>
+                      <m:t>𝑓</m:t>
+                    </m:r>
+                    <m:r>
+                      <a:rPr lang="de-DE" b="0" i="1" smtClean="0">
+                        <a:latin typeface="Cambria Math" panose="02040503050406030204" pitchFamily="18" charset="0"/>
+                      </a:rPr>
+                      <m:t> ∈</m:t>
+                    </m:r>
+                    <m:sSub>
+                      <m:sSubPr>
+                        <m:ctrlPr>
+                          <a:rPr lang="de-DE" b="0" i="1" smtClean="0">
+                            <a:latin typeface="Cambria Math" panose="02040503050406030204" pitchFamily="18" charset="0"/>
+                            <a:ea typeface="Cambria Math" panose="02040503050406030204" pitchFamily="18" charset="0"/>
+                          </a:rPr>
+                        </m:ctrlPr>
+                      </m:sSubPr>
+                      <m:e>
+                        <m:r>
+                          <a:rPr lang="de-DE" b="0" i="1" smtClean="0">
+                            <a:latin typeface="Cambria Math" panose="02040503050406030204" pitchFamily="18" charset="0"/>
+                            <a:ea typeface="Cambria Math" panose="02040503050406030204" pitchFamily="18" charset="0"/>
+                          </a:rPr>
+                          <m:t>𝐸𝑣𝑒𝑛𝑡𝑠</m:t>
+                        </m:r>
+                      </m:e>
+                      <m:sub>
+                        <m:r>
+                          <a:rPr lang="de-DE" b="0" i="1" smtClean="0">
+                            <a:latin typeface="Cambria Math" panose="02040503050406030204" pitchFamily="18" charset="0"/>
+                            <a:ea typeface="Cambria Math" panose="02040503050406030204" pitchFamily="18" charset="0"/>
+                          </a:rPr>
+                          <m:t>𝛿</m:t>
+                        </m:r>
+                      </m:sub>
+                    </m:sSub>
+                  </m:oMath>
+                </a14:m>
+                <a:r>
+                  <a:rPr lang="de-DE" dirty="0"/>
+                  <a:t> mit </a:t>
+                </a:r>
+                <a14:m>
+                  <m:oMath xmlns:m="http://schemas.openxmlformats.org/officeDocument/2006/math">
+                    <m:r>
+                      <a:rPr lang="de-DE" b="0" i="1" smtClean="0">
+                        <a:latin typeface="Cambria Math" panose="02040503050406030204" pitchFamily="18" charset="0"/>
+                      </a:rPr>
+                      <m:t>𝑒</m:t>
+                    </m:r>
+                    <m:sSubSup>
+                      <m:sSubSupPr>
+                        <m:ctrlPr>
+                          <a:rPr lang="de-DE" b="0" i="1" smtClean="0">
+                            <a:latin typeface="Cambria Math" panose="02040503050406030204" pitchFamily="18" charset="0"/>
+                          </a:rPr>
+                        </m:ctrlPr>
+                      </m:sSubSupPr>
+                      <m:e>
+                        <m:r>
+                          <a:rPr lang="de-DE" b="0" i="1" smtClean="0">
+                            <a:latin typeface="Cambria Math" panose="02040503050406030204" pitchFamily="18" charset="0"/>
+                            <a:ea typeface="Cambria Math" panose="02040503050406030204" pitchFamily="18" charset="0"/>
+                          </a:rPr>
+                          <m:t>≤</m:t>
+                        </m:r>
+                      </m:e>
+                      <m:sub>
+                        <m:r>
+                          <a:rPr lang="de-DE" b="0" i="1" smtClean="0">
+                            <a:latin typeface="Cambria Math" panose="02040503050406030204" pitchFamily="18" charset="0"/>
+                          </a:rPr>
+                          <m:t>𝑇𝑂</m:t>
+                        </m:r>
+                      </m:sub>
+                      <m:sup>
+                        <m:r>
+                          <a:rPr lang="de-DE" b="0" i="1" smtClean="0">
+                            <a:latin typeface="Cambria Math" panose="02040503050406030204" pitchFamily="18" charset="0"/>
+                            <a:ea typeface="Cambria Math" panose="02040503050406030204" pitchFamily="18" charset="0"/>
+                          </a:rPr>
+                          <m:t>𝛿</m:t>
+                        </m:r>
+                      </m:sup>
+                    </m:sSubSup>
+                    <m:r>
+                      <a:rPr lang="de-DE" b="0" i="1" smtClean="0">
+                        <a:latin typeface="Cambria Math" panose="02040503050406030204" pitchFamily="18" charset="0"/>
+                      </a:rPr>
+                      <m:t>𝑓</m:t>
+                    </m:r>
+                  </m:oMath>
+                </a14:m>
+                <a:r>
+                  <a:rPr lang="de-DE" dirty="0"/>
+                  <a:t> wenn </a:t>
+                </a:r>
+                <a14:m>
+                  <m:oMath xmlns:m="http://schemas.openxmlformats.org/officeDocument/2006/math">
+                    <m:r>
+                      <a:rPr lang="de-DE" b="0" i="1" smtClean="0">
+                        <a:latin typeface="Cambria Math" panose="02040503050406030204" pitchFamily="18" charset="0"/>
+                      </a:rPr>
+                      <m:t>𝑓</m:t>
+                    </m:r>
+                    <m:r>
+                      <a:rPr lang="de-DE" b="0" i="1" smtClean="0">
+                        <a:latin typeface="Cambria Math" panose="02040503050406030204" pitchFamily="18" charset="0"/>
+                        <a:ea typeface="Cambria Math" panose="02040503050406030204" pitchFamily="18" charset="0"/>
+                      </a:rPr>
+                      <m:t>∈</m:t>
+                    </m:r>
+                    <m:sSub>
+                      <m:sSubPr>
+                        <m:ctrlPr>
+                          <a:rPr lang="de-DE" b="0" i="1" smtClean="0">
+                            <a:latin typeface="Cambria Math" panose="02040503050406030204" pitchFamily="18" charset="0"/>
+                            <a:ea typeface="Cambria Math" panose="02040503050406030204" pitchFamily="18" charset="0"/>
+                          </a:rPr>
+                        </m:ctrlPr>
+                      </m:sSubPr>
+                      <m:e>
+                        <m:r>
+                          <a:rPr lang="de-DE" b="0" i="1" smtClean="0">
+                            <a:latin typeface="Cambria Math" panose="02040503050406030204" pitchFamily="18" charset="0"/>
+                            <a:ea typeface="Cambria Math" panose="02040503050406030204" pitchFamily="18" charset="0"/>
+                          </a:rPr>
+                          <m:t>𝐸𝑣𝑒𝑛𝑡𝑠</m:t>
+                        </m:r>
+                      </m:e>
+                      <m:sub>
+                        <m:r>
+                          <a:rPr lang="de-DE" b="0" i="1" smtClean="0">
+                            <a:latin typeface="Cambria Math" panose="02040503050406030204" pitchFamily="18" charset="0"/>
+                            <a:ea typeface="Cambria Math" panose="02040503050406030204" pitchFamily="18" charset="0"/>
+                          </a:rPr>
+                          <m:t>𝜌</m:t>
+                        </m:r>
+                      </m:sub>
+                    </m:sSub>
+                  </m:oMath>
+                </a14:m>
+                <a:r>
+                  <a:rPr lang="de-DE" dirty="0"/>
+                  <a:t>, dann </a:t>
+                </a:r>
+                <a14:m>
+                  <m:oMath xmlns:m="http://schemas.openxmlformats.org/officeDocument/2006/math">
+                    <m:r>
+                      <a:rPr lang="de-DE" b="0" i="1" smtClean="0">
+                        <a:latin typeface="Cambria Math" panose="02040503050406030204" pitchFamily="18" charset="0"/>
+                      </a:rPr>
+                      <m:t>𝑒</m:t>
+                    </m:r>
+                    <m:r>
+                      <a:rPr lang="de-DE" b="0" i="1" smtClean="0">
+                        <a:latin typeface="Cambria Math" panose="02040503050406030204" pitchFamily="18" charset="0"/>
+                        <a:ea typeface="Cambria Math" panose="02040503050406030204" pitchFamily="18" charset="0"/>
+                      </a:rPr>
+                      <m:t>∈</m:t>
+                    </m:r>
+                    <m:sSub>
+                      <m:sSubPr>
+                        <m:ctrlPr>
+                          <a:rPr lang="de-DE" b="0" i="1" smtClean="0">
+                            <a:latin typeface="Cambria Math" panose="02040503050406030204" pitchFamily="18" charset="0"/>
+                            <a:ea typeface="Cambria Math" panose="02040503050406030204" pitchFamily="18" charset="0"/>
+                          </a:rPr>
+                        </m:ctrlPr>
+                      </m:sSubPr>
+                      <m:e>
+                        <m:r>
+                          <a:rPr lang="de-DE" b="0" i="1" smtClean="0">
+                            <a:latin typeface="Cambria Math" panose="02040503050406030204" pitchFamily="18" charset="0"/>
+                            <a:ea typeface="Cambria Math" panose="02040503050406030204" pitchFamily="18" charset="0"/>
+                          </a:rPr>
+                          <m:t>𝐸𝑣𝑒𝑛𝑡𝑠</m:t>
+                        </m:r>
+                      </m:e>
+                      <m:sub>
+                        <m:r>
+                          <a:rPr lang="de-DE" b="0" i="1" smtClean="0">
+                            <a:latin typeface="Cambria Math" panose="02040503050406030204" pitchFamily="18" charset="0"/>
+                            <a:ea typeface="Cambria Math" panose="02040503050406030204" pitchFamily="18" charset="0"/>
+                          </a:rPr>
+                          <m:t>𝜌</m:t>
+                        </m:r>
+                      </m:sub>
+                    </m:sSub>
+                  </m:oMath>
+                </a14:m>
+                <a:r>
+                  <a:rPr lang="de-DE" dirty="0"/>
+                  <a:t> und</a:t>
+                </a:r>
+                <a14:m>
+                  <m:oMath xmlns:m="http://schemas.openxmlformats.org/officeDocument/2006/math">
+                    <m:r>
+                      <a:rPr lang="de-DE" b="0" i="0" smtClean="0">
+                        <a:latin typeface="Cambria Math" panose="02040503050406030204" pitchFamily="18" charset="0"/>
+                      </a:rPr>
+                      <m:t> </m:t>
+                    </m:r>
+                    <m:r>
+                      <a:rPr lang="de-DE" i="1">
+                        <a:latin typeface="Cambria Math" panose="02040503050406030204" pitchFamily="18" charset="0"/>
+                      </a:rPr>
+                      <m:t>𝑒</m:t>
+                    </m:r>
+                    <m:sSubSup>
+                      <m:sSubSupPr>
+                        <m:ctrlPr>
+                          <a:rPr lang="de-DE" i="1">
+                            <a:latin typeface="Cambria Math" panose="02040503050406030204" pitchFamily="18" charset="0"/>
+                          </a:rPr>
+                        </m:ctrlPr>
+                      </m:sSubSupPr>
+                      <m:e>
+                        <m:r>
+                          <a:rPr lang="de-DE" i="1">
+                            <a:latin typeface="Cambria Math" panose="02040503050406030204" pitchFamily="18" charset="0"/>
+                            <a:ea typeface="Cambria Math" panose="02040503050406030204" pitchFamily="18" charset="0"/>
+                          </a:rPr>
+                          <m:t>≤</m:t>
+                        </m:r>
+                      </m:e>
+                      <m:sub>
+                        <m:r>
+                          <a:rPr lang="de-DE" i="1">
+                            <a:latin typeface="Cambria Math" panose="02040503050406030204" pitchFamily="18" charset="0"/>
+                          </a:rPr>
+                          <m:t>𝑇𝑂</m:t>
+                        </m:r>
+                      </m:sub>
+                      <m:sup>
+                        <m:r>
+                          <a:rPr lang="de-DE" i="1" smtClean="0">
+                            <a:latin typeface="Cambria Math" panose="02040503050406030204" pitchFamily="18" charset="0"/>
+                            <a:ea typeface="Cambria Math" panose="02040503050406030204" pitchFamily="18" charset="0"/>
+                          </a:rPr>
+                          <m:t>𝜌</m:t>
+                        </m:r>
+                      </m:sup>
+                    </m:sSubSup>
+                    <m:r>
+                      <a:rPr lang="de-DE" i="1">
+                        <a:latin typeface="Cambria Math" panose="02040503050406030204" pitchFamily="18" charset="0"/>
+                      </a:rPr>
+                      <m:t>𝑓</m:t>
+                    </m:r>
+                  </m:oMath>
+                </a14:m>
+                <a:endParaRPr lang="de-DE" dirty="0"/>
+              </a:p>
+              <a:p>
+                <a:r>
+                  <a:rPr lang="de-DE" b="1" dirty="0"/>
+                  <a:t>Last-Write</a:t>
+                </a:r>
+                <a:r>
+                  <a:rPr lang="de-DE" dirty="0"/>
+                  <a:t>: Für jedes Read-Event </a:t>
+                </a:r>
+                <a14:m>
+                  <m:oMath xmlns:m="http://schemas.openxmlformats.org/officeDocument/2006/math">
+                    <m:r>
+                      <a:rPr lang="de-DE" b="0" i="1" smtClean="0">
+                        <a:latin typeface="Cambria Math" panose="02040503050406030204" pitchFamily="18" charset="0"/>
+                      </a:rPr>
+                      <m:t>𝑟</m:t>
+                    </m:r>
+                    <m:r>
+                      <a:rPr lang="de-DE" b="0" i="1" smtClean="0">
+                        <a:latin typeface="Cambria Math" panose="02040503050406030204" pitchFamily="18" charset="0"/>
+                        <a:ea typeface="Cambria Math" panose="02040503050406030204" pitchFamily="18" charset="0"/>
+                      </a:rPr>
+                      <m:t>∈</m:t>
+                    </m:r>
+                    <m:sSub>
+                      <m:sSubPr>
+                        <m:ctrlPr>
+                          <a:rPr lang="de-DE" b="0" i="1" smtClean="0">
+                            <a:latin typeface="Cambria Math" panose="02040503050406030204" pitchFamily="18" charset="0"/>
+                            <a:ea typeface="Cambria Math" panose="02040503050406030204" pitchFamily="18" charset="0"/>
+                          </a:rPr>
+                        </m:ctrlPr>
+                      </m:sSubPr>
+                      <m:e>
+                        <m:r>
+                          <a:rPr lang="de-DE" b="0" i="1" smtClean="0">
+                            <a:latin typeface="Cambria Math" panose="02040503050406030204" pitchFamily="18" charset="0"/>
+                            <a:ea typeface="Cambria Math" panose="02040503050406030204" pitchFamily="18" charset="0"/>
+                          </a:rPr>
+                          <m:t>𝐸𝑣𝑒𝑛𝑡𝑠</m:t>
+                        </m:r>
+                      </m:e>
+                      <m:sub>
+                        <m:r>
+                          <a:rPr lang="de-DE" b="0" i="1" smtClean="0">
+                            <a:latin typeface="Cambria Math" panose="02040503050406030204" pitchFamily="18" charset="0"/>
+                            <a:ea typeface="Cambria Math" panose="02040503050406030204" pitchFamily="18" charset="0"/>
+                          </a:rPr>
+                          <m:t>𝜌</m:t>
+                        </m:r>
+                      </m:sub>
+                    </m:sSub>
+                  </m:oMath>
+                </a14:m>
+                <a:r>
+                  <a:rPr lang="de-DE" dirty="0"/>
+                  <a:t> haben wir </a:t>
+                </a:r>
+                <a:r>
+                  <a:rPr lang="de-DE" dirty="0" err="1"/>
+                  <a:t>rf</a:t>
+                </a:r>
+                <a:r>
+                  <a:rPr lang="de-DE" dirty="0"/>
+                  <a:t>(</a:t>
+                </a:r>
+                <a14:m>
+                  <m:oMath xmlns:m="http://schemas.openxmlformats.org/officeDocument/2006/math">
+                    <m:r>
+                      <a:rPr lang="de-DE" b="0" i="1" smtClean="0">
+                        <a:latin typeface="Cambria Math" panose="02040503050406030204" pitchFamily="18" charset="0"/>
+                      </a:rPr>
+                      <m:t>𝑟</m:t>
+                    </m:r>
+                  </m:oMath>
+                </a14:m>
+                <a:r>
+                  <a:rPr lang="de-DE" dirty="0"/>
+                  <a:t>)</a:t>
+                </a:r>
+                <a14:m>
+                  <m:oMath xmlns:m="http://schemas.openxmlformats.org/officeDocument/2006/math">
+                    <m:r>
+                      <a:rPr lang="de-DE" i="1" dirty="0" smtClean="0">
+                        <a:latin typeface="Cambria Math" panose="02040503050406030204" pitchFamily="18" charset="0"/>
+                        <a:ea typeface="Cambria Math" panose="02040503050406030204" pitchFamily="18" charset="0"/>
+                      </a:rPr>
+                      <m:t>∈</m:t>
+                    </m:r>
+                    <m:sSub>
+                      <m:sSubPr>
+                        <m:ctrlPr>
+                          <a:rPr lang="de-DE" i="1" dirty="0" smtClean="0">
+                            <a:latin typeface="Cambria Math" panose="02040503050406030204" pitchFamily="18" charset="0"/>
+                            <a:ea typeface="Cambria Math" panose="02040503050406030204" pitchFamily="18" charset="0"/>
+                          </a:rPr>
+                        </m:ctrlPr>
+                      </m:sSubPr>
+                      <m:e>
+                        <m:r>
+                          <a:rPr lang="de-DE" b="0" i="1" dirty="0" smtClean="0">
+                            <a:latin typeface="Cambria Math" panose="02040503050406030204" pitchFamily="18" charset="0"/>
+                            <a:ea typeface="Cambria Math" panose="02040503050406030204" pitchFamily="18" charset="0"/>
+                          </a:rPr>
+                          <m:t>𝐸𝑣𝑒𝑛𝑡𝑠</m:t>
+                        </m:r>
+                      </m:e>
+                      <m:sub>
+                        <m:r>
+                          <a:rPr lang="de-DE" i="1" dirty="0" smtClean="0">
+                            <a:latin typeface="Cambria Math" panose="02040503050406030204" pitchFamily="18" charset="0"/>
+                            <a:ea typeface="Cambria Math" panose="02040503050406030204" pitchFamily="18" charset="0"/>
+                          </a:rPr>
+                          <m:t>𝜌</m:t>
+                        </m:r>
+                      </m:sub>
+                    </m:sSub>
+                  </m:oMath>
+                </a14:m>
+                <a:r>
+                  <a:rPr lang="de-DE" dirty="0"/>
+                  <a:t> und </a:t>
+                </a:r>
+                <a:r>
+                  <a:rPr lang="de-DE" dirty="0" err="1"/>
+                  <a:t>rf</a:t>
+                </a:r>
+                <a14:m>
+                  <m:oMath xmlns:m="http://schemas.openxmlformats.org/officeDocument/2006/math">
+                    <m:r>
+                      <a:rPr lang="de-DE" i="1" smtClean="0">
+                        <a:latin typeface="Cambria Math" panose="02040503050406030204" pitchFamily="18" charset="0"/>
+                        <a:ea typeface="Cambria Math" panose="02040503050406030204" pitchFamily="18" charset="0"/>
+                      </a:rPr>
+                      <m:t>𝜌</m:t>
+                    </m:r>
+                  </m:oMath>
+                </a14:m>
+                <a:r>
+                  <a:rPr lang="de-DE" dirty="0"/>
+                  <a:t>(</a:t>
+                </a:r>
+                <a14:m>
+                  <m:oMath xmlns:m="http://schemas.openxmlformats.org/officeDocument/2006/math">
+                    <m:r>
+                      <a:rPr lang="de-DE" i="1">
+                        <a:latin typeface="Cambria Math" panose="02040503050406030204" pitchFamily="18" charset="0"/>
+                      </a:rPr>
+                      <m:t>𝑟</m:t>
+                    </m:r>
+                  </m:oMath>
+                </a14:m>
+                <a:r>
+                  <a:rPr lang="de-DE" dirty="0"/>
+                  <a:t>) = </a:t>
+                </a:r>
+                <a:r>
+                  <a:rPr lang="de-DE" dirty="0" err="1"/>
+                  <a:t>rf</a:t>
+                </a:r>
+                <a14:m>
+                  <m:oMath xmlns:m="http://schemas.openxmlformats.org/officeDocument/2006/math">
+                    <m:r>
+                      <a:rPr lang="de-DE" i="1" dirty="0">
+                        <a:latin typeface="Cambria Math" panose="02040503050406030204" pitchFamily="18" charset="0"/>
+                        <a:ea typeface="Cambria Math" panose="02040503050406030204" pitchFamily="18" charset="0"/>
+                      </a:rPr>
+                      <m:t>𝛿</m:t>
+                    </m:r>
+                  </m:oMath>
+                </a14:m>
+                <a:r>
+                  <a:rPr lang="de-DE" dirty="0"/>
+                  <a:t>(</a:t>
+                </a:r>
+                <a14:m>
+                  <m:oMath xmlns:m="http://schemas.openxmlformats.org/officeDocument/2006/math">
+                    <m:r>
+                      <a:rPr lang="de-DE" i="1">
+                        <a:latin typeface="Cambria Math" panose="02040503050406030204" pitchFamily="18" charset="0"/>
+                      </a:rPr>
+                      <m:t>𝑟</m:t>
+                    </m:r>
+                  </m:oMath>
+                </a14:m>
+                <a:r>
+                  <a:rPr lang="de-DE" dirty="0"/>
+                  <a:t>)</a:t>
+                </a:r>
+              </a:p>
+            </p:txBody>
+          </p:sp>
+        </mc:Choice>
+        <mc:Fallback>
+          <p:sp>
+            <p:nvSpPr>
+              <p:cNvPr id="3" name="Inhaltsplatzhalter 2">
+                <a:extLst>
+                  <a:ext uri="{FF2B5EF4-FFF2-40B4-BE49-F238E27FC236}">
+                    <a16:creationId xmlns:a16="http://schemas.microsoft.com/office/drawing/2014/main" id="{B765AA72-3866-2604-5770-E4D77AB6DD44}"/>
+                  </a:ext>
+                </a:extLst>
+              </p:cNvPr>
+              <p:cNvSpPr>
+                <a:spLocks noGrp="1" noRot="1" noChangeAspect="1" noMove="1" noResize="1" noEditPoints="1" noAdjustHandles="1" noChangeArrowheads="1" noChangeShapeType="1" noTextEdit="1"/>
+              </p:cNvSpPr>
+              <p:nvPr>
+                <p:ph idx="1"/>
+              </p:nvPr>
+            </p:nvSpPr>
+            <p:spPr>
+              <a:blipFill>
+                <a:blip r:embed="rId2"/>
+                <a:stretch>
+                  <a:fillRect l="-1217" t="-2241"/>
+                </a:stretch>
+              </a:blipFill>
+            </p:spPr>
+            <p:txBody>
+              <a:bodyPr/>
+              <a:lstStyle/>
+              <a:p>
+                <a:r>
+                  <a:rPr lang="de-DE">
+                    <a:noFill/>
+                  </a:rPr>
+                  <a:t> </a:t>
+                </a:r>
+              </a:p>
+            </p:txBody>
+          </p:sp>
+        </mc:Fallback>
+      </mc:AlternateContent>
     </p:spTree>
     <p:extLst>
       <p:ext uri="{BB962C8B-B14F-4D97-AF65-F5344CB8AC3E}">
-        <p14:creationId xmlns:p14="http://schemas.microsoft.com/office/powerpoint/2010/main" val="2638949281"/>
+        <p14:creationId xmlns:p14="http://schemas.microsoft.com/office/powerpoint/2010/main" val="1716593660"/>
       </p:ext>
     </p:extLst>
   </p:cSld>
@@ -6971,7 +8721,7 @@
           <p:cNvPr id="2" name="Titel 1">
             <a:extLst>
               <a:ext uri="{FF2B5EF4-FFF2-40B4-BE49-F238E27FC236}">
-                <a16:creationId xmlns:a16="http://schemas.microsoft.com/office/drawing/2014/main" id="{58D2D6A2-0751-F535-469A-4E9E6A80DF61}"/>
+                <a16:creationId xmlns:a16="http://schemas.microsoft.com/office/drawing/2014/main" id="{6F021D67-DE8E-0C5A-EC28-97B3D81C1538}"/>
               </a:ext>
             </a:extLst>
           </p:cNvPr>
@@ -6998,33 +8748,194 @@
           </a:p>
         </p:txBody>
       </p:sp>
+      <mc:AlternateContent xmlns:mc="http://schemas.openxmlformats.org/markup-compatibility/2006">
+        <mc:Choice xmlns:a14="http://schemas.microsoft.com/office/drawing/2010/main" Requires="a14">
+          <p:sp>
+            <p:nvSpPr>
+              <p:cNvPr id="6" name="Textfeld 5">
+                <a:extLst>
+                  <a:ext uri="{FF2B5EF4-FFF2-40B4-BE49-F238E27FC236}">
+                    <a16:creationId xmlns:a16="http://schemas.microsoft.com/office/drawing/2014/main" id="{8C9290F0-58FC-CFBE-978E-FD67F680F8D2}"/>
+                  </a:ext>
+                </a:extLst>
+              </p:cNvPr>
+              <p:cNvSpPr txBox="1"/>
+              <p:nvPr/>
+            </p:nvSpPr>
+            <p:spPr>
+              <a:xfrm>
+                <a:off x="1350338" y="1690688"/>
+                <a:ext cx="3637297" cy="400110"/>
+              </a:xfrm>
+              <a:prstGeom prst="rect">
+                <a:avLst/>
+              </a:prstGeom>
+              <a:noFill/>
+            </p:spPr>
+            <p:txBody>
+              <a:bodyPr wrap="square" rtlCol="0">
+                <a:spAutoFit/>
+              </a:bodyPr>
+              <a:lstStyle/>
+              <a:p>
+                <a:pPr marL="342900" indent="-342900">
+                  <a:buFont typeface="Arial" panose="020B0604020202020204" pitchFamily="34" charset="0"/>
+                  <a:buChar char="•"/>
+                </a:pPr>
+                <a:r>
+                  <a:rPr lang="de-DE" sz="2000" dirty="0"/>
+                  <a:t>Deadlock-Pattern: </a:t>
+                </a:r>
+                <a14:m>
+                  <m:oMath xmlns:m="http://schemas.openxmlformats.org/officeDocument/2006/math">
+                    <m:sSub>
+                      <m:sSubPr>
+                        <m:ctrlPr>
+                          <a:rPr lang="de-DE" sz="2000" i="1" smtClean="0">
+                            <a:latin typeface="Cambria Math" panose="02040503050406030204" pitchFamily="18" charset="0"/>
+                          </a:rPr>
+                        </m:ctrlPr>
+                      </m:sSubPr>
+                      <m:e>
+                        <m:r>
+                          <a:rPr lang="de-DE" sz="2000" b="0" i="1" smtClean="0">
+                            <a:latin typeface="Cambria Math" panose="02040503050406030204" pitchFamily="18" charset="0"/>
+                          </a:rPr>
+                          <m:t>&lt;</m:t>
+                        </m:r>
+                        <m:r>
+                          <a:rPr lang="de-DE" sz="2000" b="0" i="1" smtClean="0">
+                            <a:latin typeface="Cambria Math" panose="02040503050406030204" pitchFamily="18" charset="0"/>
+                          </a:rPr>
+                          <m:t>𝑒</m:t>
+                        </m:r>
+                      </m:e>
+                      <m:sub>
+                        <m:r>
+                          <a:rPr lang="de-DE" sz="2000" b="0" i="1" smtClean="0">
+                            <a:latin typeface="Cambria Math" panose="02040503050406030204" pitchFamily="18" charset="0"/>
+                          </a:rPr>
+                          <m:t>3</m:t>
+                        </m:r>
+                      </m:sub>
+                    </m:sSub>
+                    <m:r>
+                      <a:rPr lang="de-DE" sz="2000" b="0" i="1" smtClean="0">
+                        <a:latin typeface="Cambria Math" panose="02040503050406030204" pitchFamily="18" charset="0"/>
+                      </a:rPr>
+                      <m:t>, </m:t>
+                    </m:r>
+                    <m:sSub>
+                      <m:sSubPr>
+                        <m:ctrlPr>
+                          <a:rPr lang="de-DE" sz="2000" b="0" i="1" smtClean="0">
+                            <a:latin typeface="Cambria Math" panose="02040503050406030204" pitchFamily="18" charset="0"/>
+                          </a:rPr>
+                        </m:ctrlPr>
+                      </m:sSubPr>
+                      <m:e>
+                        <m:r>
+                          <a:rPr lang="de-DE" sz="2000" b="0" i="1" smtClean="0">
+                            <a:latin typeface="Cambria Math" panose="02040503050406030204" pitchFamily="18" charset="0"/>
+                          </a:rPr>
+                          <m:t>𝑒</m:t>
+                        </m:r>
+                      </m:e>
+                      <m:sub>
+                        <m:r>
+                          <a:rPr lang="de-DE" sz="2000" b="0" i="1" smtClean="0">
+                            <a:latin typeface="Cambria Math" panose="02040503050406030204" pitchFamily="18" charset="0"/>
+                          </a:rPr>
+                          <m:t>8</m:t>
+                        </m:r>
+                      </m:sub>
+                    </m:sSub>
+                    <m:r>
+                      <a:rPr lang="de-DE" sz="2000" b="0" i="1" smtClean="0">
+                        <a:latin typeface="Cambria Math" panose="02040503050406030204" pitchFamily="18" charset="0"/>
+                      </a:rPr>
+                      <m:t>&gt;</m:t>
+                    </m:r>
+                  </m:oMath>
+                </a14:m>
+                <a:endParaRPr lang="de-DE" sz="2000" dirty="0"/>
+              </a:p>
+            </p:txBody>
+          </p:sp>
+        </mc:Choice>
+        <mc:Fallback>
+          <p:sp>
+            <p:nvSpPr>
+              <p:cNvPr id="6" name="Textfeld 5">
+                <a:extLst>
+                  <a:ext uri="{FF2B5EF4-FFF2-40B4-BE49-F238E27FC236}">
+                    <a16:creationId xmlns:a16="http://schemas.microsoft.com/office/drawing/2014/main" id="{8C9290F0-58FC-CFBE-978E-FD67F680F8D2}"/>
+                  </a:ext>
+                </a:extLst>
+              </p:cNvPr>
+              <p:cNvSpPr txBox="1">
+                <a:spLocks noRot="1" noChangeAspect="1" noMove="1" noResize="1" noEditPoints="1" noAdjustHandles="1" noChangeArrowheads="1" noChangeShapeType="1" noTextEdit="1"/>
+              </p:cNvSpPr>
+              <p:nvPr/>
+            </p:nvSpPr>
+            <p:spPr>
+              <a:xfrm>
+                <a:off x="1350338" y="1690688"/>
+                <a:ext cx="3637297" cy="400110"/>
+              </a:xfrm>
+              <a:prstGeom prst="rect">
+                <a:avLst/>
+              </a:prstGeom>
+              <a:blipFill>
+                <a:blip r:embed="rId2"/>
+                <a:stretch>
+                  <a:fillRect l="-1510" t="-7576" b="-25758"/>
+                </a:stretch>
+              </a:blipFill>
+            </p:spPr>
+            <p:txBody>
+              <a:bodyPr/>
+              <a:lstStyle/>
+              <a:p>
+                <a:r>
+                  <a:rPr lang="de-DE">
+                    <a:noFill/>
+                  </a:rPr>
+                  <a:t> </a:t>
+                </a:r>
+              </a:p>
+            </p:txBody>
+          </p:sp>
+        </mc:Fallback>
+      </mc:AlternateContent>
       <p:pic>
         <p:nvPicPr>
-          <p:cNvPr id="5" name="Inhaltsplatzhalter 4">
-            <a:extLst>
-              <a:ext uri="{FF2B5EF4-FFF2-40B4-BE49-F238E27FC236}">
-                <a16:creationId xmlns:a16="http://schemas.microsoft.com/office/drawing/2014/main" id="{20BB4EBE-3605-5E86-8383-E57801E45005}"/>
+          <p:cNvPr id="14" name="Grafik 13">
+            <a:extLst>
+              <a:ext uri="{FF2B5EF4-FFF2-40B4-BE49-F238E27FC236}">
+                <a16:creationId xmlns:a16="http://schemas.microsoft.com/office/drawing/2014/main" id="{D62C9FB3-7C6C-C79E-DBD4-AA7E56437AA8}"/>
               </a:ext>
             </a:extLst>
           </p:cNvPr>
           <p:cNvPicPr>
-            <a:picLocks noGrp="1" noChangeAspect="1"/>
+            <a:picLocks noChangeAspect="1"/>
           </p:cNvPicPr>
-          <p:nvPr>
-            <p:ph idx="1"/>
-          </p:nvPr>
+          <p:nvPr/>
         </p:nvPicPr>
         <p:blipFill>
-          <a:blip r:embed="rId2"/>
+          <a:blip r:embed="rId3"/>
           <a:stretch>
             <a:fillRect/>
           </a:stretch>
         </p:blipFill>
         <p:spPr>
           <a:xfrm>
-            <a:off x="2890390" y="1690688"/>
-            <a:ext cx="6411220" cy="2962688"/>
+            <a:off x="5215278" y="1561379"/>
+            <a:ext cx="4199086" cy="4802187"/>
           </a:xfrm>
+          <a:prstGeom prst="rect">
+            <a:avLst/>
+          </a:prstGeom>
           <a:ln>
             <a:solidFill>
               <a:schemeClr val="tx1"/>
@@ -7034,10 +8945,10 @@
       </p:pic>
       <p:sp>
         <p:nvSpPr>
-          <p:cNvPr id="6" name="Textfeld 5">
-            <a:extLst>
-              <a:ext uri="{FF2B5EF4-FFF2-40B4-BE49-F238E27FC236}">
-                <a16:creationId xmlns:a16="http://schemas.microsoft.com/office/drawing/2014/main" id="{F1B41790-D1F4-D65F-A7DF-E8EE1A07D177}"/>
+          <p:cNvPr id="15" name="Textfeld 14">
+            <a:extLst>
+              <a:ext uri="{FF2B5EF4-FFF2-40B4-BE49-F238E27FC236}">
+                <a16:creationId xmlns:a16="http://schemas.microsoft.com/office/drawing/2014/main" id="{717C117E-09FD-6F3A-781A-8DC6A4FAFB8B}"/>
               </a:ext>
             </a:extLst>
           </p:cNvPr>
@@ -7046,8 +8957,8 @@
         </p:nvSpPr>
         <p:spPr>
           <a:xfrm>
-            <a:off x="1204822" y="4826675"/>
-            <a:ext cx="9782355" cy="2031325"/>
+            <a:off x="1350338" y="2090798"/>
+            <a:ext cx="3761030" cy="369332"/>
           </a:xfrm>
           <a:prstGeom prst="rect">
             <a:avLst/>
@@ -7060,66 +8971,21 @@
           </a:bodyPr>
           <a:lstStyle/>
           <a:p>
-            <a:pPr lvl="1"/>
-            <a:r>
-              <a:rPr lang="de-DE" b="1" dirty="0" err="1"/>
-              <a:t>Subset</a:t>
-            </a:r>
-            <a:r>
-              <a:rPr lang="de-DE" dirty="0"/>
-              <a:t>: Es besteht ausschließlich aus Teilen des originalen Trace</a:t>
-            </a:r>
-          </a:p>
-          <a:p>
-            <a:pPr lvl="1"/>
-            <a:r>
-              <a:rPr lang="de-DE" b="1" dirty="0"/>
-              <a:t>Thread-Order</a:t>
-            </a:r>
-            <a:r>
-              <a:rPr lang="de-DE" dirty="0"/>
-              <a:t>: Die Reihenfolge der Operationen innerhalb eines Threads wurde nicht verändert</a:t>
-            </a:r>
-          </a:p>
-          <a:p>
-            <a:pPr lvl="1"/>
-            <a:r>
-              <a:rPr lang="de-DE" b="1" dirty="0"/>
-              <a:t>Last-Write</a:t>
-            </a:r>
-            <a:r>
-              <a:rPr lang="de-DE" dirty="0"/>
-              <a:t>: Wenn ein Read auf eine Variable existiert, muss das letzte Write auf diese Variable existieren</a:t>
-            </a:r>
-          </a:p>
-          <a:p>
-            <a:pPr lvl="1"/>
-            <a:r>
-              <a:rPr lang="de-DE" b="1" dirty="0"/>
-              <a:t>Lock-Semantik</a:t>
-            </a:r>
-            <a:r>
-              <a:rPr lang="de-DE" dirty="0"/>
-              <a:t>: Zwischen zwei </a:t>
-            </a:r>
-            <a:r>
-              <a:rPr lang="de-DE" dirty="0" err="1"/>
-              <a:t>Acquire</a:t>
-            </a:r>
-            <a:r>
-              <a:rPr lang="de-DE" dirty="0"/>
-              <a:t>-Events zweier verschiedener Threads muss es eine Release-Operation im ersten Thread geben</a:t>
-            </a:r>
-          </a:p>
-          <a:p>
-            <a:endParaRPr lang="de-DE" dirty="0"/>
+            <a:pPr marL="285750" indent="-285750">
+              <a:buFont typeface="Arial" panose="020B0604020202020204" pitchFamily="34" charset="0"/>
+              <a:buChar char="•"/>
+            </a:pPr>
+            <a:r>
+              <a:rPr lang="de-DE" dirty="0"/>
+              <a:t> Lock-Semantik besteht</a:t>
+            </a:r>
           </a:p>
         </p:txBody>
       </p:sp>
     </p:spTree>
     <p:extLst>
       <p:ext uri="{BB962C8B-B14F-4D97-AF65-F5344CB8AC3E}">
-        <p14:creationId xmlns:p14="http://schemas.microsoft.com/office/powerpoint/2010/main" val="594864543"/>
+        <p14:creationId xmlns:p14="http://schemas.microsoft.com/office/powerpoint/2010/main" val="2724828889"/>
       </p:ext>
     </p:extLst>
   </p:cSld>
@@ -7151,7 +9017,7 @@
           <p:cNvPr id="2" name="Titel 1">
             <a:extLst>
               <a:ext uri="{FF2B5EF4-FFF2-40B4-BE49-F238E27FC236}">
-                <a16:creationId xmlns:a16="http://schemas.microsoft.com/office/drawing/2014/main" id="{856B7E70-8C9E-5CD7-9DB0-A561B045F24B}"/>
+                <a16:creationId xmlns:a16="http://schemas.microsoft.com/office/drawing/2014/main" id="{58D2D6A2-0751-F535-469A-4E9E6A80DF61}"/>
               </a:ext>
             </a:extLst>
           </p:cNvPr>
@@ -7178,70 +9044,710 @@
           </a:p>
         </p:txBody>
       </p:sp>
-      <p:sp>
-        <p:nvSpPr>
-          <p:cNvPr id="3" name="Inhaltsplatzhalter 2">
-            <a:extLst>
-              <a:ext uri="{FF2B5EF4-FFF2-40B4-BE49-F238E27FC236}">
-                <a16:creationId xmlns:a16="http://schemas.microsoft.com/office/drawing/2014/main" id="{824307BB-C75C-FA5A-95BF-AC37C805C17E}"/>
-              </a:ext>
-            </a:extLst>
-          </p:cNvPr>
-          <p:cNvSpPr>
-            <a:spLocks noGrp="1"/>
-          </p:cNvSpPr>
-          <p:nvPr>
-            <p:ph idx="1"/>
-          </p:nvPr>
-        </p:nvSpPr>
-        <p:spPr/>
-        <p:txBody>
-          <a:bodyPr/>
-          <a:lstStyle/>
-          <a:p>
-            <a:r>
-              <a:rPr lang="de-DE" dirty="0"/>
-              <a:t>Damit ein </a:t>
-            </a:r>
-            <a:r>
-              <a:rPr lang="de-DE" dirty="0" err="1"/>
-              <a:t>Correct</a:t>
-            </a:r>
-            <a:r>
-              <a:rPr lang="de-DE" dirty="0"/>
-              <a:t> </a:t>
-            </a:r>
-            <a:r>
-              <a:rPr lang="de-DE" dirty="0" err="1"/>
-              <a:t>Reordering</a:t>
-            </a:r>
-            <a:r>
-              <a:rPr lang="de-DE" dirty="0"/>
-              <a:t> </a:t>
-            </a:r>
-            <a:r>
-              <a:rPr lang="de-DE" dirty="0" err="1"/>
-              <a:t>Sync-preserving</a:t>
-            </a:r>
-            <a:r>
-              <a:rPr lang="de-DE" dirty="0"/>
-              <a:t> ist, müssen alle </a:t>
-            </a:r>
-            <a:r>
-              <a:rPr lang="de-DE" dirty="0" err="1"/>
-              <a:t>Acquire</a:t>
-            </a:r>
-            <a:r>
-              <a:rPr lang="de-DE" dirty="0"/>
-              <a:t>-Events auf denselben Lock in der gleichen Reihenfolge sein wie im Original-Trace</a:t>
-            </a:r>
-          </a:p>
-        </p:txBody>
-      </p:sp>
+      <mc:AlternateContent xmlns:mc="http://schemas.openxmlformats.org/markup-compatibility/2006">
+        <mc:Choice xmlns:a14="http://schemas.microsoft.com/office/drawing/2010/main" Requires="a14">
+          <p:sp>
+            <p:nvSpPr>
+              <p:cNvPr id="4" name="Inhaltsplatzhalter 3">
+                <a:extLst>
+                  <a:ext uri="{FF2B5EF4-FFF2-40B4-BE49-F238E27FC236}">
+                    <a16:creationId xmlns:a16="http://schemas.microsoft.com/office/drawing/2014/main" id="{18D0E2E1-5630-9485-A988-9B237FCAF9C8}"/>
+                  </a:ext>
+                </a:extLst>
+              </p:cNvPr>
+              <p:cNvSpPr>
+                <a:spLocks noGrp="1"/>
+              </p:cNvSpPr>
+              <p:nvPr>
+                <p:ph idx="1"/>
+              </p:nvPr>
+            </p:nvSpPr>
+            <p:spPr>
+              <a:xfrm>
+                <a:off x="838200" y="4605745"/>
+                <a:ext cx="10515600" cy="1777802"/>
+              </a:xfrm>
+            </p:spPr>
+            <p:txBody>
+              <a:bodyPr>
+                <a:normAutofit fontScale="77500" lnSpcReduction="20000"/>
+              </a:bodyPr>
+              <a:lstStyle/>
+              <a:p>
+                <a:r>
+                  <a:rPr lang="de-DE" b="1" dirty="0"/>
+                  <a:t>Subset</a:t>
+                </a:r>
+                <a:r>
+                  <a:rPr lang="de-DE" dirty="0"/>
+                  <a:t>: </a:t>
+                </a:r>
+                <a14:m>
+                  <m:oMath xmlns:m="http://schemas.openxmlformats.org/officeDocument/2006/math">
+                    <m:sSub>
+                      <m:sSubPr>
+                        <m:ctrlPr>
+                          <a:rPr lang="de-DE" b="0" i="1" smtClean="0">
+                            <a:latin typeface="Cambria Math" panose="02040503050406030204" pitchFamily="18" charset="0"/>
+                          </a:rPr>
+                        </m:ctrlPr>
+                      </m:sSubPr>
+                      <m:e>
+                        <m:r>
+                          <a:rPr lang="de-DE" i="1">
+                            <a:latin typeface="Cambria Math" panose="02040503050406030204" pitchFamily="18" charset="0"/>
+                          </a:rPr>
+                          <m:t>𝐸𝑣𝑒𝑛𝑡𝑠</m:t>
+                        </m:r>
+                      </m:e>
+                      <m:sub>
+                        <m:r>
+                          <a:rPr lang="de-DE" b="0" i="1" smtClean="0">
+                            <a:latin typeface="Cambria Math" panose="02040503050406030204" pitchFamily="18" charset="0"/>
+                            <a:ea typeface="Cambria Math" panose="02040503050406030204" pitchFamily="18" charset="0"/>
+                          </a:rPr>
+                          <m:t>𝜌</m:t>
+                        </m:r>
+                      </m:sub>
+                    </m:sSub>
+                    <m:r>
+                      <m:rPr>
+                        <m:nor/>
+                      </m:rPr>
+                      <a:rPr lang="de-DE"/>
+                      <m:t>⊆</m:t>
+                    </m:r>
+                  </m:oMath>
+                </a14:m>
+                <a:r>
+                  <a:rPr lang="de-DE" dirty="0"/>
+                  <a:t> </a:t>
+                </a:r>
+                <a14:m>
+                  <m:oMath xmlns:m="http://schemas.openxmlformats.org/officeDocument/2006/math">
+                    <m:sSub>
+                      <m:sSubPr>
+                        <m:ctrlPr>
+                          <a:rPr lang="de-DE" b="0" i="1" dirty="0" smtClean="0">
+                            <a:latin typeface="Cambria Math" panose="02040503050406030204" pitchFamily="18" charset="0"/>
+                          </a:rPr>
+                        </m:ctrlPr>
+                      </m:sSubPr>
+                      <m:e>
+                        <m:r>
+                          <a:rPr lang="de-DE" i="1" dirty="0">
+                            <a:latin typeface="Cambria Math" panose="02040503050406030204" pitchFamily="18" charset="0"/>
+                          </a:rPr>
+                          <m:t>𝐸𝑣𝑒𝑛𝑡𝑠</m:t>
+                        </m:r>
+                      </m:e>
+                      <m:sub>
+                        <m:r>
+                          <a:rPr lang="de-DE" b="0" i="1" dirty="0" smtClean="0">
+                            <a:latin typeface="Cambria Math" panose="02040503050406030204" pitchFamily="18" charset="0"/>
+                            <a:ea typeface="Cambria Math" panose="02040503050406030204" pitchFamily="18" charset="0"/>
+                          </a:rPr>
+                          <m:t>𝛿</m:t>
+                        </m:r>
+                      </m:sub>
+                    </m:sSub>
+                  </m:oMath>
+                </a14:m>
+                <a:endParaRPr lang="de-DE" dirty="0"/>
+              </a:p>
+              <a:p>
+                <a:r>
+                  <a:rPr lang="de-DE" b="1" dirty="0"/>
+                  <a:t>Thread-Order</a:t>
+                </a:r>
+                <a:r>
+                  <a:rPr lang="de-DE" dirty="0"/>
+                  <a:t>: Für jede </a:t>
+                </a:r>
+                <a14:m>
+                  <m:oMath xmlns:m="http://schemas.openxmlformats.org/officeDocument/2006/math">
+                    <m:r>
+                      <a:rPr lang="de-DE" b="0" i="1" smtClean="0">
+                        <a:latin typeface="Cambria Math" panose="02040503050406030204" pitchFamily="18" charset="0"/>
+                      </a:rPr>
+                      <m:t>𝑒</m:t>
+                    </m:r>
+                    <m:r>
+                      <a:rPr lang="de-DE" b="0" i="1" smtClean="0">
+                        <a:latin typeface="Cambria Math" panose="02040503050406030204" pitchFamily="18" charset="0"/>
+                      </a:rPr>
+                      <m:t>, </m:t>
+                    </m:r>
+                    <m:r>
+                      <a:rPr lang="de-DE" b="0" i="1" smtClean="0">
+                        <a:latin typeface="Cambria Math" panose="02040503050406030204" pitchFamily="18" charset="0"/>
+                      </a:rPr>
+                      <m:t>𝑓</m:t>
+                    </m:r>
+                    <m:r>
+                      <a:rPr lang="de-DE" b="0" i="1" smtClean="0">
+                        <a:latin typeface="Cambria Math" panose="02040503050406030204" pitchFamily="18" charset="0"/>
+                      </a:rPr>
+                      <m:t> ∈</m:t>
+                    </m:r>
+                    <m:sSub>
+                      <m:sSubPr>
+                        <m:ctrlPr>
+                          <a:rPr lang="de-DE" b="0" i="1" smtClean="0">
+                            <a:latin typeface="Cambria Math" panose="02040503050406030204" pitchFamily="18" charset="0"/>
+                            <a:ea typeface="Cambria Math" panose="02040503050406030204" pitchFamily="18" charset="0"/>
+                          </a:rPr>
+                        </m:ctrlPr>
+                      </m:sSubPr>
+                      <m:e>
+                        <m:r>
+                          <a:rPr lang="de-DE" b="0" i="1" smtClean="0">
+                            <a:latin typeface="Cambria Math" panose="02040503050406030204" pitchFamily="18" charset="0"/>
+                            <a:ea typeface="Cambria Math" panose="02040503050406030204" pitchFamily="18" charset="0"/>
+                          </a:rPr>
+                          <m:t>𝐸𝑣𝑒𝑛𝑡𝑠</m:t>
+                        </m:r>
+                      </m:e>
+                      <m:sub>
+                        <m:r>
+                          <a:rPr lang="de-DE" b="0" i="1" smtClean="0">
+                            <a:latin typeface="Cambria Math" panose="02040503050406030204" pitchFamily="18" charset="0"/>
+                            <a:ea typeface="Cambria Math" panose="02040503050406030204" pitchFamily="18" charset="0"/>
+                          </a:rPr>
+                          <m:t>𝛿</m:t>
+                        </m:r>
+                      </m:sub>
+                    </m:sSub>
+                  </m:oMath>
+                </a14:m>
+                <a:r>
+                  <a:rPr lang="de-DE" dirty="0"/>
+                  <a:t> mit </a:t>
+                </a:r>
+                <a14:m>
+                  <m:oMath xmlns:m="http://schemas.openxmlformats.org/officeDocument/2006/math">
+                    <m:r>
+                      <a:rPr lang="de-DE" b="0" i="1" smtClean="0">
+                        <a:latin typeface="Cambria Math" panose="02040503050406030204" pitchFamily="18" charset="0"/>
+                      </a:rPr>
+                      <m:t>𝑒</m:t>
+                    </m:r>
+                    <m:sSubSup>
+                      <m:sSubSupPr>
+                        <m:ctrlPr>
+                          <a:rPr lang="de-DE" b="0" i="1" smtClean="0">
+                            <a:latin typeface="Cambria Math" panose="02040503050406030204" pitchFamily="18" charset="0"/>
+                          </a:rPr>
+                        </m:ctrlPr>
+                      </m:sSubSupPr>
+                      <m:e>
+                        <m:r>
+                          <a:rPr lang="de-DE" b="0" i="1" smtClean="0">
+                            <a:latin typeface="Cambria Math" panose="02040503050406030204" pitchFamily="18" charset="0"/>
+                            <a:ea typeface="Cambria Math" panose="02040503050406030204" pitchFamily="18" charset="0"/>
+                          </a:rPr>
+                          <m:t>≤</m:t>
+                        </m:r>
+                      </m:e>
+                      <m:sub>
+                        <m:r>
+                          <a:rPr lang="de-DE" b="0" i="1" smtClean="0">
+                            <a:latin typeface="Cambria Math" panose="02040503050406030204" pitchFamily="18" charset="0"/>
+                          </a:rPr>
+                          <m:t>𝑇𝑂</m:t>
+                        </m:r>
+                      </m:sub>
+                      <m:sup>
+                        <m:r>
+                          <a:rPr lang="de-DE" b="0" i="1" smtClean="0">
+                            <a:latin typeface="Cambria Math" panose="02040503050406030204" pitchFamily="18" charset="0"/>
+                            <a:ea typeface="Cambria Math" panose="02040503050406030204" pitchFamily="18" charset="0"/>
+                          </a:rPr>
+                          <m:t>𝛿</m:t>
+                        </m:r>
+                      </m:sup>
+                    </m:sSubSup>
+                    <m:r>
+                      <a:rPr lang="de-DE" b="0" i="1" smtClean="0">
+                        <a:latin typeface="Cambria Math" panose="02040503050406030204" pitchFamily="18" charset="0"/>
+                      </a:rPr>
+                      <m:t>𝑓</m:t>
+                    </m:r>
+                  </m:oMath>
+                </a14:m>
+                <a:r>
+                  <a:rPr lang="de-DE" dirty="0"/>
+                  <a:t> wenn </a:t>
+                </a:r>
+                <a14:m>
+                  <m:oMath xmlns:m="http://schemas.openxmlformats.org/officeDocument/2006/math">
+                    <m:r>
+                      <a:rPr lang="de-DE" b="0" i="1" smtClean="0">
+                        <a:latin typeface="Cambria Math" panose="02040503050406030204" pitchFamily="18" charset="0"/>
+                      </a:rPr>
+                      <m:t>𝑓</m:t>
+                    </m:r>
+                    <m:r>
+                      <a:rPr lang="de-DE" b="0" i="1" smtClean="0">
+                        <a:latin typeface="Cambria Math" panose="02040503050406030204" pitchFamily="18" charset="0"/>
+                        <a:ea typeface="Cambria Math" panose="02040503050406030204" pitchFamily="18" charset="0"/>
+                      </a:rPr>
+                      <m:t>∈</m:t>
+                    </m:r>
+                    <m:sSub>
+                      <m:sSubPr>
+                        <m:ctrlPr>
+                          <a:rPr lang="de-DE" b="0" i="1" smtClean="0">
+                            <a:latin typeface="Cambria Math" panose="02040503050406030204" pitchFamily="18" charset="0"/>
+                            <a:ea typeface="Cambria Math" panose="02040503050406030204" pitchFamily="18" charset="0"/>
+                          </a:rPr>
+                        </m:ctrlPr>
+                      </m:sSubPr>
+                      <m:e>
+                        <m:r>
+                          <a:rPr lang="de-DE" b="0" i="1" smtClean="0">
+                            <a:latin typeface="Cambria Math" panose="02040503050406030204" pitchFamily="18" charset="0"/>
+                            <a:ea typeface="Cambria Math" panose="02040503050406030204" pitchFamily="18" charset="0"/>
+                          </a:rPr>
+                          <m:t>𝐸𝑣𝑒𝑛𝑡𝑠</m:t>
+                        </m:r>
+                      </m:e>
+                      <m:sub>
+                        <m:r>
+                          <a:rPr lang="de-DE" b="0" i="1" smtClean="0">
+                            <a:latin typeface="Cambria Math" panose="02040503050406030204" pitchFamily="18" charset="0"/>
+                            <a:ea typeface="Cambria Math" panose="02040503050406030204" pitchFamily="18" charset="0"/>
+                          </a:rPr>
+                          <m:t>𝜌</m:t>
+                        </m:r>
+                      </m:sub>
+                    </m:sSub>
+                  </m:oMath>
+                </a14:m>
+                <a:r>
+                  <a:rPr lang="de-DE" dirty="0"/>
+                  <a:t>, dann </a:t>
+                </a:r>
+                <a14:m>
+                  <m:oMath xmlns:m="http://schemas.openxmlformats.org/officeDocument/2006/math">
+                    <m:r>
+                      <a:rPr lang="de-DE" b="0" i="1" smtClean="0">
+                        <a:latin typeface="Cambria Math" panose="02040503050406030204" pitchFamily="18" charset="0"/>
+                      </a:rPr>
+                      <m:t>𝑒</m:t>
+                    </m:r>
+                    <m:r>
+                      <a:rPr lang="de-DE" b="0" i="1" smtClean="0">
+                        <a:latin typeface="Cambria Math" panose="02040503050406030204" pitchFamily="18" charset="0"/>
+                        <a:ea typeface="Cambria Math" panose="02040503050406030204" pitchFamily="18" charset="0"/>
+                      </a:rPr>
+                      <m:t>∈</m:t>
+                    </m:r>
+                    <m:sSub>
+                      <m:sSubPr>
+                        <m:ctrlPr>
+                          <a:rPr lang="de-DE" b="0" i="1" smtClean="0">
+                            <a:latin typeface="Cambria Math" panose="02040503050406030204" pitchFamily="18" charset="0"/>
+                            <a:ea typeface="Cambria Math" panose="02040503050406030204" pitchFamily="18" charset="0"/>
+                          </a:rPr>
+                        </m:ctrlPr>
+                      </m:sSubPr>
+                      <m:e>
+                        <m:r>
+                          <a:rPr lang="de-DE" b="0" i="1" smtClean="0">
+                            <a:latin typeface="Cambria Math" panose="02040503050406030204" pitchFamily="18" charset="0"/>
+                            <a:ea typeface="Cambria Math" panose="02040503050406030204" pitchFamily="18" charset="0"/>
+                          </a:rPr>
+                          <m:t>𝐸𝑣𝑒𝑛𝑡𝑠</m:t>
+                        </m:r>
+                      </m:e>
+                      <m:sub>
+                        <m:r>
+                          <a:rPr lang="de-DE" b="0" i="1" smtClean="0">
+                            <a:latin typeface="Cambria Math" panose="02040503050406030204" pitchFamily="18" charset="0"/>
+                            <a:ea typeface="Cambria Math" panose="02040503050406030204" pitchFamily="18" charset="0"/>
+                          </a:rPr>
+                          <m:t>𝜌</m:t>
+                        </m:r>
+                      </m:sub>
+                    </m:sSub>
+                  </m:oMath>
+                </a14:m>
+                <a:r>
+                  <a:rPr lang="de-DE" dirty="0"/>
+                  <a:t> und</a:t>
+                </a:r>
+                <a14:m>
+                  <m:oMath xmlns:m="http://schemas.openxmlformats.org/officeDocument/2006/math">
+                    <m:r>
+                      <a:rPr lang="de-DE" b="0" i="0" smtClean="0">
+                        <a:latin typeface="Cambria Math" panose="02040503050406030204" pitchFamily="18" charset="0"/>
+                      </a:rPr>
+                      <m:t> </m:t>
+                    </m:r>
+                    <m:r>
+                      <a:rPr lang="de-DE" i="1">
+                        <a:latin typeface="Cambria Math" panose="02040503050406030204" pitchFamily="18" charset="0"/>
+                      </a:rPr>
+                      <m:t>𝑒</m:t>
+                    </m:r>
+                    <m:sSubSup>
+                      <m:sSubSupPr>
+                        <m:ctrlPr>
+                          <a:rPr lang="de-DE" i="1">
+                            <a:latin typeface="Cambria Math" panose="02040503050406030204" pitchFamily="18" charset="0"/>
+                          </a:rPr>
+                        </m:ctrlPr>
+                      </m:sSubSupPr>
+                      <m:e>
+                        <m:r>
+                          <a:rPr lang="de-DE" i="1">
+                            <a:latin typeface="Cambria Math" panose="02040503050406030204" pitchFamily="18" charset="0"/>
+                            <a:ea typeface="Cambria Math" panose="02040503050406030204" pitchFamily="18" charset="0"/>
+                          </a:rPr>
+                          <m:t>≤</m:t>
+                        </m:r>
+                      </m:e>
+                      <m:sub>
+                        <m:r>
+                          <a:rPr lang="de-DE" i="1">
+                            <a:latin typeface="Cambria Math" panose="02040503050406030204" pitchFamily="18" charset="0"/>
+                          </a:rPr>
+                          <m:t>𝑇𝑂</m:t>
+                        </m:r>
+                      </m:sub>
+                      <m:sup>
+                        <m:r>
+                          <a:rPr lang="de-DE" i="1" smtClean="0">
+                            <a:latin typeface="Cambria Math" panose="02040503050406030204" pitchFamily="18" charset="0"/>
+                            <a:ea typeface="Cambria Math" panose="02040503050406030204" pitchFamily="18" charset="0"/>
+                          </a:rPr>
+                          <m:t>𝜌</m:t>
+                        </m:r>
+                      </m:sup>
+                    </m:sSubSup>
+                    <m:r>
+                      <a:rPr lang="de-DE" i="1">
+                        <a:latin typeface="Cambria Math" panose="02040503050406030204" pitchFamily="18" charset="0"/>
+                      </a:rPr>
+                      <m:t>𝑓</m:t>
+                    </m:r>
+                  </m:oMath>
+                </a14:m>
+                <a:endParaRPr lang="de-DE" dirty="0"/>
+              </a:p>
+              <a:p>
+                <a:r>
+                  <a:rPr lang="de-DE" b="1" dirty="0"/>
+                  <a:t>Last-Write</a:t>
+                </a:r>
+                <a:r>
+                  <a:rPr lang="de-DE" dirty="0"/>
+                  <a:t>: Für jedes Read-Event </a:t>
+                </a:r>
+                <a14:m>
+                  <m:oMath xmlns:m="http://schemas.openxmlformats.org/officeDocument/2006/math">
+                    <m:r>
+                      <a:rPr lang="de-DE" b="0" i="1" smtClean="0">
+                        <a:latin typeface="Cambria Math" panose="02040503050406030204" pitchFamily="18" charset="0"/>
+                      </a:rPr>
+                      <m:t>𝑟</m:t>
+                    </m:r>
+                    <m:r>
+                      <a:rPr lang="de-DE" b="0" i="1" smtClean="0">
+                        <a:latin typeface="Cambria Math" panose="02040503050406030204" pitchFamily="18" charset="0"/>
+                        <a:ea typeface="Cambria Math" panose="02040503050406030204" pitchFamily="18" charset="0"/>
+                      </a:rPr>
+                      <m:t>∈</m:t>
+                    </m:r>
+                    <m:sSub>
+                      <m:sSubPr>
+                        <m:ctrlPr>
+                          <a:rPr lang="de-DE" b="0" i="1" smtClean="0">
+                            <a:latin typeface="Cambria Math" panose="02040503050406030204" pitchFamily="18" charset="0"/>
+                            <a:ea typeface="Cambria Math" panose="02040503050406030204" pitchFamily="18" charset="0"/>
+                          </a:rPr>
+                        </m:ctrlPr>
+                      </m:sSubPr>
+                      <m:e>
+                        <m:r>
+                          <a:rPr lang="de-DE" b="0" i="1" smtClean="0">
+                            <a:latin typeface="Cambria Math" panose="02040503050406030204" pitchFamily="18" charset="0"/>
+                            <a:ea typeface="Cambria Math" panose="02040503050406030204" pitchFamily="18" charset="0"/>
+                          </a:rPr>
+                          <m:t>𝐸𝑣𝑒𝑛𝑡𝑠</m:t>
+                        </m:r>
+                      </m:e>
+                      <m:sub>
+                        <m:r>
+                          <a:rPr lang="de-DE" b="0" i="1" smtClean="0">
+                            <a:latin typeface="Cambria Math" panose="02040503050406030204" pitchFamily="18" charset="0"/>
+                            <a:ea typeface="Cambria Math" panose="02040503050406030204" pitchFamily="18" charset="0"/>
+                          </a:rPr>
+                          <m:t>𝜌</m:t>
+                        </m:r>
+                      </m:sub>
+                    </m:sSub>
+                  </m:oMath>
+                </a14:m>
+                <a:r>
+                  <a:rPr lang="de-DE" dirty="0"/>
+                  <a:t> haben wir </a:t>
+                </a:r>
+                <a14:m>
+                  <m:oMath xmlns:m="http://schemas.openxmlformats.org/officeDocument/2006/math">
+                    <m:r>
+                      <a:rPr lang="de-DE" i="1">
+                        <a:latin typeface="Cambria Math" panose="02040503050406030204" pitchFamily="18" charset="0"/>
+                      </a:rPr>
+                      <m:t>𝑟𝑓</m:t>
+                    </m:r>
+                  </m:oMath>
+                </a14:m>
+                <a:r>
+                  <a:rPr lang="de-DE" dirty="0"/>
+                  <a:t>(</a:t>
+                </a:r>
+                <a14:m>
+                  <m:oMath xmlns:m="http://schemas.openxmlformats.org/officeDocument/2006/math">
+                    <m:r>
+                      <a:rPr lang="de-DE" b="0" i="1" smtClean="0">
+                        <a:latin typeface="Cambria Math" panose="02040503050406030204" pitchFamily="18" charset="0"/>
+                      </a:rPr>
+                      <m:t>𝑟</m:t>
+                    </m:r>
+                  </m:oMath>
+                </a14:m>
+                <a:r>
+                  <a:rPr lang="de-DE" dirty="0"/>
+                  <a:t>)</a:t>
+                </a:r>
+                <a14:m>
+                  <m:oMath xmlns:m="http://schemas.openxmlformats.org/officeDocument/2006/math">
+                    <m:r>
+                      <a:rPr lang="de-DE" i="1" dirty="0" smtClean="0">
+                        <a:latin typeface="Cambria Math" panose="02040503050406030204" pitchFamily="18" charset="0"/>
+                        <a:ea typeface="Cambria Math" panose="02040503050406030204" pitchFamily="18" charset="0"/>
+                      </a:rPr>
+                      <m:t>∈</m:t>
+                    </m:r>
+                    <m:sSub>
+                      <m:sSubPr>
+                        <m:ctrlPr>
+                          <a:rPr lang="de-DE" i="1" dirty="0" smtClean="0">
+                            <a:latin typeface="Cambria Math" panose="02040503050406030204" pitchFamily="18" charset="0"/>
+                            <a:ea typeface="Cambria Math" panose="02040503050406030204" pitchFamily="18" charset="0"/>
+                          </a:rPr>
+                        </m:ctrlPr>
+                      </m:sSubPr>
+                      <m:e>
+                        <m:r>
+                          <a:rPr lang="de-DE" b="0" i="1" dirty="0" smtClean="0">
+                            <a:latin typeface="Cambria Math" panose="02040503050406030204" pitchFamily="18" charset="0"/>
+                            <a:ea typeface="Cambria Math" panose="02040503050406030204" pitchFamily="18" charset="0"/>
+                          </a:rPr>
+                          <m:t>𝐸𝑣𝑒𝑛𝑡𝑠</m:t>
+                        </m:r>
+                      </m:e>
+                      <m:sub>
+                        <m:r>
+                          <a:rPr lang="de-DE" i="1" dirty="0" smtClean="0">
+                            <a:latin typeface="Cambria Math" panose="02040503050406030204" pitchFamily="18" charset="0"/>
+                            <a:ea typeface="Cambria Math" panose="02040503050406030204" pitchFamily="18" charset="0"/>
+                          </a:rPr>
+                          <m:t>𝜌</m:t>
+                        </m:r>
+                      </m:sub>
+                    </m:sSub>
+                  </m:oMath>
+                </a14:m>
+                <a:r>
+                  <a:rPr lang="de-DE" dirty="0"/>
+                  <a:t> und </a:t>
+                </a:r>
+                <a14:m>
+                  <m:oMath xmlns:m="http://schemas.openxmlformats.org/officeDocument/2006/math">
+                    <m:sSub>
+                      <m:sSubPr>
+                        <m:ctrlPr>
+                          <a:rPr lang="de-DE" i="1">
+                            <a:latin typeface="Cambria Math" panose="02040503050406030204" pitchFamily="18" charset="0"/>
+                          </a:rPr>
+                        </m:ctrlPr>
+                      </m:sSubPr>
+                      <m:e>
+                        <m:r>
+                          <a:rPr lang="de-DE" i="1">
+                            <a:latin typeface="Cambria Math" panose="02040503050406030204" pitchFamily="18" charset="0"/>
+                          </a:rPr>
+                          <m:t>𝑟𝑓</m:t>
+                        </m:r>
+                      </m:e>
+                      <m:sub>
+                        <m:r>
+                          <a:rPr lang="de-DE" i="1" smtClean="0">
+                            <a:latin typeface="Cambria Math" panose="02040503050406030204" pitchFamily="18" charset="0"/>
+                            <a:ea typeface="Cambria Math" panose="02040503050406030204" pitchFamily="18" charset="0"/>
+                          </a:rPr>
+                          <m:t>𝜌</m:t>
+                        </m:r>
+                      </m:sub>
+                    </m:sSub>
+                  </m:oMath>
+                </a14:m>
+                <a:r>
+                  <a:rPr lang="de-DE" dirty="0"/>
+                  <a:t>(</a:t>
+                </a:r>
+                <a14:m>
+                  <m:oMath xmlns:m="http://schemas.openxmlformats.org/officeDocument/2006/math">
+                    <m:r>
+                      <a:rPr lang="de-DE" i="1">
+                        <a:latin typeface="Cambria Math" panose="02040503050406030204" pitchFamily="18" charset="0"/>
+                      </a:rPr>
+                      <m:t>𝑟</m:t>
+                    </m:r>
+                  </m:oMath>
+                </a14:m>
+                <a:r>
+                  <a:rPr lang="de-DE" dirty="0"/>
+                  <a:t>) = </a:t>
+                </a:r>
+                <a14:m>
+                  <m:oMath xmlns:m="http://schemas.openxmlformats.org/officeDocument/2006/math">
+                    <m:sSub>
+                      <m:sSubPr>
+                        <m:ctrlPr>
+                          <a:rPr lang="de-DE" i="1">
+                            <a:latin typeface="Cambria Math" panose="02040503050406030204" pitchFamily="18" charset="0"/>
+                          </a:rPr>
+                        </m:ctrlPr>
+                      </m:sSubPr>
+                      <m:e>
+                        <m:r>
+                          <a:rPr lang="de-DE" i="1">
+                            <a:latin typeface="Cambria Math" panose="02040503050406030204" pitchFamily="18" charset="0"/>
+                          </a:rPr>
+                          <m:t>𝑟𝑓</m:t>
+                        </m:r>
+                      </m:e>
+                      <m:sub>
+                        <m:r>
+                          <a:rPr lang="de-DE" i="1">
+                            <a:latin typeface="Cambria Math" panose="02040503050406030204" pitchFamily="18" charset="0"/>
+                            <a:ea typeface="Cambria Math" panose="02040503050406030204" pitchFamily="18" charset="0"/>
+                          </a:rPr>
+                          <m:t>𝛿</m:t>
+                        </m:r>
+                      </m:sub>
+                    </m:sSub>
+                  </m:oMath>
+                </a14:m>
+                <a:r>
+                  <a:rPr lang="de-DE" dirty="0"/>
+                  <a:t>(</a:t>
+                </a:r>
+                <a14:m>
+                  <m:oMath xmlns:m="http://schemas.openxmlformats.org/officeDocument/2006/math">
+                    <m:r>
+                      <a:rPr lang="de-DE" i="1">
+                        <a:latin typeface="Cambria Math" panose="02040503050406030204" pitchFamily="18" charset="0"/>
+                      </a:rPr>
+                      <m:t>𝑟</m:t>
+                    </m:r>
+                  </m:oMath>
+                </a14:m>
+                <a:r>
+                  <a:rPr lang="de-DE" dirty="0"/>
+                  <a:t>)</a:t>
+                </a:r>
+              </a:p>
+            </p:txBody>
+          </p:sp>
+        </mc:Choice>
+        <mc:Fallback>
+          <p:sp>
+            <p:nvSpPr>
+              <p:cNvPr id="4" name="Inhaltsplatzhalter 3">
+                <a:extLst>
+                  <a:ext uri="{FF2B5EF4-FFF2-40B4-BE49-F238E27FC236}">
+                    <a16:creationId xmlns:a16="http://schemas.microsoft.com/office/drawing/2014/main" id="{18D0E2E1-5630-9485-A988-9B237FCAF9C8}"/>
+                  </a:ext>
+                </a:extLst>
+              </p:cNvPr>
+              <p:cNvSpPr>
+                <a:spLocks noGrp="1" noRot="1" noChangeAspect="1" noMove="1" noResize="1" noEditPoints="1" noAdjustHandles="1" noChangeArrowheads="1" noChangeShapeType="1" noTextEdit="1"/>
+              </p:cNvSpPr>
+              <p:nvPr>
+                <p:ph idx="1"/>
+              </p:nvPr>
+            </p:nvSpPr>
+            <p:spPr>
+              <a:xfrm>
+                <a:off x="838200" y="4605745"/>
+                <a:ext cx="10515600" cy="1777802"/>
+              </a:xfrm>
+              <a:blipFill>
+                <a:blip r:embed="rId2"/>
+                <a:stretch>
+                  <a:fillRect l="-696" t="-6873"/>
+                </a:stretch>
+              </a:blipFill>
+            </p:spPr>
+            <p:txBody>
+              <a:bodyPr/>
+              <a:lstStyle/>
+              <a:p>
+                <a:r>
+                  <a:rPr lang="de-DE">
+                    <a:noFill/>
+                  </a:rPr>
+                  <a:t> </a:t>
+                </a:r>
+              </a:p>
+            </p:txBody>
+          </p:sp>
+        </mc:Fallback>
+      </mc:AlternateContent>
+      <p:pic>
+        <p:nvPicPr>
+          <p:cNvPr id="11" name="Grafik 10">
+            <a:extLst>
+              <a:ext uri="{FF2B5EF4-FFF2-40B4-BE49-F238E27FC236}">
+                <a16:creationId xmlns:a16="http://schemas.microsoft.com/office/drawing/2014/main" id="{136DB34A-41DD-F03E-3CD7-43712704E01A}"/>
+              </a:ext>
+            </a:extLst>
+          </p:cNvPr>
+          <p:cNvPicPr>
+            <a:picLocks noChangeAspect="1"/>
+          </p:cNvPicPr>
+          <p:nvPr/>
+        </p:nvPicPr>
+        <p:blipFill>
+          <a:blip r:embed="rId3"/>
+          <a:stretch>
+            <a:fillRect/>
+          </a:stretch>
+        </p:blipFill>
+        <p:spPr>
+          <a:xfrm>
+            <a:off x="3319075" y="1781188"/>
+            <a:ext cx="5553850" cy="2734057"/>
+          </a:xfrm>
+          <a:prstGeom prst="rect">
+            <a:avLst/>
+          </a:prstGeom>
+          <a:ln>
+            <a:solidFill>
+              <a:schemeClr val="tx1"/>
+            </a:solidFill>
+          </a:ln>
+        </p:spPr>
+      </p:pic>
     </p:spTree>
     <p:extLst>
       <p:ext uri="{BB962C8B-B14F-4D97-AF65-F5344CB8AC3E}">
-        <p14:creationId xmlns:p14="http://schemas.microsoft.com/office/powerpoint/2010/main" val="3593982935"/>
+        <p14:creationId xmlns:p14="http://schemas.microsoft.com/office/powerpoint/2010/main" val="2638949281"/>
       </p:ext>
     </p:extLst>
   </p:cSld>
@@ -7273,7 +9779,7 @@
           <p:cNvPr id="2" name="Titel 1">
             <a:extLst>
               <a:ext uri="{FF2B5EF4-FFF2-40B4-BE49-F238E27FC236}">
-                <a16:creationId xmlns:a16="http://schemas.microsoft.com/office/drawing/2014/main" id="{6F021D67-DE8E-0C5A-EC28-97B3D81C1538}"/>
+                <a16:creationId xmlns:a16="http://schemas.microsoft.com/office/drawing/2014/main" id="{856B7E70-8C9E-5CD7-9DB0-A561B045F24B}"/>
               </a:ext>
             </a:extLst>
           </p:cNvPr>
@@ -7300,83 +9806,62 @@
           </a:p>
         </p:txBody>
       </p:sp>
-      <p:pic>
-        <p:nvPicPr>
-          <p:cNvPr id="5" name="Inhaltsplatzhalter 4">
-            <a:extLst>
-              <a:ext uri="{FF2B5EF4-FFF2-40B4-BE49-F238E27FC236}">
-                <a16:creationId xmlns:a16="http://schemas.microsoft.com/office/drawing/2014/main" id="{65F5CC9B-1532-8DBD-30EE-FC7D0A28C25A}"/>
-              </a:ext>
-            </a:extLst>
-          </p:cNvPr>
-          <p:cNvPicPr>
-            <a:picLocks noGrp="1" noChangeAspect="1"/>
-          </p:cNvPicPr>
+      <p:sp>
+        <p:nvSpPr>
+          <p:cNvPr id="3" name="Inhaltsplatzhalter 2">
+            <a:extLst>
+              <a:ext uri="{FF2B5EF4-FFF2-40B4-BE49-F238E27FC236}">
+                <a16:creationId xmlns:a16="http://schemas.microsoft.com/office/drawing/2014/main" id="{824307BB-C75C-FA5A-95BF-AC37C805C17E}"/>
+              </a:ext>
+            </a:extLst>
+          </p:cNvPr>
+          <p:cNvSpPr>
+            <a:spLocks noGrp="1"/>
+          </p:cNvSpPr>
           <p:nvPr>
             <p:ph idx="1"/>
           </p:nvPr>
-        </p:nvPicPr>
-        <p:blipFill>
-          <a:blip r:embed="rId2"/>
-          <a:stretch>
-            <a:fillRect/>
-          </a:stretch>
-        </p:blipFill>
-        <p:spPr>
-          <a:xfrm>
-            <a:off x="5874869" y="1690688"/>
-            <a:ext cx="4333080" cy="4351338"/>
-          </a:xfrm>
-          <a:ln>
-            <a:solidFill>
-              <a:schemeClr val="tx1"/>
-            </a:solidFill>
-          </a:ln>
-        </p:spPr>
-      </p:pic>
-      <p:sp>
-        <p:nvSpPr>
-          <p:cNvPr id="6" name="Textfeld 5">
-            <a:extLst>
-              <a:ext uri="{FF2B5EF4-FFF2-40B4-BE49-F238E27FC236}">
-                <a16:creationId xmlns:a16="http://schemas.microsoft.com/office/drawing/2014/main" id="{8C9290F0-58FC-CFBE-978E-FD67F680F8D2}"/>
-              </a:ext>
-            </a:extLst>
-          </p:cNvPr>
-          <p:cNvSpPr txBox="1"/>
-          <p:nvPr/>
-        </p:nvSpPr>
-        <p:spPr>
-          <a:xfrm>
-            <a:off x="1376218" y="1690688"/>
-            <a:ext cx="3352800" cy="1015663"/>
-          </a:xfrm>
-          <a:prstGeom prst="rect">
-            <a:avLst/>
-          </a:prstGeom>
-          <a:noFill/>
-        </p:spPr>
-        <p:txBody>
-          <a:bodyPr wrap="square" rtlCol="0">
-            <a:spAutoFit/>
-          </a:bodyPr>
+        </p:nvSpPr>
+        <p:spPr/>
+        <p:txBody>
+          <a:bodyPr/>
           <a:lstStyle/>
           <a:p>
             <a:r>
-              <a:rPr lang="de-DE" sz="2000" dirty="0"/>
-              <a:t>L1: T1 -&gt; T4</a:t>
-            </a:r>
-          </a:p>
-          <a:p>
-            <a:r>
-              <a:rPr lang="de-DE" sz="2000" dirty="0"/>
-              <a:t>L2: T2 -&gt; T3</a:t>
-            </a:r>
-          </a:p>
-          <a:p>
-            <a:r>
-              <a:rPr lang="de-DE" sz="2000" dirty="0"/>
-              <a:t>L3: T2 -&gt; T1 -&gt; T3</a:t>
+              <a:rPr lang="de-DE" dirty="0"/>
+              <a:t>Damit ein </a:t>
+            </a:r>
+            <a:r>
+              <a:rPr lang="de-DE" dirty="0" err="1"/>
+              <a:t>Correct</a:t>
+            </a:r>
+            <a:r>
+              <a:rPr lang="de-DE" dirty="0"/>
+              <a:t> </a:t>
+            </a:r>
+            <a:r>
+              <a:rPr lang="de-DE" dirty="0" err="1"/>
+              <a:t>Reordering</a:t>
+            </a:r>
+            <a:r>
+              <a:rPr lang="de-DE" dirty="0"/>
+              <a:t> </a:t>
+            </a:r>
+            <a:r>
+              <a:rPr lang="de-DE" dirty="0" err="1"/>
+              <a:t>Sync-preserving</a:t>
+            </a:r>
+            <a:r>
+              <a:rPr lang="de-DE" dirty="0"/>
+              <a:t> ist, müssen alle </a:t>
+            </a:r>
+            <a:r>
+              <a:rPr lang="de-DE" dirty="0" err="1"/>
+              <a:t>Acquire</a:t>
+            </a:r>
+            <a:r>
+              <a:rPr lang="de-DE" dirty="0"/>
+              <a:t>-Events auf denselben Lock in der gleichen Reihenfolge sein wie im Original-Trace.</a:t>
             </a:r>
           </a:p>
         </p:txBody>
@@ -7384,7 +9869,7 @@
     </p:spTree>
     <p:extLst>
       <p:ext uri="{BB962C8B-B14F-4D97-AF65-F5344CB8AC3E}">
-        <p14:creationId xmlns:p14="http://schemas.microsoft.com/office/powerpoint/2010/main" val="1329219962"/>
+        <p14:creationId xmlns:p14="http://schemas.microsoft.com/office/powerpoint/2010/main" val="3593982935"/>
       </p:ext>
     </p:extLst>
   </p:cSld>
@@ -7416,7 +9901,7 @@
           <p:cNvPr id="2" name="Titel 1">
             <a:extLst>
               <a:ext uri="{FF2B5EF4-FFF2-40B4-BE49-F238E27FC236}">
-                <a16:creationId xmlns:a16="http://schemas.microsoft.com/office/drawing/2014/main" id="{345BAC5E-4F92-E952-64A7-FA009263EC75}"/>
+                <a16:creationId xmlns:a16="http://schemas.microsoft.com/office/drawing/2014/main" id="{6F021D67-DE8E-0C5A-EC28-97B3D81C1538}"/>
               </a:ext>
             </a:extLst>
           </p:cNvPr>
@@ -7445,19 +9930,17 @@
       </p:sp>
       <p:pic>
         <p:nvPicPr>
-          <p:cNvPr id="4" name="Inhaltsplatzhalter 4">
-            <a:extLst>
-              <a:ext uri="{FF2B5EF4-FFF2-40B4-BE49-F238E27FC236}">
-                <a16:creationId xmlns:a16="http://schemas.microsoft.com/office/drawing/2014/main" id="{3A1957C1-E18D-C2D9-9CCB-6030D9AA1063}"/>
+          <p:cNvPr id="8" name="Grafik 7">
+            <a:extLst>
+              <a:ext uri="{FF2B5EF4-FFF2-40B4-BE49-F238E27FC236}">
+                <a16:creationId xmlns:a16="http://schemas.microsoft.com/office/drawing/2014/main" id="{3DC6F8D3-1DFA-2355-2281-14715E9ED07A}"/>
               </a:ext>
             </a:extLst>
           </p:cNvPr>
           <p:cNvPicPr>
-            <a:picLocks noGrp="1" noChangeAspect="1"/>
+            <a:picLocks noChangeAspect="1"/>
           </p:cNvPicPr>
-          <p:nvPr>
-            <p:ph idx="1"/>
-          </p:nvPr>
+          <p:nvPr/>
         </p:nvPicPr>
         <p:blipFill>
           <a:blip r:embed="rId2"/>
@@ -7467,9 +9950,12 @@
         </p:blipFill>
         <p:spPr>
           <a:xfrm>
-            <a:off x="2890390" y="1690688"/>
-            <a:ext cx="6411220" cy="2962688"/>
+            <a:off x="838200" y="1651230"/>
+            <a:ext cx="4199086" cy="4802187"/>
           </a:xfrm>
+          <a:prstGeom prst="rect">
+            <a:avLst/>
+          </a:prstGeom>
           <a:ln>
             <a:solidFill>
               <a:schemeClr val="tx1"/>
@@ -7479,10 +9965,10 @@
       </p:pic>
       <p:sp>
         <p:nvSpPr>
-          <p:cNvPr id="5" name="Textfeld 4">
-            <a:extLst>
-              <a:ext uri="{FF2B5EF4-FFF2-40B4-BE49-F238E27FC236}">
-                <a16:creationId xmlns:a16="http://schemas.microsoft.com/office/drawing/2014/main" id="{E8C02B00-191E-F5D1-B851-58E1217B3A56}"/>
+          <p:cNvPr id="9" name="Textfeld 8">
+            <a:extLst>
+              <a:ext uri="{FF2B5EF4-FFF2-40B4-BE49-F238E27FC236}">
+                <a16:creationId xmlns:a16="http://schemas.microsoft.com/office/drawing/2014/main" id="{81F46D07-4255-D600-4C12-7390C8CBFA84}"/>
               </a:ext>
             </a:extLst>
           </p:cNvPr>
@@ -7491,8 +9977,8 @@
         </p:nvSpPr>
         <p:spPr>
           <a:xfrm>
-            <a:off x="1716655" y="4804912"/>
-            <a:ext cx="5296619" cy="1477328"/>
+            <a:off x="5892831" y="5671005"/>
+            <a:ext cx="5763429" cy="369332"/>
           </a:xfrm>
           <a:prstGeom prst="rect">
             <a:avLst/>
@@ -7505,30 +9991,13 @@
           </a:bodyPr>
           <a:lstStyle/>
           <a:p>
-            <a:r>
-              <a:rPr lang="de-DE" dirty="0"/>
-              <a:t>L1: T1 -&gt; T4</a:t>
-            </a:r>
-          </a:p>
-          <a:p>
-            <a:r>
-              <a:rPr lang="de-DE" dirty="0"/>
-              <a:t>L2: T2</a:t>
-            </a:r>
-          </a:p>
-          <a:p>
-            <a:r>
-              <a:rPr lang="de-DE" dirty="0"/>
-              <a:t>L3: T1 -&gt; T3</a:t>
-            </a:r>
-          </a:p>
-          <a:p>
-            <a:endParaRPr lang="de-DE" dirty="0"/>
-          </a:p>
-          <a:p>
-            <a:r>
-              <a:rPr lang="de-DE" dirty="0"/>
-              <a:t>-&gt; Das </a:t>
+            <a:pPr marL="285750" indent="-285750">
+              <a:buFont typeface="Wingdings" panose="05000000000000000000" pitchFamily="2" charset="2"/>
+              <a:buChar char="è"/>
+            </a:pPr>
+            <a:r>
+              <a:rPr lang="de-DE" dirty="0"/>
+              <a:t>Das </a:t>
             </a:r>
             <a:r>
               <a:rPr lang="de-DE" dirty="0" err="1"/>
@@ -7548,7 +10017,7 @@
             </a:r>
             <a:r>
               <a:rPr lang="de-DE" dirty="0" err="1"/>
-              <a:t>Sync-preserving</a:t>
+              <a:t>sync-preserving</a:t>
             </a:r>
             <a:r>
               <a:rPr lang="de-DE" dirty="0"/>
@@ -7557,10 +10026,45 @@
           </a:p>
         </p:txBody>
       </p:sp>
+      <p:pic>
+        <p:nvPicPr>
+          <p:cNvPr id="10" name="Grafik 9">
+            <a:extLst>
+              <a:ext uri="{FF2B5EF4-FFF2-40B4-BE49-F238E27FC236}">
+                <a16:creationId xmlns:a16="http://schemas.microsoft.com/office/drawing/2014/main" id="{C6792C1B-79A6-0523-86B0-EC50CBD1E296}"/>
+              </a:ext>
+            </a:extLst>
+          </p:cNvPr>
+          <p:cNvPicPr>
+            <a:picLocks noChangeAspect="1"/>
+          </p:cNvPicPr>
+          <p:nvPr/>
+        </p:nvPicPr>
+        <p:blipFill>
+          <a:blip r:embed="rId3"/>
+          <a:stretch>
+            <a:fillRect/>
+          </a:stretch>
+        </p:blipFill>
+        <p:spPr>
+          <a:xfrm>
+            <a:off x="5892831" y="2061971"/>
+            <a:ext cx="5553850" cy="2734057"/>
+          </a:xfrm>
+          <a:prstGeom prst="rect">
+            <a:avLst/>
+          </a:prstGeom>
+          <a:ln>
+            <a:solidFill>
+              <a:schemeClr val="tx1"/>
+            </a:solidFill>
+          </a:ln>
+        </p:spPr>
+      </p:pic>
     </p:spTree>
     <p:extLst>
       <p:ext uri="{BB962C8B-B14F-4D97-AF65-F5344CB8AC3E}">
-        <p14:creationId xmlns:p14="http://schemas.microsoft.com/office/powerpoint/2010/main" val="1298722860"/>
+        <p14:creationId xmlns:p14="http://schemas.microsoft.com/office/powerpoint/2010/main" val="1329219962"/>
       </p:ext>
     </p:extLst>
   </p:cSld>
@@ -7621,19 +10125,17 @@
       </p:sp>
       <p:pic>
         <p:nvPicPr>
-          <p:cNvPr id="5" name="Inhaltsplatzhalter 4">
-            <a:extLst>
-              <a:ext uri="{FF2B5EF4-FFF2-40B4-BE49-F238E27FC236}">
-                <a16:creationId xmlns:a16="http://schemas.microsoft.com/office/drawing/2014/main" id="{CD197469-C3F8-293E-DE99-5E22FF2E717D}"/>
+          <p:cNvPr id="11" name="Grafik 10">
+            <a:extLst>
+              <a:ext uri="{FF2B5EF4-FFF2-40B4-BE49-F238E27FC236}">
+                <a16:creationId xmlns:a16="http://schemas.microsoft.com/office/drawing/2014/main" id="{302F35A3-421C-2383-49CA-561261B843C2}"/>
               </a:ext>
             </a:extLst>
           </p:cNvPr>
           <p:cNvPicPr>
-            <a:picLocks noGrp="1" noChangeAspect="1"/>
+            <a:picLocks noChangeAspect="1"/>
           </p:cNvPicPr>
-          <p:nvPr>
-            <p:ph idx="1"/>
-          </p:nvPr>
+          <p:nvPr/>
         </p:nvPicPr>
         <p:blipFill>
           <a:blip r:embed="rId2"/>
@@ -7643,9 +10145,12 @@
         </p:blipFill>
         <p:spPr>
           <a:xfrm>
-            <a:off x="2904679" y="2205581"/>
-            <a:ext cx="6382641" cy="3591426"/>
+            <a:off x="3133311" y="1690688"/>
+            <a:ext cx="5925377" cy="4029637"/>
           </a:xfrm>
+          <a:prstGeom prst="rect">
+            <a:avLst/>
+          </a:prstGeom>
           <a:ln>
             <a:solidFill>
               <a:schemeClr val="tx1"/>
@@ -7688,7 +10193,7 @@
           <p:cNvPr id="2" name="Titel 1">
             <a:extLst>
               <a:ext uri="{FF2B5EF4-FFF2-40B4-BE49-F238E27FC236}">
-                <a16:creationId xmlns:a16="http://schemas.microsoft.com/office/drawing/2014/main" id="{B275DAD6-427C-0A2D-8655-2BCF71460AE9}"/>
+                <a16:creationId xmlns:a16="http://schemas.microsoft.com/office/drawing/2014/main" id="{9B4A4C2C-38F9-1B33-E9BE-39F9EE3426A9}"/>
               </a:ext>
             </a:extLst>
           </p:cNvPr>
@@ -7715,163 +10220,30 @@
           </a:p>
         </p:txBody>
       </p:sp>
-      <p:pic>
-        <p:nvPicPr>
-          <p:cNvPr id="5" name="Inhaltsplatzhalter 4">
-            <a:extLst>
-              <a:ext uri="{FF2B5EF4-FFF2-40B4-BE49-F238E27FC236}">
-                <a16:creationId xmlns:a16="http://schemas.microsoft.com/office/drawing/2014/main" id="{020ACC04-A3B9-26CF-8A43-5C11126C43DA}"/>
-              </a:ext>
-            </a:extLst>
-          </p:cNvPr>
-          <p:cNvPicPr>
-            <a:picLocks noGrp="1" noChangeAspect="1"/>
-          </p:cNvPicPr>
+      <p:sp>
+        <p:nvSpPr>
+          <p:cNvPr id="3" name="Inhaltsplatzhalter 2">
+            <a:extLst>
+              <a:ext uri="{FF2B5EF4-FFF2-40B4-BE49-F238E27FC236}">
+                <a16:creationId xmlns:a16="http://schemas.microsoft.com/office/drawing/2014/main" id="{E3AB0353-1454-A922-58CB-223714BC5DD1}"/>
+              </a:ext>
+            </a:extLst>
+          </p:cNvPr>
+          <p:cNvSpPr>
+            <a:spLocks noGrp="1"/>
+          </p:cNvSpPr>
           <p:nvPr>
             <p:ph idx="1"/>
           </p:nvPr>
-        </p:nvPicPr>
-        <p:blipFill>
-          <a:blip r:embed="rId2"/>
-          <a:stretch>
-            <a:fillRect/>
-          </a:stretch>
-        </p:blipFill>
-        <p:spPr>
-          <a:xfrm>
-            <a:off x="838200" y="1690688"/>
-            <a:ext cx="4734378" cy="4351338"/>
-          </a:xfrm>
-          <a:ln>
-            <a:solidFill>
-              <a:schemeClr val="tx1"/>
-            </a:solidFill>
-          </a:ln>
-        </p:spPr>
-      </p:pic>
-      <p:sp>
-        <p:nvSpPr>
-          <p:cNvPr id="6" name="Textfeld 5">
-            <a:extLst>
-              <a:ext uri="{FF2B5EF4-FFF2-40B4-BE49-F238E27FC236}">
-                <a16:creationId xmlns:a16="http://schemas.microsoft.com/office/drawing/2014/main" id="{3EB89FC9-3806-2396-CDA7-57B265204673}"/>
-              </a:ext>
-            </a:extLst>
-          </p:cNvPr>
-          <p:cNvSpPr txBox="1"/>
-          <p:nvPr/>
-        </p:nvSpPr>
-        <p:spPr>
-          <a:xfrm>
-            <a:off x="6096000" y="1621766"/>
-            <a:ext cx="5756694" cy="3416320"/>
-          </a:xfrm>
-          <a:prstGeom prst="rect">
-            <a:avLst/>
-          </a:prstGeom>
-          <a:noFill/>
-        </p:spPr>
-        <p:txBody>
-          <a:bodyPr wrap="square" rtlCol="0">
-            <a:spAutoFit/>
-          </a:bodyPr>
+        </p:nvSpPr>
+        <p:spPr/>
+        <p:txBody>
+          <a:bodyPr/>
           <a:lstStyle/>
           <a:p>
             <a:r>
               <a:rPr lang="de-DE" dirty="0"/>
-              <a:t>Deadlock-Pattern: &lt;e4, e11&gt;</a:t>
-            </a:r>
-          </a:p>
-          <a:p>
-            <a:r>
-              <a:rPr lang="de-DE" dirty="0"/>
-              <a:t>S = {e3, e10}</a:t>
-            </a:r>
-          </a:p>
-          <a:p>
-            <a:r>
-              <a:rPr lang="de-DE" dirty="0"/>
-              <a:t>S‘ = </a:t>
-            </a:r>
-            <a:r>
-              <a:rPr lang="de-DE" dirty="0" err="1"/>
-              <a:t>SPClosure</a:t>
-            </a:r>
-            <a:r>
-              <a:rPr lang="de-DE" dirty="0"/>
-              <a:t>(S)</a:t>
-            </a:r>
-          </a:p>
-          <a:p>
-            <a:r>
-              <a:rPr lang="de-DE" dirty="0"/>
-              <a:t>S‘ = {e3, e10}</a:t>
-            </a:r>
-          </a:p>
-          <a:p>
-            <a:r>
-              <a:rPr lang="de-DE" dirty="0"/>
-              <a:t>S‘ = {e3, e2, e10, e9, e8} wegen Thread-Order</a:t>
-            </a:r>
-          </a:p>
-          <a:p>
-            <a:pPr marL="285750" indent="-285750">
-              <a:buFont typeface="Wingdings" panose="05000000000000000000" pitchFamily="2" charset="2"/>
-              <a:buChar char="è"/>
-            </a:pPr>
-            <a:r>
-              <a:rPr lang="de-DE" dirty="0"/>
-              <a:t>Zwei </a:t>
-            </a:r>
-            <a:r>
-              <a:rPr lang="de-DE" dirty="0" err="1"/>
-              <a:t>Acq</a:t>
-            </a:r>
-            <a:r>
-              <a:rPr lang="de-DE" dirty="0"/>
-              <a:t>-Events für Lock z e2 und e8</a:t>
-            </a:r>
-          </a:p>
-          <a:p>
-            <a:pPr marL="285750" indent="-285750">
-              <a:buFont typeface="Wingdings" panose="05000000000000000000" pitchFamily="2" charset="2"/>
-              <a:buChar char="è"/>
-            </a:pPr>
-            <a:r>
-              <a:rPr lang="de-DE" dirty="0"/>
-              <a:t>Nach Lock-Semantik muss e7 hinzugefügt werden</a:t>
-            </a:r>
-          </a:p>
-          <a:p>
-            <a:r>
-              <a:rPr lang="de-DE" dirty="0"/>
-              <a:t>S‘ = {e3, e2, e10, e9, e8, e7}</a:t>
-            </a:r>
-          </a:p>
-          <a:p>
-            <a:r>
-              <a:rPr lang="de-DE" dirty="0"/>
-              <a:t>S‘ = {e3, e2, e10, e9, e8, e7, e6, e5, e4} wegen Thread-Order</a:t>
-            </a:r>
-          </a:p>
-          <a:p>
-            <a:pPr marL="285750" indent="-285750">
-              <a:buFont typeface="Wingdings" panose="05000000000000000000" pitchFamily="2" charset="2"/>
-              <a:buChar char="è"/>
-            </a:pPr>
-            <a:r>
-              <a:rPr lang="de-DE" dirty="0"/>
-              <a:t>e4 aus dem Deadlock Pattern ist in S‘</a:t>
-            </a:r>
-          </a:p>
-          <a:p>
-            <a:pPr marL="285750" indent="-285750">
-              <a:buFont typeface="Wingdings" panose="05000000000000000000" pitchFamily="2" charset="2"/>
-              <a:buChar char="è"/>
-            </a:pPr>
-            <a:r>
-              <a:rPr lang="de-DE" dirty="0"/>
-              <a:t>Kein </a:t>
+              <a:t>Wie findet man nun ein </a:t>
             </a:r>
             <a:r>
               <a:rPr lang="de-DE" dirty="0" err="1"/>
@@ -7879,18 +10251,55 @@
             </a:r>
             <a:r>
               <a:rPr lang="de-DE" dirty="0"/>
-              <a:t> Deadlock</a:t>
-            </a:r>
-          </a:p>
-          <a:p>
-            <a:endParaRPr lang="de-DE" dirty="0"/>
+              <a:t> </a:t>
+            </a:r>
+            <a:r>
+              <a:rPr lang="de-DE" dirty="0" err="1"/>
+              <a:t>Correct</a:t>
+            </a:r>
+            <a:r>
+              <a:rPr lang="de-DE" dirty="0"/>
+              <a:t> </a:t>
+            </a:r>
+            <a:r>
+              <a:rPr lang="de-DE" dirty="0" err="1"/>
+              <a:t>Reordering</a:t>
+            </a:r>
+            <a:r>
+              <a:rPr lang="de-DE" dirty="0"/>
+              <a:t> für ein Deadlock Pattern?</a:t>
+            </a:r>
+          </a:p>
+          <a:p>
+            <a:r>
+              <a:rPr lang="de-DE" dirty="0"/>
+              <a:t>Problem: Events und deren Anordnung müssen gefunden werden</a:t>
+            </a:r>
+          </a:p>
+          <a:p>
+            <a:r>
+              <a:rPr lang="de-DE" dirty="0" err="1"/>
+              <a:t>Sync-preserving</a:t>
+            </a:r>
+            <a:r>
+              <a:rPr lang="de-DE" dirty="0"/>
+              <a:t> </a:t>
+            </a:r>
+            <a:r>
+              <a:rPr lang="de-DE" dirty="0" err="1"/>
+              <a:t>Closure</a:t>
+            </a:r>
+            <a:r>
+              <a:rPr lang="de-DE" dirty="0"/>
+              <a:t> reduziert dieses Problem auf die Überprüfung, ob eine wohldefinierte Menge an Events ein Event aus dem Deadlock-Pattern enthält</a:t>
+            </a:r>
           </a:p>
         </p:txBody>
       </p:sp>
     </p:spTree>
     <p:extLst>
       <p:ext uri="{BB962C8B-B14F-4D97-AF65-F5344CB8AC3E}">
-        <p14:creationId xmlns:p14="http://schemas.microsoft.com/office/powerpoint/2010/main" val="2246036457"/>
+        <p14:creationId xmlns:p14="http://schemas.microsoft.com/office/powerpoint/2010/main" val="2455857350"/>
       </p:ext>
     </p:extLst>
   </p:cSld>
@@ -7922,7 +10331,7 @@
           <p:cNvPr id="2" name="Titel 1">
             <a:extLst>
               <a:ext uri="{FF2B5EF4-FFF2-40B4-BE49-F238E27FC236}">
-                <a16:creationId xmlns:a16="http://schemas.microsoft.com/office/drawing/2014/main" id="{F7ACB22D-D8ED-D272-3BCB-5021A6A7A310}"/>
+                <a16:creationId xmlns:a16="http://schemas.microsoft.com/office/drawing/2014/main" id="{DF879227-E31C-58F7-993C-2B400052E74E}"/>
               </a:ext>
             </a:extLst>
           </p:cNvPr>
@@ -7939,70 +10348,906 @@
           <a:lstStyle/>
           <a:p>
             <a:r>
-              <a:rPr lang="de-DE" dirty="0"/>
-              <a:t>Fazit</a:t>
-            </a:r>
-          </a:p>
-        </p:txBody>
-      </p:sp>
-      <p:sp>
-        <p:nvSpPr>
-          <p:cNvPr id="3" name="Inhaltsplatzhalter 2">
-            <a:extLst>
-              <a:ext uri="{FF2B5EF4-FFF2-40B4-BE49-F238E27FC236}">
-                <a16:creationId xmlns:a16="http://schemas.microsoft.com/office/drawing/2014/main" id="{B36C5B25-7265-ED9B-3E59-A6A73DA6CA94}"/>
-              </a:ext>
-            </a:extLst>
-          </p:cNvPr>
-          <p:cNvSpPr>
-            <a:spLocks noGrp="1"/>
-          </p:cNvSpPr>
-          <p:nvPr>
-            <p:ph idx="1"/>
-          </p:nvPr>
-        </p:nvSpPr>
-        <p:spPr/>
-        <p:txBody>
-          <a:bodyPr/>
-          <a:lstStyle/>
-          <a:p>
-            <a:r>
-              <a:rPr lang="de-DE" dirty="0"/>
-              <a:t>Die Vorhersage von </a:t>
-            </a:r>
-            <a:r>
               <a:rPr lang="de-DE" dirty="0" err="1"/>
               <a:t>Sync-preserving</a:t>
             </a:r>
             <a:r>
               <a:rPr lang="de-DE" dirty="0"/>
-              <a:t> Deadlocks kann ohne </a:t>
-            </a:r>
-            <a:r>
-              <a:rPr lang="de-DE" dirty="0" err="1"/>
-              <a:t>False</a:t>
-            </a:r>
-            <a:r>
-              <a:rPr lang="de-DE" dirty="0"/>
-              <a:t>-Positives geschehen</a:t>
-            </a:r>
-          </a:p>
-          <a:p>
-            <a:r>
-              <a:rPr lang="de-DE" dirty="0" err="1"/>
-              <a:t>False</a:t>
-            </a:r>
-            <a:r>
-              <a:rPr lang="de-DE" dirty="0"/>
-              <a:t>-Negatives können dennoch auftreten</a:t>
-            </a:r>
-          </a:p>
-        </p:txBody>
-      </p:sp>
+              <a:t> Deadlocks</a:t>
+            </a:r>
+          </a:p>
+        </p:txBody>
+      </p:sp>
+      <mc:AlternateContent xmlns:mc="http://schemas.openxmlformats.org/markup-compatibility/2006">
+        <mc:Choice xmlns:a14="http://schemas.microsoft.com/office/drawing/2010/main" Requires="a14">
+          <p:sp>
+            <p:nvSpPr>
+              <p:cNvPr id="3" name="Inhaltsplatzhalter 2">
+                <a:extLst>
+                  <a:ext uri="{FF2B5EF4-FFF2-40B4-BE49-F238E27FC236}">
+                    <a16:creationId xmlns:a16="http://schemas.microsoft.com/office/drawing/2014/main" id="{35212C97-AF99-E60A-F9AB-DB3EA6CC96FD}"/>
+                  </a:ext>
+                </a:extLst>
+              </p:cNvPr>
+              <p:cNvSpPr>
+                <a:spLocks noGrp="1"/>
+              </p:cNvSpPr>
+              <p:nvPr>
+                <p:ph idx="1"/>
+              </p:nvPr>
+            </p:nvSpPr>
+            <p:spPr/>
+            <p:txBody>
+              <a:bodyPr/>
+              <a:lstStyle/>
+              <a:p>
+                <a:pPr marL="0" indent="0">
+                  <a:buNone/>
+                </a:pPr>
+                <a:r>
+                  <a:rPr lang="de-DE" dirty="0"/>
+                  <a:t>Definition </a:t>
+                </a:r>
+                <a:r>
+                  <a:rPr lang="de-DE" dirty="0" err="1"/>
+                  <a:t>Sync-preserving</a:t>
+                </a:r>
+                <a:r>
+                  <a:rPr lang="de-DE" dirty="0"/>
+                  <a:t> </a:t>
+                </a:r>
+                <a:r>
+                  <a:rPr lang="de-DE" dirty="0" err="1"/>
+                  <a:t>Closure</a:t>
+                </a:r>
+                <a:r>
+                  <a:rPr lang="de-DE" dirty="0"/>
+                  <a:t>:</a:t>
+                </a:r>
+              </a:p>
+              <a:p>
+                <a:pPr marL="0" indent="0">
+                  <a:buNone/>
+                </a:pPr>
+                <a:r>
+                  <a:rPr lang="de-DE" dirty="0"/>
+                  <a:t>Zu einem Trace </a:t>
+                </a:r>
+                <a14:m>
+                  <m:oMath xmlns:m="http://schemas.openxmlformats.org/officeDocument/2006/math">
+                    <m:r>
+                      <a:rPr lang="de-DE" i="1" smtClean="0">
+                        <a:latin typeface="Cambria Math" panose="02040503050406030204" pitchFamily="18" charset="0"/>
+                        <a:ea typeface="Cambria Math" panose="02040503050406030204" pitchFamily="18" charset="0"/>
+                      </a:rPr>
+                      <m:t>𝛿</m:t>
+                    </m:r>
+                  </m:oMath>
+                </a14:m>
+                <a:r>
+                  <a:rPr lang="de-DE" dirty="0"/>
+                  <a:t> und einem </a:t>
+                </a:r>
+                <a14:m>
+                  <m:oMath xmlns:m="http://schemas.openxmlformats.org/officeDocument/2006/math">
+                    <m:r>
+                      <a:rPr lang="de-DE" i="1">
+                        <a:latin typeface="Cambria Math" panose="02040503050406030204" pitchFamily="18" charset="0"/>
+                        <a:ea typeface="Cambria Math" panose="02040503050406030204" pitchFamily="18" charset="0"/>
+                      </a:rPr>
+                      <m:t>𝑆</m:t>
+                    </m:r>
+                  </m:oMath>
+                </a14:m>
+                <a:r>
+                  <a:rPr lang="de-DE" dirty="0"/>
+                  <a:t> </a:t>
+                </a:r>
+                <a14:m>
+                  <m:oMath xmlns:m="http://schemas.openxmlformats.org/officeDocument/2006/math">
+                    <m:r>
+                      <m:rPr>
+                        <m:nor/>
+                      </m:rPr>
+                      <a:rPr lang="de-DE"/>
+                      <m:t>⊆</m:t>
+                    </m:r>
+                  </m:oMath>
+                </a14:m>
+                <a:r>
+                  <a:rPr lang="de-DE" dirty="0"/>
+                  <a:t> </a:t>
+                </a:r>
+                <a14:m>
+                  <m:oMath xmlns:m="http://schemas.openxmlformats.org/officeDocument/2006/math">
+                    <m:sSub>
+                      <m:sSubPr>
+                        <m:ctrlPr>
+                          <a:rPr lang="de-DE" i="1" dirty="0" smtClean="0">
+                            <a:latin typeface="Cambria Math" panose="02040503050406030204" pitchFamily="18" charset="0"/>
+                          </a:rPr>
+                        </m:ctrlPr>
+                      </m:sSubPr>
+                      <m:e>
+                        <m:r>
+                          <a:rPr lang="de-DE" b="0" i="1" dirty="0" smtClean="0">
+                            <a:latin typeface="Cambria Math" panose="02040503050406030204" pitchFamily="18" charset="0"/>
+                          </a:rPr>
+                          <m:t>𝐸𝑣𝑒𝑛𝑡𝑠</m:t>
+                        </m:r>
+                      </m:e>
+                      <m:sub>
+                        <m:r>
+                          <a:rPr lang="de-DE" i="1" dirty="0" smtClean="0">
+                            <a:latin typeface="Cambria Math" panose="02040503050406030204" pitchFamily="18" charset="0"/>
+                            <a:ea typeface="Cambria Math" panose="02040503050406030204" pitchFamily="18" charset="0"/>
+                          </a:rPr>
+                          <m:t>𝛿</m:t>
+                        </m:r>
+                      </m:sub>
+                    </m:sSub>
+                  </m:oMath>
+                </a14:m>
+                <a:r>
+                  <a:rPr lang="de-DE" dirty="0"/>
+                  <a:t> ist die </a:t>
+                </a:r>
+                <a:r>
+                  <a:rPr lang="de-DE" dirty="0" err="1"/>
+                  <a:t>Sync-preserving</a:t>
+                </a:r>
+                <a:r>
+                  <a:rPr lang="de-DE" dirty="0"/>
+                  <a:t> </a:t>
+                </a:r>
+                <a:r>
+                  <a:rPr lang="de-DE" dirty="0" err="1"/>
+                  <a:t>Closure</a:t>
+                </a:r>
+                <a:r>
+                  <a:rPr lang="de-DE" dirty="0"/>
+                  <a:t> die kleinste Menge </a:t>
+                </a:r>
+                <a14:m>
+                  <m:oMath xmlns:m="http://schemas.openxmlformats.org/officeDocument/2006/math">
+                    <m:r>
+                      <a:rPr lang="de-DE" i="1">
+                        <a:latin typeface="Cambria Math" panose="02040503050406030204" pitchFamily="18" charset="0"/>
+                        <a:ea typeface="Cambria Math" panose="02040503050406030204" pitchFamily="18" charset="0"/>
+                      </a:rPr>
+                      <m:t>𝑆</m:t>
+                    </m:r>
+                    <m:r>
+                      <a:rPr lang="de-DE" i="1">
+                        <a:latin typeface="Cambria Math" panose="02040503050406030204" pitchFamily="18" charset="0"/>
+                        <a:ea typeface="Cambria Math" panose="02040503050406030204" pitchFamily="18" charset="0"/>
+                      </a:rPr>
+                      <m:t>′ </m:t>
+                    </m:r>
+                  </m:oMath>
+                </a14:m>
+                <a:r>
+                  <a:rPr lang="de-DE" dirty="0"/>
+                  <a:t>,sodass:</a:t>
+                </a:r>
+              </a:p>
+              <a:p>
+                <a:pPr marL="514350" indent="-514350">
+                  <a:buAutoNum type="alphaLcParenR"/>
+                </a:pPr>
+                <a14:m>
+                  <m:oMath xmlns:m="http://schemas.openxmlformats.org/officeDocument/2006/math">
+                    <m:r>
+                      <a:rPr lang="de-DE" i="1">
+                        <a:latin typeface="Cambria Math" panose="02040503050406030204" pitchFamily="18" charset="0"/>
+                        <a:ea typeface="Cambria Math" panose="02040503050406030204" pitchFamily="18" charset="0"/>
+                      </a:rPr>
+                      <m:t>𝑆</m:t>
+                    </m:r>
+                  </m:oMath>
+                </a14:m>
+                <a:r>
+                  <a:rPr lang="de-DE" dirty="0"/>
+                  <a:t> </a:t>
+                </a:r>
+                <a14:m>
+                  <m:oMath xmlns:m="http://schemas.openxmlformats.org/officeDocument/2006/math">
+                    <m:r>
+                      <m:rPr>
+                        <m:nor/>
+                      </m:rPr>
+                      <a:rPr lang="de-DE" smtClean="0"/>
+                      <m:t>⊆</m:t>
+                    </m:r>
+                  </m:oMath>
+                </a14:m>
+                <a:r>
+                  <a:rPr lang="de-DE" dirty="0"/>
+                  <a:t> </a:t>
+                </a:r>
+                <a14:m>
+                  <m:oMath xmlns:m="http://schemas.openxmlformats.org/officeDocument/2006/math">
+                    <m:r>
+                      <a:rPr lang="de-DE" i="1">
+                        <a:latin typeface="Cambria Math" panose="02040503050406030204" pitchFamily="18" charset="0"/>
+                        <a:ea typeface="Cambria Math" panose="02040503050406030204" pitchFamily="18" charset="0"/>
+                      </a:rPr>
+                      <m:t>𝑆</m:t>
+                    </m:r>
+                    <m:r>
+                      <a:rPr lang="de-DE" i="1">
+                        <a:latin typeface="Cambria Math" panose="02040503050406030204" pitchFamily="18" charset="0"/>
+                        <a:ea typeface="Cambria Math" panose="02040503050406030204" pitchFamily="18" charset="0"/>
+                      </a:rPr>
+                      <m:t>′ </m:t>
+                    </m:r>
+                  </m:oMath>
+                </a14:m>
+                <a:endParaRPr lang="de-DE" dirty="0"/>
+              </a:p>
+              <a:p>
+                <a:pPr marL="514350" indent="-514350">
+                  <a:buAutoNum type="alphaLcParenR"/>
+                </a:pPr>
+                <a:r>
+                  <a:rPr lang="de-DE" dirty="0"/>
+                  <a:t>Für jedes </a:t>
+                </a:r>
+                <a14:m>
+                  <m:oMath xmlns:m="http://schemas.openxmlformats.org/officeDocument/2006/math">
+                    <m:r>
+                      <a:rPr lang="de-DE" b="0" i="1" smtClean="0">
+                        <a:latin typeface="Cambria Math" panose="02040503050406030204" pitchFamily="18" charset="0"/>
+                      </a:rPr>
+                      <m:t>𝑒</m:t>
+                    </m:r>
+                    <m:r>
+                      <a:rPr lang="de-DE" b="0" i="1" smtClean="0">
+                        <a:latin typeface="Cambria Math" panose="02040503050406030204" pitchFamily="18" charset="0"/>
+                      </a:rPr>
+                      <m:t>, </m:t>
+                    </m:r>
+                    <m:sSup>
+                      <m:sSupPr>
+                        <m:ctrlPr>
+                          <a:rPr lang="de-DE" b="0" i="1" smtClean="0">
+                            <a:latin typeface="Cambria Math" panose="02040503050406030204" pitchFamily="18" charset="0"/>
+                          </a:rPr>
+                        </m:ctrlPr>
+                      </m:sSupPr>
+                      <m:e>
+                        <m:r>
+                          <a:rPr lang="de-DE" b="0" i="1" smtClean="0">
+                            <a:latin typeface="Cambria Math" panose="02040503050406030204" pitchFamily="18" charset="0"/>
+                          </a:rPr>
+                          <m:t>𝑒</m:t>
+                        </m:r>
+                      </m:e>
+                      <m:sup>
+                        <m:r>
+                          <a:rPr lang="de-DE" b="0" i="1" smtClean="0">
+                            <a:latin typeface="Cambria Math" panose="02040503050406030204" pitchFamily="18" charset="0"/>
+                          </a:rPr>
+                          <m:t>′</m:t>
+                        </m:r>
+                      </m:sup>
+                    </m:sSup>
+                    <m:r>
+                      <a:rPr lang="de-DE" b="0" i="1" smtClean="0">
+                        <a:latin typeface="Cambria Math" panose="02040503050406030204" pitchFamily="18" charset="0"/>
+                        <a:ea typeface="Cambria Math" panose="02040503050406030204" pitchFamily="18" charset="0"/>
+                      </a:rPr>
+                      <m:t>∈</m:t>
+                    </m:r>
+                    <m:sSub>
+                      <m:sSubPr>
+                        <m:ctrlPr>
+                          <a:rPr lang="de-DE" b="0" i="1" smtClean="0">
+                            <a:latin typeface="Cambria Math" panose="02040503050406030204" pitchFamily="18" charset="0"/>
+                            <a:ea typeface="Cambria Math" panose="02040503050406030204" pitchFamily="18" charset="0"/>
+                          </a:rPr>
+                        </m:ctrlPr>
+                      </m:sSubPr>
+                      <m:e>
+                        <m:r>
+                          <a:rPr lang="de-DE" b="0" i="1" smtClean="0">
+                            <a:latin typeface="Cambria Math" panose="02040503050406030204" pitchFamily="18" charset="0"/>
+                            <a:ea typeface="Cambria Math" panose="02040503050406030204" pitchFamily="18" charset="0"/>
+                          </a:rPr>
+                          <m:t>𝐸𝑣𝑒𝑛𝑡𝑠</m:t>
+                        </m:r>
+                      </m:e>
+                      <m:sub>
+                        <m:r>
+                          <a:rPr lang="de-DE" b="0" i="1" smtClean="0">
+                            <a:latin typeface="Cambria Math" panose="02040503050406030204" pitchFamily="18" charset="0"/>
+                            <a:ea typeface="Cambria Math" panose="02040503050406030204" pitchFamily="18" charset="0"/>
+                          </a:rPr>
+                          <m:t>𝛿</m:t>
+                        </m:r>
+                      </m:sub>
+                    </m:sSub>
+                  </m:oMath>
+                </a14:m>
+                <a:r>
+                  <a:rPr lang="de-DE" dirty="0"/>
+                  <a:t> gilt, dass </a:t>
+                </a:r>
+                <a14:m>
+                  <m:oMath xmlns:m="http://schemas.openxmlformats.org/officeDocument/2006/math">
+                    <m:r>
+                      <a:rPr lang="de-DE" i="1">
+                        <a:latin typeface="Cambria Math" panose="02040503050406030204" pitchFamily="18" charset="0"/>
+                      </a:rPr>
+                      <m:t>𝑒</m:t>
+                    </m:r>
+                    <m:sSubSup>
+                      <m:sSubSupPr>
+                        <m:ctrlPr>
+                          <a:rPr lang="de-DE" i="1">
+                            <a:latin typeface="Cambria Math" panose="02040503050406030204" pitchFamily="18" charset="0"/>
+                          </a:rPr>
+                        </m:ctrlPr>
+                      </m:sSubSupPr>
+                      <m:e>
+                        <m:r>
+                          <a:rPr lang="de-DE" i="1">
+                            <a:latin typeface="Cambria Math" panose="02040503050406030204" pitchFamily="18" charset="0"/>
+                            <a:ea typeface="Cambria Math" panose="02040503050406030204" pitchFamily="18" charset="0"/>
+                          </a:rPr>
+                          <m:t>≤</m:t>
+                        </m:r>
+                      </m:e>
+                      <m:sub>
+                        <m:r>
+                          <a:rPr lang="de-DE" i="1">
+                            <a:latin typeface="Cambria Math" panose="02040503050406030204" pitchFamily="18" charset="0"/>
+                          </a:rPr>
+                          <m:t>𝑇𝑂</m:t>
+                        </m:r>
+                      </m:sub>
+                      <m:sup>
+                        <m:r>
+                          <a:rPr lang="de-DE" i="1">
+                            <a:latin typeface="Cambria Math" panose="02040503050406030204" pitchFamily="18" charset="0"/>
+                            <a:ea typeface="Cambria Math" panose="02040503050406030204" pitchFamily="18" charset="0"/>
+                          </a:rPr>
+                          <m:t>𝛿</m:t>
+                        </m:r>
+                      </m:sup>
+                    </m:sSubSup>
+                    <m:r>
+                      <a:rPr lang="de-DE" b="0" i="1" smtClean="0">
+                        <a:latin typeface="Cambria Math" panose="02040503050406030204" pitchFamily="18" charset="0"/>
+                        <a:ea typeface="Cambria Math" panose="02040503050406030204" pitchFamily="18" charset="0"/>
+                      </a:rPr>
+                      <m:t>𝑒</m:t>
+                    </m:r>
+                    <m:r>
+                      <a:rPr lang="de-DE" b="0" i="1" smtClean="0">
+                        <a:latin typeface="Cambria Math" panose="02040503050406030204" pitchFamily="18" charset="0"/>
+                        <a:ea typeface="Cambria Math" panose="02040503050406030204" pitchFamily="18" charset="0"/>
+                      </a:rPr>
+                      <m:t>′</m:t>
+                    </m:r>
+                  </m:oMath>
+                </a14:m>
+                <a:r>
+                  <a:rPr lang="de-DE" dirty="0"/>
+                  <a:t> oder </a:t>
+                </a:r>
+                <a14:m>
+                  <m:oMath xmlns:m="http://schemas.openxmlformats.org/officeDocument/2006/math">
+                    <m:r>
+                      <a:rPr lang="de-DE" i="1">
+                        <a:latin typeface="Cambria Math" panose="02040503050406030204" pitchFamily="18" charset="0"/>
+                      </a:rPr>
+                      <m:t>𝑒</m:t>
+                    </m:r>
+                  </m:oMath>
+                </a14:m>
+                <a:r>
+                  <a:rPr lang="de-DE" dirty="0"/>
+                  <a:t> = </a:t>
+                </a:r>
+                <a14:m>
+                  <m:oMath xmlns:m="http://schemas.openxmlformats.org/officeDocument/2006/math">
+                    <m:sSub>
+                      <m:sSubPr>
+                        <m:ctrlPr>
+                          <a:rPr lang="de-DE" b="0" i="1" smtClean="0">
+                            <a:latin typeface="Cambria Math" panose="02040503050406030204" pitchFamily="18" charset="0"/>
+                          </a:rPr>
+                        </m:ctrlPr>
+                      </m:sSubPr>
+                      <m:e>
+                        <m:r>
+                          <a:rPr lang="de-DE" b="0" i="1" smtClean="0">
+                            <a:latin typeface="Cambria Math" panose="02040503050406030204" pitchFamily="18" charset="0"/>
+                          </a:rPr>
+                          <m:t>𝑟𝑓</m:t>
+                        </m:r>
+                      </m:e>
+                      <m:sub>
+                        <m:r>
+                          <a:rPr lang="de-DE" b="0" i="1" smtClean="0">
+                            <a:latin typeface="Cambria Math" panose="02040503050406030204" pitchFamily="18" charset="0"/>
+                            <a:ea typeface="Cambria Math" panose="02040503050406030204" pitchFamily="18" charset="0"/>
+                          </a:rPr>
+                          <m:t>𝛿</m:t>
+                        </m:r>
+                      </m:sub>
+                    </m:sSub>
+                  </m:oMath>
+                </a14:m>
+                <a:r>
+                  <a:rPr lang="de-DE" dirty="0"/>
+                  <a:t>(</a:t>
+                </a:r>
+                <a14:m>
+                  <m:oMath xmlns:m="http://schemas.openxmlformats.org/officeDocument/2006/math">
+                    <m:r>
+                      <a:rPr lang="de-DE" b="0" i="1" dirty="0" smtClean="0">
+                        <a:latin typeface="Cambria Math" panose="02040503050406030204" pitchFamily="18" charset="0"/>
+                      </a:rPr>
+                      <m:t>𝑒</m:t>
+                    </m:r>
+                    <m:r>
+                      <a:rPr lang="de-DE" b="0" i="1" dirty="0" smtClean="0">
+                        <a:latin typeface="Cambria Math" panose="02040503050406030204" pitchFamily="18" charset="0"/>
+                      </a:rPr>
+                      <m:t>′</m:t>
+                    </m:r>
+                  </m:oMath>
+                </a14:m>
+                <a:r>
+                  <a:rPr lang="de-DE" dirty="0"/>
+                  <a:t>), wenn </a:t>
+                </a:r>
+                <a14:m>
+                  <m:oMath xmlns:m="http://schemas.openxmlformats.org/officeDocument/2006/math">
+                    <m:sSup>
+                      <m:sSupPr>
+                        <m:ctrlPr>
+                          <a:rPr lang="de-DE" i="1">
+                            <a:latin typeface="Cambria Math" panose="02040503050406030204" pitchFamily="18" charset="0"/>
+                          </a:rPr>
+                        </m:ctrlPr>
+                      </m:sSupPr>
+                      <m:e>
+                        <m:r>
+                          <a:rPr lang="de-DE" i="1">
+                            <a:latin typeface="Cambria Math" panose="02040503050406030204" pitchFamily="18" charset="0"/>
+                          </a:rPr>
+                          <m:t>𝑒</m:t>
+                        </m:r>
+                      </m:e>
+                      <m:sup>
+                        <m:r>
+                          <a:rPr lang="de-DE" i="1">
+                            <a:latin typeface="Cambria Math" panose="02040503050406030204" pitchFamily="18" charset="0"/>
+                          </a:rPr>
+                          <m:t>′</m:t>
+                        </m:r>
+                      </m:sup>
+                    </m:sSup>
+                    <m:r>
+                      <a:rPr lang="de-DE" i="1" smtClean="0">
+                        <a:latin typeface="Cambria Math" panose="02040503050406030204" pitchFamily="18" charset="0"/>
+                        <a:ea typeface="Cambria Math" panose="02040503050406030204" pitchFamily="18" charset="0"/>
+                      </a:rPr>
+                      <m:t>∈</m:t>
+                    </m:r>
+                    <m:r>
+                      <a:rPr lang="de-DE" b="0" i="1" smtClean="0">
+                        <a:latin typeface="Cambria Math" panose="02040503050406030204" pitchFamily="18" charset="0"/>
+                        <a:ea typeface="Cambria Math" panose="02040503050406030204" pitchFamily="18" charset="0"/>
+                      </a:rPr>
+                      <m:t>𝑆</m:t>
+                    </m:r>
+                    <m:r>
+                      <a:rPr lang="de-DE" b="0" i="1" smtClean="0">
+                        <a:latin typeface="Cambria Math" panose="02040503050406030204" pitchFamily="18" charset="0"/>
+                        <a:ea typeface="Cambria Math" panose="02040503050406030204" pitchFamily="18" charset="0"/>
+                      </a:rPr>
+                      <m:t>′</m:t>
+                    </m:r>
+                  </m:oMath>
+                </a14:m>
+                <a:r>
+                  <a:rPr lang="de-DE" dirty="0"/>
+                  <a:t>, dann</a:t>
+                </a:r>
+                <a14:m>
+                  <m:oMath xmlns:m="http://schemas.openxmlformats.org/officeDocument/2006/math">
+                    <m:r>
+                      <a:rPr lang="de-DE" b="0" i="0" smtClean="0">
+                        <a:latin typeface="Cambria Math" panose="02040503050406030204" pitchFamily="18" charset="0"/>
+                      </a:rPr>
+                      <m:t> </m:t>
+                    </m:r>
+                    <m:r>
+                      <a:rPr lang="de-DE" i="1">
+                        <a:latin typeface="Cambria Math" panose="02040503050406030204" pitchFamily="18" charset="0"/>
+                      </a:rPr>
+                      <m:t>𝑒</m:t>
+                    </m:r>
+                    <m:r>
+                      <a:rPr lang="de-DE" i="1">
+                        <a:latin typeface="Cambria Math" panose="02040503050406030204" pitchFamily="18" charset="0"/>
+                        <a:ea typeface="Cambria Math" panose="02040503050406030204" pitchFamily="18" charset="0"/>
+                      </a:rPr>
+                      <m:t>∈</m:t>
+                    </m:r>
+                    <m:r>
+                      <a:rPr lang="de-DE" i="1">
+                        <a:latin typeface="Cambria Math" panose="02040503050406030204" pitchFamily="18" charset="0"/>
+                        <a:ea typeface="Cambria Math" panose="02040503050406030204" pitchFamily="18" charset="0"/>
+                      </a:rPr>
+                      <m:t>𝑆</m:t>
+                    </m:r>
+                    <m:r>
+                      <a:rPr lang="de-DE" b="0" i="1" smtClean="0">
+                        <a:latin typeface="Cambria Math" panose="02040503050406030204" pitchFamily="18" charset="0"/>
+                        <a:ea typeface="Cambria Math" panose="02040503050406030204" pitchFamily="18" charset="0"/>
+                      </a:rPr>
+                      <m:t>′</m:t>
+                    </m:r>
+                  </m:oMath>
+                </a14:m>
+                <a:endParaRPr lang="de-DE" dirty="0"/>
+              </a:p>
+              <a:p>
+                <a:pPr marL="514350" indent="-514350">
+                  <a:buAutoNum type="alphaLcParenR"/>
+                </a:pPr>
+                <a:r>
+                  <a:rPr lang="de-DE" dirty="0"/>
+                  <a:t>Für jeden Lock </a:t>
+                </a:r>
+                <a14:m>
+                  <m:oMath xmlns:m="http://schemas.openxmlformats.org/officeDocument/2006/math">
+                    <m:r>
+                      <a:rPr lang="de-DE" b="0" i="1" smtClean="0">
+                        <a:latin typeface="Cambria Math" panose="02040503050406030204" pitchFamily="18" charset="0"/>
+                      </a:rPr>
+                      <m:t>𝑙</m:t>
+                    </m:r>
+                  </m:oMath>
+                </a14:m>
+                <a:r>
+                  <a:rPr lang="de-DE" dirty="0"/>
+                  <a:t> jede zwei eigenständige Events </a:t>
+                </a:r>
+                <a14:m>
+                  <m:oMath xmlns:m="http://schemas.openxmlformats.org/officeDocument/2006/math">
+                    <m:r>
+                      <a:rPr lang="de-DE" i="1">
+                        <a:latin typeface="Cambria Math" panose="02040503050406030204" pitchFamily="18" charset="0"/>
+                      </a:rPr>
+                      <m:t>𝑒</m:t>
+                    </m:r>
+                    <m:r>
+                      <a:rPr lang="de-DE" i="1">
+                        <a:latin typeface="Cambria Math" panose="02040503050406030204" pitchFamily="18" charset="0"/>
+                      </a:rPr>
+                      <m:t>, </m:t>
+                    </m:r>
+                    <m:sSup>
+                      <m:sSupPr>
+                        <m:ctrlPr>
+                          <a:rPr lang="de-DE" i="1">
+                            <a:latin typeface="Cambria Math" panose="02040503050406030204" pitchFamily="18" charset="0"/>
+                          </a:rPr>
+                        </m:ctrlPr>
+                      </m:sSupPr>
+                      <m:e>
+                        <m:r>
+                          <a:rPr lang="de-DE" i="1">
+                            <a:latin typeface="Cambria Math" panose="02040503050406030204" pitchFamily="18" charset="0"/>
+                          </a:rPr>
+                          <m:t>𝑒</m:t>
+                        </m:r>
+                      </m:e>
+                      <m:sup>
+                        <m:r>
+                          <a:rPr lang="de-DE" i="1">
+                            <a:latin typeface="Cambria Math" panose="02040503050406030204" pitchFamily="18" charset="0"/>
+                          </a:rPr>
+                          <m:t>′</m:t>
+                        </m:r>
+                      </m:sup>
+                    </m:sSup>
+                    <m:r>
+                      <a:rPr lang="de-DE" i="1">
+                        <a:latin typeface="Cambria Math" panose="02040503050406030204" pitchFamily="18" charset="0"/>
+                        <a:ea typeface="Cambria Math" panose="02040503050406030204" pitchFamily="18" charset="0"/>
+                      </a:rPr>
+                      <m:t>∈</m:t>
+                    </m:r>
+                    <m:r>
+                      <a:rPr lang="de-DE" b="0" i="1" smtClean="0">
+                        <a:latin typeface="Cambria Math" panose="02040503050406030204" pitchFamily="18" charset="0"/>
+                        <a:ea typeface="Cambria Math" panose="02040503050406030204" pitchFamily="18" charset="0"/>
+                      </a:rPr>
+                      <m:t>𝑆</m:t>
+                    </m:r>
+                    <m:r>
+                      <a:rPr lang="de-DE" b="0" i="1" smtClean="0">
+                        <a:latin typeface="Cambria Math" panose="02040503050406030204" pitchFamily="18" charset="0"/>
+                        <a:ea typeface="Cambria Math" panose="02040503050406030204" pitchFamily="18" charset="0"/>
+                      </a:rPr>
+                      <m:t>′</m:t>
+                    </m:r>
+                  </m:oMath>
+                </a14:m>
+                <a:r>
+                  <a:rPr lang="de-DE" dirty="0"/>
+                  <a:t> mit </a:t>
+                </a:r>
+                <a:r>
+                  <a:rPr lang="de-DE" dirty="0" err="1"/>
+                  <a:t>op</a:t>
+                </a:r>
+                <a:r>
+                  <a:rPr lang="de-DE" dirty="0"/>
+                  <a:t>(</a:t>
+                </a:r>
+                <a14:m>
+                  <m:oMath xmlns:m="http://schemas.openxmlformats.org/officeDocument/2006/math">
+                    <m:r>
+                      <a:rPr lang="de-DE" i="1">
+                        <a:latin typeface="Cambria Math" panose="02040503050406030204" pitchFamily="18" charset="0"/>
+                      </a:rPr>
+                      <m:t>𝑒</m:t>
+                    </m:r>
+                  </m:oMath>
+                </a14:m>
+                <a:r>
+                  <a:rPr lang="de-DE" dirty="0"/>
+                  <a:t>) = </a:t>
+                </a:r>
+                <a:r>
+                  <a:rPr lang="de-DE" dirty="0" err="1"/>
+                  <a:t>op</a:t>
+                </a:r>
+                <a:r>
+                  <a:rPr lang="de-DE" dirty="0"/>
+                  <a:t>(</a:t>
+                </a:r>
+                <a14:m>
+                  <m:oMath xmlns:m="http://schemas.openxmlformats.org/officeDocument/2006/math">
+                    <m:sSup>
+                      <m:sSupPr>
+                        <m:ctrlPr>
+                          <a:rPr lang="de-DE" i="1">
+                            <a:latin typeface="Cambria Math" panose="02040503050406030204" pitchFamily="18" charset="0"/>
+                          </a:rPr>
+                        </m:ctrlPr>
+                      </m:sSupPr>
+                      <m:e>
+                        <m:r>
+                          <a:rPr lang="de-DE" i="1">
+                            <a:latin typeface="Cambria Math" panose="02040503050406030204" pitchFamily="18" charset="0"/>
+                          </a:rPr>
+                          <m:t>𝑒</m:t>
+                        </m:r>
+                      </m:e>
+                      <m:sup>
+                        <m:r>
+                          <a:rPr lang="de-DE" i="1">
+                            <a:latin typeface="Cambria Math" panose="02040503050406030204" pitchFamily="18" charset="0"/>
+                          </a:rPr>
+                          <m:t>′</m:t>
+                        </m:r>
+                      </m:sup>
+                    </m:sSup>
+                  </m:oMath>
+                </a14:m>
+                <a:r>
+                  <a:rPr lang="de-DE" dirty="0"/>
+                  <a:t>) = </a:t>
+                </a:r>
+                <a:r>
+                  <a:rPr lang="de-DE" dirty="0" err="1"/>
+                  <a:t>acq</a:t>
+                </a:r>
+                <a:r>
+                  <a:rPr lang="de-DE" dirty="0"/>
+                  <a:t>(</a:t>
+                </a:r>
+                <a14:m>
+                  <m:oMath xmlns:m="http://schemas.openxmlformats.org/officeDocument/2006/math">
+                    <m:r>
+                      <a:rPr lang="de-DE" i="1">
+                        <a:latin typeface="Cambria Math" panose="02040503050406030204" pitchFamily="18" charset="0"/>
+                      </a:rPr>
+                      <m:t>𝑙</m:t>
+                    </m:r>
+                  </m:oMath>
+                </a14:m>
+                <a:r>
+                  <a:rPr lang="de-DE" dirty="0"/>
+                  <a:t>), wenn </a:t>
+                </a:r>
+                <a14:m>
+                  <m:oMath xmlns:m="http://schemas.openxmlformats.org/officeDocument/2006/math">
+                    <m:r>
+                      <a:rPr lang="de-DE" i="1">
+                        <a:latin typeface="Cambria Math" panose="02040503050406030204" pitchFamily="18" charset="0"/>
+                      </a:rPr>
+                      <m:t>𝑒</m:t>
+                    </m:r>
+                    <m:sSubSup>
+                      <m:sSubSupPr>
+                        <m:ctrlPr>
+                          <a:rPr lang="de-DE" i="1">
+                            <a:latin typeface="Cambria Math" panose="02040503050406030204" pitchFamily="18" charset="0"/>
+                          </a:rPr>
+                        </m:ctrlPr>
+                      </m:sSubSupPr>
+                      <m:e>
+                        <m:r>
+                          <a:rPr lang="de-DE" i="1">
+                            <a:latin typeface="Cambria Math" panose="02040503050406030204" pitchFamily="18" charset="0"/>
+                            <a:ea typeface="Cambria Math" panose="02040503050406030204" pitchFamily="18" charset="0"/>
+                          </a:rPr>
+                          <m:t>≤</m:t>
+                        </m:r>
+                      </m:e>
+                      <m:sub>
+                        <m:r>
+                          <a:rPr lang="de-DE" b="0" i="1" smtClean="0">
+                            <a:latin typeface="Cambria Math" panose="02040503050406030204" pitchFamily="18" charset="0"/>
+                            <a:ea typeface="Cambria Math" panose="02040503050406030204" pitchFamily="18" charset="0"/>
+                          </a:rPr>
+                          <m:t>𝑡𝑟</m:t>
+                        </m:r>
+                      </m:sub>
+                      <m:sup>
+                        <m:r>
+                          <a:rPr lang="de-DE" i="1">
+                            <a:latin typeface="Cambria Math" panose="02040503050406030204" pitchFamily="18" charset="0"/>
+                            <a:ea typeface="Cambria Math" panose="02040503050406030204" pitchFamily="18" charset="0"/>
+                          </a:rPr>
+                          <m:t>𝛿</m:t>
+                        </m:r>
+                      </m:sup>
+                    </m:sSubSup>
+                    <m:r>
+                      <a:rPr lang="de-DE" i="1">
+                        <a:latin typeface="Cambria Math" panose="02040503050406030204" pitchFamily="18" charset="0"/>
+                        <a:ea typeface="Cambria Math" panose="02040503050406030204" pitchFamily="18" charset="0"/>
+                      </a:rPr>
+                      <m:t>𝑒</m:t>
+                    </m:r>
+                    <m:r>
+                      <a:rPr lang="de-DE" i="1">
+                        <a:latin typeface="Cambria Math" panose="02040503050406030204" pitchFamily="18" charset="0"/>
+                        <a:ea typeface="Cambria Math" panose="02040503050406030204" pitchFamily="18" charset="0"/>
+                      </a:rPr>
+                      <m:t>′</m:t>
+                    </m:r>
+                  </m:oMath>
+                </a14:m>
+                <a:r>
+                  <a:rPr lang="de-DE" dirty="0"/>
+                  <a:t> dann </a:t>
+                </a:r>
+                <a14:m>
+                  <m:oMath xmlns:m="http://schemas.openxmlformats.org/officeDocument/2006/math">
+                    <m:sSub>
+                      <m:sSubPr>
+                        <m:ctrlPr>
+                          <a:rPr lang="de-DE" b="0" i="1" smtClean="0">
+                            <a:latin typeface="Cambria Math" panose="02040503050406030204" pitchFamily="18" charset="0"/>
+                          </a:rPr>
+                        </m:ctrlPr>
+                      </m:sSubPr>
+                      <m:e>
+                        <m:r>
+                          <a:rPr lang="de-DE" b="0" i="1" smtClean="0">
+                            <a:latin typeface="Cambria Math" panose="02040503050406030204" pitchFamily="18" charset="0"/>
+                          </a:rPr>
+                          <m:t>𝑚𝑎𝑡𝑐h</m:t>
+                        </m:r>
+                      </m:e>
+                      <m:sub>
+                        <m:r>
+                          <a:rPr lang="de-DE" b="0" i="1" smtClean="0">
+                            <a:latin typeface="Cambria Math" panose="02040503050406030204" pitchFamily="18" charset="0"/>
+                            <a:ea typeface="Cambria Math" panose="02040503050406030204" pitchFamily="18" charset="0"/>
+                          </a:rPr>
+                          <m:t>𝛿</m:t>
+                        </m:r>
+                      </m:sub>
+                    </m:sSub>
+                    <m:r>
+                      <a:rPr lang="de-DE" b="0" i="1" smtClean="0">
+                        <a:latin typeface="Cambria Math" panose="02040503050406030204" pitchFamily="18" charset="0"/>
+                      </a:rPr>
+                      <m:t>(</m:t>
+                    </m:r>
+                    <m:r>
+                      <a:rPr lang="de-DE" b="0" i="1" smtClean="0">
+                        <a:latin typeface="Cambria Math" panose="02040503050406030204" pitchFamily="18" charset="0"/>
+                      </a:rPr>
+                      <m:t>𝑒</m:t>
+                    </m:r>
+                    <m:r>
+                      <a:rPr lang="de-DE" b="0" i="1" smtClean="0">
+                        <a:latin typeface="Cambria Math" panose="02040503050406030204" pitchFamily="18" charset="0"/>
+                      </a:rPr>
+                      <m:t>)∈</m:t>
+                    </m:r>
+                    <m:r>
+                      <a:rPr lang="de-DE" b="0" i="1" smtClean="0">
+                        <a:latin typeface="Cambria Math" panose="02040503050406030204" pitchFamily="18" charset="0"/>
+                        <a:ea typeface="Cambria Math" panose="02040503050406030204" pitchFamily="18" charset="0"/>
+                      </a:rPr>
+                      <m:t>𝑆</m:t>
+                    </m:r>
+                    <m:r>
+                      <a:rPr lang="de-DE" b="0" i="1" smtClean="0">
+                        <a:latin typeface="Cambria Math" panose="02040503050406030204" pitchFamily="18" charset="0"/>
+                        <a:ea typeface="Cambria Math" panose="02040503050406030204" pitchFamily="18" charset="0"/>
+                      </a:rPr>
+                      <m:t>′</m:t>
+                    </m:r>
+                  </m:oMath>
+                </a14:m>
+                <a:r>
+                  <a:rPr lang="de-DE" dirty="0"/>
+                  <a:t>s</a:t>
+                </a:r>
+              </a:p>
+            </p:txBody>
+          </p:sp>
+        </mc:Choice>
+        <mc:Fallback>
+          <p:sp>
+            <p:nvSpPr>
+              <p:cNvPr id="3" name="Inhaltsplatzhalter 2">
+                <a:extLst>
+                  <a:ext uri="{FF2B5EF4-FFF2-40B4-BE49-F238E27FC236}">
+                    <a16:creationId xmlns:a16="http://schemas.microsoft.com/office/drawing/2014/main" id="{35212C97-AF99-E60A-F9AB-DB3EA6CC96FD}"/>
+                  </a:ext>
+                </a:extLst>
+              </p:cNvPr>
+              <p:cNvSpPr>
+                <a:spLocks noGrp="1" noRot="1" noChangeAspect="1" noMove="1" noResize="1" noEditPoints="1" noAdjustHandles="1" noChangeArrowheads="1" noChangeShapeType="1" noTextEdit="1"/>
+              </p:cNvSpPr>
+              <p:nvPr>
+                <p:ph idx="1"/>
+              </p:nvPr>
+            </p:nvSpPr>
+            <p:spPr>
+              <a:blipFill>
+                <a:blip r:embed="rId2"/>
+                <a:stretch>
+                  <a:fillRect l="-1217" t="-2241" r="-812"/>
+                </a:stretch>
+              </a:blipFill>
+            </p:spPr>
+            <p:txBody>
+              <a:bodyPr/>
+              <a:lstStyle/>
+              <a:p>
+                <a:r>
+                  <a:rPr lang="de-DE">
+                    <a:noFill/>
+                  </a:rPr>
+                  <a:t> </a:t>
+                </a:r>
+              </a:p>
+            </p:txBody>
+          </p:sp>
+        </mc:Fallback>
+      </mc:AlternateContent>
     </p:spTree>
     <p:extLst>
       <p:ext uri="{BB962C8B-B14F-4D97-AF65-F5344CB8AC3E}">
-        <p14:creationId xmlns:p14="http://schemas.microsoft.com/office/powerpoint/2010/main" val="1277204122"/>
+        <p14:creationId xmlns:p14="http://schemas.microsoft.com/office/powerpoint/2010/main" val="1811517089"/>
       </p:ext>
     </p:extLst>
   </p:cSld>
@@ -8101,6 +11346,362 @@
     <p:extLst>
       <p:ext uri="{BB962C8B-B14F-4D97-AF65-F5344CB8AC3E}">
         <p14:creationId xmlns:p14="http://schemas.microsoft.com/office/powerpoint/2010/main" val="1800578047"/>
+      </p:ext>
+    </p:extLst>
+  </p:cSld>
+  <p:clrMapOvr>
+    <a:masterClrMapping/>
+  </p:clrMapOvr>
+</p:sld>
+</file>
+
+<file path=ppt/slides/slide30.xml><?xml version="1.0" encoding="utf-8"?>
+<p:sld xmlns:a="http://schemas.openxmlformats.org/drawingml/2006/main" xmlns:r="http://schemas.openxmlformats.org/officeDocument/2006/relationships" xmlns:p="http://schemas.openxmlformats.org/presentationml/2006/main">
+  <p:cSld>
+    <p:spTree>
+      <p:nvGrpSpPr>
+        <p:cNvPr id="1" name=""/>
+        <p:cNvGrpSpPr/>
+        <p:nvPr/>
+      </p:nvGrpSpPr>
+      <p:grpSpPr>
+        <a:xfrm>
+          <a:off x="0" y="0"/>
+          <a:ext cx="0" cy="0"/>
+          <a:chOff x="0" y="0"/>
+          <a:chExt cx="0" cy="0"/>
+        </a:xfrm>
+      </p:grpSpPr>
+      <p:sp>
+        <p:nvSpPr>
+          <p:cNvPr id="2" name="Titel 1">
+            <a:extLst>
+              <a:ext uri="{FF2B5EF4-FFF2-40B4-BE49-F238E27FC236}">
+                <a16:creationId xmlns:a16="http://schemas.microsoft.com/office/drawing/2014/main" id="{B275DAD6-427C-0A2D-8655-2BCF71460AE9}"/>
+              </a:ext>
+            </a:extLst>
+          </p:cNvPr>
+          <p:cNvSpPr>
+            <a:spLocks noGrp="1"/>
+          </p:cNvSpPr>
+          <p:nvPr>
+            <p:ph type="title"/>
+          </p:nvPr>
+        </p:nvSpPr>
+        <p:spPr/>
+        <p:txBody>
+          <a:bodyPr/>
+          <a:lstStyle/>
+          <a:p>
+            <a:r>
+              <a:rPr lang="de-DE" dirty="0" err="1"/>
+              <a:t>Sync-preserving</a:t>
+            </a:r>
+            <a:r>
+              <a:rPr lang="de-DE" dirty="0"/>
+              <a:t> Deadlocks</a:t>
+            </a:r>
+          </a:p>
+        </p:txBody>
+      </p:sp>
+      <p:pic>
+        <p:nvPicPr>
+          <p:cNvPr id="5" name="Inhaltsplatzhalter 4">
+            <a:extLst>
+              <a:ext uri="{FF2B5EF4-FFF2-40B4-BE49-F238E27FC236}">
+                <a16:creationId xmlns:a16="http://schemas.microsoft.com/office/drawing/2014/main" id="{020ACC04-A3B9-26CF-8A43-5C11126C43DA}"/>
+              </a:ext>
+            </a:extLst>
+          </p:cNvPr>
+          <p:cNvPicPr>
+            <a:picLocks noGrp="1" noChangeAspect="1"/>
+          </p:cNvPicPr>
+          <p:nvPr>
+            <p:ph idx="1"/>
+          </p:nvPr>
+        </p:nvPicPr>
+        <p:blipFill>
+          <a:blip r:embed="rId2"/>
+          <a:stretch>
+            <a:fillRect/>
+          </a:stretch>
+        </p:blipFill>
+        <p:spPr>
+          <a:xfrm>
+            <a:off x="838200" y="1690688"/>
+            <a:ext cx="4734378" cy="4351338"/>
+          </a:xfrm>
+          <a:ln>
+            <a:solidFill>
+              <a:schemeClr val="tx1"/>
+            </a:solidFill>
+          </a:ln>
+        </p:spPr>
+      </p:pic>
+      <p:sp>
+        <p:nvSpPr>
+          <p:cNvPr id="6" name="Textfeld 5">
+            <a:extLst>
+              <a:ext uri="{FF2B5EF4-FFF2-40B4-BE49-F238E27FC236}">
+                <a16:creationId xmlns:a16="http://schemas.microsoft.com/office/drawing/2014/main" id="{3EB89FC9-3806-2396-CDA7-57B265204673}"/>
+              </a:ext>
+            </a:extLst>
+          </p:cNvPr>
+          <p:cNvSpPr txBox="1"/>
+          <p:nvPr/>
+        </p:nvSpPr>
+        <p:spPr>
+          <a:xfrm>
+            <a:off x="6096000" y="1621766"/>
+            <a:ext cx="5756694" cy="3416320"/>
+          </a:xfrm>
+          <a:prstGeom prst="rect">
+            <a:avLst/>
+          </a:prstGeom>
+          <a:noFill/>
+        </p:spPr>
+        <p:txBody>
+          <a:bodyPr wrap="square" rtlCol="0">
+            <a:spAutoFit/>
+          </a:bodyPr>
+          <a:lstStyle/>
+          <a:p>
+            <a:r>
+              <a:rPr lang="de-DE" dirty="0"/>
+              <a:t>Deadlock-Pattern: &lt;e4, e11&gt;</a:t>
+            </a:r>
+          </a:p>
+          <a:p>
+            <a:r>
+              <a:rPr lang="de-DE" dirty="0"/>
+              <a:t>S = {e3, e10}</a:t>
+            </a:r>
+          </a:p>
+          <a:p>
+            <a:r>
+              <a:rPr lang="de-DE" dirty="0"/>
+              <a:t>S‘ = </a:t>
+            </a:r>
+            <a:r>
+              <a:rPr lang="de-DE" dirty="0" err="1"/>
+              <a:t>SPClosure</a:t>
+            </a:r>
+            <a:r>
+              <a:rPr lang="de-DE" dirty="0"/>
+              <a:t>(S)</a:t>
+            </a:r>
+          </a:p>
+          <a:p>
+            <a:r>
+              <a:rPr lang="de-DE" dirty="0"/>
+              <a:t>S‘ = {e3, e10}</a:t>
+            </a:r>
+          </a:p>
+          <a:p>
+            <a:r>
+              <a:rPr lang="de-DE" dirty="0"/>
+              <a:t>S‘ = {e3, e2, e10, e9, e8} wegen Thread-Order</a:t>
+            </a:r>
+          </a:p>
+          <a:p>
+            <a:pPr marL="285750" indent="-285750">
+              <a:buFont typeface="Wingdings" panose="05000000000000000000" pitchFamily="2" charset="2"/>
+              <a:buChar char="è"/>
+            </a:pPr>
+            <a:r>
+              <a:rPr lang="de-DE" dirty="0"/>
+              <a:t>Zwei </a:t>
+            </a:r>
+            <a:r>
+              <a:rPr lang="de-DE" dirty="0" err="1"/>
+              <a:t>Acq</a:t>
+            </a:r>
+            <a:r>
+              <a:rPr lang="de-DE" dirty="0"/>
+              <a:t>-Events für Lock z e2 und e8</a:t>
+            </a:r>
+          </a:p>
+          <a:p>
+            <a:pPr marL="285750" indent="-285750">
+              <a:buFont typeface="Wingdings" panose="05000000000000000000" pitchFamily="2" charset="2"/>
+              <a:buChar char="è"/>
+            </a:pPr>
+            <a:r>
+              <a:rPr lang="de-DE" dirty="0"/>
+              <a:t>Nach Lock-Semantik muss e7 hinzugefügt werden</a:t>
+            </a:r>
+          </a:p>
+          <a:p>
+            <a:r>
+              <a:rPr lang="de-DE" dirty="0"/>
+              <a:t>S‘ = {e3, e2, e10, e9, e8, e7}</a:t>
+            </a:r>
+          </a:p>
+          <a:p>
+            <a:r>
+              <a:rPr lang="de-DE" dirty="0"/>
+              <a:t>S‘ = {e3, e2, e10, e9, e8, e7, e6, e5, e4} wegen Thread-Order</a:t>
+            </a:r>
+          </a:p>
+          <a:p>
+            <a:pPr marL="285750" indent="-285750">
+              <a:buFont typeface="Wingdings" panose="05000000000000000000" pitchFamily="2" charset="2"/>
+              <a:buChar char="è"/>
+            </a:pPr>
+            <a:r>
+              <a:rPr lang="de-DE" dirty="0"/>
+              <a:t>e4 aus dem Deadlock Pattern ist in S‘</a:t>
+            </a:r>
+          </a:p>
+          <a:p>
+            <a:pPr marL="285750" indent="-285750">
+              <a:buFont typeface="Wingdings" panose="05000000000000000000" pitchFamily="2" charset="2"/>
+              <a:buChar char="è"/>
+            </a:pPr>
+            <a:r>
+              <a:rPr lang="de-DE" dirty="0"/>
+              <a:t>Kein </a:t>
+            </a:r>
+            <a:r>
+              <a:rPr lang="de-DE" dirty="0" err="1"/>
+              <a:t>Sync-preserving</a:t>
+            </a:r>
+            <a:r>
+              <a:rPr lang="de-DE" dirty="0"/>
+              <a:t> Deadlock</a:t>
+            </a:r>
+          </a:p>
+          <a:p>
+            <a:endParaRPr lang="de-DE" dirty="0"/>
+          </a:p>
+        </p:txBody>
+      </p:sp>
+    </p:spTree>
+    <p:extLst>
+      <p:ext uri="{BB962C8B-B14F-4D97-AF65-F5344CB8AC3E}">
+        <p14:creationId xmlns:p14="http://schemas.microsoft.com/office/powerpoint/2010/main" val="2246036457"/>
+      </p:ext>
+    </p:extLst>
+  </p:cSld>
+  <p:clrMapOvr>
+    <a:masterClrMapping/>
+  </p:clrMapOvr>
+</p:sld>
+</file>
+
+<file path=ppt/slides/slide31.xml><?xml version="1.0" encoding="utf-8"?>
+<p:sld xmlns:a="http://schemas.openxmlformats.org/drawingml/2006/main" xmlns:r="http://schemas.openxmlformats.org/officeDocument/2006/relationships" xmlns:p="http://schemas.openxmlformats.org/presentationml/2006/main">
+  <p:cSld>
+    <p:spTree>
+      <p:nvGrpSpPr>
+        <p:cNvPr id="1" name=""/>
+        <p:cNvGrpSpPr/>
+        <p:nvPr/>
+      </p:nvGrpSpPr>
+      <p:grpSpPr>
+        <a:xfrm>
+          <a:off x="0" y="0"/>
+          <a:ext cx="0" cy="0"/>
+          <a:chOff x="0" y="0"/>
+          <a:chExt cx="0" cy="0"/>
+        </a:xfrm>
+      </p:grpSpPr>
+      <p:sp>
+        <p:nvSpPr>
+          <p:cNvPr id="2" name="Titel 1">
+            <a:extLst>
+              <a:ext uri="{FF2B5EF4-FFF2-40B4-BE49-F238E27FC236}">
+                <a16:creationId xmlns:a16="http://schemas.microsoft.com/office/drawing/2014/main" id="{F7ACB22D-D8ED-D272-3BCB-5021A6A7A310}"/>
+              </a:ext>
+            </a:extLst>
+          </p:cNvPr>
+          <p:cNvSpPr>
+            <a:spLocks noGrp="1"/>
+          </p:cNvSpPr>
+          <p:nvPr>
+            <p:ph type="title"/>
+          </p:nvPr>
+        </p:nvSpPr>
+        <p:spPr/>
+        <p:txBody>
+          <a:bodyPr/>
+          <a:lstStyle/>
+          <a:p>
+            <a:r>
+              <a:rPr lang="de-DE" dirty="0"/>
+              <a:t>Fazit</a:t>
+            </a:r>
+          </a:p>
+        </p:txBody>
+      </p:sp>
+      <p:sp>
+        <p:nvSpPr>
+          <p:cNvPr id="3" name="Inhaltsplatzhalter 2">
+            <a:extLst>
+              <a:ext uri="{FF2B5EF4-FFF2-40B4-BE49-F238E27FC236}">
+                <a16:creationId xmlns:a16="http://schemas.microsoft.com/office/drawing/2014/main" id="{B36C5B25-7265-ED9B-3E59-A6A73DA6CA94}"/>
+              </a:ext>
+            </a:extLst>
+          </p:cNvPr>
+          <p:cNvSpPr>
+            <a:spLocks noGrp="1"/>
+          </p:cNvSpPr>
+          <p:nvPr>
+            <p:ph idx="1"/>
+          </p:nvPr>
+        </p:nvSpPr>
+        <p:spPr/>
+        <p:txBody>
+          <a:bodyPr/>
+          <a:lstStyle/>
+          <a:p>
+            <a:r>
+              <a:rPr lang="de-DE" dirty="0"/>
+              <a:t>Die Vorhersage von </a:t>
+            </a:r>
+            <a:r>
+              <a:rPr lang="de-DE" dirty="0" err="1"/>
+              <a:t>Sync-preserving</a:t>
+            </a:r>
+            <a:r>
+              <a:rPr lang="de-DE" dirty="0"/>
+              <a:t> Deadlocks kann ohne </a:t>
+            </a:r>
+            <a:r>
+              <a:rPr lang="de-DE" dirty="0" err="1"/>
+              <a:t>False</a:t>
+            </a:r>
+            <a:r>
+              <a:rPr lang="de-DE" dirty="0"/>
+              <a:t>-Positives geschehen</a:t>
+            </a:r>
+          </a:p>
+          <a:p>
+            <a:r>
+              <a:rPr lang="de-DE" dirty="0" err="1"/>
+              <a:t>Sync-preserving</a:t>
+            </a:r>
+            <a:r>
+              <a:rPr lang="de-DE" dirty="0"/>
+              <a:t> Deadlocks decken die meisten in der Praxis auftretenden Deadlocks ab</a:t>
+            </a:r>
+          </a:p>
+          <a:p>
+            <a:r>
+              <a:rPr lang="de-DE" dirty="0" err="1"/>
+              <a:t>False</a:t>
+            </a:r>
+            <a:r>
+              <a:rPr lang="de-DE" dirty="0"/>
+              <a:t>-Negatives können dennoch auftreten</a:t>
+            </a:r>
+          </a:p>
+        </p:txBody>
+      </p:sp>
+    </p:spTree>
+    <p:extLst>
+      <p:ext uri="{BB962C8B-B14F-4D97-AF65-F5344CB8AC3E}">
+        <p14:creationId xmlns:p14="http://schemas.microsoft.com/office/powerpoint/2010/main" val="1277204122"/>
       </p:ext>
     </p:extLst>
   </p:cSld>

--- a/Sound Dynamic Deadlock Prediction in Linear Time.pptx
+++ b/Sound Dynamic Deadlock Prediction in Linear Time.pptx
@@ -6643,8 +6643,8 @@
           </a:p>
         </p:txBody>
       </p:sp>
-      <mc:AlternateContent xmlns:mc="http://schemas.openxmlformats.org/markup-compatibility/2006">
-        <mc:Choice xmlns:a14="http://schemas.microsoft.com/office/drawing/2010/main" Requires="a14">
+      <mc:AlternateContent xmlns:mc="http://schemas.openxmlformats.org/markup-compatibility/2006" xmlns:a14="http://schemas.microsoft.com/office/drawing/2010/main">
+        <mc:Choice Requires="a14">
           <p:sp>
             <p:nvSpPr>
               <p:cNvPr id="3" name="Inhaltsplatzhalter 2">
@@ -7434,7 +7434,7 @@
             </p:txBody>
           </p:sp>
         </mc:Choice>
-        <mc:Fallback>
+        <mc:Fallback xmlns="">
           <p:sp>
             <p:nvSpPr>
               <p:cNvPr id="3" name="Inhaltsplatzhalter 2">
@@ -7536,8 +7536,8 @@
           </a:p>
         </p:txBody>
       </p:sp>
-      <mc:AlternateContent xmlns:mc="http://schemas.openxmlformats.org/markup-compatibility/2006">
-        <mc:Choice xmlns:a14="http://schemas.microsoft.com/office/drawing/2010/main" Requires="a14">
+      <mc:AlternateContent xmlns:mc="http://schemas.openxmlformats.org/markup-compatibility/2006" xmlns:a14="http://schemas.microsoft.com/office/drawing/2010/main">
+        <mc:Choice Requires="a14">
           <p:sp>
             <p:nvSpPr>
               <p:cNvPr id="3" name="Inhaltsplatzhalter 2">
@@ -7789,13 +7789,7 @@
                           <a:rPr lang="de-DE" i="1">
                             <a:latin typeface="Cambria Math" panose="02040503050406030204" pitchFamily="18" charset="0"/>
                           </a:rPr>
-                          <m:t>′</m:t>
-                        </m:r>
-                        <m:r>
-                          <a:rPr lang="de-DE" i="1">
-                            <a:latin typeface="Cambria Math" panose="02040503050406030204" pitchFamily="18" charset="0"/>
-                          </a:rPr>
-                          <m:t>′</m:t>
+                          <m:t>′′</m:t>
                         </m:r>
                       </m:sup>
                     </m:sSup>
@@ -7842,13 +7836,7 @@
                           <a:rPr lang="de-DE" i="1">
                             <a:latin typeface="Cambria Math" panose="02040503050406030204" pitchFamily="18" charset="0"/>
                           </a:rPr>
-                          <m:t>′</m:t>
-                        </m:r>
-                        <m:r>
-                          <a:rPr lang="de-DE" i="1">
-                            <a:latin typeface="Cambria Math" panose="02040503050406030204" pitchFamily="18" charset="0"/>
-                          </a:rPr>
-                          <m:t>′</m:t>
+                          <m:t>′′</m:t>
                         </m:r>
                       </m:sup>
                     </m:sSup>
@@ -7904,7 +7892,7 @@
             </p:txBody>
           </p:sp>
         </mc:Choice>
-        <mc:Fallback>
+        <mc:Fallback xmlns="">
           <p:sp>
             <p:nvSpPr>
               <p:cNvPr id="3" name="Inhaltsplatzhalter 2">
@@ -8006,8 +7994,8 @@
           </a:p>
         </p:txBody>
       </p:sp>
-      <mc:AlternateContent xmlns:mc="http://schemas.openxmlformats.org/markup-compatibility/2006">
-        <mc:Choice xmlns:a14="http://schemas.microsoft.com/office/drawing/2010/main" Requires="a14">
+      <mc:AlternateContent xmlns:mc="http://schemas.openxmlformats.org/markup-compatibility/2006" xmlns:a14="http://schemas.microsoft.com/office/drawing/2010/main">
+        <mc:Choice Requires="a14">
           <p:sp>
             <p:nvSpPr>
               <p:cNvPr id="3" name="Inhaltsplatzhalter 2">
@@ -8646,7 +8634,7 @@
             </p:txBody>
           </p:sp>
         </mc:Choice>
-        <mc:Fallback>
+        <mc:Fallback xmlns="">
           <p:sp>
             <p:nvSpPr>
               <p:cNvPr id="3" name="Inhaltsplatzhalter 2">
@@ -8748,8 +8736,8 @@
           </a:p>
         </p:txBody>
       </p:sp>
-      <mc:AlternateContent xmlns:mc="http://schemas.openxmlformats.org/markup-compatibility/2006">
-        <mc:Choice xmlns:a14="http://schemas.microsoft.com/office/drawing/2010/main" Requires="a14">
+      <mc:AlternateContent xmlns:mc="http://schemas.openxmlformats.org/markup-compatibility/2006" xmlns:a14="http://schemas.microsoft.com/office/drawing/2010/main">
+        <mc:Choice Requires="a14">
           <p:sp>
             <p:nvSpPr>
               <p:cNvPr id="6" name="Textfeld 5">
@@ -8863,7 +8851,7 @@
             </p:txBody>
           </p:sp>
         </mc:Choice>
-        <mc:Fallback>
+        <mc:Fallback xmlns="">
           <p:sp>
             <p:nvSpPr>
               <p:cNvPr id="6" name="Textfeld 5">
@@ -9044,8 +9032,8 @@
           </a:p>
         </p:txBody>
       </p:sp>
-      <mc:AlternateContent xmlns:mc="http://schemas.openxmlformats.org/markup-compatibility/2006">
-        <mc:Choice xmlns:a14="http://schemas.microsoft.com/office/drawing/2010/main" Requires="a14">
+      <mc:AlternateContent xmlns:mc="http://schemas.openxmlformats.org/markup-compatibility/2006" xmlns:a14="http://schemas.microsoft.com/office/drawing/2010/main">
+        <mc:Choice Requires="a14">
           <p:sp>
             <p:nvSpPr>
               <p:cNvPr id="4" name="Inhaltsplatzhalter 3">
@@ -9665,7 +9653,7 @@
             </p:txBody>
           </p:sp>
         </mc:Choice>
-        <mc:Fallback>
+        <mc:Fallback xmlns="">
           <p:sp>
             <p:nvSpPr>
               <p:cNvPr id="4" name="Inhaltsplatzhalter 3">
@@ -10358,8 +10346,8 @@
           </a:p>
         </p:txBody>
       </p:sp>
-      <mc:AlternateContent xmlns:mc="http://schemas.openxmlformats.org/markup-compatibility/2006">
-        <mc:Choice xmlns:a14="http://schemas.microsoft.com/office/drawing/2010/main" Requires="a14">
+      <mc:AlternateContent xmlns:mc="http://schemas.openxmlformats.org/markup-compatibility/2006" xmlns:a14="http://schemas.microsoft.com/office/drawing/2010/main">
+        <mc:Choice Requires="a14">
           <p:sp>
             <p:nvSpPr>
               <p:cNvPr id="3" name="Inhaltsplatzhalter 2">
@@ -11204,7 +11192,7 @@
             </p:txBody>
           </p:sp>
         </mc:Choice>
-        <mc:Fallback>
+        <mc:Fallback xmlns="">
           <p:sp>
             <p:nvSpPr>
               <p:cNvPr id="3" name="Inhaltsplatzhalter 2">
@@ -11438,144 +11426,1294 @@
           </a:ln>
         </p:spPr>
       </p:pic>
-      <p:sp>
-        <p:nvSpPr>
-          <p:cNvPr id="6" name="Textfeld 5">
-            <a:extLst>
-              <a:ext uri="{FF2B5EF4-FFF2-40B4-BE49-F238E27FC236}">
-                <a16:creationId xmlns:a16="http://schemas.microsoft.com/office/drawing/2014/main" id="{3EB89FC9-3806-2396-CDA7-57B265204673}"/>
-              </a:ext>
-            </a:extLst>
-          </p:cNvPr>
-          <p:cNvSpPr txBox="1"/>
-          <p:nvPr/>
-        </p:nvSpPr>
-        <p:spPr>
-          <a:xfrm>
-            <a:off x="6096000" y="1621766"/>
-            <a:ext cx="5756694" cy="3416320"/>
-          </a:xfrm>
-          <a:prstGeom prst="rect">
-            <a:avLst/>
-          </a:prstGeom>
-          <a:noFill/>
-        </p:spPr>
-        <p:txBody>
-          <a:bodyPr wrap="square" rtlCol="0">
-            <a:spAutoFit/>
-          </a:bodyPr>
-          <a:lstStyle/>
-          <a:p>
-            <a:r>
-              <a:rPr lang="de-DE" dirty="0"/>
-              <a:t>Deadlock-Pattern: &lt;e4, e11&gt;</a:t>
-            </a:r>
-          </a:p>
-          <a:p>
-            <a:r>
-              <a:rPr lang="de-DE" dirty="0"/>
-              <a:t>S = {e3, e10}</a:t>
-            </a:r>
-          </a:p>
-          <a:p>
-            <a:r>
-              <a:rPr lang="de-DE" dirty="0"/>
-              <a:t>S‘ = </a:t>
-            </a:r>
-            <a:r>
-              <a:rPr lang="de-DE" dirty="0" err="1"/>
-              <a:t>SPClosure</a:t>
-            </a:r>
-            <a:r>
-              <a:rPr lang="de-DE" dirty="0"/>
-              <a:t>(S)</a:t>
-            </a:r>
-          </a:p>
-          <a:p>
-            <a:r>
-              <a:rPr lang="de-DE" dirty="0"/>
-              <a:t>S‘ = {e3, e10}</a:t>
-            </a:r>
-          </a:p>
-          <a:p>
-            <a:r>
-              <a:rPr lang="de-DE" dirty="0"/>
-              <a:t>S‘ = {e3, e2, e10, e9, e8} wegen Thread-Order</a:t>
-            </a:r>
-          </a:p>
-          <a:p>
-            <a:pPr marL="285750" indent="-285750">
-              <a:buFont typeface="Wingdings" panose="05000000000000000000" pitchFamily="2" charset="2"/>
-              <a:buChar char="è"/>
-            </a:pPr>
-            <a:r>
-              <a:rPr lang="de-DE" dirty="0"/>
-              <a:t>Zwei </a:t>
-            </a:r>
-            <a:r>
-              <a:rPr lang="de-DE" dirty="0" err="1"/>
-              <a:t>Acq</a:t>
-            </a:r>
-            <a:r>
-              <a:rPr lang="de-DE" dirty="0"/>
-              <a:t>-Events für Lock z e2 und e8</a:t>
-            </a:r>
-          </a:p>
-          <a:p>
-            <a:pPr marL="285750" indent="-285750">
-              <a:buFont typeface="Wingdings" panose="05000000000000000000" pitchFamily="2" charset="2"/>
-              <a:buChar char="è"/>
-            </a:pPr>
-            <a:r>
-              <a:rPr lang="de-DE" dirty="0"/>
-              <a:t>Nach Lock-Semantik muss e7 hinzugefügt werden</a:t>
-            </a:r>
-          </a:p>
-          <a:p>
-            <a:r>
-              <a:rPr lang="de-DE" dirty="0"/>
-              <a:t>S‘ = {e3, e2, e10, e9, e8, e7}</a:t>
-            </a:r>
-          </a:p>
-          <a:p>
-            <a:r>
-              <a:rPr lang="de-DE" dirty="0"/>
-              <a:t>S‘ = {e3, e2, e10, e9, e8, e7, e6, e5, e4} wegen Thread-Order</a:t>
-            </a:r>
-          </a:p>
-          <a:p>
-            <a:pPr marL="285750" indent="-285750">
-              <a:buFont typeface="Wingdings" panose="05000000000000000000" pitchFamily="2" charset="2"/>
-              <a:buChar char="è"/>
-            </a:pPr>
-            <a:r>
-              <a:rPr lang="de-DE" dirty="0"/>
-              <a:t>e4 aus dem Deadlock Pattern ist in S‘</a:t>
-            </a:r>
-          </a:p>
-          <a:p>
-            <a:pPr marL="285750" indent="-285750">
-              <a:buFont typeface="Wingdings" panose="05000000000000000000" pitchFamily="2" charset="2"/>
-              <a:buChar char="è"/>
-            </a:pPr>
-            <a:r>
-              <a:rPr lang="de-DE" dirty="0"/>
-              <a:t>Kein </a:t>
-            </a:r>
-            <a:r>
-              <a:rPr lang="de-DE" dirty="0" err="1"/>
-              <a:t>Sync-preserving</a:t>
-            </a:r>
-            <a:r>
-              <a:rPr lang="de-DE" dirty="0"/>
-              <a:t> Deadlock</a:t>
-            </a:r>
-          </a:p>
-          <a:p>
-            <a:endParaRPr lang="de-DE" dirty="0"/>
-          </a:p>
-        </p:txBody>
-      </p:sp>
+      <mc:AlternateContent xmlns:mc="http://schemas.openxmlformats.org/markup-compatibility/2006">
+        <mc:Choice xmlns:a14="http://schemas.microsoft.com/office/drawing/2010/main" Requires="a14">
+          <p:sp>
+            <p:nvSpPr>
+              <p:cNvPr id="6" name="Textfeld 5">
+                <a:extLst>
+                  <a:ext uri="{FF2B5EF4-FFF2-40B4-BE49-F238E27FC236}">
+                    <a16:creationId xmlns:a16="http://schemas.microsoft.com/office/drawing/2014/main" id="{3EB89FC9-3806-2396-CDA7-57B265204673}"/>
+                  </a:ext>
+                </a:extLst>
+              </p:cNvPr>
+              <p:cNvSpPr txBox="1"/>
+              <p:nvPr/>
+            </p:nvSpPr>
+            <p:spPr>
+              <a:xfrm>
+                <a:off x="6096000" y="1621766"/>
+                <a:ext cx="5756694" cy="3416320"/>
+              </a:xfrm>
+              <a:prstGeom prst="rect">
+                <a:avLst/>
+              </a:prstGeom>
+              <a:noFill/>
+            </p:spPr>
+            <p:txBody>
+              <a:bodyPr wrap="square" rtlCol="0">
+                <a:spAutoFit/>
+              </a:bodyPr>
+              <a:lstStyle/>
+              <a:p>
+                <a:r>
+                  <a:rPr lang="de-DE" dirty="0"/>
+                  <a:t>Deadlock-Pattern: </a:t>
+                </a:r>
+                <a14:m>
+                  <m:oMath xmlns:m="http://schemas.openxmlformats.org/officeDocument/2006/math">
+                    <m:r>
+                      <a:rPr lang="de-DE" i="1" dirty="0" smtClean="0">
+                        <a:latin typeface="Cambria Math" panose="02040503050406030204" pitchFamily="18" charset="0"/>
+                      </a:rPr>
+                      <m:t>&lt;</m:t>
+                    </m:r>
+                    <m:sSub>
+                      <m:sSubPr>
+                        <m:ctrlPr>
+                          <a:rPr lang="de-DE" i="1" dirty="0" smtClean="0">
+                            <a:latin typeface="Cambria Math" panose="02040503050406030204" pitchFamily="18" charset="0"/>
+                          </a:rPr>
+                        </m:ctrlPr>
+                      </m:sSubPr>
+                      <m:e>
+                        <m:r>
+                          <a:rPr lang="de-DE" b="0" i="1" dirty="0" smtClean="0">
+                            <a:latin typeface="Cambria Math" panose="02040503050406030204" pitchFamily="18" charset="0"/>
+                          </a:rPr>
+                          <m:t>𝑒</m:t>
+                        </m:r>
+                      </m:e>
+                      <m:sub>
+                        <m:r>
+                          <a:rPr lang="de-DE" b="0" i="1" dirty="0" smtClean="0">
+                            <a:latin typeface="Cambria Math" panose="02040503050406030204" pitchFamily="18" charset="0"/>
+                          </a:rPr>
+                          <m:t>4</m:t>
+                        </m:r>
+                      </m:sub>
+                    </m:sSub>
+                    <m:r>
+                      <a:rPr lang="de-DE" i="1" dirty="0" smtClean="0">
+                        <a:latin typeface="Cambria Math" panose="02040503050406030204" pitchFamily="18" charset="0"/>
+                      </a:rPr>
+                      <m:t>,</m:t>
+                    </m:r>
+                    <m:sSub>
+                      <m:sSubPr>
+                        <m:ctrlPr>
+                          <a:rPr lang="de-DE" i="1" dirty="0">
+                            <a:latin typeface="Cambria Math" panose="02040503050406030204" pitchFamily="18" charset="0"/>
+                          </a:rPr>
+                        </m:ctrlPr>
+                      </m:sSubPr>
+                      <m:e>
+                        <m:r>
+                          <a:rPr lang="de-DE" i="1" dirty="0">
+                            <a:latin typeface="Cambria Math" panose="02040503050406030204" pitchFamily="18" charset="0"/>
+                          </a:rPr>
+                          <m:t>𝑒</m:t>
+                        </m:r>
+                      </m:e>
+                      <m:sub>
+                        <m:r>
+                          <a:rPr lang="de-DE" b="0" i="1" dirty="0" smtClean="0">
+                            <a:latin typeface="Cambria Math" panose="02040503050406030204" pitchFamily="18" charset="0"/>
+                          </a:rPr>
+                          <m:t>11</m:t>
+                        </m:r>
+                      </m:sub>
+                    </m:sSub>
+                    <m:r>
+                      <a:rPr lang="de-DE" i="1" dirty="0" smtClean="0">
+                        <a:latin typeface="Cambria Math" panose="02040503050406030204" pitchFamily="18" charset="0"/>
+                      </a:rPr>
+                      <m:t>&gt;</m:t>
+                    </m:r>
+                  </m:oMath>
+                </a14:m>
+                <a:endParaRPr lang="de-DE" dirty="0"/>
+              </a:p>
+              <a:p>
+                <a14:m>
+                  <m:oMath xmlns:m="http://schemas.openxmlformats.org/officeDocument/2006/math">
+                    <m:r>
+                      <a:rPr lang="de-DE" i="1">
+                        <a:latin typeface="Cambria Math" panose="02040503050406030204" pitchFamily="18" charset="0"/>
+                        <a:ea typeface="Cambria Math" panose="02040503050406030204" pitchFamily="18" charset="0"/>
+                      </a:rPr>
+                      <m:t>𝑆</m:t>
+                    </m:r>
+                  </m:oMath>
+                </a14:m>
+                <a:r>
+                  <a:rPr lang="de-DE" dirty="0"/>
+                  <a:t> = {</a:t>
+                </a:r>
+                <a14:m>
+                  <m:oMath xmlns:m="http://schemas.openxmlformats.org/officeDocument/2006/math">
+                    <m:sSub>
+                      <m:sSubPr>
+                        <m:ctrlPr>
+                          <a:rPr lang="de-DE" i="1" dirty="0" smtClean="0">
+                            <a:latin typeface="Cambria Math" panose="02040503050406030204" pitchFamily="18" charset="0"/>
+                          </a:rPr>
+                        </m:ctrlPr>
+                      </m:sSubPr>
+                      <m:e>
+                        <m:r>
+                          <a:rPr lang="de-DE" b="0" i="1" dirty="0" smtClean="0">
+                            <a:latin typeface="Cambria Math" panose="02040503050406030204" pitchFamily="18" charset="0"/>
+                          </a:rPr>
+                          <m:t>𝑒</m:t>
+                        </m:r>
+                      </m:e>
+                      <m:sub>
+                        <m:r>
+                          <a:rPr lang="de-DE" b="0" i="1" dirty="0" smtClean="0">
+                            <a:latin typeface="Cambria Math" panose="02040503050406030204" pitchFamily="18" charset="0"/>
+                          </a:rPr>
+                          <m:t>3</m:t>
+                        </m:r>
+                      </m:sub>
+                    </m:sSub>
+                  </m:oMath>
+                </a14:m>
+                <a:r>
+                  <a:rPr lang="de-DE" dirty="0"/>
+                  <a:t>, </a:t>
+                </a:r>
+                <a14:m>
+                  <m:oMath xmlns:m="http://schemas.openxmlformats.org/officeDocument/2006/math">
+                    <m:sSub>
+                      <m:sSubPr>
+                        <m:ctrlPr>
+                          <a:rPr lang="de-DE" i="1" dirty="0">
+                            <a:latin typeface="Cambria Math" panose="02040503050406030204" pitchFamily="18" charset="0"/>
+                          </a:rPr>
+                        </m:ctrlPr>
+                      </m:sSubPr>
+                      <m:e>
+                        <m:r>
+                          <a:rPr lang="de-DE" i="1" dirty="0">
+                            <a:latin typeface="Cambria Math" panose="02040503050406030204" pitchFamily="18" charset="0"/>
+                          </a:rPr>
+                          <m:t>𝑒</m:t>
+                        </m:r>
+                      </m:e>
+                      <m:sub>
+                        <m:r>
+                          <a:rPr lang="de-DE" b="0" i="1" dirty="0" smtClean="0">
+                            <a:latin typeface="Cambria Math" panose="02040503050406030204" pitchFamily="18" charset="0"/>
+                          </a:rPr>
+                          <m:t>10</m:t>
+                        </m:r>
+                      </m:sub>
+                    </m:sSub>
+                  </m:oMath>
+                </a14:m>
+                <a:r>
+                  <a:rPr lang="de-DE" dirty="0"/>
+                  <a:t>}</a:t>
+                </a:r>
+              </a:p>
+              <a:p>
+                <a14:m>
+                  <m:oMath xmlns:m="http://schemas.openxmlformats.org/officeDocument/2006/math">
+                    <m:r>
+                      <a:rPr lang="de-DE" i="1">
+                        <a:latin typeface="Cambria Math" panose="02040503050406030204" pitchFamily="18" charset="0"/>
+                        <a:ea typeface="Cambria Math" panose="02040503050406030204" pitchFamily="18" charset="0"/>
+                      </a:rPr>
+                      <m:t>𝑆</m:t>
+                    </m:r>
+                    <m:r>
+                      <a:rPr lang="de-DE" i="1">
+                        <a:latin typeface="Cambria Math" panose="02040503050406030204" pitchFamily="18" charset="0"/>
+                        <a:ea typeface="Cambria Math" panose="02040503050406030204" pitchFamily="18" charset="0"/>
+                      </a:rPr>
+                      <m:t>′ </m:t>
+                    </m:r>
+                  </m:oMath>
+                </a14:m>
+                <a:r>
+                  <a:rPr lang="de-DE" dirty="0"/>
+                  <a:t>= </a:t>
+                </a:r>
+                <a:r>
+                  <a:rPr lang="de-DE" dirty="0" err="1"/>
+                  <a:t>SPClosure</a:t>
+                </a:r>
+                <a:r>
+                  <a:rPr lang="de-DE" dirty="0"/>
+                  <a:t>(</a:t>
+                </a:r>
+                <a14:m>
+                  <m:oMath xmlns:m="http://schemas.openxmlformats.org/officeDocument/2006/math">
+                    <m:r>
+                      <a:rPr lang="de-DE" i="1" smtClean="0">
+                        <a:latin typeface="Cambria Math" panose="02040503050406030204" pitchFamily="18" charset="0"/>
+                        <a:ea typeface="Cambria Math" panose="02040503050406030204" pitchFamily="18" charset="0"/>
+                      </a:rPr>
+                      <m:t>𝑆</m:t>
+                    </m:r>
+                  </m:oMath>
+                </a14:m>
+                <a:r>
+                  <a:rPr lang="de-DE" dirty="0"/>
+                  <a:t>)</a:t>
+                </a:r>
+              </a:p>
+              <a:p>
+                <a14:m>
+                  <m:oMath xmlns:m="http://schemas.openxmlformats.org/officeDocument/2006/math">
+                    <m:r>
+                      <a:rPr lang="de-DE" i="1">
+                        <a:latin typeface="Cambria Math" panose="02040503050406030204" pitchFamily="18" charset="0"/>
+                        <a:ea typeface="Cambria Math" panose="02040503050406030204" pitchFamily="18" charset="0"/>
+                      </a:rPr>
+                      <m:t>𝑆</m:t>
+                    </m:r>
+                    <m:r>
+                      <a:rPr lang="de-DE" i="1">
+                        <a:latin typeface="Cambria Math" panose="02040503050406030204" pitchFamily="18" charset="0"/>
+                        <a:ea typeface="Cambria Math" panose="02040503050406030204" pitchFamily="18" charset="0"/>
+                      </a:rPr>
+                      <m:t>′ </m:t>
+                    </m:r>
+                  </m:oMath>
+                </a14:m>
+                <a:r>
+                  <a:rPr lang="de-DE" dirty="0"/>
+                  <a:t>= {</a:t>
+                </a:r>
+                <a14:m>
+                  <m:oMath xmlns:m="http://schemas.openxmlformats.org/officeDocument/2006/math">
+                    <m:sSub>
+                      <m:sSubPr>
+                        <m:ctrlPr>
+                          <a:rPr lang="de-DE" i="1" dirty="0" smtClean="0">
+                            <a:latin typeface="Cambria Math" panose="02040503050406030204" pitchFamily="18" charset="0"/>
+                          </a:rPr>
+                        </m:ctrlPr>
+                      </m:sSubPr>
+                      <m:e>
+                        <m:r>
+                          <a:rPr lang="de-DE" b="0" i="1" dirty="0" smtClean="0">
+                            <a:latin typeface="Cambria Math" panose="02040503050406030204" pitchFamily="18" charset="0"/>
+                          </a:rPr>
+                          <m:t>𝑒</m:t>
+                        </m:r>
+                      </m:e>
+                      <m:sub>
+                        <m:r>
+                          <a:rPr lang="de-DE" b="0" i="1" dirty="0" smtClean="0">
+                            <a:latin typeface="Cambria Math" panose="02040503050406030204" pitchFamily="18" charset="0"/>
+                          </a:rPr>
+                          <m:t>3</m:t>
+                        </m:r>
+                      </m:sub>
+                    </m:sSub>
+                  </m:oMath>
+                </a14:m>
+                <a:r>
+                  <a:rPr lang="de-DE" dirty="0"/>
+                  <a:t>, </a:t>
+                </a:r>
+                <a14:m>
+                  <m:oMath xmlns:m="http://schemas.openxmlformats.org/officeDocument/2006/math">
+                    <m:sSub>
+                      <m:sSubPr>
+                        <m:ctrlPr>
+                          <a:rPr lang="de-DE" i="1" dirty="0">
+                            <a:latin typeface="Cambria Math" panose="02040503050406030204" pitchFamily="18" charset="0"/>
+                          </a:rPr>
+                        </m:ctrlPr>
+                      </m:sSubPr>
+                      <m:e>
+                        <m:r>
+                          <a:rPr lang="de-DE" i="1" dirty="0">
+                            <a:latin typeface="Cambria Math" panose="02040503050406030204" pitchFamily="18" charset="0"/>
+                          </a:rPr>
+                          <m:t>𝑒</m:t>
+                        </m:r>
+                      </m:e>
+                      <m:sub>
+                        <m:r>
+                          <a:rPr lang="de-DE" b="0" i="1" dirty="0" smtClean="0">
+                            <a:latin typeface="Cambria Math" panose="02040503050406030204" pitchFamily="18" charset="0"/>
+                          </a:rPr>
+                          <m:t>10</m:t>
+                        </m:r>
+                      </m:sub>
+                    </m:sSub>
+                  </m:oMath>
+                </a14:m>
+                <a:r>
+                  <a:rPr lang="de-DE" dirty="0"/>
+                  <a:t>}</a:t>
+                </a:r>
+              </a:p>
+              <a:p>
+                <a14:m>
+                  <m:oMath xmlns:m="http://schemas.openxmlformats.org/officeDocument/2006/math">
+                    <m:r>
+                      <a:rPr lang="de-DE" i="1">
+                        <a:latin typeface="Cambria Math" panose="02040503050406030204" pitchFamily="18" charset="0"/>
+                        <a:ea typeface="Cambria Math" panose="02040503050406030204" pitchFamily="18" charset="0"/>
+                      </a:rPr>
+                      <m:t>𝑆</m:t>
+                    </m:r>
+                    <m:r>
+                      <a:rPr lang="de-DE" i="1">
+                        <a:latin typeface="Cambria Math" panose="02040503050406030204" pitchFamily="18" charset="0"/>
+                        <a:ea typeface="Cambria Math" panose="02040503050406030204" pitchFamily="18" charset="0"/>
+                      </a:rPr>
+                      <m:t>′ </m:t>
+                    </m:r>
+                  </m:oMath>
+                </a14:m>
+                <a:r>
+                  <a:rPr lang="de-DE" dirty="0"/>
+                  <a:t>= {</a:t>
+                </a:r>
+                <a14:m>
+                  <m:oMath xmlns:m="http://schemas.openxmlformats.org/officeDocument/2006/math">
+                    <m:sSub>
+                      <m:sSubPr>
+                        <m:ctrlPr>
+                          <a:rPr lang="de-DE" i="1" dirty="0" smtClean="0">
+                            <a:latin typeface="Cambria Math" panose="02040503050406030204" pitchFamily="18" charset="0"/>
+                          </a:rPr>
+                        </m:ctrlPr>
+                      </m:sSubPr>
+                      <m:e>
+                        <m:r>
+                          <a:rPr lang="de-DE" b="0" i="1" dirty="0" smtClean="0">
+                            <a:latin typeface="Cambria Math" panose="02040503050406030204" pitchFamily="18" charset="0"/>
+                          </a:rPr>
+                          <m:t>𝑒</m:t>
+                        </m:r>
+                      </m:e>
+                      <m:sub>
+                        <m:r>
+                          <a:rPr lang="de-DE" b="0" i="1" dirty="0" smtClean="0">
+                            <a:latin typeface="Cambria Math" panose="02040503050406030204" pitchFamily="18" charset="0"/>
+                          </a:rPr>
+                          <m:t>3</m:t>
+                        </m:r>
+                      </m:sub>
+                    </m:sSub>
+                  </m:oMath>
+                </a14:m>
+                <a:r>
+                  <a:rPr lang="de-DE" dirty="0"/>
+                  <a:t>, </a:t>
+                </a:r>
+                <a14:m>
+                  <m:oMath xmlns:m="http://schemas.openxmlformats.org/officeDocument/2006/math">
+                    <m:sSub>
+                      <m:sSubPr>
+                        <m:ctrlPr>
+                          <a:rPr lang="de-DE" i="1" dirty="0">
+                            <a:latin typeface="Cambria Math" panose="02040503050406030204" pitchFamily="18" charset="0"/>
+                          </a:rPr>
+                        </m:ctrlPr>
+                      </m:sSubPr>
+                      <m:e>
+                        <m:r>
+                          <a:rPr lang="de-DE" i="1" dirty="0">
+                            <a:latin typeface="Cambria Math" panose="02040503050406030204" pitchFamily="18" charset="0"/>
+                          </a:rPr>
+                          <m:t>𝑒</m:t>
+                        </m:r>
+                      </m:e>
+                      <m:sub>
+                        <m:r>
+                          <a:rPr lang="de-DE" b="0" i="1" dirty="0" smtClean="0">
+                            <a:latin typeface="Cambria Math" panose="02040503050406030204" pitchFamily="18" charset="0"/>
+                          </a:rPr>
+                          <m:t>2</m:t>
+                        </m:r>
+                      </m:sub>
+                    </m:sSub>
+                  </m:oMath>
+                </a14:m>
+                <a:r>
+                  <a:rPr lang="de-DE" dirty="0"/>
+                  <a:t>, </a:t>
+                </a:r>
+                <a14:m>
+                  <m:oMath xmlns:m="http://schemas.openxmlformats.org/officeDocument/2006/math">
+                    <m:sSub>
+                      <m:sSubPr>
+                        <m:ctrlPr>
+                          <a:rPr lang="de-DE" i="1" dirty="0">
+                            <a:latin typeface="Cambria Math" panose="02040503050406030204" pitchFamily="18" charset="0"/>
+                          </a:rPr>
+                        </m:ctrlPr>
+                      </m:sSubPr>
+                      <m:e>
+                        <m:r>
+                          <a:rPr lang="de-DE" i="1" dirty="0">
+                            <a:latin typeface="Cambria Math" panose="02040503050406030204" pitchFamily="18" charset="0"/>
+                          </a:rPr>
+                          <m:t>𝑒</m:t>
+                        </m:r>
+                      </m:e>
+                      <m:sub>
+                        <m:r>
+                          <a:rPr lang="de-DE" i="1" dirty="0">
+                            <a:latin typeface="Cambria Math" panose="02040503050406030204" pitchFamily="18" charset="0"/>
+                          </a:rPr>
+                          <m:t>10</m:t>
+                        </m:r>
+                      </m:sub>
+                    </m:sSub>
+                  </m:oMath>
+                </a14:m>
+                <a:r>
+                  <a:rPr lang="de-DE" dirty="0"/>
+                  <a:t>, </a:t>
+                </a:r>
+                <a14:m>
+                  <m:oMath xmlns:m="http://schemas.openxmlformats.org/officeDocument/2006/math">
+                    <m:sSub>
+                      <m:sSubPr>
+                        <m:ctrlPr>
+                          <a:rPr lang="de-DE" i="1" dirty="0">
+                            <a:latin typeface="Cambria Math" panose="02040503050406030204" pitchFamily="18" charset="0"/>
+                          </a:rPr>
+                        </m:ctrlPr>
+                      </m:sSubPr>
+                      <m:e>
+                        <m:r>
+                          <a:rPr lang="de-DE" i="1" dirty="0">
+                            <a:latin typeface="Cambria Math" panose="02040503050406030204" pitchFamily="18" charset="0"/>
+                          </a:rPr>
+                          <m:t>𝑒</m:t>
+                        </m:r>
+                      </m:e>
+                      <m:sub>
+                        <m:r>
+                          <a:rPr lang="de-DE" b="0" i="1" dirty="0" smtClean="0">
+                            <a:latin typeface="Cambria Math" panose="02040503050406030204" pitchFamily="18" charset="0"/>
+                          </a:rPr>
+                          <m:t>9</m:t>
+                        </m:r>
+                      </m:sub>
+                    </m:sSub>
+                  </m:oMath>
+                </a14:m>
+                <a:r>
+                  <a:rPr lang="de-DE" dirty="0"/>
+                  <a:t>, </a:t>
+                </a:r>
+                <a14:m>
+                  <m:oMath xmlns:m="http://schemas.openxmlformats.org/officeDocument/2006/math">
+                    <m:sSub>
+                      <m:sSubPr>
+                        <m:ctrlPr>
+                          <a:rPr lang="de-DE" i="1" dirty="0">
+                            <a:latin typeface="Cambria Math" panose="02040503050406030204" pitchFamily="18" charset="0"/>
+                          </a:rPr>
+                        </m:ctrlPr>
+                      </m:sSubPr>
+                      <m:e>
+                        <m:r>
+                          <a:rPr lang="de-DE" i="1" dirty="0">
+                            <a:latin typeface="Cambria Math" panose="02040503050406030204" pitchFamily="18" charset="0"/>
+                          </a:rPr>
+                          <m:t>𝑒</m:t>
+                        </m:r>
+                      </m:e>
+                      <m:sub>
+                        <m:r>
+                          <a:rPr lang="de-DE" b="0" i="1" dirty="0" smtClean="0">
+                            <a:latin typeface="Cambria Math" panose="02040503050406030204" pitchFamily="18" charset="0"/>
+                          </a:rPr>
+                          <m:t>8</m:t>
+                        </m:r>
+                      </m:sub>
+                    </m:sSub>
+                  </m:oMath>
+                </a14:m>
+                <a:r>
+                  <a:rPr lang="de-DE" dirty="0"/>
+                  <a:t>} wegen Thread-Order</a:t>
+                </a:r>
+              </a:p>
+              <a:p>
+                <a:pPr marL="285750" indent="-285750">
+                  <a:buFont typeface="Wingdings" panose="05000000000000000000" pitchFamily="2" charset="2"/>
+                  <a:buChar char="è"/>
+                </a:pPr>
+                <a:r>
+                  <a:rPr lang="de-DE" dirty="0"/>
+                  <a:t>Zwei </a:t>
+                </a:r>
+                <a:r>
+                  <a:rPr lang="de-DE" dirty="0" err="1"/>
+                  <a:t>Acq</a:t>
+                </a:r>
+                <a:r>
+                  <a:rPr lang="de-DE" dirty="0"/>
+                  <a:t>-Events für Lock z </a:t>
+                </a:r>
+                <a14:m>
+                  <m:oMath xmlns:m="http://schemas.openxmlformats.org/officeDocument/2006/math">
+                    <m:sSub>
+                      <m:sSubPr>
+                        <m:ctrlPr>
+                          <a:rPr lang="de-DE" i="1" dirty="0" smtClean="0">
+                            <a:latin typeface="Cambria Math" panose="02040503050406030204" pitchFamily="18" charset="0"/>
+                          </a:rPr>
+                        </m:ctrlPr>
+                      </m:sSubPr>
+                      <m:e>
+                        <m:r>
+                          <a:rPr lang="de-DE" i="1" dirty="0">
+                            <a:latin typeface="Cambria Math" panose="02040503050406030204" pitchFamily="18" charset="0"/>
+                          </a:rPr>
+                          <m:t>𝑒</m:t>
+                        </m:r>
+                      </m:e>
+                      <m:sub>
+                        <m:r>
+                          <a:rPr lang="de-DE" b="0" i="1" dirty="0" smtClean="0">
+                            <a:latin typeface="Cambria Math" panose="02040503050406030204" pitchFamily="18" charset="0"/>
+                          </a:rPr>
+                          <m:t>2</m:t>
+                        </m:r>
+                      </m:sub>
+                    </m:sSub>
+                  </m:oMath>
+                </a14:m>
+                <a:r>
+                  <a:rPr lang="de-DE" dirty="0"/>
+                  <a:t> und </a:t>
+                </a:r>
+                <a14:m>
+                  <m:oMath xmlns:m="http://schemas.openxmlformats.org/officeDocument/2006/math">
+                    <m:sSub>
+                      <m:sSubPr>
+                        <m:ctrlPr>
+                          <a:rPr lang="de-DE" i="1" dirty="0">
+                            <a:latin typeface="Cambria Math" panose="02040503050406030204" pitchFamily="18" charset="0"/>
+                          </a:rPr>
+                        </m:ctrlPr>
+                      </m:sSubPr>
+                      <m:e>
+                        <m:r>
+                          <a:rPr lang="de-DE" i="1" dirty="0">
+                            <a:latin typeface="Cambria Math" panose="02040503050406030204" pitchFamily="18" charset="0"/>
+                          </a:rPr>
+                          <m:t>𝑒</m:t>
+                        </m:r>
+                      </m:e>
+                      <m:sub>
+                        <m:r>
+                          <a:rPr lang="de-DE" i="1" dirty="0">
+                            <a:latin typeface="Cambria Math" panose="02040503050406030204" pitchFamily="18" charset="0"/>
+                          </a:rPr>
+                          <m:t>8</m:t>
+                        </m:r>
+                      </m:sub>
+                    </m:sSub>
+                    <m:r>
+                      <a:rPr lang="de-DE" i="1" dirty="0">
+                        <a:latin typeface="Cambria Math" panose="02040503050406030204" pitchFamily="18" charset="0"/>
+                      </a:rPr>
+                      <m:t> </m:t>
+                    </m:r>
+                  </m:oMath>
+                </a14:m>
+                <a:endParaRPr lang="de-DE" dirty="0"/>
+              </a:p>
+              <a:p>
+                <a:pPr marL="285750" indent="-285750">
+                  <a:buFont typeface="Wingdings" panose="05000000000000000000" pitchFamily="2" charset="2"/>
+                  <a:buChar char="è"/>
+                </a:pPr>
+                <a:r>
+                  <a:rPr lang="de-DE" dirty="0"/>
+                  <a:t>Nach Lock-Semantik muss </a:t>
+                </a:r>
+                <a14:m>
+                  <m:oMath xmlns:m="http://schemas.openxmlformats.org/officeDocument/2006/math">
+                    <m:sSub>
+                      <m:sSubPr>
+                        <m:ctrlPr>
+                          <a:rPr lang="de-DE" i="1" dirty="0" smtClean="0">
+                            <a:latin typeface="Cambria Math" panose="02040503050406030204" pitchFamily="18" charset="0"/>
+                          </a:rPr>
+                        </m:ctrlPr>
+                      </m:sSubPr>
+                      <m:e>
+                        <m:r>
+                          <a:rPr lang="de-DE" i="1" dirty="0">
+                            <a:latin typeface="Cambria Math" panose="02040503050406030204" pitchFamily="18" charset="0"/>
+                          </a:rPr>
+                          <m:t>𝑒</m:t>
+                        </m:r>
+                      </m:e>
+                      <m:sub>
+                        <m:r>
+                          <a:rPr lang="de-DE" b="0" i="1" dirty="0" smtClean="0">
+                            <a:latin typeface="Cambria Math" panose="02040503050406030204" pitchFamily="18" charset="0"/>
+                          </a:rPr>
+                          <m:t>7</m:t>
+                        </m:r>
+                      </m:sub>
+                    </m:sSub>
+                  </m:oMath>
+                </a14:m>
+                <a:r>
+                  <a:rPr lang="de-DE" dirty="0"/>
+                  <a:t> hinzugefügt werden</a:t>
+                </a:r>
+              </a:p>
+              <a:p>
+                <a14:m>
+                  <m:oMath xmlns:m="http://schemas.openxmlformats.org/officeDocument/2006/math">
+                    <m:r>
+                      <a:rPr lang="de-DE" i="1">
+                        <a:latin typeface="Cambria Math" panose="02040503050406030204" pitchFamily="18" charset="0"/>
+                        <a:ea typeface="Cambria Math" panose="02040503050406030204" pitchFamily="18" charset="0"/>
+                      </a:rPr>
+                      <m:t>𝑆</m:t>
+                    </m:r>
+                    <m:r>
+                      <a:rPr lang="de-DE" i="1">
+                        <a:latin typeface="Cambria Math" panose="02040503050406030204" pitchFamily="18" charset="0"/>
+                        <a:ea typeface="Cambria Math" panose="02040503050406030204" pitchFamily="18" charset="0"/>
+                      </a:rPr>
+                      <m:t>′ </m:t>
+                    </m:r>
+                  </m:oMath>
+                </a14:m>
+                <a:r>
+                  <a:rPr lang="de-DE" dirty="0"/>
+                  <a:t>= {</a:t>
+                </a:r>
+                <a14:m>
+                  <m:oMath xmlns:m="http://schemas.openxmlformats.org/officeDocument/2006/math">
+                    <m:sSub>
+                      <m:sSubPr>
+                        <m:ctrlPr>
+                          <a:rPr lang="de-DE" i="1" dirty="0" smtClean="0">
+                            <a:latin typeface="Cambria Math" panose="02040503050406030204" pitchFamily="18" charset="0"/>
+                          </a:rPr>
+                        </m:ctrlPr>
+                      </m:sSubPr>
+                      <m:e>
+                        <m:r>
+                          <a:rPr lang="de-DE" b="0" i="1" dirty="0" smtClean="0">
+                            <a:latin typeface="Cambria Math" panose="02040503050406030204" pitchFamily="18" charset="0"/>
+                          </a:rPr>
+                          <m:t>𝑒</m:t>
+                        </m:r>
+                      </m:e>
+                      <m:sub>
+                        <m:r>
+                          <a:rPr lang="de-DE" b="0" i="1" dirty="0" smtClean="0">
+                            <a:latin typeface="Cambria Math" panose="02040503050406030204" pitchFamily="18" charset="0"/>
+                          </a:rPr>
+                          <m:t>3</m:t>
+                        </m:r>
+                      </m:sub>
+                    </m:sSub>
+                  </m:oMath>
+                </a14:m>
+                <a:r>
+                  <a:rPr lang="de-DE" dirty="0"/>
+                  <a:t>, </a:t>
+                </a:r>
+                <a14:m>
+                  <m:oMath xmlns:m="http://schemas.openxmlformats.org/officeDocument/2006/math">
+                    <m:sSub>
+                      <m:sSubPr>
+                        <m:ctrlPr>
+                          <a:rPr lang="de-DE" i="1" dirty="0">
+                            <a:latin typeface="Cambria Math" panose="02040503050406030204" pitchFamily="18" charset="0"/>
+                          </a:rPr>
+                        </m:ctrlPr>
+                      </m:sSubPr>
+                      <m:e>
+                        <m:r>
+                          <a:rPr lang="de-DE" i="1" dirty="0">
+                            <a:latin typeface="Cambria Math" panose="02040503050406030204" pitchFamily="18" charset="0"/>
+                          </a:rPr>
+                          <m:t>𝑒</m:t>
+                        </m:r>
+                      </m:e>
+                      <m:sub>
+                        <m:r>
+                          <a:rPr lang="de-DE" b="0" i="1" dirty="0" smtClean="0">
+                            <a:latin typeface="Cambria Math" panose="02040503050406030204" pitchFamily="18" charset="0"/>
+                          </a:rPr>
+                          <m:t>2</m:t>
+                        </m:r>
+                      </m:sub>
+                    </m:sSub>
+                  </m:oMath>
+                </a14:m>
+                <a:r>
+                  <a:rPr lang="de-DE" dirty="0"/>
+                  <a:t>, </a:t>
+                </a:r>
+                <a14:m>
+                  <m:oMath xmlns:m="http://schemas.openxmlformats.org/officeDocument/2006/math">
+                    <m:sSub>
+                      <m:sSubPr>
+                        <m:ctrlPr>
+                          <a:rPr lang="de-DE" i="1" dirty="0">
+                            <a:latin typeface="Cambria Math" panose="02040503050406030204" pitchFamily="18" charset="0"/>
+                          </a:rPr>
+                        </m:ctrlPr>
+                      </m:sSubPr>
+                      <m:e>
+                        <m:r>
+                          <a:rPr lang="de-DE" i="1" dirty="0">
+                            <a:latin typeface="Cambria Math" panose="02040503050406030204" pitchFamily="18" charset="0"/>
+                          </a:rPr>
+                          <m:t>𝑒</m:t>
+                        </m:r>
+                      </m:e>
+                      <m:sub>
+                        <m:r>
+                          <a:rPr lang="de-DE" i="1" dirty="0">
+                            <a:latin typeface="Cambria Math" panose="02040503050406030204" pitchFamily="18" charset="0"/>
+                          </a:rPr>
+                          <m:t>10</m:t>
+                        </m:r>
+                      </m:sub>
+                    </m:sSub>
+                  </m:oMath>
+                </a14:m>
+                <a:r>
+                  <a:rPr lang="de-DE" dirty="0"/>
+                  <a:t>, </a:t>
+                </a:r>
+                <a14:m>
+                  <m:oMath xmlns:m="http://schemas.openxmlformats.org/officeDocument/2006/math">
+                    <m:sSub>
+                      <m:sSubPr>
+                        <m:ctrlPr>
+                          <a:rPr lang="de-DE" i="1" dirty="0">
+                            <a:latin typeface="Cambria Math" panose="02040503050406030204" pitchFamily="18" charset="0"/>
+                          </a:rPr>
+                        </m:ctrlPr>
+                      </m:sSubPr>
+                      <m:e>
+                        <m:r>
+                          <a:rPr lang="de-DE" i="1" dirty="0">
+                            <a:latin typeface="Cambria Math" panose="02040503050406030204" pitchFamily="18" charset="0"/>
+                          </a:rPr>
+                          <m:t>𝑒</m:t>
+                        </m:r>
+                      </m:e>
+                      <m:sub>
+                        <m:r>
+                          <a:rPr lang="de-DE" b="0" i="1" dirty="0" smtClean="0">
+                            <a:latin typeface="Cambria Math" panose="02040503050406030204" pitchFamily="18" charset="0"/>
+                          </a:rPr>
+                          <m:t>9</m:t>
+                        </m:r>
+                      </m:sub>
+                    </m:sSub>
+                  </m:oMath>
+                </a14:m>
+                <a:r>
+                  <a:rPr lang="de-DE" dirty="0"/>
+                  <a:t>, </a:t>
+                </a:r>
+                <a14:m>
+                  <m:oMath xmlns:m="http://schemas.openxmlformats.org/officeDocument/2006/math">
+                    <m:sSub>
+                      <m:sSubPr>
+                        <m:ctrlPr>
+                          <a:rPr lang="de-DE" i="1" dirty="0">
+                            <a:latin typeface="Cambria Math" panose="02040503050406030204" pitchFamily="18" charset="0"/>
+                          </a:rPr>
+                        </m:ctrlPr>
+                      </m:sSubPr>
+                      <m:e>
+                        <m:r>
+                          <a:rPr lang="de-DE" i="1" dirty="0">
+                            <a:latin typeface="Cambria Math" panose="02040503050406030204" pitchFamily="18" charset="0"/>
+                          </a:rPr>
+                          <m:t>𝑒</m:t>
+                        </m:r>
+                      </m:e>
+                      <m:sub>
+                        <m:r>
+                          <a:rPr lang="de-DE" b="0" i="1" dirty="0" smtClean="0">
+                            <a:latin typeface="Cambria Math" panose="02040503050406030204" pitchFamily="18" charset="0"/>
+                          </a:rPr>
+                          <m:t>8</m:t>
+                        </m:r>
+                      </m:sub>
+                    </m:sSub>
+                  </m:oMath>
+                </a14:m>
+                <a:r>
+                  <a:rPr lang="de-DE" dirty="0"/>
+                  <a:t>, </a:t>
+                </a:r>
+                <a14:m>
+                  <m:oMath xmlns:m="http://schemas.openxmlformats.org/officeDocument/2006/math">
+                    <m:sSub>
+                      <m:sSubPr>
+                        <m:ctrlPr>
+                          <a:rPr lang="de-DE" i="1" dirty="0">
+                            <a:latin typeface="Cambria Math" panose="02040503050406030204" pitchFamily="18" charset="0"/>
+                          </a:rPr>
+                        </m:ctrlPr>
+                      </m:sSubPr>
+                      <m:e>
+                        <m:r>
+                          <a:rPr lang="de-DE" i="1" dirty="0">
+                            <a:latin typeface="Cambria Math" panose="02040503050406030204" pitchFamily="18" charset="0"/>
+                          </a:rPr>
+                          <m:t>𝑒</m:t>
+                        </m:r>
+                      </m:e>
+                      <m:sub>
+                        <m:r>
+                          <a:rPr lang="de-DE" i="1" dirty="0">
+                            <a:latin typeface="Cambria Math" panose="02040503050406030204" pitchFamily="18" charset="0"/>
+                          </a:rPr>
+                          <m:t>7</m:t>
+                        </m:r>
+                      </m:sub>
+                    </m:sSub>
+                  </m:oMath>
+                </a14:m>
+                <a:r>
+                  <a:rPr lang="de-DE" dirty="0"/>
+                  <a:t>} </a:t>
+                </a:r>
+              </a:p>
+              <a:p>
+                <a14:m>
+                  <m:oMath xmlns:m="http://schemas.openxmlformats.org/officeDocument/2006/math">
+                    <m:r>
+                      <a:rPr lang="de-DE" i="1">
+                        <a:latin typeface="Cambria Math" panose="02040503050406030204" pitchFamily="18" charset="0"/>
+                        <a:ea typeface="Cambria Math" panose="02040503050406030204" pitchFamily="18" charset="0"/>
+                      </a:rPr>
+                      <m:t>𝑆</m:t>
+                    </m:r>
+                    <m:r>
+                      <a:rPr lang="de-DE" i="1">
+                        <a:latin typeface="Cambria Math" panose="02040503050406030204" pitchFamily="18" charset="0"/>
+                        <a:ea typeface="Cambria Math" panose="02040503050406030204" pitchFamily="18" charset="0"/>
+                      </a:rPr>
+                      <m:t>′ </m:t>
+                    </m:r>
+                  </m:oMath>
+                </a14:m>
+                <a:r>
+                  <a:rPr lang="de-DE" dirty="0"/>
+                  <a:t>= {</a:t>
+                </a:r>
+                <a14:m>
+                  <m:oMath xmlns:m="http://schemas.openxmlformats.org/officeDocument/2006/math">
+                    <m:sSub>
+                      <m:sSubPr>
+                        <m:ctrlPr>
+                          <a:rPr lang="de-DE" i="1" dirty="0" smtClean="0">
+                            <a:latin typeface="Cambria Math" panose="02040503050406030204" pitchFamily="18" charset="0"/>
+                          </a:rPr>
+                        </m:ctrlPr>
+                      </m:sSubPr>
+                      <m:e>
+                        <m:r>
+                          <a:rPr lang="de-DE" b="0" i="1" dirty="0" smtClean="0">
+                            <a:latin typeface="Cambria Math" panose="02040503050406030204" pitchFamily="18" charset="0"/>
+                          </a:rPr>
+                          <m:t>𝑒</m:t>
+                        </m:r>
+                      </m:e>
+                      <m:sub>
+                        <m:r>
+                          <a:rPr lang="de-DE" b="0" i="1" dirty="0" smtClean="0">
+                            <a:latin typeface="Cambria Math" panose="02040503050406030204" pitchFamily="18" charset="0"/>
+                          </a:rPr>
+                          <m:t>3</m:t>
+                        </m:r>
+                      </m:sub>
+                    </m:sSub>
+                  </m:oMath>
+                </a14:m>
+                <a:r>
+                  <a:rPr lang="de-DE" dirty="0"/>
+                  <a:t>, </a:t>
+                </a:r>
+                <a14:m>
+                  <m:oMath xmlns:m="http://schemas.openxmlformats.org/officeDocument/2006/math">
+                    <m:sSub>
+                      <m:sSubPr>
+                        <m:ctrlPr>
+                          <a:rPr lang="de-DE" i="1" dirty="0">
+                            <a:latin typeface="Cambria Math" panose="02040503050406030204" pitchFamily="18" charset="0"/>
+                          </a:rPr>
+                        </m:ctrlPr>
+                      </m:sSubPr>
+                      <m:e>
+                        <m:r>
+                          <a:rPr lang="de-DE" i="1" dirty="0">
+                            <a:latin typeface="Cambria Math" panose="02040503050406030204" pitchFamily="18" charset="0"/>
+                          </a:rPr>
+                          <m:t>𝑒</m:t>
+                        </m:r>
+                      </m:e>
+                      <m:sub>
+                        <m:r>
+                          <a:rPr lang="de-DE" b="0" i="1" dirty="0" smtClean="0">
+                            <a:latin typeface="Cambria Math" panose="02040503050406030204" pitchFamily="18" charset="0"/>
+                          </a:rPr>
+                          <m:t>2</m:t>
+                        </m:r>
+                      </m:sub>
+                    </m:sSub>
+                  </m:oMath>
+                </a14:m>
+                <a:r>
+                  <a:rPr lang="de-DE" dirty="0"/>
+                  <a:t>, </a:t>
+                </a:r>
+                <a14:m>
+                  <m:oMath xmlns:m="http://schemas.openxmlformats.org/officeDocument/2006/math">
+                    <m:sSub>
+                      <m:sSubPr>
+                        <m:ctrlPr>
+                          <a:rPr lang="de-DE" i="1" dirty="0">
+                            <a:latin typeface="Cambria Math" panose="02040503050406030204" pitchFamily="18" charset="0"/>
+                          </a:rPr>
+                        </m:ctrlPr>
+                      </m:sSubPr>
+                      <m:e>
+                        <m:r>
+                          <a:rPr lang="de-DE" i="1" dirty="0">
+                            <a:latin typeface="Cambria Math" panose="02040503050406030204" pitchFamily="18" charset="0"/>
+                          </a:rPr>
+                          <m:t>𝑒</m:t>
+                        </m:r>
+                      </m:e>
+                      <m:sub>
+                        <m:r>
+                          <a:rPr lang="de-DE" i="1" dirty="0">
+                            <a:latin typeface="Cambria Math" panose="02040503050406030204" pitchFamily="18" charset="0"/>
+                          </a:rPr>
+                          <m:t>10</m:t>
+                        </m:r>
+                      </m:sub>
+                    </m:sSub>
+                  </m:oMath>
+                </a14:m>
+                <a:r>
+                  <a:rPr lang="de-DE" dirty="0"/>
+                  <a:t>, </a:t>
+                </a:r>
+                <a14:m>
+                  <m:oMath xmlns:m="http://schemas.openxmlformats.org/officeDocument/2006/math">
+                    <m:sSub>
+                      <m:sSubPr>
+                        <m:ctrlPr>
+                          <a:rPr lang="de-DE" i="1" dirty="0">
+                            <a:latin typeface="Cambria Math" panose="02040503050406030204" pitchFamily="18" charset="0"/>
+                          </a:rPr>
+                        </m:ctrlPr>
+                      </m:sSubPr>
+                      <m:e>
+                        <m:r>
+                          <a:rPr lang="de-DE" i="1" dirty="0">
+                            <a:latin typeface="Cambria Math" panose="02040503050406030204" pitchFamily="18" charset="0"/>
+                          </a:rPr>
+                          <m:t>𝑒</m:t>
+                        </m:r>
+                      </m:e>
+                      <m:sub>
+                        <m:r>
+                          <a:rPr lang="de-DE" b="0" i="1" dirty="0" smtClean="0">
+                            <a:latin typeface="Cambria Math" panose="02040503050406030204" pitchFamily="18" charset="0"/>
+                          </a:rPr>
+                          <m:t>9</m:t>
+                        </m:r>
+                      </m:sub>
+                    </m:sSub>
+                  </m:oMath>
+                </a14:m>
+                <a:r>
+                  <a:rPr lang="de-DE" dirty="0"/>
+                  <a:t>, </a:t>
+                </a:r>
+                <a14:m>
+                  <m:oMath xmlns:m="http://schemas.openxmlformats.org/officeDocument/2006/math">
+                    <m:sSub>
+                      <m:sSubPr>
+                        <m:ctrlPr>
+                          <a:rPr lang="de-DE" i="1" dirty="0">
+                            <a:latin typeface="Cambria Math" panose="02040503050406030204" pitchFamily="18" charset="0"/>
+                          </a:rPr>
+                        </m:ctrlPr>
+                      </m:sSubPr>
+                      <m:e>
+                        <m:r>
+                          <a:rPr lang="de-DE" i="1" dirty="0">
+                            <a:latin typeface="Cambria Math" panose="02040503050406030204" pitchFamily="18" charset="0"/>
+                          </a:rPr>
+                          <m:t>𝑒</m:t>
+                        </m:r>
+                      </m:e>
+                      <m:sub>
+                        <m:r>
+                          <a:rPr lang="de-DE" b="0" i="1" dirty="0" smtClean="0">
+                            <a:latin typeface="Cambria Math" panose="02040503050406030204" pitchFamily="18" charset="0"/>
+                          </a:rPr>
+                          <m:t>8</m:t>
+                        </m:r>
+                      </m:sub>
+                    </m:sSub>
+                  </m:oMath>
+                </a14:m>
+                <a:r>
+                  <a:rPr lang="de-DE" dirty="0"/>
+                  <a:t>, </a:t>
+                </a:r>
+                <a14:m>
+                  <m:oMath xmlns:m="http://schemas.openxmlformats.org/officeDocument/2006/math">
+                    <m:sSub>
+                      <m:sSubPr>
+                        <m:ctrlPr>
+                          <a:rPr lang="de-DE" i="1" dirty="0">
+                            <a:latin typeface="Cambria Math" panose="02040503050406030204" pitchFamily="18" charset="0"/>
+                          </a:rPr>
+                        </m:ctrlPr>
+                      </m:sSubPr>
+                      <m:e>
+                        <m:r>
+                          <a:rPr lang="de-DE" i="1" dirty="0">
+                            <a:latin typeface="Cambria Math" panose="02040503050406030204" pitchFamily="18" charset="0"/>
+                          </a:rPr>
+                          <m:t>𝑒</m:t>
+                        </m:r>
+                      </m:e>
+                      <m:sub>
+                        <m:r>
+                          <a:rPr lang="de-DE" i="1" dirty="0">
+                            <a:latin typeface="Cambria Math" panose="02040503050406030204" pitchFamily="18" charset="0"/>
+                          </a:rPr>
+                          <m:t>7</m:t>
+                        </m:r>
+                      </m:sub>
+                    </m:sSub>
+                  </m:oMath>
+                </a14:m>
+                <a:r>
+                  <a:rPr lang="de-DE" dirty="0"/>
+                  <a:t>, </a:t>
+                </a:r>
+                <a14:m>
+                  <m:oMath xmlns:m="http://schemas.openxmlformats.org/officeDocument/2006/math">
+                    <m:sSub>
+                      <m:sSubPr>
+                        <m:ctrlPr>
+                          <a:rPr lang="de-DE" i="1" dirty="0">
+                            <a:latin typeface="Cambria Math" panose="02040503050406030204" pitchFamily="18" charset="0"/>
+                          </a:rPr>
+                        </m:ctrlPr>
+                      </m:sSubPr>
+                      <m:e>
+                        <m:r>
+                          <a:rPr lang="de-DE" i="1" dirty="0">
+                            <a:latin typeface="Cambria Math" panose="02040503050406030204" pitchFamily="18" charset="0"/>
+                          </a:rPr>
+                          <m:t>𝑒</m:t>
+                        </m:r>
+                      </m:e>
+                      <m:sub>
+                        <m:r>
+                          <a:rPr lang="de-DE" b="0" i="1" dirty="0" smtClean="0">
+                            <a:latin typeface="Cambria Math" panose="02040503050406030204" pitchFamily="18" charset="0"/>
+                          </a:rPr>
+                          <m:t>6</m:t>
+                        </m:r>
+                      </m:sub>
+                    </m:sSub>
+                  </m:oMath>
+                </a14:m>
+                <a:r>
+                  <a:rPr lang="de-DE" dirty="0"/>
+                  <a:t>, </a:t>
+                </a:r>
+                <a14:m>
+                  <m:oMath xmlns:m="http://schemas.openxmlformats.org/officeDocument/2006/math">
+                    <m:sSub>
+                      <m:sSubPr>
+                        <m:ctrlPr>
+                          <a:rPr lang="de-DE" i="1" dirty="0">
+                            <a:latin typeface="Cambria Math" panose="02040503050406030204" pitchFamily="18" charset="0"/>
+                          </a:rPr>
+                        </m:ctrlPr>
+                      </m:sSubPr>
+                      <m:e>
+                        <m:r>
+                          <a:rPr lang="de-DE" i="1" dirty="0">
+                            <a:latin typeface="Cambria Math" panose="02040503050406030204" pitchFamily="18" charset="0"/>
+                          </a:rPr>
+                          <m:t>𝑒</m:t>
+                        </m:r>
+                      </m:e>
+                      <m:sub>
+                        <m:r>
+                          <a:rPr lang="de-DE" b="0" i="1" dirty="0" smtClean="0">
+                            <a:latin typeface="Cambria Math" panose="02040503050406030204" pitchFamily="18" charset="0"/>
+                          </a:rPr>
+                          <m:t>5</m:t>
+                        </m:r>
+                      </m:sub>
+                    </m:sSub>
+                  </m:oMath>
+                </a14:m>
+                <a:r>
+                  <a:rPr lang="de-DE" dirty="0"/>
+                  <a:t>, </a:t>
+                </a:r>
+                <a14:m>
+                  <m:oMath xmlns:m="http://schemas.openxmlformats.org/officeDocument/2006/math">
+                    <m:sSub>
+                      <m:sSubPr>
+                        <m:ctrlPr>
+                          <a:rPr lang="de-DE" i="1" dirty="0">
+                            <a:latin typeface="Cambria Math" panose="02040503050406030204" pitchFamily="18" charset="0"/>
+                          </a:rPr>
+                        </m:ctrlPr>
+                      </m:sSubPr>
+                      <m:e>
+                        <m:r>
+                          <a:rPr lang="de-DE" i="1" dirty="0">
+                            <a:latin typeface="Cambria Math" panose="02040503050406030204" pitchFamily="18" charset="0"/>
+                          </a:rPr>
+                          <m:t>𝑒</m:t>
+                        </m:r>
+                      </m:e>
+                      <m:sub>
+                        <m:r>
+                          <a:rPr lang="de-DE" b="0" i="1" dirty="0" smtClean="0">
+                            <a:latin typeface="Cambria Math" panose="02040503050406030204" pitchFamily="18" charset="0"/>
+                          </a:rPr>
+                          <m:t>4</m:t>
+                        </m:r>
+                      </m:sub>
+                    </m:sSub>
+                  </m:oMath>
+                </a14:m>
+                <a:r>
+                  <a:rPr lang="de-DE" dirty="0"/>
+                  <a:t>} wegen Thread-Order</a:t>
+                </a:r>
+              </a:p>
+              <a:p>
+                <a:pPr marL="285750" indent="-285750">
+                  <a:buFont typeface="Wingdings" panose="05000000000000000000" pitchFamily="2" charset="2"/>
+                  <a:buChar char="è"/>
+                </a:pPr>
+                <a:r>
+                  <a:rPr lang="de-DE" dirty="0"/>
+                  <a:t>e4 aus dem Deadlock Pattern ist in </a:t>
+                </a:r>
+                <a14:m>
+                  <m:oMath xmlns:m="http://schemas.openxmlformats.org/officeDocument/2006/math">
+                    <m:r>
+                      <a:rPr lang="de-DE" i="1" smtClean="0">
+                        <a:latin typeface="Cambria Math" panose="02040503050406030204" pitchFamily="18" charset="0"/>
+                        <a:ea typeface="Cambria Math" panose="02040503050406030204" pitchFamily="18" charset="0"/>
+                      </a:rPr>
+                      <m:t>𝑆</m:t>
+                    </m:r>
+                    <m:r>
+                      <a:rPr lang="de-DE" i="1" smtClean="0">
+                        <a:latin typeface="Cambria Math" panose="02040503050406030204" pitchFamily="18" charset="0"/>
+                        <a:ea typeface="Cambria Math" panose="02040503050406030204" pitchFamily="18" charset="0"/>
+                      </a:rPr>
+                      <m:t>′ </m:t>
+                    </m:r>
+                  </m:oMath>
+                </a14:m>
+                <a:endParaRPr lang="de-DE" dirty="0"/>
+              </a:p>
+              <a:p>
+                <a:pPr marL="285750" indent="-285750">
+                  <a:buFont typeface="Wingdings" panose="05000000000000000000" pitchFamily="2" charset="2"/>
+                  <a:buChar char="è"/>
+                </a:pPr>
+                <a:r>
+                  <a:rPr lang="de-DE" dirty="0"/>
+                  <a:t>Kein </a:t>
+                </a:r>
+                <a:r>
+                  <a:rPr lang="de-DE" dirty="0" err="1"/>
+                  <a:t>Sync-preserving</a:t>
+                </a:r>
+                <a:r>
+                  <a:rPr lang="de-DE" dirty="0"/>
+                  <a:t> Deadlock</a:t>
+                </a:r>
+              </a:p>
+              <a:p>
+                <a:endParaRPr lang="de-DE" dirty="0"/>
+              </a:p>
+            </p:txBody>
+          </p:sp>
+        </mc:Choice>
+        <mc:Fallback>
+          <p:sp>
+            <p:nvSpPr>
+              <p:cNvPr id="6" name="Textfeld 5">
+                <a:extLst>
+                  <a:ext uri="{FF2B5EF4-FFF2-40B4-BE49-F238E27FC236}">
+                    <a16:creationId xmlns:a16="http://schemas.microsoft.com/office/drawing/2014/main" id="{3EB89FC9-3806-2396-CDA7-57B265204673}"/>
+                  </a:ext>
+                </a:extLst>
+              </p:cNvPr>
+              <p:cNvSpPr txBox="1">
+                <a:spLocks noRot="1" noChangeAspect="1" noMove="1" noResize="1" noEditPoints="1" noAdjustHandles="1" noChangeArrowheads="1" noChangeShapeType="1" noTextEdit="1"/>
+              </p:cNvSpPr>
+              <p:nvPr/>
+            </p:nvSpPr>
+            <p:spPr>
+              <a:xfrm>
+                <a:off x="6096000" y="1621766"/>
+                <a:ext cx="5756694" cy="3416320"/>
+              </a:xfrm>
+              <a:prstGeom prst="rect">
+                <a:avLst/>
+              </a:prstGeom>
+              <a:blipFill>
+                <a:blip r:embed="rId3"/>
+                <a:stretch>
+                  <a:fillRect l="-847" t="-893"/>
+                </a:stretch>
+              </a:blipFill>
+            </p:spPr>
+            <p:txBody>
+              <a:bodyPr/>
+              <a:lstStyle/>
+              <a:p>
+                <a:r>
+                  <a:rPr lang="de-DE">
+                    <a:noFill/>
+                  </a:rPr>
+                  <a:t> </a:t>
+                </a:r>
+              </a:p>
+            </p:txBody>
+          </p:sp>
+        </mc:Fallback>
+      </mc:AlternateContent>
     </p:spTree>
     <p:extLst>
       <p:ext uri="{BB962C8B-B14F-4D97-AF65-F5344CB8AC3E}">

--- a/Sound Dynamic Deadlock Prediction in Linear Time.pptx
+++ b/Sound Dynamic Deadlock Prediction in Linear Time.pptx
@@ -1,31 +1,34 @@
 
 <file path=ppt/presentation.xml><?xml version="1.0" encoding="utf-8"?>
-<p:presentation xmlns:a="http://schemas.openxmlformats.org/drawingml/2006/main" xmlns:r="http://schemas.openxmlformats.org/officeDocument/2006/relationships" xmlns:p="http://schemas.openxmlformats.org/presentationml/2006/main" saveSubsetFonts="1">
+<p:presentation xmlns:a="http://schemas.openxmlformats.org/drawingml/2006/main" xmlns:r="http://schemas.openxmlformats.org/officeDocument/2006/relationships" xmlns:p="http://schemas.openxmlformats.org/presentationml/2006/main" showSpecialPlsOnTitleSld="0" saveSubsetFonts="1">
   <p:sldMasterIdLst>
     <p:sldMasterId id="2147483648" r:id="rId1"/>
   </p:sldMasterIdLst>
+  <p:notesMasterIdLst>
+    <p:notesMasterId r:id="rId33"/>
+  </p:notesMasterIdLst>
   <p:sldIdLst>
     <p:sldId id="256" r:id="rId2"/>
-    <p:sldId id="257" r:id="rId3"/>
-    <p:sldId id="259" r:id="rId4"/>
-    <p:sldId id="260" r:id="rId5"/>
-    <p:sldId id="278" r:id="rId6"/>
-    <p:sldId id="261" r:id="rId7"/>
-    <p:sldId id="279" r:id="rId8"/>
-    <p:sldId id="262" r:id="rId9"/>
-    <p:sldId id="266" r:id="rId10"/>
-    <p:sldId id="265" r:id="rId11"/>
-    <p:sldId id="280" r:id="rId12"/>
-    <p:sldId id="281" r:id="rId13"/>
-    <p:sldId id="283" r:id="rId14"/>
-    <p:sldId id="284" r:id="rId15"/>
-    <p:sldId id="285" r:id="rId16"/>
-    <p:sldId id="286" r:id="rId17"/>
-    <p:sldId id="287" r:id="rId18"/>
-    <p:sldId id="263" r:id="rId19"/>
-    <p:sldId id="288" r:id="rId20"/>
-    <p:sldId id="289" r:id="rId21"/>
-    <p:sldId id="290" r:id="rId22"/>
+    <p:sldId id="259" r:id="rId3"/>
+    <p:sldId id="260" r:id="rId4"/>
+    <p:sldId id="278" r:id="rId5"/>
+    <p:sldId id="261" r:id="rId6"/>
+    <p:sldId id="279" r:id="rId7"/>
+    <p:sldId id="262" r:id="rId8"/>
+    <p:sldId id="266" r:id="rId9"/>
+    <p:sldId id="265" r:id="rId10"/>
+    <p:sldId id="280" r:id="rId11"/>
+    <p:sldId id="281" r:id="rId12"/>
+    <p:sldId id="283" r:id="rId13"/>
+    <p:sldId id="284" r:id="rId14"/>
+    <p:sldId id="285" r:id="rId15"/>
+    <p:sldId id="286" r:id="rId16"/>
+    <p:sldId id="287" r:id="rId17"/>
+    <p:sldId id="263" r:id="rId18"/>
+    <p:sldId id="288" r:id="rId19"/>
+    <p:sldId id="289" r:id="rId20"/>
+    <p:sldId id="290" r:id="rId21"/>
+    <p:sldId id="293" r:id="rId22"/>
     <p:sldId id="268" r:id="rId23"/>
     <p:sldId id="270" r:id="rId24"/>
     <p:sldId id="271" r:id="rId25"/>
@@ -142,6 +145,355 @@
 </p:presentation>
 </file>
 
+<file path=ppt/notesMasters/notesMaster1.xml><?xml version="1.0" encoding="utf-8"?>
+<p:notesMaster xmlns:a="http://schemas.openxmlformats.org/drawingml/2006/main" xmlns:r="http://schemas.openxmlformats.org/officeDocument/2006/relationships" xmlns:p="http://schemas.openxmlformats.org/presentationml/2006/main">
+  <p:cSld>
+    <p:bg>
+      <p:bgRef idx="1001">
+        <a:schemeClr val="bg1"/>
+      </p:bgRef>
+    </p:bg>
+    <p:spTree>
+      <p:nvGrpSpPr>
+        <p:cNvPr id="1" name=""/>
+        <p:cNvGrpSpPr/>
+        <p:nvPr/>
+      </p:nvGrpSpPr>
+      <p:grpSpPr>
+        <a:xfrm>
+          <a:off x="0" y="0"/>
+          <a:ext cx="0" cy="0"/>
+          <a:chOff x="0" y="0"/>
+          <a:chExt cx="0" cy="0"/>
+        </a:xfrm>
+      </p:grpSpPr>
+      <p:sp>
+        <p:nvSpPr>
+          <p:cNvPr id="2" name="Kopfzeilenplatzhalter 1"/>
+          <p:cNvSpPr>
+            <a:spLocks noGrp="1"/>
+          </p:cNvSpPr>
+          <p:nvPr>
+            <p:ph type="hdr" sz="quarter"/>
+          </p:nvPr>
+        </p:nvSpPr>
+        <p:spPr>
+          <a:xfrm>
+            <a:off x="0" y="0"/>
+            <a:ext cx="2971800" cy="458788"/>
+          </a:xfrm>
+          <a:prstGeom prst="rect">
+            <a:avLst/>
+          </a:prstGeom>
+        </p:spPr>
+        <p:txBody>
+          <a:bodyPr vert="horz" lIns="91440" tIns="45720" rIns="91440" bIns="45720" rtlCol="0"/>
+          <a:lstStyle>
+            <a:lvl1pPr algn="l">
+              <a:defRPr sz="1200"/>
+            </a:lvl1pPr>
+          </a:lstStyle>
+          <a:p>
+            <a:endParaRPr lang="de-DE"/>
+          </a:p>
+        </p:txBody>
+      </p:sp>
+      <p:sp>
+        <p:nvSpPr>
+          <p:cNvPr id="3" name="Datumsplatzhalter 2"/>
+          <p:cNvSpPr>
+            <a:spLocks noGrp="1"/>
+          </p:cNvSpPr>
+          <p:nvPr>
+            <p:ph type="dt" idx="1"/>
+          </p:nvPr>
+        </p:nvSpPr>
+        <p:spPr>
+          <a:xfrm>
+            <a:off x="3884613" y="0"/>
+            <a:ext cx="2971800" cy="458788"/>
+          </a:xfrm>
+          <a:prstGeom prst="rect">
+            <a:avLst/>
+          </a:prstGeom>
+        </p:spPr>
+        <p:txBody>
+          <a:bodyPr vert="horz" lIns="91440" tIns="45720" rIns="91440" bIns="45720" rtlCol="0"/>
+          <a:lstStyle>
+            <a:lvl1pPr algn="r">
+              <a:defRPr sz="1200"/>
+            </a:lvl1pPr>
+          </a:lstStyle>
+          <a:p>
+            <a:fld id="{DD38649D-1D78-4500-AA28-51F5C908E1E0}" type="datetimeFigureOut">
+              <a:rPr lang="de-DE" smtClean="0"/>
+              <a:t>07.12.2023</a:t>
+            </a:fld>
+            <a:endParaRPr lang="de-DE"/>
+          </a:p>
+        </p:txBody>
+      </p:sp>
+      <p:sp>
+        <p:nvSpPr>
+          <p:cNvPr id="4" name="Folienbildplatzhalter 3"/>
+          <p:cNvSpPr>
+            <a:spLocks noGrp="1" noRot="1" noChangeAspect="1"/>
+          </p:cNvSpPr>
+          <p:nvPr>
+            <p:ph type="sldImg" idx="2"/>
+          </p:nvPr>
+        </p:nvSpPr>
+        <p:spPr>
+          <a:xfrm>
+            <a:off x="685800" y="1143000"/>
+            <a:ext cx="5486400" cy="3086100"/>
+          </a:xfrm>
+          <a:prstGeom prst="rect">
+            <a:avLst/>
+          </a:prstGeom>
+          <a:noFill/>
+          <a:ln w="12700">
+            <a:solidFill>
+              <a:prstClr val="black"/>
+            </a:solidFill>
+          </a:ln>
+        </p:spPr>
+        <p:txBody>
+          <a:bodyPr vert="horz" lIns="91440" tIns="45720" rIns="91440" bIns="45720" rtlCol="0" anchor="ctr"/>
+          <a:lstStyle/>
+          <a:p>
+            <a:endParaRPr lang="de-DE"/>
+          </a:p>
+        </p:txBody>
+      </p:sp>
+      <p:sp>
+        <p:nvSpPr>
+          <p:cNvPr id="5" name="Notizenplatzhalter 4"/>
+          <p:cNvSpPr>
+            <a:spLocks noGrp="1"/>
+          </p:cNvSpPr>
+          <p:nvPr>
+            <p:ph type="body" sz="quarter" idx="3"/>
+          </p:nvPr>
+        </p:nvSpPr>
+        <p:spPr>
+          <a:xfrm>
+            <a:off x="685800" y="4400550"/>
+            <a:ext cx="5486400" cy="3600450"/>
+          </a:xfrm>
+          <a:prstGeom prst="rect">
+            <a:avLst/>
+          </a:prstGeom>
+        </p:spPr>
+        <p:txBody>
+          <a:bodyPr vert="horz" lIns="91440" tIns="45720" rIns="91440" bIns="45720" rtlCol="0"/>
+          <a:lstStyle/>
+          <a:p>
+            <a:pPr lvl="0"/>
+            <a:r>
+              <a:rPr lang="de-DE"/>
+              <a:t>Mastertextformat bearbeiten</a:t>
+            </a:r>
+          </a:p>
+          <a:p>
+            <a:pPr lvl="1"/>
+            <a:r>
+              <a:rPr lang="de-DE"/>
+              <a:t>Zweite Ebene</a:t>
+            </a:r>
+          </a:p>
+          <a:p>
+            <a:pPr lvl="2"/>
+            <a:r>
+              <a:rPr lang="de-DE"/>
+              <a:t>Dritte Ebene</a:t>
+            </a:r>
+          </a:p>
+          <a:p>
+            <a:pPr lvl="3"/>
+            <a:r>
+              <a:rPr lang="de-DE"/>
+              <a:t>Vierte Ebene</a:t>
+            </a:r>
+          </a:p>
+          <a:p>
+            <a:pPr lvl="4"/>
+            <a:r>
+              <a:rPr lang="de-DE"/>
+              <a:t>Fünfte Ebene</a:t>
+            </a:r>
+          </a:p>
+        </p:txBody>
+      </p:sp>
+      <p:sp>
+        <p:nvSpPr>
+          <p:cNvPr id="6" name="Fußzeilenplatzhalter 5"/>
+          <p:cNvSpPr>
+            <a:spLocks noGrp="1"/>
+          </p:cNvSpPr>
+          <p:nvPr>
+            <p:ph type="ftr" sz="quarter" idx="4"/>
+          </p:nvPr>
+        </p:nvSpPr>
+        <p:spPr>
+          <a:xfrm>
+            <a:off x="0" y="8685213"/>
+            <a:ext cx="2971800" cy="458787"/>
+          </a:xfrm>
+          <a:prstGeom prst="rect">
+            <a:avLst/>
+          </a:prstGeom>
+        </p:spPr>
+        <p:txBody>
+          <a:bodyPr vert="horz" lIns="91440" tIns="45720" rIns="91440" bIns="45720" rtlCol="0" anchor="b"/>
+          <a:lstStyle>
+            <a:lvl1pPr algn="l">
+              <a:defRPr sz="1200"/>
+            </a:lvl1pPr>
+          </a:lstStyle>
+          <a:p>
+            <a:endParaRPr lang="de-DE"/>
+          </a:p>
+        </p:txBody>
+      </p:sp>
+      <p:sp>
+        <p:nvSpPr>
+          <p:cNvPr id="7" name="Foliennummernplatzhalter 6"/>
+          <p:cNvSpPr>
+            <a:spLocks noGrp="1"/>
+          </p:cNvSpPr>
+          <p:nvPr>
+            <p:ph type="sldNum" sz="quarter" idx="5"/>
+          </p:nvPr>
+        </p:nvSpPr>
+        <p:spPr>
+          <a:xfrm>
+            <a:off x="3884613" y="8685213"/>
+            <a:ext cx="2971800" cy="458787"/>
+          </a:xfrm>
+          <a:prstGeom prst="rect">
+            <a:avLst/>
+          </a:prstGeom>
+        </p:spPr>
+        <p:txBody>
+          <a:bodyPr vert="horz" lIns="91440" tIns="45720" rIns="91440" bIns="45720" rtlCol="0" anchor="b"/>
+          <a:lstStyle>
+            <a:lvl1pPr algn="r">
+              <a:defRPr sz="1200"/>
+            </a:lvl1pPr>
+          </a:lstStyle>
+          <a:p>
+            <a:fld id="{4368D986-3840-4853-B830-6A2B335657A3}" type="slidenum">
+              <a:rPr lang="de-DE" smtClean="0"/>
+              <a:t>‹Nr.›</a:t>
+            </a:fld>
+            <a:endParaRPr lang="de-DE"/>
+          </a:p>
+        </p:txBody>
+      </p:sp>
+    </p:spTree>
+    <p:extLst>
+      <p:ext uri="{BB962C8B-B14F-4D97-AF65-F5344CB8AC3E}">
+        <p14:creationId xmlns:p14="http://schemas.microsoft.com/office/powerpoint/2010/main" val="4143120793"/>
+      </p:ext>
+    </p:extLst>
+  </p:cSld>
+  <p:clrMap bg1="lt1" tx1="dk1" bg2="lt2" tx2="dk2" accent1="accent1" accent2="accent2" accent3="accent3" accent4="accent4" accent5="accent5" accent6="accent6" hlink="hlink" folHlink="folHlink"/>
+  <p:notesStyle>
+    <a:lvl1pPr marL="0" algn="l" defTabSz="914400" rtl="0" eaLnBrk="1" latinLnBrk="0" hangingPunct="1">
+      <a:defRPr sz="1200" kern="1200">
+        <a:solidFill>
+          <a:schemeClr val="tx1"/>
+        </a:solidFill>
+        <a:latin typeface="+mn-lt"/>
+        <a:ea typeface="+mn-ea"/>
+        <a:cs typeface="+mn-cs"/>
+      </a:defRPr>
+    </a:lvl1pPr>
+    <a:lvl2pPr marL="457200" algn="l" defTabSz="914400" rtl="0" eaLnBrk="1" latinLnBrk="0" hangingPunct="1">
+      <a:defRPr sz="1200" kern="1200">
+        <a:solidFill>
+          <a:schemeClr val="tx1"/>
+        </a:solidFill>
+        <a:latin typeface="+mn-lt"/>
+        <a:ea typeface="+mn-ea"/>
+        <a:cs typeface="+mn-cs"/>
+      </a:defRPr>
+    </a:lvl2pPr>
+    <a:lvl3pPr marL="914400" algn="l" defTabSz="914400" rtl="0" eaLnBrk="1" latinLnBrk="0" hangingPunct="1">
+      <a:defRPr sz="1200" kern="1200">
+        <a:solidFill>
+          <a:schemeClr val="tx1"/>
+        </a:solidFill>
+        <a:latin typeface="+mn-lt"/>
+        <a:ea typeface="+mn-ea"/>
+        <a:cs typeface="+mn-cs"/>
+      </a:defRPr>
+    </a:lvl3pPr>
+    <a:lvl4pPr marL="1371600" algn="l" defTabSz="914400" rtl="0" eaLnBrk="1" latinLnBrk="0" hangingPunct="1">
+      <a:defRPr sz="1200" kern="1200">
+        <a:solidFill>
+          <a:schemeClr val="tx1"/>
+        </a:solidFill>
+        <a:latin typeface="+mn-lt"/>
+        <a:ea typeface="+mn-ea"/>
+        <a:cs typeface="+mn-cs"/>
+      </a:defRPr>
+    </a:lvl4pPr>
+    <a:lvl5pPr marL="1828800" algn="l" defTabSz="914400" rtl="0" eaLnBrk="1" latinLnBrk="0" hangingPunct="1">
+      <a:defRPr sz="1200" kern="1200">
+        <a:solidFill>
+          <a:schemeClr val="tx1"/>
+        </a:solidFill>
+        <a:latin typeface="+mn-lt"/>
+        <a:ea typeface="+mn-ea"/>
+        <a:cs typeface="+mn-cs"/>
+      </a:defRPr>
+    </a:lvl5pPr>
+    <a:lvl6pPr marL="2286000" algn="l" defTabSz="914400" rtl="0" eaLnBrk="1" latinLnBrk="0" hangingPunct="1">
+      <a:defRPr sz="1200" kern="1200">
+        <a:solidFill>
+          <a:schemeClr val="tx1"/>
+        </a:solidFill>
+        <a:latin typeface="+mn-lt"/>
+        <a:ea typeface="+mn-ea"/>
+        <a:cs typeface="+mn-cs"/>
+      </a:defRPr>
+    </a:lvl6pPr>
+    <a:lvl7pPr marL="2743200" algn="l" defTabSz="914400" rtl="0" eaLnBrk="1" latinLnBrk="0" hangingPunct="1">
+      <a:defRPr sz="1200" kern="1200">
+        <a:solidFill>
+          <a:schemeClr val="tx1"/>
+        </a:solidFill>
+        <a:latin typeface="+mn-lt"/>
+        <a:ea typeface="+mn-ea"/>
+        <a:cs typeface="+mn-cs"/>
+      </a:defRPr>
+    </a:lvl7pPr>
+    <a:lvl8pPr marL="3200400" algn="l" defTabSz="914400" rtl="0" eaLnBrk="1" latinLnBrk="0" hangingPunct="1">
+      <a:defRPr sz="1200" kern="1200">
+        <a:solidFill>
+          <a:schemeClr val="tx1"/>
+        </a:solidFill>
+        <a:latin typeface="+mn-lt"/>
+        <a:ea typeface="+mn-ea"/>
+        <a:cs typeface="+mn-cs"/>
+      </a:defRPr>
+    </a:lvl8pPr>
+    <a:lvl9pPr marL="3657600" algn="l" defTabSz="914400" rtl="0" eaLnBrk="1" latinLnBrk="0" hangingPunct="1">
+      <a:defRPr sz="1200" kern="1200">
+        <a:solidFill>
+          <a:schemeClr val="tx1"/>
+        </a:solidFill>
+        <a:latin typeface="+mn-lt"/>
+        <a:ea typeface="+mn-ea"/>
+        <a:cs typeface="+mn-cs"/>
+      </a:defRPr>
+    </a:lvl9pPr>
+  </p:notesStyle>
+</p:notesMaster>
+</file>
+
 <file path=ppt/slideLayouts/slideLayout1.xml><?xml version="1.0" encoding="utf-8"?>
 <p:sldLayout xmlns:a="http://schemas.openxmlformats.org/drawingml/2006/main" xmlns:r="http://schemas.openxmlformats.org/officeDocument/2006/relationships" xmlns:p="http://schemas.openxmlformats.org/presentationml/2006/main" type="title" preserve="1">
   <p:cSld name="Titelfolie">
@@ -287,9 +639,9 @@
           <a:bodyPr/>
           <a:lstStyle/>
           <a:p>
-            <a:fld id="{F567A344-B5EA-438D-9F1A-3789ED15FA5F}" type="datetimeFigureOut">
+            <a:fld id="{EFBD0E57-FEC3-4BDE-8DB0-A4B486FCA394}" type="datetime1">
               <a:rPr lang="de-DE" smtClean="0"/>
-              <a:t>06.12.2023</a:t>
+              <a:t>07.12.2023</a:t>
             </a:fld>
             <a:endParaRPr lang="de-DE"/>
           </a:p>
@@ -339,13 +691,18 @@
         <p:spPr/>
         <p:txBody>
           <a:bodyPr/>
-          <a:lstStyle/>
+          <a:lstStyle>
+            <a:lvl1pPr>
+              <a:defRPr sz="3600"/>
+            </a:lvl1pPr>
+          </a:lstStyle>
           <a:p>
             <a:fld id="{1DC7C88A-61DF-4C06-B514-651BF2646602}" type="slidenum">
               <a:rPr lang="de-DE" smtClean="0"/>
+              <a:pPr/>
               <a:t>‹Nr.›</a:t>
             </a:fld>
-            <a:endParaRPr lang="de-DE"/>
+            <a:endParaRPr lang="de-DE" dirty="0"/>
           </a:p>
         </p:txBody>
       </p:sp>
@@ -485,9 +842,9 @@
           <a:bodyPr/>
           <a:lstStyle/>
           <a:p>
-            <a:fld id="{F567A344-B5EA-438D-9F1A-3789ED15FA5F}" type="datetimeFigureOut">
+            <a:fld id="{43D9D00A-0E87-4A17-B81F-31DFCF3572D0}" type="datetime1">
               <a:rPr lang="de-DE" smtClean="0"/>
-              <a:t>06.12.2023</a:t>
+              <a:t>07.12.2023</a:t>
             </a:fld>
             <a:endParaRPr lang="de-DE"/>
           </a:p>
@@ -693,9 +1050,9 @@
           <a:bodyPr/>
           <a:lstStyle/>
           <a:p>
-            <a:fld id="{F567A344-B5EA-438D-9F1A-3789ED15FA5F}" type="datetimeFigureOut">
+            <a:fld id="{F60DC5FB-BC3D-446B-9CB2-854863254B84}" type="datetime1">
               <a:rPr lang="de-DE" smtClean="0"/>
-              <a:t>06.12.2023</a:t>
+              <a:t>07.12.2023</a:t>
             </a:fld>
             <a:endParaRPr lang="de-DE"/>
           </a:p>
@@ -891,9 +1248,9 @@
           <a:bodyPr/>
           <a:lstStyle/>
           <a:p>
-            <a:fld id="{F567A344-B5EA-438D-9F1A-3789ED15FA5F}" type="datetimeFigureOut">
+            <a:fld id="{185AB18B-E7DC-4109-8F69-1B0888E3C7E3}" type="datetime1">
               <a:rPr lang="de-DE" smtClean="0"/>
-              <a:t>06.12.2023</a:t>
+              <a:t>07.12.2023</a:t>
             </a:fld>
             <a:endParaRPr lang="de-DE"/>
           </a:p>
@@ -943,13 +1300,18 @@
         <p:spPr/>
         <p:txBody>
           <a:bodyPr/>
-          <a:lstStyle/>
+          <a:lstStyle>
+            <a:lvl1pPr>
+              <a:defRPr sz="1600"/>
+            </a:lvl1pPr>
+          </a:lstStyle>
           <a:p>
             <a:fld id="{1DC7C88A-61DF-4C06-B514-651BF2646602}" type="slidenum">
               <a:rPr lang="de-DE" smtClean="0"/>
+              <a:pPr/>
               <a:t>‹Nr.›</a:t>
             </a:fld>
-            <a:endParaRPr lang="de-DE"/>
+            <a:endParaRPr lang="de-DE" dirty="0"/>
           </a:p>
         </p:txBody>
       </p:sp>
@@ -1166,9 +1528,9 @@
           <a:bodyPr/>
           <a:lstStyle/>
           <a:p>
-            <a:fld id="{F567A344-B5EA-438D-9F1A-3789ED15FA5F}" type="datetimeFigureOut">
+            <a:fld id="{9DA04520-E5DB-4F17-A794-5D5A5A9E0A27}" type="datetime1">
               <a:rPr lang="de-DE" smtClean="0"/>
-              <a:t>06.12.2023</a:t>
+              <a:t>07.12.2023</a:t>
             </a:fld>
             <a:endParaRPr lang="de-DE"/>
           </a:p>
@@ -1431,9 +1793,9 @@
           <a:bodyPr/>
           <a:lstStyle/>
           <a:p>
-            <a:fld id="{F567A344-B5EA-438D-9F1A-3789ED15FA5F}" type="datetimeFigureOut">
+            <a:fld id="{0B859F31-944A-4248-9F22-9338C83CD414}" type="datetime1">
               <a:rPr lang="de-DE" smtClean="0"/>
-              <a:t>06.12.2023</a:t>
+              <a:t>07.12.2023</a:t>
             </a:fld>
             <a:endParaRPr lang="de-DE"/>
           </a:p>
@@ -1843,9 +2205,9 @@
           <a:bodyPr/>
           <a:lstStyle/>
           <a:p>
-            <a:fld id="{F567A344-B5EA-438D-9F1A-3789ED15FA5F}" type="datetimeFigureOut">
+            <a:fld id="{68517B5D-C6CE-499E-8CB5-C9A8148BBA7C}" type="datetime1">
               <a:rPr lang="de-DE" smtClean="0"/>
-              <a:t>06.12.2023</a:t>
+              <a:t>07.12.2023</a:t>
             </a:fld>
             <a:endParaRPr lang="de-DE"/>
           </a:p>
@@ -1984,9 +2346,9 @@
           <a:bodyPr/>
           <a:lstStyle/>
           <a:p>
-            <a:fld id="{F567A344-B5EA-438D-9F1A-3789ED15FA5F}" type="datetimeFigureOut">
+            <a:fld id="{DFBDEB36-FCB0-49D0-97E7-3636DDE529B4}" type="datetime1">
               <a:rPr lang="de-DE" smtClean="0"/>
-              <a:t>06.12.2023</a:t>
+              <a:t>07.12.2023</a:t>
             </a:fld>
             <a:endParaRPr lang="de-DE"/>
           </a:p>
@@ -2097,9 +2459,9 @@
           <a:bodyPr/>
           <a:lstStyle/>
           <a:p>
-            <a:fld id="{F567A344-B5EA-438D-9F1A-3789ED15FA5F}" type="datetimeFigureOut">
+            <a:fld id="{3CCD6D9F-93B2-4E41-8CB4-E110387A5975}" type="datetime1">
               <a:rPr lang="de-DE" smtClean="0"/>
-              <a:t>06.12.2023</a:t>
+              <a:t>07.12.2023</a:t>
             </a:fld>
             <a:endParaRPr lang="de-DE"/>
           </a:p>
@@ -2408,9 +2770,9 @@
           <a:bodyPr/>
           <a:lstStyle/>
           <a:p>
-            <a:fld id="{F567A344-B5EA-438D-9F1A-3789ED15FA5F}" type="datetimeFigureOut">
+            <a:fld id="{B6143F7D-9AA3-45AA-BF8B-A42B2AAD3842}" type="datetime1">
               <a:rPr lang="de-DE" smtClean="0"/>
-              <a:t>06.12.2023</a:t>
+              <a:t>07.12.2023</a:t>
             </a:fld>
             <a:endParaRPr lang="de-DE"/>
           </a:p>
@@ -2696,9 +3058,9 @@
           <a:bodyPr/>
           <a:lstStyle/>
           <a:p>
-            <a:fld id="{F567A344-B5EA-438D-9F1A-3789ED15FA5F}" type="datetimeFigureOut">
+            <a:fld id="{993F6D44-3893-40AC-8F53-0F2CD8F93BC5}" type="datetime1">
               <a:rPr lang="de-DE" smtClean="0"/>
-              <a:t>06.12.2023</a:t>
+              <a:t>07.12.2023</a:t>
             </a:fld>
             <a:endParaRPr lang="de-DE"/>
           </a:p>
@@ -2937,9 +3299,9 @@
             </a:lvl1pPr>
           </a:lstStyle>
           <a:p>
-            <a:fld id="{F567A344-B5EA-438D-9F1A-3789ED15FA5F}" type="datetimeFigureOut">
+            <a:fld id="{F4A4300A-A988-4F29-A89A-0400E6782343}" type="datetime1">
               <a:rPr lang="de-DE" smtClean="0"/>
-              <a:t>06.12.2023</a:t>
+              <a:t>07.12.2023</a:t>
             </a:fld>
             <a:endParaRPr lang="de-DE"/>
           </a:p>
@@ -3056,6 +3418,7 @@
     <p:sldLayoutId id="2147483658" r:id="rId10"/>
     <p:sldLayoutId id="2147483659" r:id="rId11"/>
   </p:sldLayoutIdLst>
+  <p:hf hdr="0" ftr="0" dt="0"/>
   <p:txStyles>
     <p:titleStyle>
       <a:lvl1pPr algn="l" defTabSz="914400" rtl="0" eaLnBrk="1" latinLnBrk="0" hangingPunct="1">
@@ -3552,271 +3915,6 @@
         </p:nvSpPr>
         <p:spPr>
           <a:xfrm>
-            <a:off x="5261206" y="1825625"/>
-            <a:ext cx="5883215" cy="369332"/>
-          </a:xfrm>
-          <a:prstGeom prst="rect">
-            <a:avLst/>
-          </a:prstGeom>
-          <a:noFill/>
-        </p:spPr>
-        <p:txBody>
-          <a:bodyPr wrap="square" rtlCol="0">
-            <a:spAutoFit/>
-          </a:bodyPr>
-          <a:lstStyle/>
-          <a:p>
-            <a:r>
-              <a:rPr lang="de-DE" dirty="0"/>
-              <a:t>Es gibt die Locks x und y im Trace -&gt; Knoten x und y im Graph</a:t>
-            </a:r>
-          </a:p>
-        </p:txBody>
-      </p:sp>
-      <p:sp>
-        <p:nvSpPr>
-          <p:cNvPr id="10" name="Ellipse 9">
-            <a:extLst>
-              <a:ext uri="{FF2B5EF4-FFF2-40B4-BE49-F238E27FC236}">
-                <a16:creationId xmlns:a16="http://schemas.microsoft.com/office/drawing/2014/main" id="{B3BE2E0C-42FE-471D-A03E-A9B806CC0DB5}"/>
-              </a:ext>
-            </a:extLst>
-          </p:cNvPr>
-          <p:cNvSpPr/>
-          <p:nvPr/>
-        </p:nvSpPr>
-        <p:spPr>
-          <a:xfrm>
-            <a:off x="5897971" y="4494362"/>
-            <a:ext cx="1242203" cy="836762"/>
-          </a:xfrm>
-          <a:prstGeom prst="ellipse">
-            <a:avLst/>
-          </a:prstGeom>
-          <a:solidFill>
-            <a:schemeClr val="bg1"/>
-          </a:solidFill>
-        </p:spPr>
-        <p:style>
-          <a:lnRef idx="2">
-            <a:schemeClr val="accent1">
-              <a:shade val="15000"/>
-            </a:schemeClr>
-          </a:lnRef>
-          <a:fillRef idx="1">
-            <a:schemeClr val="accent1"/>
-          </a:fillRef>
-          <a:effectRef idx="0">
-            <a:schemeClr val="accent1"/>
-          </a:effectRef>
-          <a:fontRef idx="minor">
-            <a:schemeClr val="lt1"/>
-          </a:fontRef>
-        </p:style>
-        <p:txBody>
-          <a:bodyPr rtlCol="0" anchor="ctr"/>
-          <a:lstStyle/>
-          <a:p>
-            <a:pPr algn="ctr"/>
-            <a:r>
-              <a:rPr lang="de-DE" dirty="0">
-                <a:solidFill>
-                  <a:schemeClr val="tx1"/>
-                </a:solidFill>
-              </a:rPr>
-              <a:t>y</a:t>
-            </a:r>
-          </a:p>
-        </p:txBody>
-      </p:sp>
-      <p:sp>
-        <p:nvSpPr>
-          <p:cNvPr id="12" name="Ellipse 11">
-            <a:extLst>
-              <a:ext uri="{FF2B5EF4-FFF2-40B4-BE49-F238E27FC236}">
-                <a16:creationId xmlns:a16="http://schemas.microsoft.com/office/drawing/2014/main" id="{46165CF1-4BB9-0524-3C11-027ACA7D81ED}"/>
-              </a:ext>
-            </a:extLst>
-          </p:cNvPr>
-          <p:cNvSpPr/>
-          <p:nvPr/>
-        </p:nvSpPr>
-        <p:spPr>
-          <a:xfrm>
-            <a:off x="8625885" y="4494362"/>
-            <a:ext cx="1242203" cy="836762"/>
-          </a:xfrm>
-          <a:prstGeom prst="ellipse">
-            <a:avLst/>
-          </a:prstGeom>
-          <a:solidFill>
-            <a:schemeClr val="bg1"/>
-          </a:solidFill>
-        </p:spPr>
-        <p:style>
-          <a:lnRef idx="2">
-            <a:schemeClr val="accent1">
-              <a:shade val="15000"/>
-            </a:schemeClr>
-          </a:lnRef>
-          <a:fillRef idx="1">
-            <a:schemeClr val="accent1"/>
-          </a:fillRef>
-          <a:effectRef idx="0">
-            <a:schemeClr val="accent1"/>
-          </a:effectRef>
-          <a:fontRef idx="minor">
-            <a:schemeClr val="lt1"/>
-          </a:fontRef>
-        </p:style>
-        <p:txBody>
-          <a:bodyPr rtlCol="0" anchor="ctr"/>
-          <a:lstStyle/>
-          <a:p>
-            <a:pPr algn="ctr"/>
-            <a:r>
-              <a:rPr lang="de-DE" dirty="0">
-                <a:solidFill>
-                  <a:schemeClr val="tx1"/>
-                </a:solidFill>
-              </a:rPr>
-              <a:t>x</a:t>
-            </a:r>
-          </a:p>
-        </p:txBody>
-      </p:sp>
-    </p:spTree>
-    <p:extLst>
-      <p:ext uri="{BB962C8B-B14F-4D97-AF65-F5344CB8AC3E}">
-        <p14:creationId xmlns:p14="http://schemas.microsoft.com/office/powerpoint/2010/main" val="3837331834"/>
-      </p:ext>
-    </p:extLst>
-  </p:cSld>
-  <p:clrMapOvr>
-    <a:masterClrMapping/>
-  </p:clrMapOvr>
-</p:sld>
-</file>
-
-<file path=ppt/slides/slide11.xml><?xml version="1.0" encoding="utf-8"?>
-<p:sld xmlns:a="http://schemas.openxmlformats.org/drawingml/2006/main" xmlns:r="http://schemas.openxmlformats.org/officeDocument/2006/relationships" xmlns:p="http://schemas.openxmlformats.org/presentationml/2006/main">
-  <p:cSld>
-    <p:spTree>
-      <p:nvGrpSpPr>
-        <p:cNvPr id="1" name=""/>
-        <p:cNvGrpSpPr/>
-        <p:nvPr/>
-      </p:nvGrpSpPr>
-      <p:grpSpPr>
-        <a:xfrm>
-          <a:off x="0" y="0"/>
-          <a:ext cx="0" cy="0"/>
-          <a:chOff x="0" y="0"/>
-          <a:chExt cx="0" cy="0"/>
-        </a:xfrm>
-      </p:grpSpPr>
-      <p:sp>
-        <p:nvSpPr>
-          <p:cNvPr id="2" name="Titel 1">
-            <a:extLst>
-              <a:ext uri="{FF2B5EF4-FFF2-40B4-BE49-F238E27FC236}">
-                <a16:creationId xmlns:a16="http://schemas.microsoft.com/office/drawing/2014/main" id="{661FD3D5-05E5-BB98-FE98-EAB9EA7B8B07}"/>
-              </a:ext>
-            </a:extLst>
-          </p:cNvPr>
-          <p:cNvSpPr>
-            <a:spLocks noGrp="1"/>
-          </p:cNvSpPr>
-          <p:nvPr>
-            <p:ph type="title"/>
-          </p:nvPr>
-        </p:nvSpPr>
-        <p:spPr/>
-        <p:txBody>
-          <a:bodyPr/>
-          <a:lstStyle/>
-          <a:p>
-            <a:r>
-              <a:rPr lang="de-DE" dirty="0"/>
-              <a:t>Dynamische Deadlock-Analyse</a:t>
-            </a:r>
-          </a:p>
-        </p:txBody>
-      </p:sp>
-      <p:pic>
-        <p:nvPicPr>
-          <p:cNvPr id="7" name="Grafik 6">
-            <a:extLst>
-              <a:ext uri="{FF2B5EF4-FFF2-40B4-BE49-F238E27FC236}">
-                <a16:creationId xmlns:a16="http://schemas.microsoft.com/office/drawing/2014/main" id="{94018E8F-24AE-2186-5097-F867FBCC1118}"/>
-              </a:ext>
-            </a:extLst>
-          </p:cNvPr>
-          <p:cNvPicPr>
-            <a:picLocks noChangeAspect="1"/>
-          </p:cNvPicPr>
-          <p:nvPr/>
-        </p:nvPicPr>
-        <p:blipFill>
-          <a:blip r:embed="rId2"/>
-          <a:stretch>
-            <a:fillRect/>
-          </a:stretch>
-        </p:blipFill>
-        <p:spPr>
-          <a:xfrm>
-            <a:off x="622085" y="1825625"/>
-            <a:ext cx="4429743" cy="4191585"/>
-          </a:xfrm>
-          <a:prstGeom prst="rect">
-            <a:avLst/>
-          </a:prstGeom>
-          <a:ln>
-            <a:solidFill>
-              <a:schemeClr val="tx1"/>
-            </a:solidFill>
-          </a:ln>
-        </p:spPr>
-      </p:pic>
-      <p:sp>
-        <p:nvSpPr>
-          <p:cNvPr id="8" name="Inhaltsplatzhalter 7">
-            <a:extLst>
-              <a:ext uri="{FF2B5EF4-FFF2-40B4-BE49-F238E27FC236}">
-                <a16:creationId xmlns:a16="http://schemas.microsoft.com/office/drawing/2014/main" id="{2754EA18-5000-3F68-48CA-1F29DF784D3E}"/>
-              </a:ext>
-            </a:extLst>
-          </p:cNvPr>
-          <p:cNvSpPr>
-            <a:spLocks noGrp="1"/>
-          </p:cNvSpPr>
-          <p:nvPr>
-            <p:ph idx="1"/>
-          </p:nvPr>
-        </p:nvSpPr>
-        <p:spPr/>
-        <p:txBody>
-          <a:bodyPr/>
-          <a:lstStyle/>
-          <a:p>
-            <a:endParaRPr lang="de-DE" dirty="0"/>
-          </a:p>
-        </p:txBody>
-      </p:sp>
-      <p:sp>
-        <p:nvSpPr>
-          <p:cNvPr id="9" name="Textfeld 8">
-            <a:extLst>
-              <a:ext uri="{FF2B5EF4-FFF2-40B4-BE49-F238E27FC236}">
-                <a16:creationId xmlns:a16="http://schemas.microsoft.com/office/drawing/2014/main" id="{42F91DDC-9C08-AAF8-F17D-84ACF3C79F2B}"/>
-              </a:ext>
-            </a:extLst>
-          </p:cNvPr>
-          <p:cNvSpPr txBox="1"/>
-          <p:nvPr/>
-        </p:nvSpPr>
-        <p:spPr>
-          <a:xfrm>
             <a:off x="5235327" y="1825625"/>
             <a:ext cx="5883215" cy="1200329"/>
           </a:xfrm>
@@ -4021,6 +4119,35 @@
           </a:fontRef>
         </p:style>
       </p:cxnSp>
+      <p:sp>
+        <p:nvSpPr>
+          <p:cNvPr id="3" name="Foliennummernplatzhalter 2">
+            <a:extLst>
+              <a:ext uri="{FF2B5EF4-FFF2-40B4-BE49-F238E27FC236}">
+                <a16:creationId xmlns:a16="http://schemas.microsoft.com/office/drawing/2014/main" id="{FDD4CA60-CBB5-659B-185C-615EC74E2FDF}"/>
+              </a:ext>
+            </a:extLst>
+          </p:cNvPr>
+          <p:cNvSpPr>
+            <a:spLocks noGrp="1"/>
+          </p:cNvSpPr>
+          <p:nvPr>
+            <p:ph type="sldNum" sz="quarter" idx="12"/>
+          </p:nvPr>
+        </p:nvSpPr>
+        <p:spPr/>
+        <p:txBody>
+          <a:bodyPr/>
+          <a:lstStyle/>
+          <a:p>
+            <a:fld id="{1DC7C88A-61DF-4C06-B514-651BF2646602}" type="slidenum">
+              <a:rPr lang="de-DE" smtClean="0"/>
+              <a:t>10</a:t>
+            </a:fld>
+            <a:endParaRPr lang="de-DE"/>
+          </a:p>
+        </p:txBody>
+      </p:sp>
     </p:spTree>
     <p:extLst>
       <p:ext uri="{BB962C8B-B14F-4D97-AF65-F5344CB8AC3E}">
@@ -4034,7 +4161,7 @@
 </p:sld>
 </file>
 
-<file path=ppt/slides/slide12.xml><?xml version="1.0" encoding="utf-8"?>
+<file path=ppt/slides/slide11.xml><?xml version="1.0" encoding="utf-8"?>
 <p:sld xmlns:a="http://schemas.openxmlformats.org/drawingml/2006/main" xmlns:r="http://schemas.openxmlformats.org/officeDocument/2006/relationships" xmlns:p="http://schemas.openxmlformats.org/presentationml/2006/main">
   <p:cSld>
     <p:spTree>
@@ -4418,6 +4545,35 @@
           </a:fontRef>
         </p:style>
       </p:cxnSp>
+      <p:sp>
+        <p:nvSpPr>
+          <p:cNvPr id="3" name="Foliennummernplatzhalter 2">
+            <a:extLst>
+              <a:ext uri="{FF2B5EF4-FFF2-40B4-BE49-F238E27FC236}">
+                <a16:creationId xmlns:a16="http://schemas.microsoft.com/office/drawing/2014/main" id="{A0096F13-31F8-C877-3F61-EA7A69F15F05}"/>
+              </a:ext>
+            </a:extLst>
+          </p:cNvPr>
+          <p:cNvSpPr>
+            <a:spLocks noGrp="1"/>
+          </p:cNvSpPr>
+          <p:nvPr>
+            <p:ph type="sldNum" sz="quarter" idx="12"/>
+          </p:nvPr>
+        </p:nvSpPr>
+        <p:spPr/>
+        <p:txBody>
+          <a:bodyPr/>
+          <a:lstStyle/>
+          <a:p>
+            <a:fld id="{1DC7C88A-61DF-4C06-B514-651BF2646602}" type="slidenum">
+              <a:rPr lang="de-DE" smtClean="0"/>
+              <a:t>11</a:t>
+            </a:fld>
+            <a:endParaRPr lang="de-DE"/>
+          </a:p>
+        </p:txBody>
+      </p:sp>
     </p:spTree>
     <p:extLst>
       <p:ext uri="{BB962C8B-B14F-4D97-AF65-F5344CB8AC3E}">
@@ -4431,7 +4587,7 @@
 </p:sld>
 </file>
 
-<file path=ppt/slides/slide13.xml><?xml version="1.0" encoding="utf-8"?>
+<file path=ppt/slides/slide12.xml><?xml version="1.0" encoding="utf-8"?>
 <p:sld xmlns:a="http://schemas.openxmlformats.org/drawingml/2006/main" xmlns:r="http://schemas.openxmlformats.org/officeDocument/2006/relationships" xmlns:p="http://schemas.openxmlformats.org/presentationml/2006/main">
   <p:cSld>
     <p:spTree>
@@ -4854,6 +5010,35 @@
           </a:p>
         </p:txBody>
       </p:sp>
+      <p:sp>
+        <p:nvSpPr>
+          <p:cNvPr id="5" name="Foliennummernplatzhalter 4">
+            <a:extLst>
+              <a:ext uri="{FF2B5EF4-FFF2-40B4-BE49-F238E27FC236}">
+                <a16:creationId xmlns:a16="http://schemas.microsoft.com/office/drawing/2014/main" id="{9078A2AC-5F64-F992-55A4-1FC581E72D2D}"/>
+              </a:ext>
+            </a:extLst>
+          </p:cNvPr>
+          <p:cNvSpPr>
+            <a:spLocks noGrp="1"/>
+          </p:cNvSpPr>
+          <p:nvPr>
+            <p:ph type="sldNum" sz="quarter" idx="12"/>
+          </p:nvPr>
+        </p:nvSpPr>
+        <p:spPr/>
+        <p:txBody>
+          <a:bodyPr/>
+          <a:lstStyle/>
+          <a:p>
+            <a:fld id="{1DC7C88A-61DF-4C06-B514-651BF2646602}" type="slidenum">
+              <a:rPr lang="de-DE" smtClean="0"/>
+              <a:t>12</a:t>
+            </a:fld>
+            <a:endParaRPr lang="de-DE"/>
+          </a:p>
+        </p:txBody>
+      </p:sp>
     </p:spTree>
     <p:extLst>
       <p:ext uri="{BB962C8B-B14F-4D97-AF65-F5344CB8AC3E}">
@@ -4867,8 +5052,8 @@
 </p:sld>
 </file>
 
-<file path=ppt/slides/slide14.xml><?xml version="1.0" encoding="utf-8"?>
-<p:sld xmlns:a="http://schemas.openxmlformats.org/drawingml/2006/main" xmlns:r="http://schemas.openxmlformats.org/officeDocument/2006/relationships" xmlns:p="http://schemas.openxmlformats.org/presentationml/2006/main">
+<file path=ppt/slides/slide13.xml><?xml version="1.0" encoding="utf-8"?>
+<p:sld xmlns:a="http://schemas.openxmlformats.org/drawingml/2006/main" xmlns:r="http://schemas.openxmlformats.org/officeDocument/2006/relationships" xmlns:p="http://schemas.openxmlformats.org/presentationml/2006/main" show="0">
   <p:cSld>
     <p:spTree>
       <p:nvGrpSpPr>
@@ -5104,6 +5289,35 @@
           </a:ln>
         </p:spPr>
       </p:pic>
+      <p:sp>
+        <p:nvSpPr>
+          <p:cNvPr id="3" name="Foliennummernplatzhalter 2">
+            <a:extLst>
+              <a:ext uri="{FF2B5EF4-FFF2-40B4-BE49-F238E27FC236}">
+                <a16:creationId xmlns:a16="http://schemas.microsoft.com/office/drawing/2014/main" id="{9BFBBC45-901D-B9F9-1F23-4262435497B8}"/>
+              </a:ext>
+            </a:extLst>
+          </p:cNvPr>
+          <p:cNvSpPr>
+            <a:spLocks noGrp="1"/>
+          </p:cNvSpPr>
+          <p:nvPr>
+            <p:ph type="sldNum" sz="quarter" idx="12"/>
+          </p:nvPr>
+        </p:nvSpPr>
+        <p:spPr/>
+        <p:txBody>
+          <a:bodyPr/>
+          <a:lstStyle/>
+          <a:p>
+            <a:fld id="{1DC7C88A-61DF-4C06-B514-651BF2646602}" type="slidenum">
+              <a:rPr lang="de-DE" smtClean="0"/>
+              <a:t>13</a:t>
+            </a:fld>
+            <a:endParaRPr lang="de-DE"/>
+          </a:p>
+        </p:txBody>
+      </p:sp>
     </p:spTree>
     <p:extLst>
       <p:ext uri="{BB962C8B-B14F-4D97-AF65-F5344CB8AC3E}">
@@ -5117,8 +5331,8 @@
 </p:sld>
 </file>
 
-<file path=ppt/slides/slide15.xml><?xml version="1.0" encoding="utf-8"?>
-<p:sld xmlns:a="http://schemas.openxmlformats.org/drawingml/2006/main" xmlns:r="http://schemas.openxmlformats.org/officeDocument/2006/relationships" xmlns:p="http://schemas.openxmlformats.org/presentationml/2006/main">
+<file path=ppt/slides/slide14.xml><?xml version="1.0" encoding="utf-8"?>
+<p:sld xmlns:a="http://schemas.openxmlformats.org/drawingml/2006/main" xmlns:r="http://schemas.openxmlformats.org/officeDocument/2006/relationships" xmlns:p="http://schemas.openxmlformats.org/presentationml/2006/main" show="0">
   <p:cSld>
     <p:spTree>
       <p:nvGrpSpPr>
@@ -5415,6 +5629,35 @@
           </a:fontRef>
         </p:style>
       </p:cxnSp>
+      <p:sp>
+        <p:nvSpPr>
+          <p:cNvPr id="3" name="Foliennummernplatzhalter 2">
+            <a:extLst>
+              <a:ext uri="{FF2B5EF4-FFF2-40B4-BE49-F238E27FC236}">
+                <a16:creationId xmlns:a16="http://schemas.microsoft.com/office/drawing/2014/main" id="{9D39A1D0-B7BE-FC45-7BC0-DA8554AE62D7}"/>
+              </a:ext>
+            </a:extLst>
+          </p:cNvPr>
+          <p:cNvSpPr>
+            <a:spLocks noGrp="1"/>
+          </p:cNvSpPr>
+          <p:nvPr>
+            <p:ph type="sldNum" sz="quarter" idx="12"/>
+          </p:nvPr>
+        </p:nvSpPr>
+        <p:spPr/>
+        <p:txBody>
+          <a:bodyPr/>
+          <a:lstStyle/>
+          <a:p>
+            <a:fld id="{1DC7C88A-61DF-4C06-B514-651BF2646602}" type="slidenum">
+              <a:rPr lang="de-DE" smtClean="0"/>
+              <a:t>14</a:t>
+            </a:fld>
+            <a:endParaRPr lang="de-DE"/>
+          </a:p>
+        </p:txBody>
+      </p:sp>
     </p:spTree>
     <p:extLst>
       <p:ext uri="{BB962C8B-B14F-4D97-AF65-F5344CB8AC3E}">
@@ -5428,8 +5671,8 @@
 </p:sld>
 </file>
 
-<file path=ppt/slides/slide16.xml><?xml version="1.0" encoding="utf-8"?>
-<p:sld xmlns:a="http://schemas.openxmlformats.org/drawingml/2006/main" xmlns:r="http://schemas.openxmlformats.org/officeDocument/2006/relationships" xmlns:p="http://schemas.openxmlformats.org/presentationml/2006/main">
+<file path=ppt/slides/slide15.xml><?xml version="1.0" encoding="utf-8"?>
+<p:sld xmlns:a="http://schemas.openxmlformats.org/drawingml/2006/main" xmlns:r="http://schemas.openxmlformats.org/officeDocument/2006/relationships" xmlns:p="http://schemas.openxmlformats.org/presentationml/2006/main" show="0">
   <p:cSld>
     <p:spTree>
       <p:nvGrpSpPr>
@@ -5787,6 +6030,35 @@
           </a:fontRef>
         </p:style>
       </p:cxnSp>
+      <p:sp>
+        <p:nvSpPr>
+          <p:cNvPr id="3" name="Foliennummernplatzhalter 2">
+            <a:extLst>
+              <a:ext uri="{FF2B5EF4-FFF2-40B4-BE49-F238E27FC236}">
+                <a16:creationId xmlns:a16="http://schemas.microsoft.com/office/drawing/2014/main" id="{A80389FB-44A1-EA0D-3274-2065CCD343D5}"/>
+              </a:ext>
+            </a:extLst>
+          </p:cNvPr>
+          <p:cNvSpPr>
+            <a:spLocks noGrp="1"/>
+          </p:cNvSpPr>
+          <p:nvPr>
+            <p:ph type="sldNum" sz="quarter" idx="12"/>
+          </p:nvPr>
+        </p:nvSpPr>
+        <p:spPr/>
+        <p:txBody>
+          <a:bodyPr/>
+          <a:lstStyle/>
+          <a:p>
+            <a:fld id="{1DC7C88A-61DF-4C06-B514-651BF2646602}" type="slidenum">
+              <a:rPr lang="de-DE" smtClean="0"/>
+              <a:t>15</a:t>
+            </a:fld>
+            <a:endParaRPr lang="de-DE"/>
+          </a:p>
+        </p:txBody>
+      </p:sp>
     </p:spTree>
     <p:extLst>
       <p:ext uri="{BB962C8B-B14F-4D97-AF65-F5344CB8AC3E}">
@@ -5800,7 +6072,7 @@
 </p:sld>
 </file>
 
-<file path=ppt/slides/slide17.xml><?xml version="1.0" encoding="utf-8"?>
+<file path=ppt/slides/slide16.xml><?xml version="1.0" encoding="utf-8"?>
 <p:sld xmlns:a="http://schemas.openxmlformats.org/drawingml/2006/main" xmlns:r="http://schemas.openxmlformats.org/officeDocument/2006/relationships" xmlns:p="http://schemas.openxmlformats.org/presentationml/2006/main">
   <p:cSld>
     <p:spTree>
@@ -6212,10 +6484,203 @@
           </a:p>
         </p:txBody>
       </p:sp>
+      <p:sp>
+        <p:nvSpPr>
+          <p:cNvPr id="6" name="Foliennummernplatzhalter 5">
+            <a:extLst>
+              <a:ext uri="{FF2B5EF4-FFF2-40B4-BE49-F238E27FC236}">
+                <a16:creationId xmlns:a16="http://schemas.microsoft.com/office/drawing/2014/main" id="{E16D5A0A-C6F6-A4EC-48F0-43C0DF8DBB59}"/>
+              </a:ext>
+            </a:extLst>
+          </p:cNvPr>
+          <p:cNvSpPr>
+            <a:spLocks noGrp="1"/>
+          </p:cNvSpPr>
+          <p:nvPr>
+            <p:ph type="sldNum" sz="quarter" idx="12"/>
+          </p:nvPr>
+        </p:nvSpPr>
+        <p:spPr/>
+        <p:txBody>
+          <a:bodyPr/>
+          <a:lstStyle/>
+          <a:p>
+            <a:fld id="{1DC7C88A-61DF-4C06-B514-651BF2646602}" type="slidenum">
+              <a:rPr lang="de-DE" smtClean="0"/>
+              <a:t>16</a:t>
+            </a:fld>
+            <a:endParaRPr lang="de-DE"/>
+          </a:p>
+        </p:txBody>
+      </p:sp>
     </p:spTree>
     <p:extLst>
       <p:ext uri="{BB962C8B-B14F-4D97-AF65-F5344CB8AC3E}">
         <p14:creationId xmlns:p14="http://schemas.microsoft.com/office/powerpoint/2010/main" val="4015444166"/>
+      </p:ext>
+    </p:extLst>
+  </p:cSld>
+  <p:clrMapOvr>
+    <a:masterClrMapping/>
+  </p:clrMapOvr>
+</p:sld>
+</file>
+
+<file path=ppt/slides/slide17.xml><?xml version="1.0" encoding="utf-8"?>
+<p:sld xmlns:a="http://schemas.openxmlformats.org/drawingml/2006/main" xmlns:r="http://schemas.openxmlformats.org/officeDocument/2006/relationships" xmlns:p="http://schemas.openxmlformats.org/presentationml/2006/main">
+  <p:cSld>
+    <p:spTree>
+      <p:nvGrpSpPr>
+        <p:cNvPr id="1" name=""/>
+        <p:cNvGrpSpPr/>
+        <p:nvPr/>
+      </p:nvGrpSpPr>
+      <p:grpSpPr>
+        <a:xfrm>
+          <a:off x="0" y="0"/>
+          <a:ext cx="0" cy="0"/>
+          <a:chOff x="0" y="0"/>
+          <a:chExt cx="0" cy="0"/>
+        </a:xfrm>
+      </p:grpSpPr>
+      <p:sp>
+        <p:nvSpPr>
+          <p:cNvPr id="2" name="Titel 1">
+            <a:extLst>
+              <a:ext uri="{FF2B5EF4-FFF2-40B4-BE49-F238E27FC236}">
+                <a16:creationId xmlns:a16="http://schemas.microsoft.com/office/drawing/2014/main" id="{6B6F4EFA-ED7B-7D39-FA9A-C0FF07B98202}"/>
+              </a:ext>
+            </a:extLst>
+          </p:cNvPr>
+          <p:cNvSpPr>
+            <a:spLocks noGrp="1"/>
+          </p:cNvSpPr>
+          <p:nvPr>
+            <p:ph type="title"/>
+          </p:nvPr>
+        </p:nvSpPr>
+        <p:spPr/>
+        <p:txBody>
+          <a:bodyPr/>
+          <a:lstStyle/>
+          <a:p>
+            <a:r>
+              <a:rPr lang="de-DE" dirty="0" err="1"/>
+              <a:t>Sync-preserving</a:t>
+            </a:r>
+            <a:r>
+              <a:rPr lang="de-DE" dirty="0"/>
+              <a:t> Deadlocks</a:t>
+            </a:r>
+          </a:p>
+        </p:txBody>
+      </p:sp>
+      <p:sp>
+        <p:nvSpPr>
+          <p:cNvPr id="3" name="Inhaltsplatzhalter 2">
+            <a:extLst>
+              <a:ext uri="{FF2B5EF4-FFF2-40B4-BE49-F238E27FC236}">
+                <a16:creationId xmlns:a16="http://schemas.microsoft.com/office/drawing/2014/main" id="{B765AA72-3866-2604-5770-E4D77AB6DD44}"/>
+              </a:ext>
+            </a:extLst>
+          </p:cNvPr>
+          <p:cNvSpPr>
+            <a:spLocks noGrp="1"/>
+          </p:cNvSpPr>
+          <p:nvPr>
+            <p:ph idx="1"/>
+          </p:nvPr>
+        </p:nvSpPr>
+        <p:spPr/>
+        <p:txBody>
+          <a:bodyPr/>
+          <a:lstStyle/>
+          <a:p>
+            <a:r>
+              <a:rPr lang="de-DE" dirty="0" err="1"/>
+              <a:t>False</a:t>
+            </a:r>
+            <a:r>
+              <a:rPr lang="de-DE" dirty="0"/>
+              <a:t>-Positives sind wegen des daraus folgenden Aufwands unerwünscht</a:t>
+            </a:r>
+          </a:p>
+          <a:p>
+            <a:r>
+              <a:rPr lang="de-DE" dirty="0" err="1"/>
+              <a:t>Sync-preserving</a:t>
+            </a:r>
+            <a:r>
+              <a:rPr lang="de-DE" dirty="0"/>
+              <a:t> Deadlocks sind Untermenge aller Deadlocks</a:t>
+            </a:r>
+          </a:p>
+          <a:p>
+            <a:r>
+              <a:rPr lang="de-DE" dirty="0"/>
+              <a:t>Meiste in der Praxis vorkommenden Deadlocks sind </a:t>
+            </a:r>
+            <a:r>
+              <a:rPr lang="de-DE" dirty="0" err="1"/>
+              <a:t>Sync-preserving</a:t>
+            </a:r>
+            <a:r>
+              <a:rPr lang="de-DE" dirty="0"/>
+              <a:t> Deadlocks</a:t>
+            </a:r>
+          </a:p>
+          <a:p>
+            <a:r>
+              <a:rPr lang="de-DE" dirty="0"/>
+              <a:t>Lassen sich ohne </a:t>
+            </a:r>
+            <a:r>
+              <a:rPr lang="de-DE" dirty="0" err="1"/>
+              <a:t>False</a:t>
+            </a:r>
+            <a:r>
+              <a:rPr lang="de-DE" dirty="0"/>
+              <a:t>-Positives vorhersagen</a:t>
+            </a:r>
+          </a:p>
+          <a:p>
+            <a:endParaRPr lang="de-DE" dirty="0"/>
+          </a:p>
+        </p:txBody>
+      </p:sp>
+      <p:sp>
+        <p:nvSpPr>
+          <p:cNvPr id="4" name="Foliennummernplatzhalter 3">
+            <a:extLst>
+              <a:ext uri="{FF2B5EF4-FFF2-40B4-BE49-F238E27FC236}">
+                <a16:creationId xmlns:a16="http://schemas.microsoft.com/office/drawing/2014/main" id="{2C462C5E-452F-E291-F9B0-83FA830F391D}"/>
+              </a:ext>
+            </a:extLst>
+          </p:cNvPr>
+          <p:cNvSpPr>
+            <a:spLocks noGrp="1"/>
+          </p:cNvSpPr>
+          <p:nvPr>
+            <p:ph type="sldNum" sz="quarter" idx="12"/>
+          </p:nvPr>
+        </p:nvSpPr>
+        <p:spPr/>
+        <p:txBody>
+          <a:bodyPr/>
+          <a:lstStyle/>
+          <a:p>
+            <a:fld id="{1DC7C88A-61DF-4C06-B514-651BF2646602}" type="slidenum">
+              <a:rPr lang="de-DE" smtClean="0"/>
+              <a:t>17</a:t>
+            </a:fld>
+            <a:endParaRPr lang="de-DE"/>
+          </a:p>
+        </p:txBody>
+      </p:sp>
+    </p:spTree>
+    <p:extLst>
+      <p:ext uri="{BB962C8B-B14F-4D97-AF65-F5344CB8AC3E}">
+        <p14:creationId xmlns:p14="http://schemas.microsoft.com/office/powerpoint/2010/main" val="3342673758"/>
       </p:ext>
     </p:extLst>
   </p:cSld>
@@ -6247,7 +6712,7 @@
           <p:cNvPr id="2" name="Titel 1">
             <a:extLst>
               <a:ext uri="{FF2B5EF4-FFF2-40B4-BE49-F238E27FC236}">
-                <a16:creationId xmlns:a16="http://schemas.microsoft.com/office/drawing/2014/main" id="{6B6F4EFA-ED7B-7D39-FA9A-C0FF07B98202}"/>
+                <a16:creationId xmlns:a16="http://schemas.microsoft.com/office/drawing/2014/main" id="{53E66835-B380-E768-CE27-EB639E48DA11}"/>
               </a:ext>
             </a:extLst>
           </p:cNvPr>
@@ -6279,7 +6744,7 @@
           <p:cNvPr id="3" name="Inhaltsplatzhalter 2">
             <a:extLst>
               <a:ext uri="{FF2B5EF4-FFF2-40B4-BE49-F238E27FC236}">
-                <a16:creationId xmlns:a16="http://schemas.microsoft.com/office/drawing/2014/main" id="{B765AA72-3866-2604-5770-E4D77AB6DD44}"/>
+                <a16:creationId xmlns:a16="http://schemas.microsoft.com/office/drawing/2014/main" id="{7E5D6919-9678-8AAF-8C85-1918A2452C29}"/>
               </a:ext>
             </a:extLst>
           </p:cNvPr>
@@ -6296,61 +6761,75 @@
           <a:lstStyle/>
           <a:p>
             <a:r>
-              <a:rPr lang="de-DE" dirty="0" err="1"/>
-              <a:t>False</a:t>
-            </a:r>
-            <a:r>
               <a:rPr lang="de-DE" dirty="0"/>
-              <a:t>-Positives sind wegen des daraus folgenden Aufwands unerwünscht</a:t>
-            </a:r>
-          </a:p>
-          <a:p>
+              <a:t>Für Vorhersage: Umordnung der Events im Original-Trace</a:t>
+            </a:r>
+          </a:p>
+          <a:p>
+            <a:r>
+              <a:rPr lang="de-DE" dirty="0"/>
+              <a:t>Dafür </a:t>
+            </a:r>
             <a:r>
               <a:rPr lang="de-DE" dirty="0" err="1"/>
               <a:t>Sync-preserving</a:t>
             </a:r>
             <a:r>
               <a:rPr lang="de-DE" dirty="0"/>
-              <a:t> Deadlocks sind Untermenge aller Deadlocks</a:t>
-            </a:r>
-          </a:p>
-          <a:p>
+              <a:t> </a:t>
+            </a:r>
+            <a:r>
+              <a:rPr lang="de-DE" dirty="0" err="1"/>
+              <a:t>Correct</a:t>
+            </a:r>
             <a:r>
               <a:rPr lang="de-DE" dirty="0"/>
-              <a:t>Meiste in der Praxis vorkommenden Deadlocks sind </a:t>
+              <a:t> </a:t>
             </a:r>
             <a:r>
               <a:rPr lang="de-DE" dirty="0" err="1"/>
-              <a:t>Sync-preserving</a:t>
-            </a:r>
-            <a:r>
-              <a:rPr lang="de-DE" dirty="0"/>
-              <a:t> Deadlocks</a:t>
-            </a:r>
-          </a:p>
-          <a:p>
-            <a:r>
-              <a:rPr lang="de-DE" dirty="0"/>
-              <a:t>Lassen sich ohne </a:t>
-            </a:r>
-            <a:r>
-              <a:rPr lang="de-DE" dirty="0" err="1"/>
-              <a:t>False</a:t>
-            </a:r>
-            <a:r>
-              <a:rPr lang="de-DE" dirty="0"/>
-              <a:t>-Positives vorhersagen</a:t>
-            </a:r>
-          </a:p>
-          <a:p>
+              <a:t>Reordering</a:t>
+            </a:r>
             <a:endParaRPr lang="de-DE" dirty="0"/>
+          </a:p>
+          <a:p>
+            <a:endParaRPr lang="de-DE" dirty="0"/>
+          </a:p>
+        </p:txBody>
+      </p:sp>
+      <p:sp>
+        <p:nvSpPr>
+          <p:cNvPr id="4" name="Foliennummernplatzhalter 3">
+            <a:extLst>
+              <a:ext uri="{FF2B5EF4-FFF2-40B4-BE49-F238E27FC236}">
+                <a16:creationId xmlns:a16="http://schemas.microsoft.com/office/drawing/2014/main" id="{BAA5314B-504F-E4AB-593E-E283FC71C0CC}"/>
+              </a:ext>
+            </a:extLst>
+          </p:cNvPr>
+          <p:cNvSpPr>
+            <a:spLocks noGrp="1"/>
+          </p:cNvSpPr>
+          <p:nvPr>
+            <p:ph type="sldNum" sz="quarter" idx="12"/>
+          </p:nvPr>
+        </p:nvSpPr>
+        <p:spPr/>
+        <p:txBody>
+          <a:bodyPr/>
+          <a:lstStyle/>
+          <a:p>
+            <a:fld id="{1DC7C88A-61DF-4C06-B514-651BF2646602}" type="slidenum">
+              <a:rPr lang="de-DE" smtClean="0"/>
+              <a:t>18</a:t>
+            </a:fld>
+            <a:endParaRPr lang="de-DE"/>
           </a:p>
         </p:txBody>
       </p:sp>
     </p:spTree>
     <p:extLst>
       <p:ext uri="{BB962C8B-B14F-4D97-AF65-F5344CB8AC3E}">
-        <p14:creationId xmlns:p14="http://schemas.microsoft.com/office/powerpoint/2010/main" val="3342673758"/>
+        <p14:creationId xmlns:p14="http://schemas.microsoft.com/office/powerpoint/2010/main" val="3150677949"/>
       </p:ext>
     </p:extLst>
   </p:cSld>
@@ -6382,7 +6861,7 @@
           <p:cNvPr id="2" name="Titel 1">
             <a:extLst>
               <a:ext uri="{FF2B5EF4-FFF2-40B4-BE49-F238E27FC236}">
-                <a16:creationId xmlns:a16="http://schemas.microsoft.com/office/drawing/2014/main" id="{53E66835-B380-E768-CE27-EB639E48DA11}"/>
+                <a16:creationId xmlns:a16="http://schemas.microsoft.com/office/drawing/2014/main" id="{9BBE12EE-59B2-E7B8-1E5F-C7076DD8DB7D}"/>
               </a:ext>
             </a:extLst>
           </p:cNvPr>
@@ -6409,12 +6888,426 @@
           </a:p>
         </p:txBody>
       </p:sp>
-      <p:sp>
-        <p:nvSpPr>
-          <p:cNvPr id="3" name="Inhaltsplatzhalter 2">
-            <a:extLst>
-              <a:ext uri="{FF2B5EF4-FFF2-40B4-BE49-F238E27FC236}">
-                <a16:creationId xmlns:a16="http://schemas.microsoft.com/office/drawing/2014/main" id="{7E5D6919-9678-8AAF-8C85-1918A2452C29}"/>
+      <mc:AlternateContent xmlns:mc="http://schemas.openxmlformats.org/markup-compatibility/2006">
+        <mc:Choice xmlns:a14="http://schemas.microsoft.com/office/drawing/2010/main" Requires="a14">
+          <p:sp>
+            <p:nvSpPr>
+              <p:cNvPr id="3" name="Inhaltsplatzhalter 2">
+                <a:extLst>
+                  <a:ext uri="{FF2B5EF4-FFF2-40B4-BE49-F238E27FC236}">
+                    <a16:creationId xmlns:a16="http://schemas.microsoft.com/office/drawing/2014/main" id="{C57DD84C-C93A-2C8E-C186-EFAABD736DE4}"/>
+                  </a:ext>
+                </a:extLst>
+              </p:cNvPr>
+              <p:cNvSpPr>
+                <a:spLocks noGrp="1"/>
+              </p:cNvSpPr>
+              <p:nvPr>
+                <p:ph idx="1"/>
+              </p:nvPr>
+            </p:nvSpPr>
+            <p:spPr/>
+            <p:txBody>
+              <a:bodyPr>
+                <a:normAutofit/>
+              </a:bodyPr>
+              <a:lstStyle/>
+              <a:p>
+                <a:pPr marL="0" indent="0">
+                  <a:buNone/>
+                </a:pPr>
+                <a:r>
+                  <a:rPr lang="de-DE" dirty="0"/>
+                  <a:t>Deadlock-Patterns:</a:t>
+                </a:r>
+              </a:p>
+              <a:p>
+                <a:pPr marL="0" indent="0">
+                  <a:buNone/>
+                </a:pPr>
+                <a:r>
+                  <a:rPr lang="de-DE" dirty="0"/>
+                  <a:t>Sind Sequenzen </a:t>
+                </a:r>
+                <a14:m>
+                  <m:oMath xmlns:m="http://schemas.openxmlformats.org/officeDocument/2006/math">
+                    <m:r>
+                      <a:rPr lang="de-DE" b="0" i="1" smtClean="0">
+                        <a:latin typeface="Cambria Math" panose="02040503050406030204" pitchFamily="18" charset="0"/>
+                      </a:rPr>
+                      <m:t>𝐷</m:t>
+                    </m:r>
+                    <m:r>
+                      <a:rPr lang="de-DE" b="0" i="1" smtClean="0">
+                        <a:latin typeface="Cambria Math" panose="02040503050406030204" pitchFamily="18" charset="0"/>
+                      </a:rPr>
+                      <m:t>= &lt;</m:t>
+                    </m:r>
+                    <m:sSub>
+                      <m:sSubPr>
+                        <m:ctrlPr>
+                          <a:rPr lang="de-DE" b="0" i="1" smtClean="0">
+                            <a:latin typeface="Cambria Math" panose="02040503050406030204" pitchFamily="18" charset="0"/>
+                          </a:rPr>
+                        </m:ctrlPr>
+                      </m:sSubPr>
+                      <m:e>
+                        <m:r>
+                          <a:rPr lang="de-DE" b="0" i="1" smtClean="0">
+                            <a:latin typeface="Cambria Math" panose="02040503050406030204" pitchFamily="18" charset="0"/>
+                          </a:rPr>
+                          <m:t>𝑒</m:t>
+                        </m:r>
+                      </m:e>
+                      <m:sub>
+                        <m:r>
+                          <a:rPr lang="de-DE" b="0" i="1" smtClean="0">
+                            <a:latin typeface="Cambria Math" panose="02040503050406030204" pitchFamily="18" charset="0"/>
+                          </a:rPr>
+                          <m:t>0</m:t>
+                        </m:r>
+                      </m:sub>
+                    </m:sSub>
+                    <m:r>
+                      <a:rPr lang="de-DE" b="0" i="1" smtClean="0">
+                        <a:latin typeface="Cambria Math" panose="02040503050406030204" pitchFamily="18" charset="0"/>
+                      </a:rPr>
+                      <m:t>, </m:t>
+                    </m:r>
+                    <m:sSub>
+                      <m:sSubPr>
+                        <m:ctrlPr>
+                          <a:rPr lang="de-DE" b="0" i="1" smtClean="0">
+                            <a:latin typeface="Cambria Math" panose="02040503050406030204" pitchFamily="18" charset="0"/>
+                          </a:rPr>
+                        </m:ctrlPr>
+                      </m:sSubPr>
+                      <m:e>
+                        <m:r>
+                          <a:rPr lang="de-DE" b="0" i="1" smtClean="0">
+                            <a:latin typeface="Cambria Math" panose="02040503050406030204" pitchFamily="18" charset="0"/>
+                          </a:rPr>
+                          <m:t>𝑒</m:t>
+                        </m:r>
+                      </m:e>
+                      <m:sub>
+                        <m:r>
+                          <a:rPr lang="de-DE" b="0" i="1" smtClean="0">
+                            <a:latin typeface="Cambria Math" panose="02040503050406030204" pitchFamily="18" charset="0"/>
+                          </a:rPr>
+                          <m:t>1</m:t>
+                        </m:r>
+                      </m:sub>
+                    </m:sSub>
+                    <m:r>
+                      <a:rPr lang="de-DE" i="1">
+                        <a:latin typeface="Cambria Math" panose="02040503050406030204" pitchFamily="18" charset="0"/>
+                      </a:rPr>
+                      <m:t>, …, </m:t>
+                    </m:r>
+                    <m:sSub>
+                      <m:sSubPr>
+                        <m:ctrlPr>
+                          <a:rPr lang="de-DE" i="1">
+                            <a:latin typeface="Cambria Math" panose="02040503050406030204" pitchFamily="18" charset="0"/>
+                          </a:rPr>
+                        </m:ctrlPr>
+                      </m:sSubPr>
+                      <m:e>
+                        <m:r>
+                          <a:rPr lang="de-DE" i="1">
+                            <a:latin typeface="Cambria Math" panose="02040503050406030204" pitchFamily="18" charset="0"/>
+                          </a:rPr>
+                          <m:t>𝑒</m:t>
+                        </m:r>
+                      </m:e>
+                      <m:sub>
+                        <m:r>
+                          <a:rPr lang="de-DE" i="1">
+                            <a:latin typeface="Cambria Math" panose="02040503050406030204" pitchFamily="18" charset="0"/>
+                          </a:rPr>
+                          <m:t>𝑘</m:t>
+                        </m:r>
+                        <m:r>
+                          <a:rPr lang="de-DE" i="1">
+                            <a:latin typeface="Cambria Math" panose="02040503050406030204" pitchFamily="18" charset="0"/>
+                          </a:rPr>
+                          <m:t>−1</m:t>
+                        </m:r>
+                      </m:sub>
+                    </m:sSub>
+                    <m:r>
+                      <a:rPr lang="de-DE" b="0" i="1" smtClean="0">
+                        <a:latin typeface="Cambria Math" panose="02040503050406030204" pitchFamily="18" charset="0"/>
+                      </a:rPr>
+                      <m:t>&gt;</m:t>
+                    </m:r>
+                  </m:oMath>
+                </a14:m>
+                <a:r>
+                  <a:rPr lang="de-DE" dirty="0"/>
+                  <a:t>, für die gilt:</a:t>
+                </a:r>
+              </a:p>
+              <a:p>
+                <a:r>
+                  <a:rPr lang="de-DE" dirty="0" err="1"/>
+                  <a:t>op</a:t>
+                </a:r>
+                <a:r>
+                  <a:rPr lang="de-DE" dirty="0"/>
+                  <a:t>(</a:t>
+                </a:r>
+                <a14:m>
+                  <m:oMath xmlns:m="http://schemas.openxmlformats.org/officeDocument/2006/math">
+                    <m:sSub>
+                      <m:sSubPr>
+                        <m:ctrlPr>
+                          <a:rPr lang="de-DE" i="1" smtClean="0">
+                            <a:latin typeface="Cambria Math" panose="02040503050406030204" pitchFamily="18" charset="0"/>
+                          </a:rPr>
+                        </m:ctrlPr>
+                      </m:sSubPr>
+                      <m:e>
+                        <m:r>
+                          <a:rPr lang="de-DE" b="0" i="1" smtClean="0">
+                            <a:latin typeface="Cambria Math" panose="02040503050406030204" pitchFamily="18" charset="0"/>
+                          </a:rPr>
+                          <m:t>𝑒</m:t>
+                        </m:r>
+                      </m:e>
+                      <m:sub>
+                        <m:r>
+                          <a:rPr lang="de-DE" b="0" i="1" smtClean="0">
+                            <a:latin typeface="Cambria Math" panose="02040503050406030204" pitchFamily="18" charset="0"/>
+                          </a:rPr>
+                          <m:t>𝑖</m:t>
+                        </m:r>
+                      </m:sub>
+                    </m:sSub>
+                  </m:oMath>
+                </a14:m>
+                <a:r>
+                  <a:rPr lang="de-DE" dirty="0"/>
+                  <a:t>) = </a:t>
+                </a:r>
+                <a:r>
+                  <a:rPr lang="de-DE" dirty="0" err="1"/>
+                  <a:t>acq</a:t>
+                </a:r>
+                <a:r>
+                  <a:rPr lang="de-DE" dirty="0"/>
+                  <a:t>(</a:t>
+                </a:r>
+                <a14:m>
+                  <m:oMath xmlns:m="http://schemas.openxmlformats.org/officeDocument/2006/math">
+                    <m:sSub>
+                      <m:sSubPr>
+                        <m:ctrlPr>
+                          <a:rPr lang="de-DE" i="1">
+                            <a:latin typeface="Cambria Math" panose="02040503050406030204" pitchFamily="18" charset="0"/>
+                          </a:rPr>
+                        </m:ctrlPr>
+                      </m:sSubPr>
+                      <m:e>
+                        <m:r>
+                          <a:rPr lang="de-DE" b="0" i="1" smtClean="0">
+                            <a:latin typeface="Cambria Math" panose="02040503050406030204" pitchFamily="18" charset="0"/>
+                          </a:rPr>
+                          <m:t>𝑙</m:t>
+                        </m:r>
+                      </m:e>
+                      <m:sub>
+                        <m:r>
+                          <a:rPr lang="de-DE" i="1">
+                            <a:latin typeface="Cambria Math" panose="02040503050406030204" pitchFamily="18" charset="0"/>
+                          </a:rPr>
+                          <m:t>𝑖</m:t>
+                        </m:r>
+                      </m:sub>
+                    </m:sSub>
+                  </m:oMath>
+                </a14:m>
+                <a:r>
+                  <a:rPr lang="de-DE" dirty="0"/>
+                  <a:t>)</a:t>
+                </a:r>
+              </a:p>
+              <a:p>
+                <a:r>
+                  <a:rPr lang="de-DE" dirty="0"/>
+                  <a:t>Jedes Event </a:t>
+                </a:r>
+                <a14:m>
+                  <m:oMath xmlns:m="http://schemas.openxmlformats.org/officeDocument/2006/math">
+                    <m:sSub>
+                      <m:sSubPr>
+                        <m:ctrlPr>
+                          <a:rPr lang="de-DE" i="1" smtClean="0">
+                            <a:latin typeface="Cambria Math" panose="02040503050406030204" pitchFamily="18" charset="0"/>
+                          </a:rPr>
+                        </m:ctrlPr>
+                      </m:sSubPr>
+                      <m:e>
+                        <m:r>
+                          <a:rPr lang="de-DE" b="0" i="1" smtClean="0">
+                            <a:latin typeface="Cambria Math" panose="02040503050406030204" pitchFamily="18" charset="0"/>
+                          </a:rPr>
+                          <m:t>𝑒</m:t>
+                        </m:r>
+                      </m:e>
+                      <m:sub>
+                        <m:r>
+                          <a:rPr lang="de-DE" b="0" i="1" smtClean="0">
+                            <a:latin typeface="Cambria Math" panose="02040503050406030204" pitchFamily="18" charset="0"/>
+                          </a:rPr>
+                          <m:t>𝑖</m:t>
+                        </m:r>
+                      </m:sub>
+                    </m:sSub>
+                  </m:oMath>
+                </a14:m>
+                <a:r>
+                  <a:rPr lang="de-DE" dirty="0"/>
+                  <a:t> gehört einem Thread </a:t>
+                </a:r>
+                <a14:m>
+                  <m:oMath xmlns:m="http://schemas.openxmlformats.org/officeDocument/2006/math">
+                    <m:sSub>
+                      <m:sSubPr>
+                        <m:ctrlPr>
+                          <a:rPr lang="de-DE" i="1">
+                            <a:latin typeface="Cambria Math" panose="02040503050406030204" pitchFamily="18" charset="0"/>
+                          </a:rPr>
+                        </m:ctrlPr>
+                      </m:sSubPr>
+                      <m:e>
+                        <m:r>
+                          <a:rPr lang="de-DE" b="0" i="1" smtClean="0">
+                            <a:latin typeface="Cambria Math" panose="02040503050406030204" pitchFamily="18" charset="0"/>
+                          </a:rPr>
+                          <m:t>𝑡</m:t>
+                        </m:r>
+                      </m:e>
+                      <m:sub>
+                        <m:r>
+                          <a:rPr lang="de-DE" i="1">
+                            <a:latin typeface="Cambria Math" panose="02040503050406030204" pitchFamily="18" charset="0"/>
+                          </a:rPr>
+                          <m:t>𝑖</m:t>
+                        </m:r>
+                      </m:sub>
+                    </m:sSub>
+                  </m:oMath>
+                </a14:m>
+                <a:r>
+                  <a:rPr lang="de-DE" dirty="0"/>
+                  <a:t> an</a:t>
+                </a:r>
+              </a:p>
+              <a:p>
+                <a:r>
+                  <a:rPr lang="de-DE" dirty="0"/>
+                  <a:t>Jeder Lock </a:t>
+                </a:r>
+                <a14:m>
+                  <m:oMath xmlns:m="http://schemas.openxmlformats.org/officeDocument/2006/math">
+                    <m:sSub>
+                      <m:sSubPr>
+                        <m:ctrlPr>
+                          <a:rPr lang="de-DE" i="1" smtClean="0">
+                            <a:latin typeface="Cambria Math" panose="02040503050406030204" pitchFamily="18" charset="0"/>
+                          </a:rPr>
+                        </m:ctrlPr>
+                      </m:sSubPr>
+                      <m:e>
+                        <m:r>
+                          <a:rPr lang="de-DE" b="0" i="1" smtClean="0">
+                            <a:latin typeface="Cambria Math" panose="02040503050406030204" pitchFamily="18" charset="0"/>
+                          </a:rPr>
+                          <m:t>𝑙</m:t>
+                        </m:r>
+                      </m:e>
+                      <m:sub>
+                        <m:r>
+                          <a:rPr lang="de-DE" b="0" i="1" smtClean="0">
+                            <a:latin typeface="Cambria Math" panose="02040503050406030204" pitchFamily="18" charset="0"/>
+                          </a:rPr>
+                          <m:t>𝑖</m:t>
+                        </m:r>
+                      </m:sub>
+                    </m:sSub>
+                  </m:oMath>
+                </a14:m>
+                <a:r>
+                  <a:rPr lang="de-DE" dirty="0"/>
+                  <a:t> wird bereits von einem Thread gehalten</a:t>
+                </a:r>
+              </a:p>
+              <a:p>
+                <a:pPr marL="0" indent="0">
+                  <a:buNone/>
+                </a:pPr>
+                <a:endParaRPr lang="de-DE" dirty="0"/>
+              </a:p>
+              <a:p>
+                <a:pPr marL="0" indent="0">
+                  <a:buNone/>
+                </a:pPr>
+                <a:r>
+                  <a:rPr lang="de-DE" dirty="0"/>
+                  <a:t>Ein Deadlock-Pattern ist eine notwendige aber keine hinreichende Bedingung für einen tatsächlichen Deadlock</a:t>
+                </a:r>
+              </a:p>
+            </p:txBody>
+          </p:sp>
+        </mc:Choice>
+        <mc:Fallback>
+          <p:sp>
+            <p:nvSpPr>
+              <p:cNvPr id="3" name="Inhaltsplatzhalter 2">
+                <a:extLst>
+                  <a:ext uri="{FF2B5EF4-FFF2-40B4-BE49-F238E27FC236}">
+                    <a16:creationId xmlns:a16="http://schemas.microsoft.com/office/drawing/2014/main" id="{C57DD84C-C93A-2C8E-C186-EFAABD736DE4}"/>
+                  </a:ext>
+                </a:extLst>
+              </p:cNvPr>
+              <p:cNvSpPr>
+                <a:spLocks noGrp="1" noRot="1" noChangeAspect="1" noMove="1" noResize="1" noEditPoints="1" noAdjustHandles="1" noChangeArrowheads="1" noChangeShapeType="1" noTextEdit="1"/>
+              </p:cNvSpPr>
+              <p:nvPr>
+                <p:ph idx="1"/>
+              </p:nvPr>
+            </p:nvSpPr>
+            <p:spPr>
+              <a:blipFill>
+                <a:blip r:embed="rId2"/>
+                <a:stretch>
+                  <a:fillRect l="-1217" t="-2241"/>
+                </a:stretch>
+              </a:blipFill>
+            </p:spPr>
+            <p:txBody>
+              <a:bodyPr/>
+              <a:lstStyle/>
+              <a:p>
+                <a:r>
+                  <a:rPr lang="de-DE">
+                    <a:noFill/>
+                  </a:rPr>
+                  <a:t> </a:t>
+                </a:r>
+              </a:p>
+            </p:txBody>
+          </p:sp>
+        </mc:Fallback>
+      </mc:AlternateContent>
+      <p:sp>
+        <p:nvSpPr>
+          <p:cNvPr id="4" name="Foliennummernplatzhalter 3">
+            <a:extLst>
+              <a:ext uri="{FF2B5EF4-FFF2-40B4-BE49-F238E27FC236}">
+                <a16:creationId xmlns:a16="http://schemas.microsoft.com/office/drawing/2014/main" id="{C1A97C3B-8578-329C-E8D5-2E5E6A89CB45}"/>
               </a:ext>
             </a:extLst>
           </p:cNvPr>
@@ -6422,7 +7315,7 @@
             <a:spLocks noGrp="1"/>
           </p:cNvSpPr>
           <p:nvPr>
-            <p:ph idx="1"/>
+            <p:ph type="sldNum" sz="quarter" idx="12"/>
           </p:nvPr>
         </p:nvSpPr>
         <p:spPr/>
@@ -6430,47 +7323,18 @@
           <a:bodyPr/>
           <a:lstStyle/>
           <a:p>
-            <a:r>
-              <a:rPr lang="de-DE" dirty="0"/>
-              <a:t>Für Vorhersage: Umordnung der Events im Original-Trace</a:t>
-            </a:r>
-          </a:p>
-          <a:p>
-            <a:r>
-              <a:rPr lang="de-DE" dirty="0"/>
-              <a:t>Dafür </a:t>
-            </a:r>
-            <a:r>
-              <a:rPr lang="de-DE" dirty="0" err="1"/>
-              <a:t>Sync-preserving</a:t>
-            </a:r>
-            <a:r>
-              <a:rPr lang="de-DE" dirty="0"/>
-              <a:t> </a:t>
-            </a:r>
-            <a:r>
-              <a:rPr lang="de-DE" dirty="0" err="1"/>
-              <a:t>Correct</a:t>
-            </a:r>
-            <a:r>
-              <a:rPr lang="de-DE" dirty="0"/>
-              <a:t> </a:t>
-            </a:r>
-            <a:r>
-              <a:rPr lang="de-DE" dirty="0" err="1"/>
-              <a:t>Reordering</a:t>
-            </a:r>
-            <a:endParaRPr lang="de-DE" dirty="0"/>
-          </a:p>
-          <a:p>
-            <a:endParaRPr lang="de-DE" dirty="0"/>
+            <a:fld id="{1DC7C88A-61DF-4C06-B514-651BF2646602}" type="slidenum">
+              <a:rPr lang="de-DE" smtClean="0"/>
+              <a:t>19</a:t>
+            </a:fld>
+            <a:endParaRPr lang="de-DE"/>
           </a:p>
         </p:txBody>
       </p:sp>
     </p:spTree>
     <p:extLst>
       <p:ext uri="{BB962C8B-B14F-4D97-AF65-F5344CB8AC3E}">
-        <p14:creationId xmlns:p14="http://schemas.microsoft.com/office/powerpoint/2010/main" val="3150677949"/>
+        <p14:creationId xmlns:p14="http://schemas.microsoft.com/office/powerpoint/2010/main" val="1209094697"/>
       </p:ext>
     </p:extLst>
   </p:cSld>
@@ -6502,7 +7366,7 @@
           <p:cNvPr id="2" name="Titel 1">
             <a:extLst>
               <a:ext uri="{FF2B5EF4-FFF2-40B4-BE49-F238E27FC236}">
-                <a16:creationId xmlns:a16="http://schemas.microsoft.com/office/drawing/2014/main" id="{FBF578F3-0649-E7DE-75C0-553982EE0D12}"/>
+                <a16:creationId xmlns:a16="http://schemas.microsoft.com/office/drawing/2014/main" id="{354CC7C2-C93A-29D9-084A-87A08AD5D75C}"/>
               </a:ext>
             </a:extLst>
           </p:cNvPr>
@@ -6520,7 +7384,7 @@
           <a:p>
             <a:r>
               <a:rPr lang="de-DE" dirty="0"/>
-              <a:t>Agenda</a:t>
+              <a:t>Einleitung</a:t>
             </a:r>
           </a:p>
         </p:txBody>
@@ -6530,7 +7394,7 @@
           <p:cNvPr id="3" name="Inhaltsplatzhalter 2">
             <a:extLst>
               <a:ext uri="{FF2B5EF4-FFF2-40B4-BE49-F238E27FC236}">
-                <a16:creationId xmlns:a16="http://schemas.microsoft.com/office/drawing/2014/main" id="{B428C1D7-3728-237F-4120-9777EB5948AE}"/>
+                <a16:creationId xmlns:a16="http://schemas.microsoft.com/office/drawing/2014/main" id="{07CD52D0-B0C9-2B30-CB7C-42C938992F38}"/>
               </a:ext>
             </a:extLst>
           </p:cNvPr>
@@ -6548,43 +7412,56 @@
           <a:p>
             <a:r>
               <a:rPr lang="de-DE" dirty="0"/>
-              <a:t>Einleitung</a:t>
+              <a:t>In nebenläufigen Programmen müssen Ressourcen geteilt werden</a:t>
             </a:r>
           </a:p>
           <a:p>
             <a:r>
               <a:rPr lang="de-DE" dirty="0"/>
-              <a:t>Die Vorhersage von Deadlocks</a:t>
+              <a:t>Gleichzeitige Zugriffe auf geteilte Ressourcen können zu Inkonsistenzen führen</a:t>
             </a:r>
           </a:p>
           <a:p>
             <a:r>
               <a:rPr lang="de-DE" dirty="0"/>
-              <a:t>Dynamische Deadlock-Analyse</a:t>
-            </a:r>
-          </a:p>
-          <a:p>
-            <a:r>
-              <a:rPr lang="de-DE" dirty="0" err="1"/>
-              <a:t>Sync-preserving</a:t>
-            </a:r>
-            <a:r>
-              <a:rPr lang="de-DE" dirty="0"/>
-              <a:t> Deadlocks</a:t>
-            </a:r>
-          </a:p>
-          <a:p>
-            <a:r>
-              <a:rPr lang="de-DE" dirty="0"/>
-              <a:t>Fazit</a:t>
-            </a:r>
+              <a:t>Mutex als Lösung</a:t>
+            </a:r>
+          </a:p>
+        </p:txBody>
+      </p:sp>
+      <p:sp>
+        <p:nvSpPr>
+          <p:cNvPr id="4" name="Foliennummernplatzhalter 3">
+            <a:extLst>
+              <a:ext uri="{FF2B5EF4-FFF2-40B4-BE49-F238E27FC236}">
+                <a16:creationId xmlns:a16="http://schemas.microsoft.com/office/drawing/2014/main" id="{6DF7D783-2430-1AD9-75D0-0F22534C1EF4}"/>
+              </a:ext>
+            </a:extLst>
+          </p:cNvPr>
+          <p:cNvSpPr>
+            <a:spLocks noGrp="1"/>
+          </p:cNvSpPr>
+          <p:nvPr>
+            <p:ph type="sldNum" sz="quarter" idx="12"/>
+          </p:nvPr>
+        </p:nvSpPr>
+        <p:spPr/>
+        <p:txBody>
+          <a:bodyPr/>
+          <a:lstStyle/>
+          <a:p>
+            <a:fld id="{1DC7C88A-61DF-4C06-B514-651BF2646602}" type="slidenum">
+              <a:rPr lang="de-DE" smtClean="0"/>
+              <a:t>2</a:t>
+            </a:fld>
+            <a:endParaRPr lang="de-DE" dirty="0"/>
           </a:p>
         </p:txBody>
       </p:sp>
     </p:spTree>
     <p:extLst>
       <p:ext uri="{BB962C8B-B14F-4D97-AF65-F5344CB8AC3E}">
-        <p14:creationId xmlns:p14="http://schemas.microsoft.com/office/powerpoint/2010/main" val="3999056049"/>
+        <p14:creationId xmlns:p14="http://schemas.microsoft.com/office/powerpoint/2010/main" val="1800578047"/>
       </p:ext>
     </p:extLst>
   </p:cSld>
@@ -6616,7 +7493,7 @@
           <p:cNvPr id="2" name="Titel 1">
             <a:extLst>
               <a:ext uri="{FF2B5EF4-FFF2-40B4-BE49-F238E27FC236}">
-                <a16:creationId xmlns:a16="http://schemas.microsoft.com/office/drawing/2014/main" id="{9BBE12EE-59B2-E7B8-1E5F-C7076DD8DB7D}"/>
+                <a16:creationId xmlns:a16="http://schemas.microsoft.com/office/drawing/2014/main" id="{1CE6A7D9-31AE-DA6B-6AD7-2FFAB19A0C4F}"/>
               </a:ext>
             </a:extLst>
           </p:cNvPr>
@@ -6643,901 +7520,8 @@
           </a:p>
         </p:txBody>
       </p:sp>
-      <mc:AlternateContent xmlns:mc="http://schemas.openxmlformats.org/markup-compatibility/2006" xmlns:a14="http://schemas.microsoft.com/office/drawing/2010/main">
-        <mc:Choice Requires="a14">
-          <p:sp>
-            <p:nvSpPr>
-              <p:cNvPr id="3" name="Inhaltsplatzhalter 2">
-                <a:extLst>
-                  <a:ext uri="{FF2B5EF4-FFF2-40B4-BE49-F238E27FC236}">
-                    <a16:creationId xmlns:a16="http://schemas.microsoft.com/office/drawing/2014/main" id="{C57DD84C-C93A-2C8E-C186-EFAABD736DE4}"/>
-                  </a:ext>
-                </a:extLst>
-              </p:cNvPr>
-              <p:cNvSpPr>
-                <a:spLocks noGrp="1"/>
-              </p:cNvSpPr>
-              <p:nvPr>
-                <p:ph idx="1"/>
-              </p:nvPr>
-            </p:nvSpPr>
-            <p:spPr/>
-            <p:txBody>
-              <a:bodyPr>
-                <a:normAutofit lnSpcReduction="10000"/>
-              </a:bodyPr>
-              <a:lstStyle/>
-              <a:p>
-                <a:pPr marL="0" indent="0">
-                  <a:buNone/>
-                </a:pPr>
-                <a:r>
-                  <a:rPr lang="de-DE" dirty="0"/>
-                  <a:t>Deadlock-Patterns:</a:t>
-                </a:r>
-              </a:p>
-              <a:p>
-                <a:pPr marL="0" indent="0">
-                  <a:buNone/>
-                </a:pPr>
-                <a:r>
-                  <a:rPr lang="de-DE" dirty="0"/>
-                  <a:t>Sind Sequenzen </a:t>
-                </a:r>
-                <a14:m>
-                  <m:oMath xmlns:m="http://schemas.openxmlformats.org/officeDocument/2006/math">
-                    <m:r>
-                      <a:rPr lang="de-DE" b="0" i="1" smtClean="0">
-                        <a:latin typeface="Cambria Math" panose="02040503050406030204" pitchFamily="18" charset="0"/>
-                      </a:rPr>
-                      <m:t>𝐷</m:t>
-                    </m:r>
-                    <m:r>
-                      <a:rPr lang="de-DE" b="0" i="1" smtClean="0">
-                        <a:latin typeface="Cambria Math" panose="02040503050406030204" pitchFamily="18" charset="0"/>
-                      </a:rPr>
-                      <m:t>= &lt;</m:t>
-                    </m:r>
-                    <m:sSub>
-                      <m:sSubPr>
-                        <m:ctrlPr>
-                          <a:rPr lang="de-DE" b="0" i="1" smtClean="0">
-                            <a:latin typeface="Cambria Math" panose="02040503050406030204" pitchFamily="18" charset="0"/>
-                          </a:rPr>
-                        </m:ctrlPr>
-                      </m:sSubPr>
-                      <m:e>
-                        <m:r>
-                          <a:rPr lang="de-DE" b="0" i="1" smtClean="0">
-                            <a:latin typeface="Cambria Math" panose="02040503050406030204" pitchFamily="18" charset="0"/>
-                          </a:rPr>
-                          <m:t>𝑒</m:t>
-                        </m:r>
-                      </m:e>
-                      <m:sub>
-                        <m:r>
-                          <a:rPr lang="de-DE" b="0" i="1" smtClean="0">
-                            <a:latin typeface="Cambria Math" panose="02040503050406030204" pitchFamily="18" charset="0"/>
-                          </a:rPr>
-                          <m:t>0</m:t>
-                        </m:r>
-                      </m:sub>
-                    </m:sSub>
-                    <m:r>
-                      <a:rPr lang="de-DE" b="0" i="1" smtClean="0">
-                        <a:latin typeface="Cambria Math" panose="02040503050406030204" pitchFamily="18" charset="0"/>
-                      </a:rPr>
-                      <m:t>, </m:t>
-                    </m:r>
-                    <m:sSub>
-                      <m:sSubPr>
-                        <m:ctrlPr>
-                          <a:rPr lang="de-DE" b="0" i="1" smtClean="0">
-                            <a:latin typeface="Cambria Math" panose="02040503050406030204" pitchFamily="18" charset="0"/>
-                          </a:rPr>
-                        </m:ctrlPr>
-                      </m:sSubPr>
-                      <m:e>
-                        <m:r>
-                          <a:rPr lang="de-DE" b="0" i="1" smtClean="0">
-                            <a:latin typeface="Cambria Math" panose="02040503050406030204" pitchFamily="18" charset="0"/>
-                          </a:rPr>
-                          <m:t>𝑒</m:t>
-                        </m:r>
-                      </m:e>
-                      <m:sub>
-                        <m:r>
-                          <a:rPr lang="de-DE" b="0" i="1" smtClean="0">
-                            <a:latin typeface="Cambria Math" panose="02040503050406030204" pitchFamily="18" charset="0"/>
-                          </a:rPr>
-                          <m:t>1</m:t>
-                        </m:r>
-                      </m:sub>
-                    </m:sSub>
-                    <m:r>
-                      <a:rPr lang="de-DE" i="1">
-                        <a:latin typeface="Cambria Math" panose="02040503050406030204" pitchFamily="18" charset="0"/>
-                      </a:rPr>
-                      <m:t>, …, </m:t>
-                    </m:r>
-                    <m:sSub>
-                      <m:sSubPr>
-                        <m:ctrlPr>
-                          <a:rPr lang="de-DE" i="1">
-                            <a:latin typeface="Cambria Math" panose="02040503050406030204" pitchFamily="18" charset="0"/>
-                          </a:rPr>
-                        </m:ctrlPr>
-                      </m:sSubPr>
-                      <m:e>
-                        <m:r>
-                          <a:rPr lang="de-DE" i="1">
-                            <a:latin typeface="Cambria Math" panose="02040503050406030204" pitchFamily="18" charset="0"/>
-                          </a:rPr>
-                          <m:t>𝑒</m:t>
-                        </m:r>
-                      </m:e>
-                      <m:sub>
-                        <m:r>
-                          <a:rPr lang="de-DE" i="1">
-                            <a:latin typeface="Cambria Math" panose="02040503050406030204" pitchFamily="18" charset="0"/>
-                          </a:rPr>
-                          <m:t>𝑘</m:t>
-                        </m:r>
-                        <m:r>
-                          <a:rPr lang="de-DE" i="1">
-                            <a:latin typeface="Cambria Math" panose="02040503050406030204" pitchFamily="18" charset="0"/>
-                          </a:rPr>
-                          <m:t>−1</m:t>
-                        </m:r>
-                      </m:sub>
-                    </m:sSub>
-                    <m:r>
-                      <a:rPr lang="de-DE" b="0" i="1" smtClean="0">
-                        <a:latin typeface="Cambria Math" panose="02040503050406030204" pitchFamily="18" charset="0"/>
-                      </a:rPr>
-                      <m:t>&gt;</m:t>
-                    </m:r>
-                  </m:oMath>
-                </a14:m>
-                <a:r>
-                  <a:rPr lang="de-DE" dirty="0"/>
-                  <a:t> mit </a:t>
-                </a:r>
-                <a14:m>
-                  <m:oMath xmlns:m="http://schemas.openxmlformats.org/officeDocument/2006/math">
-                    <m:r>
-                      <a:rPr lang="de-DE" b="0" i="1" smtClean="0">
-                        <a:latin typeface="Cambria Math" panose="02040503050406030204" pitchFamily="18" charset="0"/>
-                      </a:rPr>
-                      <m:t>𝑘</m:t>
-                    </m:r>
-                  </m:oMath>
-                </a14:m>
-                <a:r>
-                  <a:rPr lang="de-DE" dirty="0"/>
-                  <a:t> eigenständigen Threads </a:t>
-                </a:r>
-                <a14:m>
-                  <m:oMath xmlns:m="http://schemas.openxmlformats.org/officeDocument/2006/math">
-                    <m:sSub>
-                      <m:sSubPr>
-                        <m:ctrlPr>
-                          <a:rPr lang="de-DE" i="1" smtClean="0">
-                            <a:latin typeface="Cambria Math" panose="02040503050406030204" pitchFamily="18" charset="0"/>
-                          </a:rPr>
-                        </m:ctrlPr>
-                      </m:sSubPr>
-                      <m:e>
-                        <m:r>
-                          <a:rPr lang="de-DE" b="0" i="1" smtClean="0">
-                            <a:latin typeface="Cambria Math" panose="02040503050406030204" pitchFamily="18" charset="0"/>
-                          </a:rPr>
-                          <m:t>𝑡</m:t>
-                        </m:r>
-                      </m:e>
-                      <m:sub>
-                        <m:r>
-                          <a:rPr lang="de-DE" b="0" i="1" smtClean="0">
-                            <a:latin typeface="Cambria Math" panose="02040503050406030204" pitchFamily="18" charset="0"/>
-                          </a:rPr>
-                          <m:t>0</m:t>
-                        </m:r>
-                      </m:sub>
-                    </m:sSub>
-                    <m:r>
-                      <a:rPr lang="de-DE" b="0" i="1" smtClean="0">
-                        <a:latin typeface="Cambria Math" panose="02040503050406030204" pitchFamily="18" charset="0"/>
-                      </a:rPr>
-                      <m:t>, …, </m:t>
-                    </m:r>
-                    <m:sSub>
-                      <m:sSubPr>
-                        <m:ctrlPr>
-                          <a:rPr lang="de-DE" b="0" i="1" smtClean="0">
-                            <a:latin typeface="Cambria Math" panose="02040503050406030204" pitchFamily="18" charset="0"/>
-                          </a:rPr>
-                        </m:ctrlPr>
-                      </m:sSubPr>
-                      <m:e>
-                        <m:r>
-                          <a:rPr lang="de-DE" b="0" i="1" smtClean="0">
-                            <a:latin typeface="Cambria Math" panose="02040503050406030204" pitchFamily="18" charset="0"/>
-                          </a:rPr>
-                          <m:t>𝑡</m:t>
-                        </m:r>
-                      </m:e>
-                      <m:sub>
-                        <m:r>
-                          <a:rPr lang="de-DE" b="0" i="1" smtClean="0">
-                            <a:latin typeface="Cambria Math" panose="02040503050406030204" pitchFamily="18" charset="0"/>
-                          </a:rPr>
-                          <m:t>𝑘</m:t>
-                        </m:r>
-                        <m:r>
-                          <a:rPr lang="de-DE" b="0" i="1" smtClean="0">
-                            <a:latin typeface="Cambria Math" panose="02040503050406030204" pitchFamily="18" charset="0"/>
-                          </a:rPr>
-                          <m:t>−1</m:t>
-                        </m:r>
-                      </m:sub>
-                    </m:sSub>
-                  </m:oMath>
-                </a14:m>
-                <a:r>
-                  <a:rPr lang="de-DE" dirty="0"/>
-                  <a:t> und </a:t>
-                </a:r>
-                <a14:m>
-                  <m:oMath xmlns:m="http://schemas.openxmlformats.org/officeDocument/2006/math">
-                    <m:r>
-                      <a:rPr lang="de-DE" b="0" i="1" smtClean="0">
-                        <a:latin typeface="Cambria Math" panose="02040503050406030204" pitchFamily="18" charset="0"/>
-                      </a:rPr>
-                      <m:t>𝑘</m:t>
-                    </m:r>
-                  </m:oMath>
-                </a14:m>
-                <a:r>
-                  <a:rPr lang="de-DE" dirty="0"/>
-                  <a:t> eigenständigen Locks </a:t>
-                </a:r>
-                <a14:m>
-                  <m:oMath xmlns:m="http://schemas.openxmlformats.org/officeDocument/2006/math">
-                    <m:sSub>
-                      <m:sSubPr>
-                        <m:ctrlPr>
-                          <a:rPr lang="de-DE" i="1" smtClean="0">
-                            <a:latin typeface="Cambria Math" panose="02040503050406030204" pitchFamily="18" charset="0"/>
-                          </a:rPr>
-                        </m:ctrlPr>
-                      </m:sSubPr>
-                      <m:e>
-                        <m:r>
-                          <a:rPr lang="de-DE" b="0" i="1" smtClean="0">
-                            <a:latin typeface="Cambria Math" panose="02040503050406030204" pitchFamily="18" charset="0"/>
-                          </a:rPr>
-                          <m:t>𝑙</m:t>
-                        </m:r>
-                      </m:e>
-                      <m:sub>
-                        <m:r>
-                          <a:rPr lang="de-DE" b="0" i="1" smtClean="0">
-                            <a:latin typeface="Cambria Math" panose="02040503050406030204" pitchFamily="18" charset="0"/>
-                          </a:rPr>
-                          <m:t>0</m:t>
-                        </m:r>
-                      </m:sub>
-                    </m:sSub>
-                    <m:r>
-                      <a:rPr lang="de-DE" b="0" i="1" smtClean="0">
-                        <a:latin typeface="Cambria Math" panose="02040503050406030204" pitchFamily="18" charset="0"/>
-                      </a:rPr>
-                      <m:t>, …, </m:t>
-                    </m:r>
-                    <m:sSub>
-                      <m:sSubPr>
-                        <m:ctrlPr>
-                          <a:rPr lang="de-DE" b="0" i="1" smtClean="0">
-                            <a:latin typeface="Cambria Math" panose="02040503050406030204" pitchFamily="18" charset="0"/>
-                          </a:rPr>
-                        </m:ctrlPr>
-                      </m:sSubPr>
-                      <m:e>
-                        <m:r>
-                          <a:rPr lang="de-DE" b="0" i="1" smtClean="0">
-                            <a:latin typeface="Cambria Math" panose="02040503050406030204" pitchFamily="18" charset="0"/>
-                          </a:rPr>
-                          <m:t>𝑙</m:t>
-                        </m:r>
-                      </m:e>
-                      <m:sub>
-                        <m:r>
-                          <a:rPr lang="de-DE" b="0" i="1" smtClean="0">
-                            <a:latin typeface="Cambria Math" panose="02040503050406030204" pitchFamily="18" charset="0"/>
-                          </a:rPr>
-                          <m:t>𝑘</m:t>
-                        </m:r>
-                        <m:r>
-                          <a:rPr lang="de-DE" b="0" i="1" smtClean="0">
-                            <a:latin typeface="Cambria Math" panose="02040503050406030204" pitchFamily="18" charset="0"/>
-                          </a:rPr>
-                          <m:t>−1</m:t>
-                        </m:r>
-                      </m:sub>
-                    </m:sSub>
-                  </m:oMath>
-                </a14:m>
-                <a:r>
-                  <a:rPr lang="de-DE" dirty="0"/>
-                  <a:t>, sodass:</a:t>
-                </a:r>
-              </a:p>
-              <a:p>
-                <a:r>
-                  <a:rPr lang="de-DE" dirty="0" err="1"/>
-                  <a:t>thread</a:t>
-                </a:r>
-                <a:r>
-                  <a:rPr lang="de-DE" dirty="0"/>
-                  <a:t>(</a:t>
-                </a:r>
-                <a14:m>
-                  <m:oMath xmlns:m="http://schemas.openxmlformats.org/officeDocument/2006/math">
-                    <m:sSub>
-                      <m:sSubPr>
-                        <m:ctrlPr>
-                          <a:rPr lang="de-DE" i="1" smtClean="0">
-                            <a:latin typeface="Cambria Math" panose="02040503050406030204" pitchFamily="18" charset="0"/>
-                          </a:rPr>
-                        </m:ctrlPr>
-                      </m:sSubPr>
-                      <m:e>
-                        <m:r>
-                          <a:rPr lang="de-DE" b="0" i="1" smtClean="0">
-                            <a:latin typeface="Cambria Math" panose="02040503050406030204" pitchFamily="18" charset="0"/>
-                          </a:rPr>
-                          <m:t>𝑒</m:t>
-                        </m:r>
-                      </m:e>
-                      <m:sub>
-                        <m:r>
-                          <a:rPr lang="de-DE" b="0" i="1" smtClean="0">
-                            <a:latin typeface="Cambria Math" panose="02040503050406030204" pitchFamily="18" charset="0"/>
-                          </a:rPr>
-                          <m:t>𝑖</m:t>
-                        </m:r>
-                      </m:sub>
-                    </m:sSub>
-                  </m:oMath>
-                </a14:m>
-                <a:r>
-                  <a:rPr lang="de-DE" dirty="0"/>
-                  <a:t>) = </a:t>
-                </a:r>
-                <a14:m>
-                  <m:oMath xmlns:m="http://schemas.openxmlformats.org/officeDocument/2006/math">
-                    <m:sSub>
-                      <m:sSubPr>
-                        <m:ctrlPr>
-                          <a:rPr lang="de-DE" i="1" smtClean="0">
-                            <a:latin typeface="Cambria Math" panose="02040503050406030204" pitchFamily="18" charset="0"/>
-                          </a:rPr>
-                        </m:ctrlPr>
-                      </m:sSubPr>
-                      <m:e>
-                        <m:r>
-                          <a:rPr lang="de-DE" b="0" i="1" smtClean="0">
-                            <a:latin typeface="Cambria Math" panose="02040503050406030204" pitchFamily="18" charset="0"/>
-                          </a:rPr>
-                          <m:t>𝑡</m:t>
-                        </m:r>
-                      </m:e>
-                      <m:sub>
-                        <m:r>
-                          <a:rPr lang="de-DE" b="0" i="1" smtClean="0">
-                            <a:latin typeface="Cambria Math" panose="02040503050406030204" pitchFamily="18" charset="0"/>
-                          </a:rPr>
-                          <m:t>𝑖</m:t>
-                        </m:r>
-                      </m:sub>
-                    </m:sSub>
-                  </m:oMath>
-                </a14:m>
-                <a:endParaRPr lang="de-DE" dirty="0"/>
-              </a:p>
-              <a:p>
-                <a:r>
-                  <a:rPr lang="de-DE" dirty="0" err="1"/>
-                  <a:t>op</a:t>
-                </a:r>
-                <a:r>
-                  <a:rPr lang="de-DE" dirty="0"/>
-                  <a:t>(</a:t>
-                </a:r>
-                <a14:m>
-                  <m:oMath xmlns:m="http://schemas.openxmlformats.org/officeDocument/2006/math">
-                    <m:sSub>
-                      <m:sSubPr>
-                        <m:ctrlPr>
-                          <a:rPr lang="de-DE" i="1" smtClean="0">
-                            <a:latin typeface="Cambria Math" panose="02040503050406030204" pitchFamily="18" charset="0"/>
-                          </a:rPr>
-                        </m:ctrlPr>
-                      </m:sSubPr>
-                      <m:e>
-                        <m:r>
-                          <a:rPr lang="de-DE" b="0" i="1" smtClean="0">
-                            <a:latin typeface="Cambria Math" panose="02040503050406030204" pitchFamily="18" charset="0"/>
-                          </a:rPr>
-                          <m:t>𝑒</m:t>
-                        </m:r>
-                      </m:e>
-                      <m:sub>
-                        <m:r>
-                          <a:rPr lang="de-DE" b="0" i="1" smtClean="0">
-                            <a:latin typeface="Cambria Math" panose="02040503050406030204" pitchFamily="18" charset="0"/>
-                          </a:rPr>
-                          <m:t>𝑖</m:t>
-                        </m:r>
-                      </m:sub>
-                    </m:sSub>
-                  </m:oMath>
-                </a14:m>
-                <a:r>
-                  <a:rPr lang="de-DE" dirty="0"/>
-                  <a:t>) = </a:t>
-                </a:r>
-                <a:r>
-                  <a:rPr lang="de-DE" dirty="0" err="1"/>
-                  <a:t>acq</a:t>
-                </a:r>
-                <a:r>
-                  <a:rPr lang="de-DE" dirty="0"/>
-                  <a:t>(</a:t>
-                </a:r>
-                <a14:m>
-                  <m:oMath xmlns:m="http://schemas.openxmlformats.org/officeDocument/2006/math">
-                    <m:sSub>
-                      <m:sSubPr>
-                        <m:ctrlPr>
-                          <a:rPr lang="de-DE" i="1">
-                            <a:latin typeface="Cambria Math" panose="02040503050406030204" pitchFamily="18" charset="0"/>
-                          </a:rPr>
-                        </m:ctrlPr>
-                      </m:sSubPr>
-                      <m:e>
-                        <m:r>
-                          <a:rPr lang="de-DE" b="0" i="1" smtClean="0">
-                            <a:latin typeface="Cambria Math" panose="02040503050406030204" pitchFamily="18" charset="0"/>
-                          </a:rPr>
-                          <m:t>𝑙</m:t>
-                        </m:r>
-                      </m:e>
-                      <m:sub>
-                        <m:r>
-                          <a:rPr lang="de-DE" i="1">
-                            <a:latin typeface="Cambria Math" panose="02040503050406030204" pitchFamily="18" charset="0"/>
-                          </a:rPr>
-                          <m:t>𝑖</m:t>
-                        </m:r>
-                      </m:sub>
-                    </m:sSub>
-                  </m:oMath>
-                </a14:m>
-                <a:r>
-                  <a:rPr lang="de-DE" dirty="0"/>
-                  <a:t>)</a:t>
-                </a:r>
-              </a:p>
-              <a:p>
-                <a14:m>
-                  <m:oMath xmlns:m="http://schemas.openxmlformats.org/officeDocument/2006/math">
-                    <m:sSub>
-                      <m:sSubPr>
-                        <m:ctrlPr>
-                          <a:rPr lang="de-DE" i="1" smtClean="0">
-                            <a:latin typeface="Cambria Math" panose="02040503050406030204" pitchFamily="18" charset="0"/>
-                          </a:rPr>
-                        </m:ctrlPr>
-                      </m:sSubPr>
-                      <m:e>
-                        <m:r>
-                          <a:rPr lang="de-DE" b="0" i="1" smtClean="0">
-                            <a:latin typeface="Cambria Math" panose="02040503050406030204" pitchFamily="18" charset="0"/>
-                          </a:rPr>
-                          <m:t>𝑙</m:t>
-                        </m:r>
-                      </m:e>
-                      <m:sub>
-                        <m:r>
-                          <a:rPr lang="de-DE" b="0" i="1" smtClean="0">
-                            <a:latin typeface="Cambria Math" panose="02040503050406030204" pitchFamily="18" charset="0"/>
-                          </a:rPr>
-                          <m:t>𝑖</m:t>
-                        </m:r>
-                      </m:sub>
-                    </m:sSub>
-                    <m:r>
-                      <a:rPr lang="de-DE" i="1" smtClean="0">
-                        <a:latin typeface="Cambria Math" panose="02040503050406030204" pitchFamily="18" charset="0"/>
-                        <a:ea typeface="Cambria Math" panose="02040503050406030204" pitchFamily="18" charset="0"/>
-                      </a:rPr>
-                      <m:t>∈</m:t>
-                    </m:r>
-                    <m:sSub>
-                      <m:sSubPr>
-                        <m:ctrlPr>
-                          <a:rPr lang="de-DE" i="1" smtClean="0">
-                            <a:latin typeface="Cambria Math" panose="02040503050406030204" pitchFamily="18" charset="0"/>
-                            <a:ea typeface="Cambria Math" panose="02040503050406030204" pitchFamily="18" charset="0"/>
-                          </a:rPr>
-                        </m:ctrlPr>
-                      </m:sSubPr>
-                      <m:e>
-                        <m:r>
-                          <a:rPr lang="de-DE" b="0" i="1" smtClean="0">
-                            <a:latin typeface="Cambria Math" panose="02040503050406030204" pitchFamily="18" charset="0"/>
-                            <a:ea typeface="Cambria Math" panose="02040503050406030204" pitchFamily="18" charset="0"/>
-                          </a:rPr>
-                          <m:t>𝐻𝑒𝑙𝑑𝐿𝑘𝑠</m:t>
-                        </m:r>
-                      </m:e>
-                      <m:sub>
-                        <m:r>
-                          <a:rPr lang="de-DE" i="1" smtClean="0">
-                            <a:latin typeface="Cambria Math" panose="02040503050406030204" pitchFamily="18" charset="0"/>
-                            <a:ea typeface="Cambria Math" panose="02040503050406030204" pitchFamily="18" charset="0"/>
-                          </a:rPr>
-                          <m:t>𝛿</m:t>
-                        </m:r>
-                      </m:sub>
-                    </m:sSub>
-                    <m:r>
-                      <a:rPr lang="de-DE" b="0" i="1" smtClean="0">
-                        <a:latin typeface="Cambria Math" panose="02040503050406030204" pitchFamily="18" charset="0"/>
-                        <a:ea typeface="Cambria Math" panose="02040503050406030204" pitchFamily="18" charset="0"/>
-                      </a:rPr>
-                      <m:t>(</m:t>
-                    </m:r>
-                    <m:sSub>
-                      <m:sSubPr>
-                        <m:ctrlPr>
-                          <a:rPr lang="de-DE" b="0" i="1" smtClean="0">
-                            <a:latin typeface="Cambria Math" panose="02040503050406030204" pitchFamily="18" charset="0"/>
-                            <a:ea typeface="Cambria Math" panose="02040503050406030204" pitchFamily="18" charset="0"/>
-                          </a:rPr>
-                        </m:ctrlPr>
-                      </m:sSubPr>
-                      <m:e>
-                        <m:r>
-                          <a:rPr lang="de-DE" b="0" i="1" smtClean="0">
-                            <a:latin typeface="Cambria Math" panose="02040503050406030204" pitchFamily="18" charset="0"/>
-                            <a:ea typeface="Cambria Math" panose="02040503050406030204" pitchFamily="18" charset="0"/>
-                          </a:rPr>
-                          <m:t>𝑒</m:t>
-                        </m:r>
-                      </m:e>
-                      <m:sub>
-                        <m:d>
-                          <m:dPr>
-                            <m:ctrlPr>
-                              <a:rPr lang="de-DE" b="0" i="1" smtClean="0">
-                                <a:latin typeface="Cambria Math" panose="02040503050406030204" pitchFamily="18" charset="0"/>
-                                <a:ea typeface="Cambria Math" panose="02040503050406030204" pitchFamily="18" charset="0"/>
-                              </a:rPr>
-                            </m:ctrlPr>
-                          </m:dPr>
-                          <m:e>
-                            <m:r>
-                              <a:rPr lang="de-DE" b="0" i="1" smtClean="0">
-                                <a:latin typeface="Cambria Math" panose="02040503050406030204" pitchFamily="18" charset="0"/>
-                                <a:ea typeface="Cambria Math" panose="02040503050406030204" pitchFamily="18" charset="0"/>
-                              </a:rPr>
-                              <m:t>𝑖</m:t>
-                            </m:r>
-                            <m:r>
-                              <a:rPr lang="de-DE" b="0" i="1" smtClean="0">
-                                <a:latin typeface="Cambria Math" panose="02040503050406030204" pitchFamily="18" charset="0"/>
-                                <a:ea typeface="Cambria Math" panose="02040503050406030204" pitchFamily="18" charset="0"/>
-                              </a:rPr>
-                              <m:t>+1</m:t>
-                            </m:r>
-                          </m:e>
-                        </m:d>
-                        <m:r>
-                          <a:rPr lang="de-DE" b="0" i="1" smtClean="0">
-                            <a:latin typeface="Cambria Math" panose="02040503050406030204" pitchFamily="18" charset="0"/>
-                            <a:ea typeface="Cambria Math" panose="02040503050406030204" pitchFamily="18" charset="0"/>
-                          </a:rPr>
-                          <m:t>%</m:t>
-                        </m:r>
-                        <m:r>
-                          <a:rPr lang="de-DE" b="0" i="1" smtClean="0">
-                            <a:latin typeface="Cambria Math" panose="02040503050406030204" pitchFamily="18" charset="0"/>
-                            <a:ea typeface="Cambria Math" panose="02040503050406030204" pitchFamily="18" charset="0"/>
-                          </a:rPr>
-                          <m:t>𝑘</m:t>
-                        </m:r>
-                      </m:sub>
-                    </m:sSub>
-                    <m:r>
-                      <a:rPr lang="de-DE" b="0" i="1" smtClean="0">
-                        <a:latin typeface="Cambria Math" panose="02040503050406030204" pitchFamily="18" charset="0"/>
-                        <a:ea typeface="Cambria Math" panose="02040503050406030204" pitchFamily="18" charset="0"/>
-                      </a:rPr>
-                      <m:t>)</m:t>
-                    </m:r>
-                  </m:oMath>
-                </a14:m>
-                <a:endParaRPr lang="de-DE" dirty="0"/>
-              </a:p>
-              <a:p>
-                <a14:m>
-                  <m:oMath xmlns:m="http://schemas.openxmlformats.org/officeDocument/2006/math">
-                    <m:sSub>
-                      <m:sSubPr>
-                        <m:ctrlPr>
-                          <a:rPr lang="de-DE" i="1" smtClean="0">
-                            <a:latin typeface="Cambria Math" panose="02040503050406030204" pitchFamily="18" charset="0"/>
-                          </a:rPr>
-                        </m:ctrlPr>
-                      </m:sSubPr>
-                      <m:e>
-                        <m:r>
-                          <a:rPr lang="de-DE" b="0" i="1" smtClean="0">
-                            <a:latin typeface="Cambria Math" panose="02040503050406030204" pitchFamily="18" charset="0"/>
-                          </a:rPr>
-                          <m:t>𝐻𝑒𝑙𝑑𝐿𝑘𝑠</m:t>
-                        </m:r>
-                      </m:e>
-                      <m:sub>
-                        <m:r>
-                          <a:rPr lang="de-DE" i="1" smtClean="0">
-                            <a:latin typeface="Cambria Math" panose="02040503050406030204" pitchFamily="18" charset="0"/>
-                            <a:ea typeface="Cambria Math" panose="02040503050406030204" pitchFamily="18" charset="0"/>
-                          </a:rPr>
-                          <m:t>𝛿</m:t>
-                        </m:r>
-                      </m:sub>
-                    </m:sSub>
-                    <m:d>
-                      <m:dPr>
-                        <m:ctrlPr>
-                          <a:rPr lang="de-DE" b="0" i="1" smtClean="0">
-                            <a:latin typeface="Cambria Math" panose="02040503050406030204" pitchFamily="18" charset="0"/>
-                          </a:rPr>
-                        </m:ctrlPr>
-                      </m:dPr>
-                      <m:e>
-                        <m:sSub>
-                          <m:sSubPr>
-                            <m:ctrlPr>
-                              <a:rPr lang="de-DE" b="0" i="1" smtClean="0">
-                                <a:latin typeface="Cambria Math" panose="02040503050406030204" pitchFamily="18" charset="0"/>
-                              </a:rPr>
-                            </m:ctrlPr>
-                          </m:sSubPr>
-                          <m:e>
-                            <m:r>
-                              <a:rPr lang="de-DE" b="0" i="1" smtClean="0">
-                                <a:latin typeface="Cambria Math" panose="02040503050406030204" pitchFamily="18" charset="0"/>
-                              </a:rPr>
-                              <m:t>𝑒</m:t>
-                            </m:r>
-                          </m:e>
-                          <m:sub>
-                            <m:r>
-                              <a:rPr lang="de-DE" b="0" i="1" smtClean="0">
-                                <a:latin typeface="Cambria Math" panose="02040503050406030204" pitchFamily="18" charset="0"/>
-                              </a:rPr>
-                              <m:t>𝑖</m:t>
-                            </m:r>
-                          </m:sub>
-                        </m:sSub>
-                      </m:e>
-                    </m:d>
-                    <m:r>
-                      <a:rPr lang="de-DE" b="0" i="1" smtClean="0">
-                        <a:latin typeface="Cambria Math" panose="02040503050406030204" pitchFamily="18" charset="0"/>
-                        <a:ea typeface="Cambria Math" panose="02040503050406030204" pitchFamily="18" charset="0"/>
-                      </a:rPr>
-                      <m:t>∩</m:t>
-                    </m:r>
-                    <m:sSub>
-                      <m:sSubPr>
-                        <m:ctrlPr>
-                          <a:rPr lang="de-DE" b="0" i="1" smtClean="0">
-                            <a:latin typeface="Cambria Math" panose="02040503050406030204" pitchFamily="18" charset="0"/>
-                            <a:ea typeface="Cambria Math" panose="02040503050406030204" pitchFamily="18" charset="0"/>
-                          </a:rPr>
-                        </m:ctrlPr>
-                      </m:sSubPr>
-                      <m:e>
-                        <m:r>
-                          <a:rPr lang="de-DE" b="0" i="1" smtClean="0">
-                            <a:latin typeface="Cambria Math" panose="02040503050406030204" pitchFamily="18" charset="0"/>
-                            <a:ea typeface="Cambria Math" panose="02040503050406030204" pitchFamily="18" charset="0"/>
-                          </a:rPr>
-                          <m:t>𝐻𝑒𝑙𝑑𝐿𝑘𝑠</m:t>
-                        </m:r>
-                      </m:e>
-                      <m:sub>
-                        <m:r>
-                          <a:rPr lang="de-DE" b="0" i="1" smtClean="0">
-                            <a:latin typeface="Cambria Math" panose="02040503050406030204" pitchFamily="18" charset="0"/>
-                            <a:ea typeface="Cambria Math" panose="02040503050406030204" pitchFamily="18" charset="0"/>
-                          </a:rPr>
-                          <m:t>𝛿</m:t>
-                        </m:r>
-                      </m:sub>
-                    </m:sSub>
-                    <m:d>
-                      <m:dPr>
-                        <m:ctrlPr>
-                          <a:rPr lang="de-DE" b="0" i="1" smtClean="0">
-                            <a:latin typeface="Cambria Math" panose="02040503050406030204" pitchFamily="18" charset="0"/>
-                            <a:ea typeface="Cambria Math" panose="02040503050406030204" pitchFamily="18" charset="0"/>
-                          </a:rPr>
-                        </m:ctrlPr>
-                      </m:dPr>
-                      <m:e>
-                        <m:sSub>
-                          <m:sSubPr>
-                            <m:ctrlPr>
-                              <a:rPr lang="de-DE" b="0" i="1" smtClean="0">
-                                <a:latin typeface="Cambria Math" panose="02040503050406030204" pitchFamily="18" charset="0"/>
-                                <a:ea typeface="Cambria Math" panose="02040503050406030204" pitchFamily="18" charset="0"/>
-                              </a:rPr>
-                            </m:ctrlPr>
-                          </m:sSubPr>
-                          <m:e>
-                            <m:r>
-                              <a:rPr lang="de-DE" b="0" i="1" smtClean="0">
-                                <a:latin typeface="Cambria Math" panose="02040503050406030204" pitchFamily="18" charset="0"/>
-                                <a:ea typeface="Cambria Math" panose="02040503050406030204" pitchFamily="18" charset="0"/>
-                              </a:rPr>
-                              <m:t>𝑒</m:t>
-                            </m:r>
-                          </m:e>
-                          <m:sub>
-                            <m:r>
-                              <a:rPr lang="de-DE" b="0" i="1" smtClean="0">
-                                <a:latin typeface="Cambria Math" panose="02040503050406030204" pitchFamily="18" charset="0"/>
-                                <a:ea typeface="Cambria Math" panose="02040503050406030204" pitchFamily="18" charset="0"/>
-                              </a:rPr>
-                              <m:t>𝑗</m:t>
-                            </m:r>
-                          </m:sub>
-                        </m:sSub>
-                      </m:e>
-                    </m:d>
-                    <m:r>
-                      <a:rPr lang="de-DE" b="0" i="1" smtClean="0">
-                        <a:latin typeface="Cambria Math" panose="02040503050406030204" pitchFamily="18" charset="0"/>
-                        <a:ea typeface="Cambria Math" panose="02040503050406030204" pitchFamily="18" charset="0"/>
-                      </a:rPr>
-                      <m:t>= ∅</m:t>
-                    </m:r>
-                  </m:oMath>
-                </a14:m>
-                <a:endParaRPr lang="de-DE" dirty="0"/>
-              </a:p>
-              <a:p>
-                <a:pPr marL="0" indent="0">
-                  <a:buNone/>
-                </a:pPr>
-                <a:r>
-                  <a:rPr lang="de-DE" dirty="0"/>
-                  <a:t>Ein Deadlock-Pattern ist eine notwendige aber keine hinreichende Bedingung für einen tatsächlichen Deadlock</a:t>
-                </a:r>
-              </a:p>
-            </p:txBody>
-          </p:sp>
-        </mc:Choice>
-        <mc:Fallback xmlns="">
-          <p:sp>
-            <p:nvSpPr>
-              <p:cNvPr id="3" name="Inhaltsplatzhalter 2">
-                <a:extLst>
-                  <a:ext uri="{FF2B5EF4-FFF2-40B4-BE49-F238E27FC236}">
-                    <a16:creationId xmlns:a16="http://schemas.microsoft.com/office/drawing/2014/main" id="{C57DD84C-C93A-2C8E-C186-EFAABD736DE4}"/>
-                  </a:ext>
-                </a:extLst>
-              </p:cNvPr>
-              <p:cNvSpPr>
-                <a:spLocks noGrp="1" noRot="1" noChangeAspect="1" noMove="1" noResize="1" noEditPoints="1" noAdjustHandles="1" noChangeArrowheads="1" noChangeShapeType="1" noTextEdit="1"/>
-              </p:cNvSpPr>
-              <p:nvPr>
-                <p:ph idx="1"/>
-              </p:nvPr>
-            </p:nvSpPr>
-            <p:spPr>
-              <a:blipFill>
-                <a:blip r:embed="rId2"/>
-                <a:stretch>
-                  <a:fillRect l="-1217" t="-3081" r="-696"/>
-                </a:stretch>
-              </a:blipFill>
-            </p:spPr>
-            <p:txBody>
-              <a:bodyPr/>
-              <a:lstStyle/>
-              <a:p>
-                <a:r>
-                  <a:rPr lang="de-DE">
-                    <a:noFill/>
-                  </a:rPr>
-                  <a:t> </a:t>
-                </a:r>
-              </a:p>
-            </p:txBody>
-          </p:sp>
-        </mc:Fallback>
-      </mc:AlternateContent>
-    </p:spTree>
-    <p:extLst>
-      <p:ext uri="{BB962C8B-B14F-4D97-AF65-F5344CB8AC3E}">
-        <p14:creationId xmlns:p14="http://schemas.microsoft.com/office/powerpoint/2010/main" val="1209094697"/>
-      </p:ext>
-    </p:extLst>
-  </p:cSld>
-  <p:clrMapOvr>
-    <a:masterClrMapping/>
-  </p:clrMapOvr>
-</p:sld>
-</file>
-
-<file path=ppt/slides/slide21.xml><?xml version="1.0" encoding="utf-8"?>
-<p:sld xmlns:a="http://schemas.openxmlformats.org/drawingml/2006/main" xmlns:r="http://schemas.openxmlformats.org/officeDocument/2006/relationships" xmlns:p="http://schemas.openxmlformats.org/presentationml/2006/main">
-  <p:cSld>
-    <p:spTree>
-      <p:nvGrpSpPr>
-        <p:cNvPr id="1" name=""/>
-        <p:cNvGrpSpPr/>
-        <p:nvPr/>
-      </p:nvGrpSpPr>
-      <p:grpSpPr>
-        <a:xfrm>
-          <a:off x="0" y="0"/>
-          <a:ext cx="0" cy="0"/>
-          <a:chOff x="0" y="0"/>
-          <a:chExt cx="0" cy="0"/>
-        </a:xfrm>
-      </p:grpSpPr>
-      <p:sp>
-        <p:nvSpPr>
-          <p:cNvPr id="2" name="Titel 1">
-            <a:extLst>
-              <a:ext uri="{FF2B5EF4-FFF2-40B4-BE49-F238E27FC236}">
-                <a16:creationId xmlns:a16="http://schemas.microsoft.com/office/drawing/2014/main" id="{1CE6A7D9-31AE-DA6B-6AD7-2FFAB19A0C4F}"/>
-              </a:ext>
-            </a:extLst>
-          </p:cNvPr>
-          <p:cNvSpPr>
-            <a:spLocks noGrp="1"/>
-          </p:cNvSpPr>
-          <p:nvPr>
-            <p:ph type="title"/>
-          </p:nvPr>
-        </p:nvSpPr>
-        <p:spPr/>
-        <p:txBody>
-          <a:bodyPr/>
-          <a:lstStyle/>
-          <a:p>
-            <a:r>
-              <a:rPr lang="de-DE" dirty="0" err="1"/>
-              <a:t>Sync-preserving</a:t>
-            </a:r>
-            <a:r>
-              <a:rPr lang="de-DE" dirty="0"/>
-              <a:t> Deadlocks</a:t>
-            </a:r>
-          </a:p>
-        </p:txBody>
-      </p:sp>
-      <mc:AlternateContent xmlns:mc="http://schemas.openxmlformats.org/markup-compatibility/2006" xmlns:a14="http://schemas.microsoft.com/office/drawing/2010/main">
-        <mc:Choice Requires="a14">
+      <mc:AlternateContent xmlns:mc="http://schemas.openxmlformats.org/markup-compatibility/2006">
+        <mc:Choice xmlns:a14="http://schemas.microsoft.com/office/drawing/2010/main" Requires="a14">
           <p:sp>
             <p:nvSpPr>
               <p:cNvPr id="3" name="Inhaltsplatzhalter 2">
@@ -7892,7 +7876,7 @@
             </p:txBody>
           </p:sp>
         </mc:Choice>
-        <mc:Fallback xmlns="">
+        <mc:Fallback>
           <p:sp>
             <p:nvSpPr>
               <p:cNvPr id="3" name="Inhaltsplatzhalter 2">
@@ -7932,10 +7916,401 @@
           </p:sp>
         </mc:Fallback>
       </mc:AlternateContent>
+      <p:sp>
+        <p:nvSpPr>
+          <p:cNvPr id="4" name="Foliennummernplatzhalter 3">
+            <a:extLst>
+              <a:ext uri="{FF2B5EF4-FFF2-40B4-BE49-F238E27FC236}">
+                <a16:creationId xmlns:a16="http://schemas.microsoft.com/office/drawing/2014/main" id="{34DFAC28-D0BA-DAB5-3FAD-C2DD4FFCEC39}"/>
+              </a:ext>
+            </a:extLst>
+          </p:cNvPr>
+          <p:cNvSpPr>
+            <a:spLocks noGrp="1"/>
+          </p:cNvSpPr>
+          <p:nvPr>
+            <p:ph type="sldNum" sz="quarter" idx="12"/>
+          </p:nvPr>
+        </p:nvSpPr>
+        <p:spPr/>
+        <p:txBody>
+          <a:bodyPr/>
+          <a:lstStyle/>
+          <a:p>
+            <a:fld id="{1DC7C88A-61DF-4C06-B514-651BF2646602}" type="slidenum">
+              <a:rPr lang="de-DE" smtClean="0"/>
+              <a:t>20</a:t>
+            </a:fld>
+            <a:endParaRPr lang="de-DE"/>
+          </a:p>
+        </p:txBody>
+      </p:sp>
     </p:spTree>
     <p:extLst>
       <p:ext uri="{BB962C8B-B14F-4D97-AF65-F5344CB8AC3E}">
         <p14:creationId xmlns:p14="http://schemas.microsoft.com/office/powerpoint/2010/main" val="2661276657"/>
+      </p:ext>
+    </p:extLst>
+  </p:cSld>
+  <p:clrMapOvr>
+    <a:masterClrMapping/>
+  </p:clrMapOvr>
+</p:sld>
+</file>
+
+<file path=ppt/slides/slide21.xml><?xml version="1.0" encoding="utf-8"?>
+<p:sld xmlns:a="http://schemas.openxmlformats.org/drawingml/2006/main" xmlns:r="http://schemas.openxmlformats.org/officeDocument/2006/relationships" xmlns:p="http://schemas.openxmlformats.org/presentationml/2006/main">
+  <p:cSld>
+    <p:spTree>
+      <p:nvGrpSpPr>
+        <p:cNvPr id="1" name=""/>
+        <p:cNvGrpSpPr/>
+        <p:nvPr/>
+      </p:nvGrpSpPr>
+      <p:grpSpPr>
+        <a:xfrm>
+          <a:off x="0" y="0"/>
+          <a:ext cx="0" cy="0"/>
+          <a:chOff x="0" y="0"/>
+          <a:chExt cx="0" cy="0"/>
+        </a:xfrm>
+      </p:grpSpPr>
+      <p:sp>
+        <p:nvSpPr>
+          <p:cNvPr id="2" name="Titel 1">
+            <a:extLst>
+              <a:ext uri="{FF2B5EF4-FFF2-40B4-BE49-F238E27FC236}">
+                <a16:creationId xmlns:a16="http://schemas.microsoft.com/office/drawing/2014/main" id="{DD87DC28-5B3D-DC04-B2E8-982B68B460B0}"/>
+              </a:ext>
+            </a:extLst>
+          </p:cNvPr>
+          <p:cNvSpPr>
+            <a:spLocks noGrp="1"/>
+          </p:cNvSpPr>
+          <p:nvPr>
+            <p:ph type="title"/>
+          </p:nvPr>
+        </p:nvSpPr>
+        <p:spPr/>
+        <p:txBody>
+          <a:bodyPr/>
+          <a:lstStyle/>
+          <a:p>
+            <a:r>
+              <a:rPr lang="de-DE" dirty="0" err="1"/>
+              <a:t>Sync-preserving</a:t>
+            </a:r>
+            <a:r>
+              <a:rPr lang="de-DE" dirty="0"/>
+              <a:t> Deadlocks</a:t>
+            </a:r>
+          </a:p>
+        </p:txBody>
+      </p:sp>
+      <p:sp>
+        <p:nvSpPr>
+          <p:cNvPr id="4" name="Foliennummernplatzhalter 3">
+            <a:extLst>
+              <a:ext uri="{FF2B5EF4-FFF2-40B4-BE49-F238E27FC236}">
+                <a16:creationId xmlns:a16="http://schemas.microsoft.com/office/drawing/2014/main" id="{939B8737-360F-7784-AC48-5E9597174AA3}"/>
+              </a:ext>
+            </a:extLst>
+          </p:cNvPr>
+          <p:cNvSpPr>
+            <a:spLocks noGrp="1"/>
+          </p:cNvSpPr>
+          <p:nvPr>
+            <p:ph type="sldNum" sz="quarter" idx="12"/>
+          </p:nvPr>
+        </p:nvSpPr>
+        <p:spPr/>
+        <p:txBody>
+          <a:bodyPr/>
+          <a:lstStyle/>
+          <a:p>
+            <a:fld id="{1DC7C88A-61DF-4C06-B514-651BF2646602}" type="slidenum">
+              <a:rPr lang="de-DE" smtClean="0"/>
+              <a:pPr/>
+              <a:t>21</a:t>
+            </a:fld>
+            <a:endParaRPr lang="de-DE" dirty="0"/>
+          </a:p>
+        </p:txBody>
+      </p:sp>
+      <p:pic>
+        <p:nvPicPr>
+          <p:cNvPr id="6" name="Inhaltsplatzhalter 5">
+            <a:extLst>
+              <a:ext uri="{FF2B5EF4-FFF2-40B4-BE49-F238E27FC236}">
+                <a16:creationId xmlns:a16="http://schemas.microsoft.com/office/drawing/2014/main" id="{DEA11615-7F67-53A4-9925-33B120B3A61C}"/>
+              </a:ext>
+            </a:extLst>
+          </p:cNvPr>
+          <p:cNvPicPr>
+            <a:picLocks noGrp="1" noChangeAspect="1"/>
+          </p:cNvPicPr>
+          <p:nvPr>
+            <p:ph idx="1"/>
+          </p:nvPr>
+        </p:nvPicPr>
+        <p:blipFill>
+          <a:blip r:embed="rId2"/>
+          <a:stretch>
+            <a:fillRect/>
+          </a:stretch>
+        </p:blipFill>
+        <p:spPr>
+          <a:xfrm>
+            <a:off x="6394630" y="1690688"/>
+            <a:ext cx="4429743" cy="4191585"/>
+          </a:xfrm>
+          <a:prstGeom prst="rect">
+            <a:avLst/>
+          </a:prstGeom>
+          <a:ln>
+            <a:solidFill>
+              <a:schemeClr val="tx1"/>
+            </a:solidFill>
+          </a:ln>
+        </p:spPr>
+      </p:pic>
+      <mc:AlternateContent xmlns:mc="http://schemas.openxmlformats.org/markup-compatibility/2006">
+        <mc:Choice xmlns:a14="http://schemas.microsoft.com/office/drawing/2010/main" Requires="a14">
+          <p:sp>
+            <p:nvSpPr>
+              <p:cNvPr id="8" name="Textfeld 7">
+                <a:extLst>
+                  <a:ext uri="{FF2B5EF4-FFF2-40B4-BE49-F238E27FC236}">
+                    <a16:creationId xmlns:a16="http://schemas.microsoft.com/office/drawing/2014/main" id="{4FB13F52-5843-F3AA-B287-24914D7249FE}"/>
+                  </a:ext>
+                </a:extLst>
+              </p:cNvPr>
+              <p:cNvSpPr txBox="1"/>
+              <p:nvPr/>
+            </p:nvSpPr>
+            <p:spPr>
+              <a:xfrm>
+                <a:off x="1061049" y="1690688"/>
+                <a:ext cx="5184476" cy="3170099"/>
+              </a:xfrm>
+              <a:prstGeom prst="rect">
+                <a:avLst/>
+              </a:prstGeom>
+              <a:noFill/>
+            </p:spPr>
+            <p:txBody>
+              <a:bodyPr wrap="square" rtlCol="0">
+                <a:spAutoFit/>
+              </a:bodyPr>
+              <a:lstStyle/>
+              <a:p>
+                <a:r>
+                  <a:rPr lang="de-DE" sz="2000" dirty="0"/>
+                  <a:t>Lock-Semantik (vereinfacht):</a:t>
+                </a:r>
+              </a:p>
+              <a:p>
+                <a:r>
+                  <a:rPr lang="de-DE" sz="2000" dirty="0"/>
+                  <a:t>Wenn in einem ersten Thread eine </a:t>
+                </a:r>
+                <a:r>
+                  <a:rPr lang="de-DE" sz="2000" dirty="0" err="1"/>
+                  <a:t>Acquire</a:t>
+                </a:r>
+                <a:r>
+                  <a:rPr lang="de-DE" sz="2000" dirty="0"/>
+                  <a:t>-Operation auf einen Lock stattfindet, muss im selben Thread zuerst eine Release-Operation auf denselben Lock stattfinden bevor ein zweiter Thread diesen Lock reserviert.</a:t>
+                </a:r>
+              </a:p>
+              <a:p>
+                <a:r>
+                  <a:rPr lang="de-DE" sz="2000" dirty="0"/>
+                  <a:t>𝑒 = </a:t>
+                </a:r>
+                <a:r>
+                  <a:rPr lang="de-DE" sz="2000" dirty="0" err="1"/>
+                  <a:t>acq</a:t>
+                </a:r>
+                <a:r>
+                  <a:rPr lang="de-DE" sz="2000" dirty="0"/>
+                  <a:t>(</a:t>
+                </a:r>
+                <a14:m>
+                  <m:oMath xmlns:m="http://schemas.openxmlformats.org/officeDocument/2006/math">
+                    <m:r>
+                      <a:rPr lang="de-DE" sz="2000" i="1" dirty="0" smtClean="0">
+                        <a:latin typeface="Cambria Math" panose="02040503050406030204" pitchFamily="18" charset="0"/>
+                      </a:rPr>
+                      <m:t>𝑙</m:t>
+                    </m:r>
+                  </m:oMath>
+                </a14:m>
+                <a:r>
+                  <a:rPr lang="de-DE" sz="2000" dirty="0"/>
+                  <a:t>)</a:t>
+                </a:r>
+              </a:p>
+              <a:p>
+                <a:r>
+                  <a:rPr lang="de-DE" sz="2000" dirty="0"/>
+                  <a:t>𝑒′′ = </a:t>
+                </a:r>
+                <a:r>
+                  <a:rPr lang="de-DE" sz="2000" dirty="0" err="1"/>
+                  <a:t>rel</a:t>
+                </a:r>
+                <a:r>
+                  <a:rPr lang="de-DE" sz="2000" dirty="0"/>
+                  <a:t>(</a:t>
+                </a:r>
+                <a14:m>
+                  <m:oMath xmlns:m="http://schemas.openxmlformats.org/officeDocument/2006/math">
+                    <m:r>
+                      <a:rPr lang="de-DE" sz="2000" i="1" dirty="0" smtClean="0">
+                        <a:latin typeface="Cambria Math" panose="02040503050406030204" pitchFamily="18" charset="0"/>
+                      </a:rPr>
+                      <m:t>𝑙</m:t>
+                    </m:r>
+                  </m:oMath>
+                </a14:m>
+                <a:r>
+                  <a:rPr lang="de-DE" sz="2000" dirty="0"/>
+                  <a:t>)</a:t>
+                </a:r>
+              </a:p>
+              <a:p>
+                <a:r>
+                  <a:rPr lang="de-DE" sz="2000" dirty="0"/>
+                  <a:t>𝑒 = </a:t>
+                </a:r>
+                <a14:m>
+                  <m:oMath xmlns:m="http://schemas.openxmlformats.org/officeDocument/2006/math">
+                    <m:sSub>
+                      <m:sSubPr>
+                        <m:ctrlPr>
+                          <a:rPr lang="de-DE" sz="2000" b="0" i="1" smtClean="0">
+                            <a:latin typeface="Cambria Math" panose="02040503050406030204" pitchFamily="18" charset="0"/>
+                          </a:rPr>
+                        </m:ctrlPr>
+                      </m:sSubPr>
+                      <m:e>
+                        <m:r>
+                          <a:rPr lang="de-DE" sz="2000" i="1">
+                            <a:latin typeface="Cambria Math" panose="02040503050406030204" pitchFamily="18" charset="0"/>
+                          </a:rPr>
+                          <m:t>𝑚𝑎𝑡𝑐h</m:t>
+                        </m:r>
+                      </m:e>
+                      <m:sub>
+                        <m:r>
+                          <a:rPr lang="de-DE" sz="2000" b="0" i="1" smtClean="0">
+                            <a:latin typeface="Cambria Math" panose="02040503050406030204" pitchFamily="18" charset="0"/>
+                            <a:ea typeface="Cambria Math" panose="02040503050406030204" pitchFamily="18" charset="0"/>
+                          </a:rPr>
+                          <m:t>𝛿</m:t>
+                        </m:r>
+                      </m:sub>
+                    </m:sSub>
+                  </m:oMath>
+                </a14:m>
+                <a:r>
+                  <a:rPr lang="de-DE" sz="2000" dirty="0"/>
+                  <a:t>(𝑒′′)</a:t>
+                </a:r>
+              </a:p>
+              <a:p>
+                <a:r>
+                  <a:rPr lang="de-DE" sz="2000" dirty="0"/>
+                  <a:t>𝑒′′ = </a:t>
+                </a:r>
+                <a14:m>
+                  <m:oMath xmlns:m="http://schemas.openxmlformats.org/officeDocument/2006/math">
+                    <m:sSub>
+                      <m:sSubPr>
+                        <m:ctrlPr>
+                          <a:rPr lang="de-DE" sz="2000" b="0" i="1" smtClean="0">
+                            <a:latin typeface="Cambria Math" panose="02040503050406030204" pitchFamily="18" charset="0"/>
+                          </a:rPr>
+                        </m:ctrlPr>
+                      </m:sSubPr>
+                      <m:e>
+                        <m:r>
+                          <a:rPr lang="de-DE" sz="2000" i="1">
+                            <a:latin typeface="Cambria Math" panose="02040503050406030204" pitchFamily="18" charset="0"/>
+                          </a:rPr>
+                          <m:t>𝑚𝑎𝑡𝑐h</m:t>
+                        </m:r>
+                      </m:e>
+                      <m:sub>
+                        <m:r>
+                          <a:rPr lang="de-DE" sz="2000" b="0" i="1" smtClean="0">
+                            <a:latin typeface="Cambria Math" panose="02040503050406030204" pitchFamily="18" charset="0"/>
+                            <a:ea typeface="Cambria Math" panose="02040503050406030204" pitchFamily="18" charset="0"/>
+                          </a:rPr>
+                          <m:t>𝛿</m:t>
+                        </m:r>
+                      </m:sub>
+                    </m:sSub>
+                  </m:oMath>
+                </a14:m>
+                <a:r>
+                  <a:rPr lang="de-DE" sz="2000" dirty="0"/>
+                  <a:t>(𝑒)</a:t>
+                </a:r>
+              </a:p>
+            </p:txBody>
+          </p:sp>
+        </mc:Choice>
+        <mc:Fallback>
+          <p:sp>
+            <p:nvSpPr>
+              <p:cNvPr id="8" name="Textfeld 7">
+                <a:extLst>
+                  <a:ext uri="{FF2B5EF4-FFF2-40B4-BE49-F238E27FC236}">
+                    <a16:creationId xmlns:a16="http://schemas.microsoft.com/office/drawing/2014/main" id="{4FB13F52-5843-F3AA-B287-24914D7249FE}"/>
+                  </a:ext>
+                </a:extLst>
+              </p:cNvPr>
+              <p:cNvSpPr txBox="1">
+                <a:spLocks noRot="1" noChangeAspect="1" noMove="1" noResize="1" noEditPoints="1" noAdjustHandles="1" noChangeArrowheads="1" noChangeShapeType="1" noTextEdit="1"/>
+              </p:cNvSpPr>
+              <p:nvPr/>
+            </p:nvSpPr>
+            <p:spPr>
+              <a:xfrm>
+                <a:off x="1061049" y="1690688"/>
+                <a:ext cx="5184476" cy="3170099"/>
+              </a:xfrm>
+              <a:prstGeom prst="rect">
+                <a:avLst/>
+              </a:prstGeom>
+              <a:blipFill>
+                <a:blip r:embed="rId3"/>
+                <a:stretch>
+                  <a:fillRect l="-1175" t="-962" b="-2500"/>
+                </a:stretch>
+              </a:blipFill>
+            </p:spPr>
+            <p:txBody>
+              <a:bodyPr/>
+              <a:lstStyle/>
+              <a:p>
+                <a:r>
+                  <a:rPr lang="de-DE">
+                    <a:noFill/>
+                  </a:rPr>
+                  <a:t> </a:t>
+                </a:r>
+              </a:p>
+            </p:txBody>
+          </p:sp>
+        </mc:Fallback>
+      </mc:AlternateContent>
+    </p:spTree>
+    <p:extLst>
+      <p:ext uri="{BB962C8B-B14F-4D97-AF65-F5344CB8AC3E}">
+        <p14:creationId xmlns:p14="http://schemas.microsoft.com/office/powerpoint/2010/main" val="924696425"/>
       </p:ext>
     </p:extLst>
   </p:cSld>
@@ -7994,8 +8369,8 @@
           </a:p>
         </p:txBody>
       </p:sp>
-      <mc:AlternateContent xmlns:mc="http://schemas.openxmlformats.org/markup-compatibility/2006" xmlns:a14="http://schemas.microsoft.com/office/drawing/2010/main">
-        <mc:Choice Requires="a14">
+      <mc:AlternateContent xmlns:mc="http://schemas.openxmlformats.org/markup-compatibility/2006">
+        <mc:Choice xmlns:a14="http://schemas.microsoft.com/office/drawing/2010/main" Requires="a14">
           <p:sp>
             <p:nvSpPr>
               <p:cNvPr id="3" name="Inhaltsplatzhalter 2">
@@ -8499,10 +8874,16 @@
                   <a:rPr lang="de-DE" dirty="0"/>
                   <a:t> haben wir </a:t>
                 </a:r>
-                <a:r>
-                  <a:rPr lang="de-DE" dirty="0" err="1"/>
-                  <a:t>rf</a:t>
-                </a:r>
+                <a14:m>
+                  <m:oMath xmlns:m="http://schemas.openxmlformats.org/officeDocument/2006/math">
+                    <m:r>
+                      <a:rPr lang="de-DE" i="1">
+                        <a:latin typeface="Cambria Math" panose="02040503050406030204" pitchFamily="18" charset="0"/>
+                      </a:rPr>
+                      <m:t>𝑟𝑓</m:t>
+                    </m:r>
+                  </m:oMath>
+                </a14:m>
                 <a:r>
                   <a:rPr lang="de-DE" dirty="0"/>
                   <a:t>(</a:t>
@@ -8564,19 +8945,34 @@
                   <a:rPr lang="de-DE" dirty="0"/>
                   <a:t> und </a:t>
                 </a:r>
-                <a:r>
-                  <a:rPr lang="de-DE" dirty="0" err="1"/>
-                  <a:t>rf</a:t>
-                </a:r>
                 <a14:m>
                   <m:oMath xmlns:m="http://schemas.openxmlformats.org/officeDocument/2006/math">
-                    <m:r>
-                      <a:rPr lang="de-DE" i="1" smtClean="0">
-                        <a:latin typeface="Cambria Math" panose="02040503050406030204" pitchFamily="18" charset="0"/>
-                        <a:ea typeface="Cambria Math" panose="02040503050406030204" pitchFamily="18" charset="0"/>
-                      </a:rPr>
-                      <m:t>𝜌</m:t>
-                    </m:r>
+                    <m:sSub>
+                      <m:sSubPr>
+                        <m:ctrlPr>
+                          <a:rPr lang="de-DE" i="1">
+                            <a:latin typeface="Cambria Math" panose="02040503050406030204" pitchFamily="18" charset="0"/>
+                          </a:rPr>
+                        </m:ctrlPr>
+                      </m:sSubPr>
+                      <m:e>
+                        <m:r>
+                          <a:rPr lang="de-DE" i="1">
+                            <a:latin typeface="Cambria Math" panose="02040503050406030204" pitchFamily="18" charset="0"/>
+                          </a:rPr>
+                          <m:t>𝑟𝑓</m:t>
+                        </m:r>
+                      </m:e>
+                      <m:sub>
+                        <m:r>
+                          <a:rPr lang="de-DE" i="1">
+                            <a:latin typeface="Cambria Math" panose="02040503050406030204" pitchFamily="18" charset="0"/>
+                            <a:ea typeface="Cambria Math" panose="02040503050406030204" pitchFamily="18" charset="0"/>
+                          </a:rPr>
+                          <m:t>𝜌</m:t>
+                        </m:r>
+                      </m:sub>
+                    </m:sSub>
                   </m:oMath>
                 </a14:m>
                 <a:r>
@@ -8597,19 +8993,34 @@
                   <a:rPr lang="de-DE" dirty="0"/>
                   <a:t>) = </a:t>
                 </a:r>
-                <a:r>
-                  <a:rPr lang="de-DE" dirty="0" err="1"/>
-                  <a:t>rf</a:t>
-                </a:r>
                 <a14:m>
                   <m:oMath xmlns:m="http://schemas.openxmlformats.org/officeDocument/2006/math">
-                    <m:r>
-                      <a:rPr lang="de-DE" i="1" dirty="0">
-                        <a:latin typeface="Cambria Math" panose="02040503050406030204" pitchFamily="18" charset="0"/>
-                        <a:ea typeface="Cambria Math" panose="02040503050406030204" pitchFamily="18" charset="0"/>
-                      </a:rPr>
-                      <m:t>𝛿</m:t>
-                    </m:r>
+                    <m:sSub>
+                      <m:sSubPr>
+                        <m:ctrlPr>
+                          <a:rPr lang="de-DE" i="1">
+                            <a:latin typeface="Cambria Math" panose="02040503050406030204" pitchFamily="18" charset="0"/>
+                          </a:rPr>
+                        </m:ctrlPr>
+                      </m:sSubPr>
+                      <m:e>
+                        <m:r>
+                          <a:rPr lang="de-DE" i="1">
+                            <a:latin typeface="Cambria Math" panose="02040503050406030204" pitchFamily="18" charset="0"/>
+                          </a:rPr>
+                          <m:t>𝑟𝑓</m:t>
+                        </m:r>
+                      </m:e>
+                      <m:sub>
+                        <m:r>
+                          <a:rPr lang="de-DE" i="1">
+                            <a:latin typeface="Cambria Math" panose="02040503050406030204" pitchFamily="18" charset="0"/>
+                            <a:ea typeface="Cambria Math" panose="02040503050406030204" pitchFamily="18" charset="0"/>
+                          </a:rPr>
+                          <m:t>𝛿</m:t>
+                        </m:r>
+                      </m:sub>
+                    </m:sSub>
                   </m:oMath>
                 </a14:m>
                 <a:r>
@@ -8634,7 +9045,7 @@
             </p:txBody>
           </p:sp>
         </mc:Choice>
-        <mc:Fallback xmlns="">
+        <mc:Fallback>
           <p:sp>
             <p:nvSpPr>
               <p:cNvPr id="3" name="Inhaltsplatzhalter 2">
@@ -8674,6 +9085,35 @@
           </p:sp>
         </mc:Fallback>
       </mc:AlternateContent>
+      <p:sp>
+        <p:nvSpPr>
+          <p:cNvPr id="4" name="Foliennummernplatzhalter 3">
+            <a:extLst>
+              <a:ext uri="{FF2B5EF4-FFF2-40B4-BE49-F238E27FC236}">
+                <a16:creationId xmlns:a16="http://schemas.microsoft.com/office/drawing/2014/main" id="{76E98316-EE6D-EEBB-4FE4-137F70BFBEBF}"/>
+              </a:ext>
+            </a:extLst>
+          </p:cNvPr>
+          <p:cNvSpPr>
+            <a:spLocks noGrp="1"/>
+          </p:cNvSpPr>
+          <p:nvPr>
+            <p:ph type="sldNum" sz="quarter" idx="12"/>
+          </p:nvPr>
+        </p:nvSpPr>
+        <p:spPr/>
+        <p:txBody>
+          <a:bodyPr/>
+          <a:lstStyle/>
+          <a:p>
+            <a:fld id="{1DC7C88A-61DF-4C06-B514-651BF2646602}" type="slidenum">
+              <a:rPr lang="de-DE" smtClean="0"/>
+              <a:t>22</a:t>
+            </a:fld>
+            <a:endParaRPr lang="de-DE"/>
+          </a:p>
+        </p:txBody>
+      </p:sp>
     </p:spTree>
     <p:extLst>
       <p:ext uri="{BB962C8B-B14F-4D97-AF65-F5344CB8AC3E}">
@@ -8970,6 +9410,35 @@
           </a:p>
         </p:txBody>
       </p:sp>
+      <p:sp>
+        <p:nvSpPr>
+          <p:cNvPr id="3" name="Foliennummernplatzhalter 2">
+            <a:extLst>
+              <a:ext uri="{FF2B5EF4-FFF2-40B4-BE49-F238E27FC236}">
+                <a16:creationId xmlns:a16="http://schemas.microsoft.com/office/drawing/2014/main" id="{C8D10DDC-1528-B9B5-1AC7-C37B05CF784F}"/>
+              </a:ext>
+            </a:extLst>
+          </p:cNvPr>
+          <p:cNvSpPr>
+            <a:spLocks noGrp="1"/>
+          </p:cNvSpPr>
+          <p:nvPr>
+            <p:ph type="sldNum" sz="quarter" idx="12"/>
+          </p:nvPr>
+        </p:nvSpPr>
+        <p:spPr/>
+        <p:txBody>
+          <a:bodyPr/>
+          <a:lstStyle/>
+          <a:p>
+            <a:fld id="{1DC7C88A-61DF-4C06-B514-651BF2646602}" type="slidenum">
+              <a:rPr lang="de-DE" smtClean="0"/>
+              <a:t>23</a:t>
+            </a:fld>
+            <a:endParaRPr lang="de-DE"/>
+          </a:p>
+        </p:txBody>
+      </p:sp>
     </p:spTree>
     <p:extLst>
       <p:ext uri="{BB962C8B-B14F-4D97-AF65-F5344CB8AC3E}">
@@ -9732,6 +10201,35 @@
           </a:ln>
         </p:spPr>
       </p:pic>
+      <p:sp>
+        <p:nvSpPr>
+          <p:cNvPr id="3" name="Foliennummernplatzhalter 2">
+            <a:extLst>
+              <a:ext uri="{FF2B5EF4-FFF2-40B4-BE49-F238E27FC236}">
+                <a16:creationId xmlns:a16="http://schemas.microsoft.com/office/drawing/2014/main" id="{233FD2EE-998C-03AC-B35B-94C5DF0C1967}"/>
+              </a:ext>
+            </a:extLst>
+          </p:cNvPr>
+          <p:cNvSpPr>
+            <a:spLocks noGrp="1"/>
+          </p:cNvSpPr>
+          <p:nvPr>
+            <p:ph type="sldNum" sz="quarter" idx="12"/>
+          </p:nvPr>
+        </p:nvSpPr>
+        <p:spPr/>
+        <p:txBody>
+          <a:bodyPr/>
+          <a:lstStyle/>
+          <a:p>
+            <a:fld id="{1DC7C88A-61DF-4C06-B514-651BF2646602}" type="slidenum">
+              <a:rPr lang="de-DE" smtClean="0"/>
+              <a:t>24</a:t>
+            </a:fld>
+            <a:endParaRPr lang="de-DE"/>
+          </a:p>
+        </p:txBody>
+      </p:sp>
     </p:spTree>
     <p:extLst>
       <p:ext uri="{BB962C8B-B14F-4D97-AF65-F5344CB8AC3E}">
@@ -9854,6 +10352,35 @@
           </a:p>
         </p:txBody>
       </p:sp>
+      <p:sp>
+        <p:nvSpPr>
+          <p:cNvPr id="4" name="Foliennummernplatzhalter 3">
+            <a:extLst>
+              <a:ext uri="{FF2B5EF4-FFF2-40B4-BE49-F238E27FC236}">
+                <a16:creationId xmlns:a16="http://schemas.microsoft.com/office/drawing/2014/main" id="{26675411-464B-6460-EBC3-B2071B0976AA}"/>
+              </a:ext>
+            </a:extLst>
+          </p:cNvPr>
+          <p:cNvSpPr>
+            <a:spLocks noGrp="1"/>
+          </p:cNvSpPr>
+          <p:nvPr>
+            <p:ph type="sldNum" sz="quarter" idx="12"/>
+          </p:nvPr>
+        </p:nvSpPr>
+        <p:spPr/>
+        <p:txBody>
+          <a:bodyPr/>
+          <a:lstStyle/>
+          <a:p>
+            <a:fld id="{1DC7C88A-61DF-4C06-B514-651BF2646602}" type="slidenum">
+              <a:rPr lang="de-DE" smtClean="0"/>
+              <a:t>25</a:t>
+            </a:fld>
+            <a:endParaRPr lang="de-DE"/>
+          </a:p>
+        </p:txBody>
+      </p:sp>
     </p:spTree>
     <p:extLst>
       <p:ext uri="{BB962C8B-B14F-4D97-AF65-F5344CB8AC3E}">
@@ -10049,6 +10576,35 @@
           </a:ln>
         </p:spPr>
       </p:pic>
+      <p:sp>
+        <p:nvSpPr>
+          <p:cNvPr id="3" name="Foliennummernplatzhalter 2">
+            <a:extLst>
+              <a:ext uri="{FF2B5EF4-FFF2-40B4-BE49-F238E27FC236}">
+                <a16:creationId xmlns:a16="http://schemas.microsoft.com/office/drawing/2014/main" id="{131446F7-D7B9-5E37-46A2-D056B0FAFF6E}"/>
+              </a:ext>
+            </a:extLst>
+          </p:cNvPr>
+          <p:cNvSpPr>
+            <a:spLocks noGrp="1"/>
+          </p:cNvSpPr>
+          <p:nvPr>
+            <p:ph type="sldNum" sz="quarter" idx="12"/>
+          </p:nvPr>
+        </p:nvSpPr>
+        <p:spPr/>
+        <p:txBody>
+          <a:bodyPr/>
+          <a:lstStyle/>
+          <a:p>
+            <a:fld id="{1DC7C88A-61DF-4C06-B514-651BF2646602}" type="slidenum">
+              <a:rPr lang="de-DE" smtClean="0"/>
+              <a:t>26</a:t>
+            </a:fld>
+            <a:endParaRPr lang="de-DE"/>
+          </a:p>
+        </p:txBody>
+      </p:sp>
     </p:spTree>
     <p:extLst>
       <p:ext uri="{BB962C8B-B14F-4D97-AF65-F5344CB8AC3E}">
@@ -10146,6 +10702,35 @@
           </a:ln>
         </p:spPr>
       </p:pic>
+      <p:sp>
+        <p:nvSpPr>
+          <p:cNvPr id="3" name="Foliennummernplatzhalter 2">
+            <a:extLst>
+              <a:ext uri="{FF2B5EF4-FFF2-40B4-BE49-F238E27FC236}">
+                <a16:creationId xmlns:a16="http://schemas.microsoft.com/office/drawing/2014/main" id="{6CCBFD2A-545B-815A-D6E5-07E9F7B1139C}"/>
+              </a:ext>
+            </a:extLst>
+          </p:cNvPr>
+          <p:cNvSpPr>
+            <a:spLocks noGrp="1"/>
+          </p:cNvSpPr>
+          <p:nvPr>
+            <p:ph type="sldNum" sz="quarter" idx="12"/>
+          </p:nvPr>
+        </p:nvSpPr>
+        <p:spPr/>
+        <p:txBody>
+          <a:bodyPr/>
+          <a:lstStyle/>
+          <a:p>
+            <a:fld id="{1DC7C88A-61DF-4C06-B514-651BF2646602}" type="slidenum">
+              <a:rPr lang="de-DE" smtClean="0"/>
+              <a:t>27</a:t>
+            </a:fld>
+            <a:endParaRPr lang="de-DE"/>
+          </a:p>
+        </p:txBody>
+      </p:sp>
     </p:spTree>
     <p:extLst>
       <p:ext uri="{BB962C8B-B14F-4D97-AF65-F5344CB8AC3E}">
@@ -10284,6 +10869,35 @@
           </a:p>
         </p:txBody>
       </p:sp>
+      <p:sp>
+        <p:nvSpPr>
+          <p:cNvPr id="4" name="Foliennummernplatzhalter 3">
+            <a:extLst>
+              <a:ext uri="{FF2B5EF4-FFF2-40B4-BE49-F238E27FC236}">
+                <a16:creationId xmlns:a16="http://schemas.microsoft.com/office/drawing/2014/main" id="{530DB464-CCEA-2947-B536-FFF53C0BC3AE}"/>
+              </a:ext>
+            </a:extLst>
+          </p:cNvPr>
+          <p:cNvSpPr>
+            <a:spLocks noGrp="1"/>
+          </p:cNvSpPr>
+          <p:nvPr>
+            <p:ph type="sldNum" sz="quarter" idx="12"/>
+          </p:nvPr>
+        </p:nvSpPr>
+        <p:spPr/>
+        <p:txBody>
+          <a:bodyPr/>
+          <a:lstStyle/>
+          <a:p>
+            <a:fld id="{1DC7C88A-61DF-4C06-B514-651BF2646602}" type="slidenum">
+              <a:rPr lang="de-DE" smtClean="0"/>
+              <a:t>28</a:t>
+            </a:fld>
+            <a:endParaRPr lang="de-DE"/>
+          </a:p>
+        </p:txBody>
+      </p:sp>
     </p:spTree>
     <p:extLst>
       <p:ext uri="{BB962C8B-B14F-4D97-AF65-F5344CB8AC3E}">
@@ -10346,8 +10960,8 @@
           </a:p>
         </p:txBody>
       </p:sp>
-      <mc:AlternateContent xmlns:mc="http://schemas.openxmlformats.org/markup-compatibility/2006" xmlns:a14="http://schemas.microsoft.com/office/drawing/2010/main">
-        <mc:Choice Requires="a14">
+      <mc:AlternateContent xmlns:mc="http://schemas.openxmlformats.org/markup-compatibility/2006">
+        <mc:Choice xmlns:a14="http://schemas.microsoft.com/office/drawing/2010/main" Requires="a14">
           <p:sp>
             <p:nvSpPr>
               <p:cNvPr id="3" name="Inhaltsplatzhalter 2">
@@ -10366,7 +10980,9 @@
             </p:nvSpPr>
             <p:spPr/>
             <p:txBody>
-              <a:bodyPr/>
+              <a:bodyPr>
+                <a:normAutofit/>
+              </a:bodyPr>
               <a:lstStyle/>
               <a:p>
                 <a:pPr marL="0" indent="0">
@@ -10518,11 +11134,20 @@
                   <a:rPr lang="de-DE" dirty="0"/>
                   <a:t>,sodass:</a:t>
                 </a:r>
+                <a:endParaRPr lang="de-DE" dirty="0">
+                  <a:ea typeface="Cambria Math" panose="02040503050406030204" pitchFamily="18" charset="0"/>
+                </a:endParaRPr>
               </a:p>
               <a:p>
                 <a:pPr marL="514350" indent="-514350">
                   <a:buAutoNum type="alphaLcParenR"/>
                 </a:pPr>
+                <a:r>
+                  <a:rPr lang="de-DE" dirty="0">
+                    <a:ea typeface="Cambria Math" panose="02040503050406030204" pitchFamily="18" charset="0"/>
+                  </a:rPr>
+                  <a:t> </a:t>
+                </a:r>
                 <a14:m>
                   <m:oMath xmlns:m="http://schemas.openxmlformats.org/officeDocument/2006/math">
                     <m:r>
@@ -10555,23 +11180,39 @@
                 </a:r>
                 <a14:m>
                   <m:oMath xmlns:m="http://schemas.openxmlformats.org/officeDocument/2006/math">
-                    <m:r>
-                      <a:rPr lang="de-DE" i="1">
-                        <a:latin typeface="Cambria Math" panose="02040503050406030204" pitchFamily="18" charset="0"/>
-                        <a:ea typeface="Cambria Math" panose="02040503050406030204" pitchFamily="18" charset="0"/>
-                      </a:rPr>
-                      <m:t>𝑆</m:t>
-                    </m:r>
-                    <m:r>
-                      <a:rPr lang="de-DE" i="1">
-                        <a:latin typeface="Cambria Math" panose="02040503050406030204" pitchFamily="18" charset="0"/>
-                        <a:ea typeface="Cambria Math" panose="02040503050406030204" pitchFamily="18" charset="0"/>
-                      </a:rPr>
-                      <m:t>′ </m:t>
-                    </m:r>
+                    <m:sSup>
+                      <m:sSupPr>
+                        <m:ctrlPr>
+                          <a:rPr lang="de-DE" i="1">
+                            <a:latin typeface="Cambria Math" panose="02040503050406030204" pitchFamily="18" charset="0"/>
+                            <a:ea typeface="Cambria Math" panose="02040503050406030204" pitchFamily="18" charset="0"/>
+                          </a:rPr>
+                        </m:ctrlPr>
+                      </m:sSupPr>
+                      <m:e>
+                        <m:r>
+                          <a:rPr lang="de-DE" i="1">
+                            <a:latin typeface="Cambria Math" panose="02040503050406030204" pitchFamily="18" charset="0"/>
+                            <a:ea typeface="Cambria Math" panose="02040503050406030204" pitchFamily="18" charset="0"/>
+                          </a:rPr>
+                          <m:t>𝑆</m:t>
+                        </m:r>
+                      </m:e>
+                      <m:sup>
+                        <m:r>
+                          <a:rPr lang="de-DE" i="1">
+                            <a:latin typeface="Cambria Math" panose="02040503050406030204" pitchFamily="18" charset="0"/>
+                            <a:ea typeface="Cambria Math" panose="02040503050406030204" pitchFamily="18" charset="0"/>
+                          </a:rPr>
+                          <m:t>′</m:t>
+                        </m:r>
+                      </m:sup>
+                    </m:sSup>
                   </m:oMath>
                 </a14:m>
-                <a:endParaRPr lang="de-DE" dirty="0"/>
+                <a:endParaRPr lang="de-DE" dirty="0">
+                  <a:ea typeface="Cambria Math" panose="02040503050406030204" pitchFamily="18" charset="0"/>
+                </a:endParaRPr>
               </a:p>
               <a:p>
                 <a:pPr marL="514350" indent="-514350">
@@ -10579,7 +11220,7 @@
                 </a:pPr>
                 <a:r>
                   <a:rPr lang="de-DE" dirty="0"/>
-                  <a:t>Für jedes </a:t>
+                  <a:t> Für jedes </a:t>
                 </a:r>
                 <a14:m>
                   <m:oMath xmlns:m="http://schemas.openxmlformats.org/officeDocument/2006/math">
@@ -10803,6 +11444,12 @@
                         </m:ctrlPr>
                       </m:sSupPr>
                       <m:e>
+                        <m:r>
+                          <a:rPr lang="de-DE" b="0" i="1" smtClean="0">
+                            <a:latin typeface="Cambria Math" panose="02040503050406030204" pitchFamily="18" charset="0"/>
+                          </a:rPr>
+                          <m:t> </m:t>
+                        </m:r>
                         <m:r>
                           <a:rPr lang="de-DE" i="1">
                             <a:latin typeface="Cambria Math" panose="02040503050406030204" pitchFamily="18" charset="0"/>
@@ -10891,7 +11538,7 @@
                 </a:pPr>
                 <a:r>
                   <a:rPr lang="de-DE" dirty="0"/>
-                  <a:t>Für jeden Lock </a:t>
+                  <a:t> Für jeden Lock </a:t>
                 </a:r>
                 <a14:m>
                   <m:oMath xmlns:m="http://schemas.openxmlformats.org/officeDocument/2006/math">
@@ -10993,7 +11640,7 @@
                 </a14:m>
                 <a:r>
                   <a:rPr lang="de-DE" dirty="0"/>
-                  <a:t>) = </a:t>
+                  <a:t>)   = </a:t>
                 </a:r>
                 <a:r>
                   <a:rPr lang="de-DE" dirty="0" err="1"/>
@@ -11192,7 +11839,7 @@
             </p:txBody>
           </p:sp>
         </mc:Choice>
-        <mc:Fallback xmlns="">
+        <mc:Fallback>
           <p:sp>
             <p:nvSpPr>
               <p:cNvPr id="3" name="Inhaltsplatzhalter 2">
@@ -11213,7 +11860,7 @@
               <a:blipFill>
                 <a:blip r:embed="rId2"/>
                 <a:stretch>
-                  <a:fillRect l="-1217" t="-2241" r="-812"/>
+                  <a:fillRect l="-1217" t="-2241" r="-1623"/>
                 </a:stretch>
               </a:blipFill>
             </p:spPr>
@@ -11232,6 +11879,35 @@
           </p:sp>
         </mc:Fallback>
       </mc:AlternateContent>
+      <p:sp>
+        <p:nvSpPr>
+          <p:cNvPr id="4" name="Foliennummernplatzhalter 3">
+            <a:extLst>
+              <a:ext uri="{FF2B5EF4-FFF2-40B4-BE49-F238E27FC236}">
+                <a16:creationId xmlns:a16="http://schemas.microsoft.com/office/drawing/2014/main" id="{A1AE4788-0603-7585-2EA1-23F9066504A3}"/>
+              </a:ext>
+            </a:extLst>
+          </p:cNvPr>
+          <p:cNvSpPr>
+            <a:spLocks noGrp="1"/>
+          </p:cNvSpPr>
+          <p:nvPr>
+            <p:ph type="sldNum" sz="quarter" idx="12"/>
+          </p:nvPr>
+        </p:nvSpPr>
+        <p:spPr/>
+        <p:txBody>
+          <a:bodyPr/>
+          <a:lstStyle/>
+          <a:p>
+            <a:fld id="{1DC7C88A-61DF-4C06-B514-651BF2646602}" type="slidenum">
+              <a:rPr lang="de-DE" smtClean="0"/>
+              <a:t>29</a:t>
+            </a:fld>
+            <a:endParaRPr lang="de-DE"/>
+          </a:p>
+        </p:txBody>
+      </p:sp>
     </p:spTree>
     <p:extLst>
       <p:ext uri="{BB962C8B-B14F-4D97-AF65-F5344CB8AC3E}">
@@ -11267,7 +11943,7 @@
           <p:cNvPr id="2" name="Titel 1">
             <a:extLst>
               <a:ext uri="{FF2B5EF4-FFF2-40B4-BE49-F238E27FC236}">
-                <a16:creationId xmlns:a16="http://schemas.microsoft.com/office/drawing/2014/main" id="{354CC7C2-C93A-29D9-084A-87A08AD5D75C}"/>
+                <a16:creationId xmlns:a16="http://schemas.microsoft.com/office/drawing/2014/main" id="{37D1737B-CFF7-99E2-2236-415BDDC16234}"/>
               </a:ext>
             </a:extLst>
           </p:cNvPr>
@@ -11295,7 +11971,7 @@
           <p:cNvPr id="3" name="Inhaltsplatzhalter 2">
             <a:extLst>
               <a:ext uri="{FF2B5EF4-FFF2-40B4-BE49-F238E27FC236}">
-                <a16:creationId xmlns:a16="http://schemas.microsoft.com/office/drawing/2014/main" id="{07CD52D0-B0C9-2B30-CB7C-42C938992F38}"/>
+                <a16:creationId xmlns:a16="http://schemas.microsoft.com/office/drawing/2014/main" id="{5490B25B-C739-08D4-C054-81486806F04F}"/>
               </a:ext>
             </a:extLst>
           </p:cNvPr>
@@ -11313,27 +11989,68 @@
           <a:p>
             <a:r>
               <a:rPr lang="de-DE" dirty="0"/>
-              <a:t>In nebenläufigen Programmen müssen Ressourcen geteilt werden</a:t>
+              <a:t>Entstehende Problematik: Deadlocks</a:t>
             </a:r>
           </a:p>
           <a:p>
             <a:r>
               <a:rPr lang="de-DE" dirty="0"/>
-              <a:t>Gleichzeitige Zugriffe auf geteilte Ressourcen können zu Inkonsistenzen führen</a:t>
+              <a:t>Deadlocks sind schwer zu verhindern</a:t>
             </a:r>
           </a:p>
           <a:p>
             <a:r>
               <a:rPr lang="de-DE" dirty="0"/>
-              <a:t>Mutex und Locks dieser als Lösung</a:t>
-            </a:r>
+              <a:t>Deadlocks sind schwer reproduzierbar und damit</a:t>
+            </a:r>
+          </a:p>
+          <a:p>
+            <a:pPr marL="0" indent="0">
+              <a:buNone/>
+            </a:pPr>
+            <a:r>
+              <a:rPr lang="de-DE" dirty="0"/>
+              <a:t>   schwer zu debuggen</a:t>
+            </a:r>
+          </a:p>
+          <a:p>
+            <a:endParaRPr lang="de-DE" dirty="0"/>
+          </a:p>
+        </p:txBody>
+      </p:sp>
+      <p:sp>
+        <p:nvSpPr>
+          <p:cNvPr id="4" name="Foliennummernplatzhalter 3">
+            <a:extLst>
+              <a:ext uri="{FF2B5EF4-FFF2-40B4-BE49-F238E27FC236}">
+                <a16:creationId xmlns:a16="http://schemas.microsoft.com/office/drawing/2014/main" id="{3F5ED9AC-B831-FEAF-D5CC-C681663941FB}"/>
+              </a:ext>
+            </a:extLst>
+          </p:cNvPr>
+          <p:cNvSpPr>
+            <a:spLocks noGrp="1"/>
+          </p:cNvSpPr>
+          <p:nvPr>
+            <p:ph type="sldNum" sz="quarter" idx="12"/>
+          </p:nvPr>
+        </p:nvSpPr>
+        <p:spPr/>
+        <p:txBody>
+          <a:bodyPr/>
+          <a:lstStyle/>
+          <a:p>
+            <a:fld id="{1DC7C88A-61DF-4C06-B514-651BF2646602}" type="slidenum">
+              <a:rPr lang="de-DE" smtClean="0"/>
+              <a:t>3</a:t>
+            </a:fld>
+            <a:endParaRPr lang="de-DE" dirty="0"/>
           </a:p>
         </p:txBody>
       </p:sp>
     </p:spTree>
     <p:extLst>
       <p:ext uri="{BB962C8B-B14F-4D97-AF65-F5344CB8AC3E}">
-        <p14:creationId xmlns:p14="http://schemas.microsoft.com/office/powerpoint/2010/main" val="1800578047"/>
+        <p14:creationId xmlns:p14="http://schemas.microsoft.com/office/powerpoint/2010/main" val="362304534"/>
       </p:ext>
     </p:extLst>
   </p:cSld>
@@ -11443,7 +12160,7 @@
             <p:spPr>
               <a:xfrm>
                 <a:off x="6096000" y="1621766"/>
-                <a:ext cx="5756694" cy="3416320"/>
+                <a:ext cx="5756694" cy="3970318"/>
               </a:xfrm>
               <a:prstGeom prst="rect">
                 <a:avLst/>
@@ -11665,93 +12382,12 @@
                 </a:r>
               </a:p>
               <a:p>
-                <a14:m>
-                  <m:oMath xmlns:m="http://schemas.openxmlformats.org/officeDocument/2006/math">
-                    <m:r>
-                      <a:rPr lang="de-DE" i="1">
-                        <a:latin typeface="Cambria Math" panose="02040503050406030204" pitchFamily="18" charset="0"/>
-                        <a:ea typeface="Cambria Math" panose="02040503050406030204" pitchFamily="18" charset="0"/>
-                      </a:rPr>
-                      <m:t>𝑆</m:t>
-                    </m:r>
-                    <m:r>
-                      <a:rPr lang="de-DE" i="1">
-                        <a:latin typeface="Cambria Math" panose="02040503050406030204" pitchFamily="18" charset="0"/>
-                        <a:ea typeface="Cambria Math" panose="02040503050406030204" pitchFamily="18" charset="0"/>
-                      </a:rPr>
-                      <m:t>′ </m:t>
-                    </m:r>
-                  </m:oMath>
-                </a14:m>
+                <a:endParaRPr lang="de-DE" dirty="0"/>
+              </a:p>
+              <a:p>
                 <a:r>
                   <a:rPr lang="de-DE" dirty="0"/>
-                  <a:t>= {</a:t>
-                </a:r>
-                <a14:m>
-                  <m:oMath xmlns:m="http://schemas.openxmlformats.org/officeDocument/2006/math">
-                    <m:sSub>
-                      <m:sSubPr>
-                        <m:ctrlPr>
-                          <a:rPr lang="de-DE" i="1" dirty="0" smtClean="0">
-                            <a:latin typeface="Cambria Math" panose="02040503050406030204" pitchFamily="18" charset="0"/>
-                          </a:rPr>
-                        </m:ctrlPr>
-                      </m:sSubPr>
-                      <m:e>
-                        <m:r>
-                          <a:rPr lang="de-DE" b="0" i="1" dirty="0" smtClean="0">
-                            <a:latin typeface="Cambria Math" panose="02040503050406030204" pitchFamily="18" charset="0"/>
-                          </a:rPr>
-                          <m:t>𝑒</m:t>
-                        </m:r>
-                      </m:e>
-                      <m:sub>
-                        <m:r>
-                          <a:rPr lang="de-DE" b="0" i="1" dirty="0" smtClean="0">
-                            <a:latin typeface="Cambria Math" panose="02040503050406030204" pitchFamily="18" charset="0"/>
-                          </a:rPr>
-                          <m:t>3</m:t>
-                        </m:r>
-                      </m:sub>
-                    </m:sSub>
-                  </m:oMath>
-                </a14:m>
-                <a:r>
-                  <a:rPr lang="de-DE" dirty="0"/>
-                  <a:t>, </a:t>
-                </a:r>
-                <a14:m>
-                  <m:oMath xmlns:m="http://schemas.openxmlformats.org/officeDocument/2006/math">
-                    <m:sSub>
-                      <m:sSubPr>
-                        <m:ctrlPr>
-                          <a:rPr lang="de-DE" i="1" dirty="0">
-                            <a:latin typeface="Cambria Math" panose="02040503050406030204" pitchFamily="18" charset="0"/>
-                          </a:rPr>
-                        </m:ctrlPr>
-                      </m:sSubPr>
-                      <m:e>
-                        <m:r>
-                          <a:rPr lang="de-DE" i="1" dirty="0">
-                            <a:latin typeface="Cambria Math" panose="02040503050406030204" pitchFamily="18" charset="0"/>
-                          </a:rPr>
-                          <m:t>𝑒</m:t>
-                        </m:r>
-                      </m:e>
-                      <m:sub>
-                        <m:r>
-                          <a:rPr lang="de-DE" b="0" i="1" dirty="0" smtClean="0">
-                            <a:latin typeface="Cambria Math" panose="02040503050406030204" pitchFamily="18" charset="0"/>
-                          </a:rPr>
-                          <m:t>10</m:t>
-                        </m:r>
-                      </m:sub>
-                    </m:sSub>
-                  </m:oMath>
-                </a14:m>
-                <a:r>
-                  <a:rPr lang="de-DE" dirty="0"/>
-                  <a:t>}</a:t>
+                  <a:t>Schritte des Algorithmus:</a:t>
                 </a:r>
               </a:p>
               <a:p>
@@ -11833,7 +12469,64 @@
                           <a:rPr lang="de-DE" b="0" i="1" dirty="0" smtClean="0">
                             <a:latin typeface="Cambria Math" panose="02040503050406030204" pitchFamily="18" charset="0"/>
                           </a:rPr>
-                          <m:t>2</m:t>
+                          <m:t>10</m:t>
+                        </m:r>
+                      </m:sub>
+                    </m:sSub>
+                  </m:oMath>
+                </a14:m>
+                <a:r>
+                  <a:rPr lang="de-DE" dirty="0"/>
+                  <a:t>}</a:t>
+                </a:r>
+              </a:p>
+              <a:p>
+                <a14:m>
+                  <m:oMath xmlns:m="http://schemas.openxmlformats.org/officeDocument/2006/math">
+                    <m:r>
+                      <a:rPr lang="de-DE" i="1">
+                        <a:latin typeface="Cambria Math" panose="02040503050406030204" pitchFamily="18" charset="0"/>
+                        <a:ea typeface="Cambria Math" panose="02040503050406030204" pitchFamily="18" charset="0"/>
+                      </a:rPr>
+                      <m:t>𝑆</m:t>
+                    </m:r>
+                    <m:r>
+                      <a:rPr lang="de-DE" i="1">
+                        <a:latin typeface="Cambria Math" panose="02040503050406030204" pitchFamily="18" charset="0"/>
+                        <a:ea typeface="Cambria Math" panose="02040503050406030204" pitchFamily="18" charset="0"/>
+                      </a:rPr>
+                      <m:t>′ </m:t>
+                    </m:r>
+                  </m:oMath>
+                </a14:m>
+                <a:r>
+                  <a:rPr lang="de-DE" dirty="0"/>
+                  <a:t>= {</a:t>
+                </a:r>
+                <a14:m>
+                  <m:oMath xmlns:m="http://schemas.openxmlformats.org/officeDocument/2006/math">
+                    <m:sSub>
+                      <m:sSubPr>
+                        <m:ctrlPr>
+                          <a:rPr lang="de-DE" i="1" dirty="0" smtClean="0">
+                            <a:latin typeface="Cambria Math" panose="02040503050406030204" pitchFamily="18" charset="0"/>
+                          </a:rPr>
+                        </m:ctrlPr>
+                      </m:sSubPr>
+                      <m:e>
+                        <m:r>
+                          <a:rPr lang="de-DE" b="0" i="1" dirty="0" smtClean="0">
+                            <a:latin typeface="Cambria Math" panose="02040503050406030204" pitchFamily="18" charset="0"/>
+                          </a:rPr>
+                          <m:t>𝑒</m:t>
+                        </m:r>
+                      </m:e>
+                      <m:sub>
+                        <m:r>
+                          <a:rPr lang="de-DE" b="0" i="1" dirty="0" smtClean="0">
+                            <a:latin typeface="Cambria Math" panose="02040503050406030204" pitchFamily="18" charset="0"/>
+                          </a:rPr>
+                          <m:t>3</m:t>
                         </m:r>
                       </m:sub>
                     </m:sSub>
@@ -11863,10 +12556,10 @@
                       </m:e>
                       <m:sub>
                         <m:r>
-                          <a:rPr lang="de-DE" i="1" dirty="0">
-                            <a:latin typeface="Cambria Math" panose="02040503050406030204" pitchFamily="18" charset="0"/>
-                          </a:rPr>
-                          <m:t>10</m:t>
+                          <a:rPr lang="de-DE" b="0" i="1" dirty="0" smtClean="0">
+                            <a:latin typeface="Cambria Math" panose="02040503050406030204" pitchFamily="18" charset="0"/>
+                          </a:rPr>
+                          <m:t>2</m:t>
                         </m:r>
                       </m:sub>
                     </m:sSub>
@@ -11896,10 +12589,10 @@
                       </m:e>
                       <m:sub>
                         <m:r>
-                          <a:rPr lang="de-DE" b="0" i="1" dirty="0" smtClean="0">
-                            <a:latin typeface="Cambria Math" panose="02040503050406030204" pitchFamily="18" charset="0"/>
-                          </a:rPr>
-                          <m:t>9</m:t>
+                          <a:rPr lang="de-DE" i="1" dirty="0">
+                            <a:latin typeface="Cambria Math" panose="02040503050406030204" pitchFamily="18" charset="0"/>
+                          </a:rPr>
+                          <m:t>10</m:t>
                         </m:r>
                       </m:sub>
                     </m:sSub>
@@ -11932,7 +12625,7 @@
                           <a:rPr lang="de-DE" b="0" i="1" dirty="0" smtClean="0">
                             <a:latin typeface="Cambria Math" panose="02040503050406030204" pitchFamily="18" charset="0"/>
                           </a:rPr>
-                          <m:t>8</m:t>
+                          <m:t>9</m:t>
                         </m:r>
                       </m:sub>
                     </m:sSub>
@@ -11940,7 +12633,40 @@
                 </a14:m>
                 <a:r>
                   <a:rPr lang="de-DE" dirty="0"/>
-                  <a:t>} wegen Thread-Order</a:t>
+                  <a:t>, </a:t>
+                </a:r>
+                <a14:m>
+                  <m:oMath xmlns:m="http://schemas.openxmlformats.org/officeDocument/2006/math">
+                    <m:sSub>
+                      <m:sSubPr>
+                        <m:ctrlPr>
+                          <a:rPr lang="de-DE" i="1" dirty="0">
+                            <a:latin typeface="Cambria Math" panose="02040503050406030204" pitchFamily="18" charset="0"/>
+                          </a:rPr>
+                        </m:ctrlPr>
+                      </m:sSubPr>
+                      <m:e>
+                        <m:r>
+                          <a:rPr lang="de-DE" i="1" dirty="0">
+                            <a:latin typeface="Cambria Math" panose="02040503050406030204" pitchFamily="18" charset="0"/>
+                          </a:rPr>
+                          <m:t>𝑒</m:t>
+                        </m:r>
+                      </m:e>
+                      <m:sub>
+                        <m:r>
+                          <a:rPr lang="de-DE" b="0" i="1" dirty="0" smtClean="0">
+                            <a:latin typeface="Cambria Math" panose="02040503050406030204" pitchFamily="18" charset="0"/>
+                          </a:rPr>
+                          <m:t>8</m:t>
+                        </m:r>
+                      </m:sub>
+                    </m:sSub>
+                  </m:oMath>
+                </a14:m>
+                <a:r>
+                  <a:rPr lang="de-DE" dirty="0"/>
+                  <a:t>} wegen Thread-Order und Fork</a:t>
                 </a:r>
               </a:p>
               <a:p>
@@ -12687,7 +13413,7 @@
             <p:spPr>
               <a:xfrm>
                 <a:off x="6096000" y="1621766"/>
-                <a:ext cx="5756694" cy="3416320"/>
+                <a:ext cx="5756694" cy="3970318"/>
               </a:xfrm>
               <a:prstGeom prst="rect">
                 <a:avLst/>
@@ -12695,7 +13421,7 @@
               <a:blipFill>
                 <a:blip r:embed="rId3"/>
                 <a:stretch>
-                  <a:fillRect l="-847" t="-893"/>
+                  <a:fillRect l="-847" t="-768"/>
                 </a:stretch>
               </a:blipFill>
             </p:spPr>
@@ -12714,6 +13440,35 @@
           </p:sp>
         </mc:Fallback>
       </mc:AlternateContent>
+      <p:sp>
+        <p:nvSpPr>
+          <p:cNvPr id="3" name="Foliennummernplatzhalter 2">
+            <a:extLst>
+              <a:ext uri="{FF2B5EF4-FFF2-40B4-BE49-F238E27FC236}">
+                <a16:creationId xmlns:a16="http://schemas.microsoft.com/office/drawing/2014/main" id="{BD6EFA56-4765-2B4C-075D-48335FCFB37A}"/>
+              </a:ext>
+            </a:extLst>
+          </p:cNvPr>
+          <p:cNvSpPr>
+            <a:spLocks noGrp="1"/>
+          </p:cNvSpPr>
+          <p:nvPr>
+            <p:ph type="sldNum" sz="quarter" idx="12"/>
+          </p:nvPr>
+        </p:nvSpPr>
+        <p:spPr/>
+        <p:txBody>
+          <a:bodyPr/>
+          <a:lstStyle/>
+          <a:p>
+            <a:fld id="{1DC7C88A-61DF-4C06-B514-651BF2646602}" type="slidenum">
+              <a:rPr lang="de-DE" smtClean="0"/>
+              <a:t>30</a:t>
+            </a:fld>
+            <a:endParaRPr lang="de-DE"/>
+          </a:p>
+        </p:txBody>
+      </p:sp>
     </p:spTree>
     <p:extLst>
       <p:ext uri="{BB962C8B-B14F-4D97-AF65-F5344CB8AC3E}">
@@ -12836,6 +13591,35 @@
           </a:p>
         </p:txBody>
       </p:sp>
+      <p:sp>
+        <p:nvSpPr>
+          <p:cNvPr id="4" name="Foliennummernplatzhalter 3">
+            <a:extLst>
+              <a:ext uri="{FF2B5EF4-FFF2-40B4-BE49-F238E27FC236}">
+                <a16:creationId xmlns:a16="http://schemas.microsoft.com/office/drawing/2014/main" id="{BBBD2AD9-2F4F-F0AF-6D0F-BD96E0ABB7F0}"/>
+              </a:ext>
+            </a:extLst>
+          </p:cNvPr>
+          <p:cNvSpPr>
+            <a:spLocks noGrp="1"/>
+          </p:cNvSpPr>
+          <p:nvPr>
+            <p:ph type="sldNum" sz="quarter" idx="12"/>
+          </p:nvPr>
+        </p:nvSpPr>
+        <p:spPr/>
+        <p:txBody>
+          <a:bodyPr/>
+          <a:lstStyle/>
+          <a:p>
+            <a:fld id="{1DC7C88A-61DF-4C06-B514-651BF2646602}" type="slidenum">
+              <a:rPr lang="de-DE" smtClean="0"/>
+              <a:t>31</a:t>
+            </a:fld>
+            <a:endParaRPr lang="de-DE"/>
+          </a:p>
+        </p:txBody>
+      </p:sp>
     </p:spTree>
     <p:extLst>
       <p:ext uri="{BB962C8B-B14F-4D97-AF65-F5344CB8AC3E}">
@@ -12871,7 +13655,7 @@
           <p:cNvPr id="2" name="Titel 1">
             <a:extLst>
               <a:ext uri="{FF2B5EF4-FFF2-40B4-BE49-F238E27FC236}">
-                <a16:creationId xmlns:a16="http://schemas.microsoft.com/office/drawing/2014/main" id="{37D1737B-CFF7-99E2-2236-415BDDC16234}"/>
+                <a16:creationId xmlns:a16="http://schemas.microsoft.com/office/drawing/2014/main" id="{F20DC790-1C26-D1D2-4648-02B84DB2C381}"/>
               </a:ext>
             </a:extLst>
           </p:cNvPr>
@@ -12899,7 +13683,7 @@
           <p:cNvPr id="3" name="Inhaltsplatzhalter 2">
             <a:extLst>
               <a:ext uri="{FF2B5EF4-FFF2-40B4-BE49-F238E27FC236}">
-                <a16:creationId xmlns:a16="http://schemas.microsoft.com/office/drawing/2014/main" id="{5490B25B-C739-08D4-C054-81486806F04F}"/>
+                <a16:creationId xmlns:a16="http://schemas.microsoft.com/office/drawing/2014/main" id="{AFD97513-F99F-7ADB-1B18-C03948B63DA4}"/>
               </a:ext>
             </a:extLst>
           </p:cNvPr>
@@ -12917,19 +13701,13 @@
           <a:p>
             <a:r>
               <a:rPr lang="de-DE" dirty="0"/>
-              <a:t>Deadlocks sind schwer zu verhindern</a:t>
+              <a:t>Programm enthält Deadlock</a:t>
             </a:r>
           </a:p>
           <a:p>
             <a:r>
               <a:rPr lang="de-DE" dirty="0"/>
-              <a:t>Aber daraus entstehende Problematik: Deadlocks</a:t>
-            </a:r>
-          </a:p>
-          <a:p>
-            <a:r>
-              <a:rPr lang="de-DE" dirty="0"/>
-              <a:t>Deadlocks sind schwer reproduzierbar und damit</a:t>
+              <a:t>Tritt auf wenn beide Threads den jeweils ersten</a:t>
             </a:r>
           </a:p>
           <a:p>
@@ -12938,18 +13716,92 @@
             </a:pPr>
             <a:r>
               <a:rPr lang="de-DE" dirty="0"/>
-              <a:t>   schwer zu debuggen</a:t>
+              <a:t>   Mutex locken</a:t>
+            </a:r>
+          </a:p>
+          <a:p>
+            <a:r>
+              <a:rPr lang="de-DE" dirty="0"/>
+              <a:t>Der jeweils zweite Lock kann nicht reserviert </a:t>
+            </a:r>
+          </a:p>
+          <a:p>
+            <a:pPr marL="0" indent="0">
+              <a:buNone/>
+            </a:pPr>
+            <a:r>
+              <a:rPr lang="de-DE" dirty="0"/>
+              <a:t>   werden, da er bereits belegt ist</a:t>
             </a:r>
           </a:p>
           <a:p>
             <a:endParaRPr lang="de-DE" dirty="0"/>
+          </a:p>
+        </p:txBody>
+      </p:sp>
+      <p:pic>
+        <p:nvPicPr>
+          <p:cNvPr id="4" name="Grafik 3">
+            <a:extLst>
+              <a:ext uri="{FF2B5EF4-FFF2-40B4-BE49-F238E27FC236}">
+                <a16:creationId xmlns:a16="http://schemas.microsoft.com/office/drawing/2014/main" id="{E47137E7-F73A-B134-A48D-7B84AB3951C4}"/>
+              </a:ext>
+            </a:extLst>
+          </p:cNvPr>
+          <p:cNvPicPr>
+            <a:picLocks noChangeAspect="1"/>
+          </p:cNvPicPr>
+          <p:nvPr/>
+        </p:nvPicPr>
+        <p:blipFill>
+          <a:blip r:embed="rId2"/>
+          <a:stretch>
+            <a:fillRect/>
+          </a:stretch>
+        </p:blipFill>
+        <p:spPr>
+          <a:xfrm>
+            <a:off x="8070401" y="582876"/>
+            <a:ext cx="3730535" cy="5793944"/>
+          </a:xfrm>
+          <a:prstGeom prst="rect">
+            <a:avLst/>
+          </a:prstGeom>
+        </p:spPr>
+      </p:pic>
+      <p:sp>
+        <p:nvSpPr>
+          <p:cNvPr id="5" name="Foliennummernplatzhalter 4">
+            <a:extLst>
+              <a:ext uri="{FF2B5EF4-FFF2-40B4-BE49-F238E27FC236}">
+                <a16:creationId xmlns:a16="http://schemas.microsoft.com/office/drawing/2014/main" id="{AA8D71CD-299F-14A0-E8D5-37D13A3B8F0B}"/>
+              </a:ext>
+            </a:extLst>
+          </p:cNvPr>
+          <p:cNvSpPr>
+            <a:spLocks noGrp="1"/>
+          </p:cNvSpPr>
+          <p:nvPr>
+            <p:ph type="sldNum" sz="quarter" idx="12"/>
+          </p:nvPr>
+        </p:nvSpPr>
+        <p:spPr/>
+        <p:txBody>
+          <a:bodyPr/>
+          <a:lstStyle/>
+          <a:p>
+            <a:fld id="{1DC7C88A-61DF-4C06-B514-651BF2646602}" type="slidenum">
+              <a:rPr lang="de-DE" smtClean="0"/>
+              <a:t>4</a:t>
+            </a:fld>
+            <a:endParaRPr lang="de-DE"/>
           </a:p>
         </p:txBody>
       </p:sp>
     </p:spTree>
     <p:extLst>
       <p:ext uri="{BB962C8B-B14F-4D97-AF65-F5344CB8AC3E}">
-        <p14:creationId xmlns:p14="http://schemas.microsoft.com/office/powerpoint/2010/main" val="362304534"/>
+        <p14:creationId xmlns:p14="http://schemas.microsoft.com/office/powerpoint/2010/main" val="2547473671"/>
       </p:ext>
     </p:extLst>
   </p:cSld>
@@ -12981,7 +13833,7 @@
           <p:cNvPr id="2" name="Titel 1">
             <a:extLst>
               <a:ext uri="{FF2B5EF4-FFF2-40B4-BE49-F238E27FC236}">
-                <a16:creationId xmlns:a16="http://schemas.microsoft.com/office/drawing/2014/main" id="{F20DC790-1C26-D1D2-4648-02B84DB2C381}"/>
+                <a16:creationId xmlns:a16="http://schemas.microsoft.com/office/drawing/2014/main" id="{178C909C-BDC1-4FA3-AD6F-7AB8D5214EE0}"/>
               </a:ext>
             </a:extLst>
           </p:cNvPr>
@@ -12999,7 +13851,7 @@
           <a:p>
             <a:r>
               <a:rPr lang="de-DE" dirty="0"/>
-              <a:t>Einleitung</a:t>
+              <a:t>Die Vorhersage von Deadlocks</a:t>
             </a:r>
           </a:p>
         </p:txBody>
@@ -13009,7 +13861,7 @@
           <p:cNvPr id="3" name="Inhaltsplatzhalter 2">
             <a:extLst>
               <a:ext uri="{FF2B5EF4-FFF2-40B4-BE49-F238E27FC236}">
-                <a16:creationId xmlns:a16="http://schemas.microsoft.com/office/drawing/2014/main" id="{AFD97513-F99F-7ADB-1B18-C03948B63DA4}"/>
+                <a16:creationId xmlns:a16="http://schemas.microsoft.com/office/drawing/2014/main" id="{077E50AF-D281-F901-C679-35A5DF63CE23}"/>
               </a:ext>
             </a:extLst>
           </p:cNvPr>
@@ -13027,78 +13879,72 @@
           <a:p>
             <a:r>
               <a:rPr lang="de-DE" dirty="0"/>
-              <a:t>Programm enthält Deadlock</a:t>
+              <a:t>Deadlocks müssen vorhergesagt werden, ansonsten können Threads stecken bleiben</a:t>
             </a:r>
           </a:p>
           <a:p>
             <a:r>
               <a:rPr lang="de-DE" dirty="0"/>
-              <a:t>Tritt auf wenn beide Threads den jeweils ersten</a:t>
-            </a:r>
-          </a:p>
-          <a:p>
-            <a:pPr marL="0" indent="0">
-              <a:buNone/>
-            </a:pPr>
+              <a:t>Dynamische Deadlock-Analyse </a:t>
+            </a:r>
+          </a:p>
+          <a:p>
+            <a:pPr lvl="1"/>
             <a:r>
               <a:rPr lang="de-DE" dirty="0"/>
-              <a:t>   Mutex locken</a:t>
-            </a:r>
-          </a:p>
-          <a:p>
+              <a:t>Effizient</a:t>
+            </a:r>
+          </a:p>
+          <a:p>
+            <a:pPr lvl="1"/>
             <a:r>
               <a:rPr lang="de-DE" dirty="0"/>
-              <a:t>Der jeweils zweite Lock kann nicht reserviert </a:t>
-            </a:r>
-          </a:p>
-          <a:p>
-            <a:pPr marL="0" indent="0">
-              <a:buNone/>
-            </a:pPr>
+              <a:t>Liefert wenige oder keine </a:t>
+            </a:r>
+            <a:r>
+              <a:rPr lang="de-DE" dirty="0" err="1"/>
+              <a:t>False</a:t>
+            </a:r>
             <a:r>
               <a:rPr lang="de-DE" dirty="0"/>
-              <a:t>   werden, da er bereits belegt ist</a:t>
-            </a:r>
-          </a:p>
-          <a:p>
-            <a:endParaRPr lang="de-DE" dirty="0"/>
-          </a:p>
-        </p:txBody>
-      </p:sp>
-      <p:pic>
-        <p:nvPicPr>
-          <p:cNvPr id="4" name="Grafik 3">
-            <a:extLst>
-              <a:ext uri="{FF2B5EF4-FFF2-40B4-BE49-F238E27FC236}">
-                <a16:creationId xmlns:a16="http://schemas.microsoft.com/office/drawing/2014/main" id="{E47137E7-F73A-B134-A48D-7B84AB3951C4}"/>
-              </a:ext>
-            </a:extLst>
-          </p:cNvPr>
-          <p:cNvPicPr>
-            <a:picLocks noChangeAspect="1"/>
-          </p:cNvPicPr>
-          <p:nvPr/>
-        </p:nvPicPr>
-        <p:blipFill>
-          <a:blip r:embed="rId2"/>
-          <a:stretch>
-            <a:fillRect/>
-          </a:stretch>
-        </p:blipFill>
-        <p:spPr>
-          <a:xfrm>
-            <a:off x="8070401" y="582876"/>
-            <a:ext cx="3835273" cy="5956614"/>
-          </a:xfrm>
-          <a:prstGeom prst="rect">
-            <a:avLst/>
-          </a:prstGeom>
-        </p:spPr>
-      </p:pic>
+              <a:t>-Positives</a:t>
+            </a:r>
+          </a:p>
+        </p:txBody>
+      </p:sp>
+      <p:sp>
+        <p:nvSpPr>
+          <p:cNvPr id="4" name="Foliennummernplatzhalter 3">
+            <a:extLst>
+              <a:ext uri="{FF2B5EF4-FFF2-40B4-BE49-F238E27FC236}">
+                <a16:creationId xmlns:a16="http://schemas.microsoft.com/office/drawing/2014/main" id="{1B2A0F65-3028-F8E8-4422-13D73421A948}"/>
+              </a:ext>
+            </a:extLst>
+          </p:cNvPr>
+          <p:cNvSpPr>
+            <a:spLocks noGrp="1"/>
+          </p:cNvSpPr>
+          <p:nvPr>
+            <p:ph type="sldNum" sz="quarter" idx="12"/>
+          </p:nvPr>
+        </p:nvSpPr>
+        <p:spPr/>
+        <p:txBody>
+          <a:bodyPr/>
+          <a:lstStyle/>
+          <a:p>
+            <a:fld id="{1DC7C88A-61DF-4C06-B514-651BF2646602}" type="slidenum">
+              <a:rPr lang="de-DE" smtClean="0"/>
+              <a:t>5</a:t>
+            </a:fld>
+            <a:endParaRPr lang="de-DE"/>
+          </a:p>
+        </p:txBody>
+      </p:sp>
     </p:spTree>
     <p:extLst>
       <p:ext uri="{BB962C8B-B14F-4D97-AF65-F5344CB8AC3E}">
-        <p14:creationId xmlns:p14="http://schemas.microsoft.com/office/powerpoint/2010/main" val="2547473671"/>
+        <p14:creationId xmlns:p14="http://schemas.microsoft.com/office/powerpoint/2010/main" val="3235281061"/>
       </p:ext>
     </p:extLst>
   </p:cSld>
@@ -13130,7 +13976,7 @@
           <p:cNvPr id="2" name="Titel 1">
             <a:extLst>
               <a:ext uri="{FF2B5EF4-FFF2-40B4-BE49-F238E27FC236}">
-                <a16:creationId xmlns:a16="http://schemas.microsoft.com/office/drawing/2014/main" id="{178C909C-BDC1-4FA3-AD6F-7AB8D5214EE0}"/>
+                <a16:creationId xmlns:a16="http://schemas.microsoft.com/office/drawing/2014/main" id="{D2AB59FB-FC2D-88A8-3917-1BD66A551A60}"/>
               </a:ext>
             </a:extLst>
           </p:cNvPr>
@@ -13148,7 +13994,7 @@
           <a:p>
             <a:r>
               <a:rPr lang="de-DE" dirty="0"/>
-              <a:t>Die Vorhersage von Deadlocks</a:t>
+              <a:t>Dynamische Deadlock-Analyse</a:t>
             </a:r>
           </a:p>
         </p:txBody>
@@ -13158,7 +14004,7 @@
           <p:cNvPr id="3" name="Inhaltsplatzhalter 2">
             <a:extLst>
               <a:ext uri="{FF2B5EF4-FFF2-40B4-BE49-F238E27FC236}">
-                <a16:creationId xmlns:a16="http://schemas.microsoft.com/office/drawing/2014/main" id="{077E50AF-D281-F901-C679-35A5DF63CE23}"/>
+                <a16:creationId xmlns:a16="http://schemas.microsoft.com/office/drawing/2014/main" id="{56B6E1BC-7776-5940-5E3D-AEAA6882DD3C}"/>
               </a:ext>
             </a:extLst>
           </p:cNvPr>
@@ -13176,75 +14022,59 @@
           <a:p>
             <a:r>
               <a:rPr lang="de-DE" dirty="0"/>
-              <a:t>Deadlocks müssen vorhergesagt werden, ansonsten können Threads stecken bleiben</a:t>
+              <a:t>Grundlage: Trace</a:t>
             </a:r>
           </a:p>
           <a:p>
             <a:r>
               <a:rPr lang="de-DE" dirty="0"/>
-              <a:t>Dynamische Deadlock-Analyse </a:t>
-            </a:r>
-          </a:p>
-          <a:p>
-            <a:pPr lvl="1"/>
+              <a:t>Trace ist Aufzeichnung der abgelaufenen Operationen im Programm</a:t>
+            </a:r>
+          </a:p>
+          <a:p>
             <a:r>
               <a:rPr lang="de-DE" dirty="0"/>
-              <a:t>Effizient</a:t>
-            </a:r>
-          </a:p>
-          <a:p>
-            <a:pPr lvl="1"/>
+              <a:t>Dazu gehört: </a:t>
+            </a:r>
+            <a:r>
+              <a:rPr lang="de-DE" dirty="0" err="1"/>
+              <a:t>Acquire</a:t>
+            </a:r>
             <a:r>
               <a:rPr lang="de-DE" dirty="0"/>
-              <a:t>Liefert wenige oder keine </a:t>
+              <a:t>- und Release von Locks</a:t>
+            </a:r>
+          </a:p>
+          <a:p>
+            <a:r>
+              <a:rPr lang="de-DE" dirty="0"/>
+              <a:t>Je nach Methode auch Reads/</a:t>
             </a:r>
             <a:r>
               <a:rPr lang="de-DE" dirty="0" err="1"/>
-              <a:t>False</a:t>
+              <a:t>Writes</a:t>
             </a:r>
             <a:r>
               <a:rPr lang="de-DE" dirty="0"/>
-              <a:t>-Positives</a:t>
-            </a:r>
-          </a:p>
-        </p:txBody>
-      </p:sp>
-    </p:spTree>
-    <p:extLst>
-      <p:ext uri="{BB962C8B-B14F-4D97-AF65-F5344CB8AC3E}">
-        <p14:creationId xmlns:p14="http://schemas.microsoft.com/office/powerpoint/2010/main" val="3235281061"/>
-      </p:ext>
-    </p:extLst>
-  </p:cSld>
-  <p:clrMapOvr>
-    <a:masterClrMapping/>
-  </p:clrMapOvr>
-</p:sld>
-</file>
-
-<file path=ppt/slides/slide7.xml><?xml version="1.0" encoding="utf-8"?>
-<p:sld xmlns:a="http://schemas.openxmlformats.org/drawingml/2006/main" xmlns:r="http://schemas.openxmlformats.org/officeDocument/2006/relationships" xmlns:p="http://schemas.openxmlformats.org/presentationml/2006/main">
-  <p:cSld>
-    <p:spTree>
-      <p:nvGrpSpPr>
-        <p:cNvPr id="1" name=""/>
-        <p:cNvGrpSpPr/>
-        <p:nvPr/>
-      </p:nvGrpSpPr>
-      <p:grpSpPr>
-        <a:xfrm>
-          <a:off x="0" y="0"/>
-          <a:ext cx="0" cy="0"/>
-          <a:chOff x="0" y="0"/>
-          <a:chExt cx="0" cy="0"/>
-        </a:xfrm>
-      </p:grpSpPr>
-      <p:sp>
-        <p:nvSpPr>
-          <p:cNvPr id="2" name="Titel 1">
-            <a:extLst>
-              <a:ext uri="{FF2B5EF4-FFF2-40B4-BE49-F238E27FC236}">
-                <a16:creationId xmlns:a16="http://schemas.microsoft.com/office/drawing/2014/main" id="{D2AB59FB-FC2D-88A8-3917-1BD66A551A60}"/>
+              <a:t> oder auch Forks/</a:t>
+            </a:r>
+            <a:r>
+              <a:rPr lang="de-DE" dirty="0" err="1"/>
+              <a:t>Joins</a:t>
+            </a:r>
+            <a:r>
+              <a:rPr lang="de-DE" dirty="0"/>
+              <a:t> relevant</a:t>
+            </a:r>
+          </a:p>
+        </p:txBody>
+      </p:sp>
+      <p:sp>
+        <p:nvSpPr>
+          <p:cNvPr id="4" name="Foliennummernplatzhalter 3">
+            <a:extLst>
+              <a:ext uri="{FF2B5EF4-FFF2-40B4-BE49-F238E27FC236}">
+                <a16:creationId xmlns:a16="http://schemas.microsoft.com/office/drawing/2014/main" id="{865B233E-B1B5-06E0-7406-675E54EAA424}"/>
               </a:ext>
             </a:extLst>
           </p:cNvPr>
@@ -13252,7 +14082,7 @@
             <a:spLocks noGrp="1"/>
           </p:cNvSpPr>
           <p:nvPr>
-            <p:ph type="title"/>
+            <p:ph type="sldNum" sz="quarter" idx="12"/>
           </p:nvPr>
         </p:nvSpPr>
         <p:spPr/>
@@ -13260,80 +14090,11 @@
           <a:bodyPr/>
           <a:lstStyle/>
           <a:p>
-            <a:r>
-              <a:rPr lang="de-DE" dirty="0"/>
-              <a:t>Dynamische Deadlock-Analyse</a:t>
-            </a:r>
-          </a:p>
-        </p:txBody>
-      </p:sp>
-      <p:sp>
-        <p:nvSpPr>
-          <p:cNvPr id="3" name="Inhaltsplatzhalter 2">
-            <a:extLst>
-              <a:ext uri="{FF2B5EF4-FFF2-40B4-BE49-F238E27FC236}">
-                <a16:creationId xmlns:a16="http://schemas.microsoft.com/office/drawing/2014/main" id="{56B6E1BC-7776-5940-5E3D-AEAA6882DD3C}"/>
-              </a:ext>
-            </a:extLst>
-          </p:cNvPr>
-          <p:cNvSpPr>
-            <a:spLocks noGrp="1"/>
-          </p:cNvSpPr>
-          <p:nvPr>
-            <p:ph idx="1"/>
-          </p:nvPr>
-        </p:nvSpPr>
-        <p:spPr/>
-        <p:txBody>
-          <a:bodyPr/>
-          <a:lstStyle/>
-          <a:p>
-            <a:r>
-              <a:rPr lang="de-DE" dirty="0"/>
-              <a:t>Grundlage: Trace</a:t>
-            </a:r>
-          </a:p>
-          <a:p>
-            <a:r>
-              <a:rPr lang="de-DE" dirty="0"/>
-              <a:t>Trace ist Aufzeichnung der abgelaufenen Operationen im Programm</a:t>
-            </a:r>
-          </a:p>
-          <a:p>
-            <a:r>
-              <a:rPr lang="de-DE" dirty="0"/>
-              <a:t>Dazu gehört: </a:t>
-            </a:r>
-            <a:r>
-              <a:rPr lang="de-DE" dirty="0" err="1"/>
-              <a:t>Acquire</a:t>
-            </a:r>
-            <a:r>
-              <a:rPr lang="de-DE" dirty="0"/>
-              <a:t>- und Release von Locks</a:t>
-            </a:r>
-          </a:p>
-          <a:p>
-            <a:r>
-              <a:rPr lang="de-DE" dirty="0"/>
-              <a:t>Je nach Methode auch Reads/</a:t>
-            </a:r>
-            <a:r>
-              <a:rPr lang="de-DE" dirty="0" err="1"/>
-              <a:t>Writes</a:t>
-            </a:r>
-            <a:r>
-              <a:rPr lang="de-DE" dirty="0"/>
-              <a:t> oder auch Forks/</a:t>
-            </a:r>
-            <a:r>
-              <a:rPr lang="de-DE" dirty="0" err="1"/>
-              <a:t>Joins</a:t>
-            </a:r>
-            <a:r>
-              <a:rPr lang="de-DE" dirty="0"/>
-              <a:t> relevant</a:t>
-            </a:r>
+            <a:fld id="{1DC7C88A-61DF-4C06-B514-651BF2646602}" type="slidenum">
+              <a:rPr lang="de-DE" smtClean="0"/>
+              <a:t>6</a:t>
+            </a:fld>
+            <a:endParaRPr lang="de-DE"/>
           </a:p>
         </p:txBody>
       </p:sp>
@@ -13350,7 +14111,7 @@
 </p:sld>
 </file>
 
-<file path=ppt/slides/slide8.xml><?xml version="1.0" encoding="utf-8"?>
+<file path=ppt/slides/slide7.xml><?xml version="1.0" encoding="utf-8"?>
 <p:sld xmlns:a="http://schemas.openxmlformats.org/drawingml/2006/main" xmlns:r="http://schemas.openxmlformats.org/officeDocument/2006/relationships" xmlns:p="http://schemas.openxmlformats.org/presentationml/2006/main">
   <p:cSld>
     <p:spTree>
@@ -13485,10 +14246,213 @@
           </a:prstGeom>
         </p:spPr>
       </p:pic>
+      <p:sp>
+        <p:nvSpPr>
+          <p:cNvPr id="4" name="Foliennummernplatzhalter 3">
+            <a:extLst>
+              <a:ext uri="{FF2B5EF4-FFF2-40B4-BE49-F238E27FC236}">
+                <a16:creationId xmlns:a16="http://schemas.microsoft.com/office/drawing/2014/main" id="{22F6E864-E1E3-E34F-E1E5-84D9A8E13103}"/>
+              </a:ext>
+            </a:extLst>
+          </p:cNvPr>
+          <p:cNvSpPr>
+            <a:spLocks noGrp="1"/>
+          </p:cNvSpPr>
+          <p:nvPr>
+            <p:ph type="sldNum" sz="quarter" idx="12"/>
+          </p:nvPr>
+        </p:nvSpPr>
+        <p:spPr/>
+        <p:txBody>
+          <a:bodyPr/>
+          <a:lstStyle/>
+          <a:p>
+            <a:fld id="{1DC7C88A-61DF-4C06-B514-651BF2646602}" type="slidenum">
+              <a:rPr lang="de-DE" smtClean="0"/>
+              <a:t>7</a:t>
+            </a:fld>
+            <a:endParaRPr lang="de-DE"/>
+          </a:p>
+        </p:txBody>
+      </p:sp>
     </p:spTree>
     <p:extLst>
       <p:ext uri="{BB962C8B-B14F-4D97-AF65-F5344CB8AC3E}">
         <p14:creationId xmlns:p14="http://schemas.microsoft.com/office/powerpoint/2010/main" val="624210621"/>
+      </p:ext>
+    </p:extLst>
+  </p:cSld>
+  <p:clrMapOvr>
+    <a:masterClrMapping/>
+  </p:clrMapOvr>
+</p:sld>
+</file>
+
+<file path=ppt/slides/slide8.xml><?xml version="1.0" encoding="utf-8"?>
+<p:sld xmlns:a="http://schemas.openxmlformats.org/drawingml/2006/main" xmlns:r="http://schemas.openxmlformats.org/officeDocument/2006/relationships" xmlns:p="http://schemas.openxmlformats.org/presentationml/2006/main">
+  <p:cSld>
+    <p:spTree>
+      <p:nvGrpSpPr>
+        <p:cNvPr id="1" name=""/>
+        <p:cNvGrpSpPr/>
+        <p:nvPr/>
+      </p:nvGrpSpPr>
+      <p:grpSpPr>
+        <a:xfrm>
+          <a:off x="0" y="0"/>
+          <a:ext cx="0" cy="0"/>
+          <a:chOff x="0" y="0"/>
+          <a:chExt cx="0" cy="0"/>
+        </a:xfrm>
+      </p:grpSpPr>
+      <p:sp>
+        <p:nvSpPr>
+          <p:cNvPr id="2" name="Titel 1">
+            <a:extLst>
+              <a:ext uri="{FF2B5EF4-FFF2-40B4-BE49-F238E27FC236}">
+                <a16:creationId xmlns:a16="http://schemas.microsoft.com/office/drawing/2014/main" id="{1F18901F-6FB0-C5BA-6E51-56EDB5C6E861}"/>
+              </a:ext>
+            </a:extLst>
+          </p:cNvPr>
+          <p:cNvSpPr>
+            <a:spLocks noGrp="1"/>
+          </p:cNvSpPr>
+          <p:nvPr>
+            <p:ph type="title"/>
+          </p:nvPr>
+        </p:nvSpPr>
+        <p:spPr/>
+        <p:txBody>
+          <a:bodyPr/>
+          <a:lstStyle/>
+          <a:p>
+            <a:r>
+              <a:rPr lang="de-DE" dirty="0"/>
+              <a:t>Dynamische Deadlock-Analyse</a:t>
+            </a:r>
+          </a:p>
+        </p:txBody>
+      </p:sp>
+      <p:sp>
+        <p:nvSpPr>
+          <p:cNvPr id="3" name="Inhaltsplatzhalter 2">
+            <a:extLst>
+              <a:ext uri="{FF2B5EF4-FFF2-40B4-BE49-F238E27FC236}">
+                <a16:creationId xmlns:a16="http://schemas.microsoft.com/office/drawing/2014/main" id="{D39CDA7A-83D3-1CA9-806E-0FCB9AB77DC3}"/>
+              </a:ext>
+            </a:extLst>
+          </p:cNvPr>
+          <p:cNvSpPr>
+            <a:spLocks noGrp="1"/>
+          </p:cNvSpPr>
+          <p:nvPr>
+            <p:ph idx="1"/>
+          </p:nvPr>
+        </p:nvSpPr>
+        <p:spPr/>
+        <p:txBody>
+          <a:bodyPr/>
+          <a:lstStyle/>
+          <a:p>
+            <a:r>
+              <a:rPr lang="de-DE" dirty="0"/>
+              <a:t>Analyse durch Lock-Graphen sehr einfach</a:t>
+            </a:r>
+          </a:p>
+          <a:p>
+            <a:r>
+              <a:rPr lang="de-DE" dirty="0"/>
+              <a:t>Schritt 1: Erstelle Graph aus </a:t>
+            </a:r>
+            <a:r>
+              <a:rPr lang="de-DE" dirty="0" err="1"/>
+              <a:t>Acquire</a:t>
+            </a:r>
+            <a:r>
+              <a:rPr lang="de-DE" dirty="0"/>
+              <a:t>- und </a:t>
+            </a:r>
+            <a:r>
+              <a:rPr lang="de-DE" dirty="0" err="1"/>
+              <a:t>Releaseoperationen</a:t>
+            </a:r>
+            <a:r>
+              <a:rPr lang="de-DE" dirty="0"/>
+              <a:t>:</a:t>
+            </a:r>
+          </a:p>
+          <a:p>
+            <a:pPr lvl="1"/>
+            <a:r>
+              <a:rPr lang="de-DE" dirty="0"/>
+              <a:t>Locks sind Knoten</a:t>
+            </a:r>
+          </a:p>
+          <a:p>
+            <a:pPr lvl="1"/>
+            <a:r>
+              <a:rPr lang="de-DE" dirty="0"/>
+              <a:t>Kanten zwischen Knoten entstehen, wenn ein Thread einen Lock hält und den nächsten reservieren will</a:t>
+            </a:r>
+          </a:p>
+          <a:p>
+            <a:r>
+              <a:rPr lang="de-DE" dirty="0"/>
+              <a:t>Schritt 2:</a:t>
+            </a:r>
+          </a:p>
+          <a:p>
+            <a:pPr lvl="1"/>
+            <a:r>
+              <a:rPr lang="de-DE" dirty="0"/>
+              <a:t>Überprüfe den Graphen auf Zyklen</a:t>
+            </a:r>
+          </a:p>
+          <a:p>
+            <a:pPr lvl="1"/>
+            <a:r>
+              <a:rPr lang="de-DE" dirty="0"/>
+              <a:t>Sage Deadlock vorher, wenn Zyklus im Graph existiert</a:t>
+            </a:r>
+          </a:p>
+          <a:p>
+            <a:endParaRPr lang="de-DE" dirty="0"/>
+          </a:p>
+        </p:txBody>
+      </p:sp>
+      <p:sp>
+        <p:nvSpPr>
+          <p:cNvPr id="4" name="Foliennummernplatzhalter 3">
+            <a:extLst>
+              <a:ext uri="{FF2B5EF4-FFF2-40B4-BE49-F238E27FC236}">
+                <a16:creationId xmlns:a16="http://schemas.microsoft.com/office/drawing/2014/main" id="{B77E51CA-9E6E-C160-D8CE-97FF87A0D3FA}"/>
+              </a:ext>
+            </a:extLst>
+          </p:cNvPr>
+          <p:cNvSpPr>
+            <a:spLocks noGrp="1"/>
+          </p:cNvSpPr>
+          <p:nvPr>
+            <p:ph type="sldNum" sz="quarter" idx="12"/>
+          </p:nvPr>
+        </p:nvSpPr>
+        <p:spPr/>
+        <p:txBody>
+          <a:bodyPr/>
+          <a:lstStyle/>
+          <a:p>
+            <a:fld id="{1DC7C88A-61DF-4C06-B514-651BF2646602}" type="slidenum">
+              <a:rPr lang="de-DE" smtClean="0"/>
+              <a:t>8</a:t>
+            </a:fld>
+            <a:endParaRPr lang="de-DE"/>
+          </a:p>
+        </p:txBody>
+      </p:sp>
+    </p:spTree>
+    <p:extLst>
+      <p:ext uri="{BB962C8B-B14F-4D97-AF65-F5344CB8AC3E}">
+        <p14:creationId xmlns:p14="http://schemas.microsoft.com/office/powerpoint/2010/main" val="3991357525"/>
       </p:ext>
     </p:extLst>
   </p:cSld>
@@ -13520,7 +14484,7 @@
           <p:cNvPr id="2" name="Titel 1">
             <a:extLst>
               <a:ext uri="{FF2B5EF4-FFF2-40B4-BE49-F238E27FC236}">
-                <a16:creationId xmlns:a16="http://schemas.microsoft.com/office/drawing/2014/main" id="{1F18901F-6FB0-C5BA-6E51-56EDB5C6E861}"/>
+                <a16:creationId xmlns:a16="http://schemas.microsoft.com/office/drawing/2014/main" id="{661FD3D5-05E5-BB98-FE98-EAB9EA7B8B07}"/>
               </a:ext>
             </a:extLst>
           </p:cNvPr>
@@ -13543,12 +14507,47 @@
           </a:p>
         </p:txBody>
       </p:sp>
-      <p:sp>
-        <p:nvSpPr>
-          <p:cNvPr id="3" name="Inhaltsplatzhalter 2">
-            <a:extLst>
-              <a:ext uri="{FF2B5EF4-FFF2-40B4-BE49-F238E27FC236}">
-                <a16:creationId xmlns:a16="http://schemas.microsoft.com/office/drawing/2014/main" id="{D39CDA7A-83D3-1CA9-806E-0FCB9AB77DC3}"/>
+      <p:pic>
+        <p:nvPicPr>
+          <p:cNvPr id="7" name="Grafik 6">
+            <a:extLst>
+              <a:ext uri="{FF2B5EF4-FFF2-40B4-BE49-F238E27FC236}">
+                <a16:creationId xmlns:a16="http://schemas.microsoft.com/office/drawing/2014/main" id="{94018E8F-24AE-2186-5097-F867FBCC1118}"/>
+              </a:ext>
+            </a:extLst>
+          </p:cNvPr>
+          <p:cNvPicPr>
+            <a:picLocks noChangeAspect="1"/>
+          </p:cNvPicPr>
+          <p:nvPr/>
+        </p:nvPicPr>
+        <p:blipFill>
+          <a:blip r:embed="rId2"/>
+          <a:stretch>
+            <a:fillRect/>
+          </a:stretch>
+        </p:blipFill>
+        <p:spPr>
+          <a:xfrm>
+            <a:off x="622085" y="1825625"/>
+            <a:ext cx="4429743" cy="4191585"/>
+          </a:xfrm>
+          <a:prstGeom prst="rect">
+            <a:avLst/>
+          </a:prstGeom>
+          <a:ln>
+            <a:solidFill>
+              <a:schemeClr val="tx1"/>
+            </a:solidFill>
+          </a:ln>
+        </p:spPr>
+      </p:pic>
+      <p:sp>
+        <p:nvSpPr>
+          <p:cNvPr id="8" name="Inhaltsplatzhalter 7">
+            <a:extLst>
+              <a:ext uri="{FF2B5EF4-FFF2-40B4-BE49-F238E27FC236}">
+                <a16:creationId xmlns:a16="http://schemas.microsoft.com/office/drawing/2014/main" id="{2754EA18-5000-3F68-48CA-1F29DF784D3E}"/>
               </a:ext>
             </a:extLst>
           </p:cNvPr>
@@ -13564,76 +14563,190 @@
           <a:bodyPr/>
           <a:lstStyle/>
           <a:p>
+            <a:endParaRPr lang="de-DE" dirty="0"/>
+          </a:p>
+        </p:txBody>
+      </p:sp>
+      <p:sp>
+        <p:nvSpPr>
+          <p:cNvPr id="9" name="Textfeld 8">
+            <a:extLst>
+              <a:ext uri="{FF2B5EF4-FFF2-40B4-BE49-F238E27FC236}">
+                <a16:creationId xmlns:a16="http://schemas.microsoft.com/office/drawing/2014/main" id="{42F91DDC-9C08-AAF8-F17D-84ACF3C79F2B}"/>
+              </a:ext>
+            </a:extLst>
+          </p:cNvPr>
+          <p:cNvSpPr txBox="1"/>
+          <p:nvPr/>
+        </p:nvSpPr>
+        <p:spPr>
+          <a:xfrm>
+            <a:off x="5261206" y="1825625"/>
+            <a:ext cx="5883215" cy="369332"/>
+          </a:xfrm>
+          <a:prstGeom prst="rect">
+            <a:avLst/>
+          </a:prstGeom>
+          <a:noFill/>
+        </p:spPr>
+        <p:txBody>
+          <a:bodyPr wrap="square" rtlCol="0">
+            <a:spAutoFit/>
+          </a:bodyPr>
+          <a:lstStyle/>
+          <a:p>
             <a:r>
               <a:rPr lang="de-DE" dirty="0"/>
-              <a:t>Analyse durch Lock-Graphen sehr einfach</a:t>
-            </a:r>
-          </a:p>
-          <a:p>
-            <a:r>
-              <a:rPr lang="de-DE" dirty="0"/>
-              <a:t>Schritt 1: Erstelle Graph aus </a:t>
-            </a:r>
-            <a:r>
-              <a:rPr lang="de-DE" dirty="0" err="1"/>
-              <a:t>Acquire</a:t>
-            </a:r>
-            <a:r>
-              <a:rPr lang="de-DE" dirty="0"/>
-              <a:t>- und </a:t>
-            </a:r>
-            <a:r>
-              <a:rPr lang="de-DE" dirty="0" err="1"/>
-              <a:t>Releaseoperationen</a:t>
-            </a:r>
-            <a:r>
-              <a:rPr lang="de-DE" dirty="0"/>
-              <a:t>:</a:t>
-            </a:r>
-          </a:p>
-          <a:p>
-            <a:pPr lvl="1"/>
-            <a:r>
-              <a:rPr lang="de-DE" dirty="0"/>
-              <a:t>Locks sind Knoten</a:t>
-            </a:r>
-          </a:p>
-          <a:p>
-            <a:pPr lvl="1"/>
-            <a:r>
-              <a:rPr lang="de-DE" dirty="0"/>
-              <a:t>Kanten zwischen Knoten entstehen, wenn ein Thread einen Lock hält und den nächsten reservieren will</a:t>
-            </a:r>
-          </a:p>
-          <a:p>
-            <a:r>
-              <a:rPr lang="de-DE" dirty="0"/>
-              <a:t>Schritt 2:</a:t>
-            </a:r>
-          </a:p>
-          <a:p>
-            <a:pPr lvl="1"/>
-            <a:r>
-              <a:rPr lang="de-DE" dirty="0"/>
-              <a:t>Überprüfe den Graphen auf Zyklen</a:t>
-            </a:r>
-          </a:p>
-          <a:p>
-            <a:pPr lvl="1"/>
-            <a:r>
-              <a:rPr lang="de-DE" dirty="0"/>
-              <a:t>Sage Deadlock vorher, wenn Zyklus im Graph existiert</a:t>
-            </a:r>
-          </a:p>
-          <a:p>
-            <a:endParaRPr lang="de-DE" dirty="0"/>
+              <a:t>Es gibt die Locks x und y im Trace -&gt; Knoten x und y im Graph</a:t>
+            </a:r>
+          </a:p>
+        </p:txBody>
+      </p:sp>
+      <p:sp>
+        <p:nvSpPr>
+          <p:cNvPr id="10" name="Ellipse 9">
+            <a:extLst>
+              <a:ext uri="{FF2B5EF4-FFF2-40B4-BE49-F238E27FC236}">
+                <a16:creationId xmlns:a16="http://schemas.microsoft.com/office/drawing/2014/main" id="{B3BE2E0C-42FE-471D-A03E-A9B806CC0DB5}"/>
+              </a:ext>
+            </a:extLst>
+          </p:cNvPr>
+          <p:cNvSpPr/>
+          <p:nvPr/>
+        </p:nvSpPr>
+        <p:spPr>
+          <a:xfrm>
+            <a:off x="5897971" y="4494362"/>
+            <a:ext cx="1242203" cy="836762"/>
+          </a:xfrm>
+          <a:prstGeom prst="ellipse">
+            <a:avLst/>
+          </a:prstGeom>
+          <a:solidFill>
+            <a:schemeClr val="bg1"/>
+          </a:solidFill>
+        </p:spPr>
+        <p:style>
+          <a:lnRef idx="2">
+            <a:schemeClr val="accent1">
+              <a:shade val="15000"/>
+            </a:schemeClr>
+          </a:lnRef>
+          <a:fillRef idx="1">
+            <a:schemeClr val="accent1"/>
+          </a:fillRef>
+          <a:effectRef idx="0">
+            <a:schemeClr val="accent1"/>
+          </a:effectRef>
+          <a:fontRef idx="minor">
+            <a:schemeClr val="lt1"/>
+          </a:fontRef>
+        </p:style>
+        <p:txBody>
+          <a:bodyPr rtlCol="0" anchor="ctr"/>
+          <a:lstStyle/>
+          <a:p>
+            <a:pPr algn="ctr"/>
+            <a:r>
+              <a:rPr lang="de-DE" dirty="0">
+                <a:solidFill>
+                  <a:schemeClr val="tx1"/>
+                </a:solidFill>
+              </a:rPr>
+              <a:t>y</a:t>
+            </a:r>
+          </a:p>
+        </p:txBody>
+      </p:sp>
+      <p:sp>
+        <p:nvSpPr>
+          <p:cNvPr id="12" name="Ellipse 11">
+            <a:extLst>
+              <a:ext uri="{FF2B5EF4-FFF2-40B4-BE49-F238E27FC236}">
+                <a16:creationId xmlns:a16="http://schemas.microsoft.com/office/drawing/2014/main" id="{46165CF1-4BB9-0524-3C11-027ACA7D81ED}"/>
+              </a:ext>
+            </a:extLst>
+          </p:cNvPr>
+          <p:cNvSpPr/>
+          <p:nvPr/>
+        </p:nvSpPr>
+        <p:spPr>
+          <a:xfrm>
+            <a:off x="8625885" y="4494362"/>
+            <a:ext cx="1242203" cy="836762"/>
+          </a:xfrm>
+          <a:prstGeom prst="ellipse">
+            <a:avLst/>
+          </a:prstGeom>
+          <a:solidFill>
+            <a:schemeClr val="bg1"/>
+          </a:solidFill>
+        </p:spPr>
+        <p:style>
+          <a:lnRef idx="2">
+            <a:schemeClr val="accent1">
+              <a:shade val="15000"/>
+            </a:schemeClr>
+          </a:lnRef>
+          <a:fillRef idx="1">
+            <a:schemeClr val="accent1"/>
+          </a:fillRef>
+          <a:effectRef idx="0">
+            <a:schemeClr val="accent1"/>
+          </a:effectRef>
+          <a:fontRef idx="minor">
+            <a:schemeClr val="lt1"/>
+          </a:fontRef>
+        </p:style>
+        <p:txBody>
+          <a:bodyPr rtlCol="0" anchor="ctr"/>
+          <a:lstStyle/>
+          <a:p>
+            <a:pPr algn="ctr"/>
+            <a:r>
+              <a:rPr lang="de-DE" dirty="0">
+                <a:solidFill>
+                  <a:schemeClr val="tx1"/>
+                </a:solidFill>
+              </a:rPr>
+              <a:t>x</a:t>
+            </a:r>
+          </a:p>
+        </p:txBody>
+      </p:sp>
+      <p:sp>
+        <p:nvSpPr>
+          <p:cNvPr id="3" name="Foliennummernplatzhalter 2">
+            <a:extLst>
+              <a:ext uri="{FF2B5EF4-FFF2-40B4-BE49-F238E27FC236}">
+                <a16:creationId xmlns:a16="http://schemas.microsoft.com/office/drawing/2014/main" id="{7719F0F3-4853-A9C1-FE62-06B239EA388A}"/>
+              </a:ext>
+            </a:extLst>
+          </p:cNvPr>
+          <p:cNvSpPr>
+            <a:spLocks noGrp="1"/>
+          </p:cNvSpPr>
+          <p:nvPr>
+            <p:ph type="sldNum" sz="quarter" idx="12"/>
+          </p:nvPr>
+        </p:nvSpPr>
+        <p:spPr/>
+        <p:txBody>
+          <a:bodyPr/>
+          <a:lstStyle/>
+          <a:p>
+            <a:fld id="{1DC7C88A-61DF-4C06-B514-651BF2646602}" type="slidenum">
+              <a:rPr lang="de-DE" smtClean="0"/>
+              <a:t>9</a:t>
+            </a:fld>
+            <a:endParaRPr lang="de-DE"/>
           </a:p>
         </p:txBody>
       </p:sp>
     </p:spTree>
     <p:extLst>
       <p:ext uri="{BB962C8B-B14F-4D97-AF65-F5344CB8AC3E}">
-        <p14:creationId xmlns:p14="http://schemas.microsoft.com/office/powerpoint/2010/main" val="3991357525"/>
+        <p14:creationId xmlns:p14="http://schemas.microsoft.com/office/powerpoint/2010/main" val="3837331834"/>
       </p:ext>
     </p:extLst>
   </p:cSld>
@@ -13936,4 +15049,299 @@
     </a:ext>
   </a:extLst>
 </a:theme>
+</file>
+
+<file path=ppt/theme/theme2.xml><?xml version="1.0" encoding="utf-8"?>
+<a:theme xmlns:a="http://schemas.openxmlformats.org/drawingml/2006/main" name="Office">
+  <a:themeElements>
+    <a:clrScheme name="Office">
+      <a:dk1>
+        <a:sysClr val="windowText" lastClr="000000"/>
+      </a:dk1>
+      <a:lt1>
+        <a:sysClr val="window" lastClr="FFFFFF"/>
+      </a:lt1>
+      <a:dk2>
+        <a:srgbClr val="44546A"/>
+      </a:dk2>
+      <a:lt2>
+        <a:srgbClr val="E7E6E6"/>
+      </a:lt2>
+      <a:accent1>
+        <a:srgbClr val="4472C4"/>
+      </a:accent1>
+      <a:accent2>
+        <a:srgbClr val="ED7D31"/>
+      </a:accent2>
+      <a:accent3>
+        <a:srgbClr val="A5A5A5"/>
+      </a:accent3>
+      <a:accent4>
+        <a:srgbClr val="FFC000"/>
+      </a:accent4>
+      <a:accent5>
+        <a:srgbClr val="5B9BD5"/>
+      </a:accent5>
+      <a:accent6>
+        <a:srgbClr val="70AD47"/>
+      </a:accent6>
+      <a:hlink>
+        <a:srgbClr val="0563C1"/>
+      </a:hlink>
+      <a:folHlink>
+        <a:srgbClr val="954F72"/>
+      </a:folHlink>
+    </a:clrScheme>
+    <a:fontScheme name="Office">
+      <a:majorFont>
+        <a:latin typeface="Calibri Light" panose="020F0302020204030204"/>
+        <a:ea typeface=""/>
+        <a:cs typeface=""/>
+        <a:font script="Jpan" typeface="游ゴシック Light"/>
+        <a:font script="Hang" typeface="맑은 고딕"/>
+        <a:font script="Hans" typeface="等线 Light"/>
+        <a:font script="Hant" typeface="新細明體"/>
+        <a:font script="Arab" typeface="Times New Roman"/>
+        <a:font script="Hebr" typeface="Times New Roman"/>
+        <a:font script="Thai" typeface="Angsana New"/>
+        <a:font script="Ethi" typeface="Nyala"/>
+        <a:font script="Beng" typeface="Vrinda"/>
+        <a:font script="Gujr" typeface="Shruti"/>
+        <a:font script="Khmr" typeface="MoolBoran"/>
+        <a:font script="Knda" typeface="Tunga"/>
+        <a:font script="Guru" typeface="Raavi"/>
+        <a:font script="Cans" typeface="Euphemia"/>
+        <a:font script="Cher" typeface="Plantagenet Cherokee"/>
+        <a:font script="Yiii" typeface="Microsoft Yi Baiti"/>
+        <a:font script="Tibt" typeface="Microsoft Himalaya"/>
+        <a:font script="Thaa" typeface="MV Boli"/>
+        <a:font script="Deva" typeface="Mangal"/>
+        <a:font script="Telu" typeface="Gautami"/>
+        <a:font script="Taml" typeface="Latha"/>
+        <a:font script="Syrc" typeface="Estrangelo Edessa"/>
+        <a:font script="Orya" typeface="Kalinga"/>
+        <a:font script="Mlym" typeface="Kartika"/>
+        <a:font script="Laoo" typeface="DokChampa"/>
+        <a:font script="Sinh" typeface="Iskoola Pota"/>
+        <a:font script="Mong" typeface="Mongolian Baiti"/>
+        <a:font script="Viet" typeface="Times New Roman"/>
+        <a:font script="Uigh" typeface="Microsoft Uighur"/>
+        <a:font script="Geor" typeface="Sylfaen"/>
+        <a:font script="Armn" typeface="Arial"/>
+        <a:font script="Bugi" typeface="Leelawadee UI"/>
+        <a:font script="Bopo" typeface="Microsoft JhengHei"/>
+        <a:font script="Java" typeface="Javanese Text"/>
+        <a:font script="Lisu" typeface="Segoe UI"/>
+        <a:font script="Mymr" typeface="Myanmar Text"/>
+        <a:font script="Nkoo" typeface="Ebrima"/>
+        <a:font script="Olck" typeface="Nirmala UI"/>
+        <a:font script="Osma" typeface="Ebrima"/>
+        <a:font script="Phag" typeface="Phagspa"/>
+        <a:font script="Syrn" typeface="Estrangelo Edessa"/>
+        <a:font script="Syrj" typeface="Estrangelo Edessa"/>
+        <a:font script="Syre" typeface="Estrangelo Edessa"/>
+        <a:font script="Sora" typeface="Nirmala UI"/>
+        <a:font script="Tale" typeface="Microsoft Tai Le"/>
+        <a:font script="Talu" typeface="Microsoft New Tai Lue"/>
+        <a:font script="Tfng" typeface="Ebrima"/>
+      </a:majorFont>
+      <a:minorFont>
+        <a:latin typeface="Calibri" panose="020F0502020204030204"/>
+        <a:ea typeface=""/>
+        <a:cs typeface=""/>
+        <a:font script="Jpan" typeface="游ゴシック"/>
+        <a:font script="Hang" typeface="맑은 고딕"/>
+        <a:font script="Hans" typeface="等线"/>
+        <a:font script="Hant" typeface="新細明體"/>
+        <a:font script="Arab" typeface="Arial"/>
+        <a:font script="Hebr" typeface="Arial"/>
+        <a:font script="Thai" typeface="Cordia New"/>
+        <a:font script="Ethi" typeface="Nyala"/>
+        <a:font script="Beng" typeface="Vrinda"/>
+        <a:font script="Gujr" typeface="Shruti"/>
+        <a:font script="Khmr" typeface="DaunPenh"/>
+        <a:font script="Knda" typeface="Tunga"/>
+        <a:font script="Guru" typeface="Raavi"/>
+        <a:font script="Cans" typeface="Euphemia"/>
+        <a:font script="Cher" typeface="Plantagenet Cherokee"/>
+        <a:font script="Yiii" typeface="Microsoft Yi Baiti"/>
+        <a:font script="Tibt" typeface="Microsoft Himalaya"/>
+        <a:font script="Thaa" typeface="MV Boli"/>
+        <a:font script="Deva" typeface="Mangal"/>
+        <a:font script="Telu" typeface="Gautami"/>
+        <a:font script="Taml" typeface="Latha"/>
+        <a:font script="Syrc" typeface="Estrangelo Edessa"/>
+        <a:font script="Orya" typeface="Kalinga"/>
+        <a:font script="Mlym" typeface="Kartika"/>
+        <a:font script="Laoo" typeface="DokChampa"/>
+        <a:font script="Sinh" typeface="Iskoola Pota"/>
+        <a:font script="Mong" typeface="Mongolian Baiti"/>
+        <a:font script="Viet" typeface="Arial"/>
+        <a:font script="Uigh" typeface="Microsoft Uighur"/>
+        <a:font script="Geor" typeface="Sylfaen"/>
+        <a:font script="Armn" typeface="Arial"/>
+        <a:font script="Bugi" typeface="Leelawadee UI"/>
+        <a:font script="Bopo" typeface="Microsoft JhengHei"/>
+        <a:font script="Java" typeface="Javanese Text"/>
+        <a:font script="Lisu" typeface="Segoe UI"/>
+        <a:font script="Mymr" typeface="Myanmar Text"/>
+        <a:font script="Nkoo" typeface="Ebrima"/>
+        <a:font script="Olck" typeface="Nirmala UI"/>
+        <a:font script="Osma" typeface="Ebrima"/>
+        <a:font script="Phag" typeface="Phagspa"/>
+        <a:font script="Syrn" typeface="Estrangelo Edessa"/>
+        <a:font script="Syrj" typeface="Estrangelo Edessa"/>
+        <a:font script="Syre" typeface="Estrangelo Edessa"/>
+        <a:font script="Sora" typeface="Nirmala UI"/>
+        <a:font script="Tale" typeface="Microsoft Tai Le"/>
+        <a:font script="Talu" typeface="Microsoft New Tai Lue"/>
+        <a:font script="Tfng" typeface="Ebrima"/>
+      </a:minorFont>
+    </a:fontScheme>
+    <a:fmtScheme name="Office">
+      <a:fillStyleLst>
+        <a:solidFill>
+          <a:schemeClr val="phClr"/>
+        </a:solidFill>
+        <a:gradFill rotWithShape="1">
+          <a:gsLst>
+            <a:gs pos="0">
+              <a:schemeClr val="phClr">
+                <a:lumMod val="110000"/>
+                <a:satMod val="105000"/>
+                <a:tint val="67000"/>
+              </a:schemeClr>
+            </a:gs>
+            <a:gs pos="50000">
+              <a:schemeClr val="phClr">
+                <a:lumMod val="105000"/>
+                <a:satMod val="103000"/>
+                <a:tint val="73000"/>
+              </a:schemeClr>
+            </a:gs>
+            <a:gs pos="100000">
+              <a:schemeClr val="phClr">
+                <a:lumMod val="105000"/>
+                <a:satMod val="109000"/>
+                <a:tint val="81000"/>
+              </a:schemeClr>
+            </a:gs>
+          </a:gsLst>
+          <a:lin ang="5400000" scaled="0"/>
+        </a:gradFill>
+        <a:gradFill rotWithShape="1">
+          <a:gsLst>
+            <a:gs pos="0">
+              <a:schemeClr val="phClr">
+                <a:satMod val="103000"/>
+                <a:lumMod val="102000"/>
+                <a:tint val="94000"/>
+              </a:schemeClr>
+            </a:gs>
+            <a:gs pos="50000">
+              <a:schemeClr val="phClr">
+                <a:satMod val="110000"/>
+                <a:lumMod val="100000"/>
+                <a:shade val="100000"/>
+              </a:schemeClr>
+            </a:gs>
+            <a:gs pos="100000">
+              <a:schemeClr val="phClr">
+                <a:lumMod val="99000"/>
+                <a:satMod val="120000"/>
+                <a:shade val="78000"/>
+              </a:schemeClr>
+            </a:gs>
+          </a:gsLst>
+          <a:lin ang="5400000" scaled="0"/>
+        </a:gradFill>
+      </a:fillStyleLst>
+      <a:lnStyleLst>
+        <a:ln w="6350" cap="flat" cmpd="sng" algn="ctr">
+          <a:solidFill>
+            <a:schemeClr val="phClr"/>
+          </a:solidFill>
+          <a:prstDash val="solid"/>
+          <a:miter lim="800000"/>
+        </a:ln>
+        <a:ln w="12700" cap="flat" cmpd="sng" algn="ctr">
+          <a:solidFill>
+            <a:schemeClr val="phClr"/>
+          </a:solidFill>
+          <a:prstDash val="solid"/>
+          <a:miter lim="800000"/>
+        </a:ln>
+        <a:ln w="19050" cap="flat" cmpd="sng" algn="ctr">
+          <a:solidFill>
+            <a:schemeClr val="phClr"/>
+          </a:solidFill>
+          <a:prstDash val="solid"/>
+          <a:miter lim="800000"/>
+        </a:ln>
+      </a:lnStyleLst>
+      <a:effectStyleLst>
+        <a:effectStyle>
+          <a:effectLst/>
+        </a:effectStyle>
+        <a:effectStyle>
+          <a:effectLst/>
+        </a:effectStyle>
+        <a:effectStyle>
+          <a:effectLst>
+            <a:outerShdw blurRad="57150" dist="19050" dir="5400000" algn="ctr" rotWithShape="0">
+              <a:srgbClr val="000000">
+                <a:alpha val="63000"/>
+              </a:srgbClr>
+            </a:outerShdw>
+          </a:effectLst>
+        </a:effectStyle>
+      </a:effectStyleLst>
+      <a:bgFillStyleLst>
+        <a:solidFill>
+          <a:schemeClr val="phClr"/>
+        </a:solidFill>
+        <a:solidFill>
+          <a:schemeClr val="phClr">
+            <a:tint val="95000"/>
+            <a:satMod val="170000"/>
+          </a:schemeClr>
+        </a:solidFill>
+        <a:gradFill rotWithShape="1">
+          <a:gsLst>
+            <a:gs pos="0">
+              <a:schemeClr val="phClr">
+                <a:tint val="93000"/>
+                <a:satMod val="150000"/>
+                <a:shade val="98000"/>
+                <a:lumMod val="102000"/>
+              </a:schemeClr>
+            </a:gs>
+            <a:gs pos="50000">
+              <a:schemeClr val="phClr">
+                <a:tint val="98000"/>
+                <a:satMod val="130000"/>
+                <a:shade val="90000"/>
+                <a:lumMod val="103000"/>
+              </a:schemeClr>
+            </a:gs>
+            <a:gs pos="100000">
+              <a:schemeClr val="phClr">
+                <a:shade val="63000"/>
+                <a:satMod val="120000"/>
+              </a:schemeClr>
+            </a:gs>
+          </a:gsLst>
+          <a:lin ang="5400000" scaled="0"/>
+        </a:gradFill>
+      </a:bgFillStyleLst>
+    </a:fmtScheme>
+  </a:themeElements>
+  <a:objectDefaults/>
+  <a:extraClrSchemeLst/>
+  <a:extLst>
+    <a:ext uri="{05A4C25C-085E-4340-85A3-A5531E510DB2}">
+      <thm15:themeFamily xmlns:thm15="http://schemas.microsoft.com/office/thememl/2012/main" name="Office Theme" id="{62F939B6-93AF-4DB8-9C6B-D6C7DFDC589F}" vid="{4A3C46E8-61CC-4603-A589-7422A47A8E4A}"/>
+    </a:ext>
+  </a:extLst>
+</a:theme>
 </file>